--- a/static/lectures/SSA_Lecture3_Occupancy_Data.pptx
+++ b/static/lectures/SSA_Lecture3_Occupancy_Data.pptx
@@ -5,7 +5,7 @@
     <p:sldMasterId id="2147483648" r:id="rId1"/>
   </p:sldMasterIdLst>
   <p:notesMasterIdLst>
-    <p:notesMasterId r:id="rId48"/>
+    <p:notesMasterId r:id="rId51"/>
   </p:notesMasterIdLst>
   <p:sldIdLst>
     <p:sldId id="258" r:id="rId2"/>
@@ -21,39 +21,42 @@
     <p:sldId id="344" r:id="rId12"/>
     <p:sldId id="317" r:id="rId13"/>
     <p:sldId id="322" r:id="rId14"/>
-    <p:sldId id="340" r:id="rId15"/>
-    <p:sldId id="316" r:id="rId16"/>
-    <p:sldId id="324" r:id="rId17"/>
-    <p:sldId id="325" r:id="rId18"/>
-    <p:sldId id="326" r:id="rId19"/>
-    <p:sldId id="323" r:id="rId20"/>
-    <p:sldId id="327" r:id="rId21"/>
-    <p:sldId id="330" r:id="rId22"/>
-    <p:sldId id="346" r:id="rId23"/>
-    <p:sldId id="332" r:id="rId24"/>
-    <p:sldId id="331" r:id="rId25"/>
-    <p:sldId id="345" r:id="rId26"/>
-    <p:sldId id="347" r:id="rId27"/>
-    <p:sldId id="296" r:id="rId28"/>
-    <p:sldId id="297" r:id="rId29"/>
-    <p:sldId id="298" r:id="rId30"/>
-    <p:sldId id="299" r:id="rId31"/>
-    <p:sldId id="307" r:id="rId32"/>
-    <p:sldId id="268" r:id="rId33"/>
-    <p:sldId id="301" r:id="rId34"/>
-    <p:sldId id="303" r:id="rId35"/>
-    <p:sldId id="264" r:id="rId36"/>
-    <p:sldId id="341" r:id="rId37"/>
-    <p:sldId id="281" r:id="rId38"/>
-    <p:sldId id="269" r:id="rId39"/>
-    <p:sldId id="274" r:id="rId40"/>
-    <p:sldId id="267" r:id="rId41"/>
-    <p:sldId id="275" r:id="rId42"/>
-    <p:sldId id="308" r:id="rId43"/>
-    <p:sldId id="280" r:id="rId44"/>
-    <p:sldId id="342" r:id="rId45"/>
-    <p:sldId id="310" r:id="rId46"/>
-    <p:sldId id="339" r:id="rId47"/>
+    <p:sldId id="348" r:id="rId15"/>
+    <p:sldId id="340" r:id="rId16"/>
+    <p:sldId id="316" r:id="rId17"/>
+    <p:sldId id="324" r:id="rId18"/>
+    <p:sldId id="325" r:id="rId19"/>
+    <p:sldId id="326" r:id="rId20"/>
+    <p:sldId id="323" r:id="rId21"/>
+    <p:sldId id="327" r:id="rId22"/>
+    <p:sldId id="330" r:id="rId23"/>
+    <p:sldId id="346" r:id="rId24"/>
+    <p:sldId id="332" r:id="rId25"/>
+    <p:sldId id="331" r:id="rId26"/>
+    <p:sldId id="345" r:id="rId27"/>
+    <p:sldId id="347" r:id="rId28"/>
+    <p:sldId id="296" r:id="rId29"/>
+    <p:sldId id="297" r:id="rId30"/>
+    <p:sldId id="298" r:id="rId31"/>
+    <p:sldId id="299" r:id="rId32"/>
+    <p:sldId id="307" r:id="rId33"/>
+    <p:sldId id="268" r:id="rId34"/>
+    <p:sldId id="301" r:id="rId35"/>
+    <p:sldId id="303" r:id="rId36"/>
+    <p:sldId id="264" r:id="rId37"/>
+    <p:sldId id="341" r:id="rId38"/>
+    <p:sldId id="349" r:id="rId39"/>
+    <p:sldId id="350" r:id="rId40"/>
+    <p:sldId id="281" r:id="rId41"/>
+    <p:sldId id="269" r:id="rId42"/>
+    <p:sldId id="274" r:id="rId43"/>
+    <p:sldId id="267" r:id="rId44"/>
+    <p:sldId id="275" r:id="rId45"/>
+    <p:sldId id="308" r:id="rId46"/>
+    <p:sldId id="280" r:id="rId47"/>
+    <p:sldId id="342" r:id="rId48"/>
+    <p:sldId id="310" r:id="rId49"/>
+    <p:sldId id="339" r:id="rId50"/>
   </p:sldIdLst>
   <p:sldSz cx="12192000" cy="6858000"/>
   <p:notesSz cx="6858000" cy="9144000"/>
@@ -154,7 +157,18 @@
   </p:defaultTextStyle>
   <p:extLst>
     <p:ext uri="{EFAFB233-063F-42B5-8137-9DF3F51BA10A}">
-      <p15:sldGuideLst xmlns:p15="http://schemas.microsoft.com/office/powerpoint/2012/main" xmlns=""/>
+      <p15:sldGuideLst xmlns:p15="http://schemas.microsoft.com/office/powerpoint/2012/main">
+        <p15:guide id="1" orient="horz" pos="2160">
+          <p15:clr>
+            <a:srgbClr val="A4A3A4"/>
+          </p15:clr>
+        </p15:guide>
+        <p15:guide id="2" pos="3840">
+          <p15:clr>
+            <a:srgbClr val="A4A3A4"/>
+          </p15:clr>
+        </p15:guide>
+      </p15:sldGuideLst>
     </p:ext>
   </p:extLst>
 </p:presentation>
@@ -242,7 +256,7 @@
           <a:p>
             <a:fld id="{9C255B4B-9E10-4CEE-AA05-4A47B52A875A}" type="datetimeFigureOut">
               <a:rPr lang="en-US" smtClean="0"/>
-              <a:t>11/18/2018</a:t>
+              <a:t>12/11/2018</a:t>
             </a:fld>
             <a:endParaRPr lang="en-US"/>
           </a:p>
@@ -975,6 +989,112 @@
           </a:bodyPr>
           <a:lstStyle/>
           <a:p>
+            <a:pPr lvl="0">
+              <a:spcBef>
+                <a:spcPts val="0"/>
+              </a:spcBef>
+              <a:buNone/>
+            </a:pPr>
+            <a:endParaRPr dirty="0"/>
+          </a:p>
+        </p:txBody>
+      </p:sp>
+      <p:sp>
+        <p:nvSpPr>
+          <p:cNvPr id="98" name="Shape 98"/>
+          <p:cNvSpPr>
+            <a:spLocks noGrp="1" noRot="1" noChangeAspect="1"/>
+          </p:cNvSpPr>
+          <p:nvPr>
+            <p:ph type="sldImg" idx="2"/>
+          </p:nvPr>
+        </p:nvSpPr>
+        <p:spPr>
+          <a:xfrm>
+            <a:off x="381000" y="685800"/>
+            <a:ext cx="6096000" cy="3429000"/>
+          </a:xfrm>
+          <a:custGeom>
+            <a:avLst/>
+            <a:gdLst/>
+            <a:ahLst/>
+            <a:cxnLst/>
+            <a:rect l="0" t="0" r="0" b="0"/>
+            <a:pathLst>
+              <a:path w="120000" h="120000" extrusionOk="0">
+                <a:moveTo>
+                  <a:pt x="0" y="0"/>
+                </a:moveTo>
+                <a:lnTo>
+                  <a:pt x="120000" y="0"/>
+                </a:lnTo>
+                <a:lnTo>
+                  <a:pt x="120000" y="120000"/>
+                </a:lnTo>
+                <a:lnTo>
+                  <a:pt x="0" y="120000"/>
+                </a:lnTo>
+                <a:close/>
+              </a:path>
+            </a:pathLst>
+          </a:custGeom>
+        </p:spPr>
+      </p:sp>
+    </p:spTree>
+    <p:extLst>
+      <p:ext uri="{BB962C8B-B14F-4D97-AF65-F5344CB8AC3E}">
+        <p14:creationId xmlns:p14="http://schemas.microsoft.com/office/powerpoint/2010/main" val="4204648031"/>
+      </p:ext>
+    </p:extLst>
+  </p:cSld>
+  <p:clrMapOvr>
+    <a:masterClrMapping/>
+  </p:clrMapOvr>
+</p:notes>
+</file>
+
+<file path=ppt/notesSlides/notesSlide14.xml><?xml version="1.0" encoding="utf-8"?>
+<p:notes xmlns:a="http://schemas.openxmlformats.org/drawingml/2006/main" xmlns:r="http://schemas.openxmlformats.org/officeDocument/2006/relationships" xmlns:p="http://schemas.openxmlformats.org/presentationml/2006/main" showMasterSp="0" showMasterPhAnim="0">
+  <p:cSld>
+    <p:spTree>
+      <p:nvGrpSpPr>
+        <p:cNvPr id="1" name="Shape 96"/>
+        <p:cNvGrpSpPr/>
+        <p:nvPr/>
+      </p:nvGrpSpPr>
+      <p:grpSpPr>
+        <a:xfrm>
+          <a:off x="0" y="0"/>
+          <a:ext cx="0" cy="0"/>
+          <a:chOff x="0" y="0"/>
+          <a:chExt cx="0" cy="0"/>
+        </a:xfrm>
+      </p:grpSpPr>
+      <p:sp>
+        <p:nvSpPr>
+          <p:cNvPr id="97" name="Shape 97"/>
+          <p:cNvSpPr txBox="1">
+            <a:spLocks noGrp="1"/>
+          </p:cNvSpPr>
+          <p:nvPr>
+            <p:ph type="body" idx="1"/>
+          </p:nvPr>
+        </p:nvSpPr>
+        <p:spPr>
+          <a:xfrm>
+            <a:off x="685800" y="4343400"/>
+            <a:ext cx="5486399" cy="4114800"/>
+          </a:xfrm>
+          <a:prstGeom prst="rect">
+            <a:avLst/>
+          </a:prstGeom>
+        </p:spPr>
+        <p:txBody>
+          <a:bodyPr wrap="square" lIns="91425" tIns="91425" rIns="91425" bIns="91425" anchor="t" anchorCtr="0">
+            <a:noAutofit/>
+          </a:bodyPr>
+          <a:lstStyle/>
+          <a:p>
             <a:pPr marL="0" marR="0" lvl="0" indent="0" algn="l" defTabSz="914400" rtl="0" eaLnBrk="1" fontAlgn="auto" latinLnBrk="0" hangingPunct="1">
               <a:lnSpc>
                 <a:spcPct val="100000"/>
@@ -1070,7 +1190,7 @@
 </p:notes>
 </file>
 
-<file path=ppt/notesSlides/notesSlide14.xml><?xml version="1.0" encoding="utf-8"?>
+<file path=ppt/notesSlides/notesSlide15.xml><?xml version="1.0" encoding="utf-8"?>
 <p:notes xmlns:a="http://schemas.openxmlformats.org/drawingml/2006/main" xmlns:r="http://schemas.openxmlformats.org/officeDocument/2006/relationships" xmlns:p="http://schemas.openxmlformats.org/presentationml/2006/main" showMasterSp="0" showMasterPhAnim="0">
   <p:cSld>
     <p:spTree>
@@ -1207,124 +1327,6 @@
 </p:notes>
 </file>
 
-<file path=ppt/notesSlides/notesSlide15.xml><?xml version="1.0" encoding="utf-8"?>
-<p:notes xmlns:a="http://schemas.openxmlformats.org/drawingml/2006/main" xmlns:r="http://schemas.openxmlformats.org/officeDocument/2006/relationships" xmlns:p="http://schemas.openxmlformats.org/presentationml/2006/main">
-  <p:cSld>
-    <p:spTree>
-      <p:nvGrpSpPr>
-        <p:cNvPr id="1" name=""/>
-        <p:cNvGrpSpPr/>
-        <p:nvPr/>
-      </p:nvGrpSpPr>
-      <p:grpSpPr>
-        <a:xfrm>
-          <a:off x="0" y="0"/>
-          <a:ext cx="0" cy="0"/>
-          <a:chOff x="0" y="0"/>
-          <a:chExt cx="0" cy="0"/>
-        </a:xfrm>
-      </p:grpSpPr>
-      <p:sp>
-        <p:nvSpPr>
-          <p:cNvPr id="2" name="Slide Image Placeholder 1"/>
-          <p:cNvSpPr>
-            <a:spLocks noGrp="1" noRot="1" noChangeAspect="1"/>
-          </p:cNvSpPr>
-          <p:nvPr>
-            <p:ph type="sldImg"/>
-          </p:nvPr>
-        </p:nvSpPr>
-        <p:spPr/>
-      </p:sp>
-      <p:sp>
-        <p:nvSpPr>
-          <p:cNvPr id="3" name="Notes Placeholder 2"/>
-          <p:cNvSpPr>
-            <a:spLocks noGrp="1"/>
-          </p:cNvSpPr>
-          <p:nvPr>
-            <p:ph type="body" idx="1"/>
-          </p:nvPr>
-        </p:nvSpPr>
-        <p:spPr/>
-        <p:txBody>
-          <a:bodyPr/>
-          <a:lstStyle/>
-          <a:p>
-            <a:pPr>
-              <a:buNone/>
-            </a:pPr>
-            <a:r>
-              <a:rPr lang="en-US" dirty="0"/>
-              <a:t>Simpler models</a:t>
-            </a:r>
-            <a:r>
-              <a:rPr lang="en-US" baseline="0" dirty="0"/>
-              <a:t> usually depict more simple trends</a:t>
-            </a:r>
-            <a:endParaRPr lang="en-US" dirty="0"/>
-          </a:p>
-        </p:txBody>
-      </p:sp>
-      <p:sp>
-        <p:nvSpPr>
-          <p:cNvPr id="4" name="Slide Number Placeholder 3"/>
-          <p:cNvSpPr>
-            <a:spLocks noGrp="1"/>
-          </p:cNvSpPr>
-          <p:nvPr>
-            <p:ph type="sldNum" idx="10"/>
-          </p:nvPr>
-        </p:nvSpPr>
-        <p:spPr/>
-        <p:txBody>
-          <a:bodyPr/>
-          <a:lstStyle/>
-          <a:p>
-            <a:pPr marL="0" marR="0" lvl="0" indent="0" algn="r" rtl="0">
-              <a:spcBef>
-                <a:spcPts val="0"/>
-              </a:spcBef>
-              <a:buSzPct val="25000"/>
-              <a:buNone/>
-            </a:pPr>
-            <a:fld id="{00000000-1234-1234-1234-123412341234}" type="slidenum">
-              <a:rPr lang="en-US" sz="1200" b="0" i="0" u="none" strike="noStrike" cap="none" smtClean="0">
-                <a:solidFill>
-                  <a:schemeClr val="dk1"/>
-                </a:solidFill>
-                <a:latin typeface="Calibri"/>
-                <a:ea typeface="Calibri"/>
-                <a:cs typeface="Calibri"/>
-                <a:sym typeface="Calibri"/>
-              </a:rPr>
-              <a:t>16</a:t>
-            </a:fld>
-            <a:endParaRPr lang="en-US" sz="1200" b="0" i="0" u="none" strike="noStrike" cap="none">
-              <a:solidFill>
-                <a:schemeClr val="dk1"/>
-              </a:solidFill>
-              <a:latin typeface="Calibri"/>
-              <a:ea typeface="Calibri"/>
-              <a:cs typeface="Calibri"/>
-              <a:sym typeface="Calibri"/>
-            </a:endParaRPr>
-          </a:p>
-        </p:txBody>
-      </p:sp>
-    </p:spTree>
-    <p:extLst>
-      <p:ext uri="{BB962C8B-B14F-4D97-AF65-F5344CB8AC3E}">
-        <p14:creationId xmlns:p14="http://schemas.microsoft.com/office/powerpoint/2010/main" val="4120358575"/>
-      </p:ext>
-    </p:extLst>
-  </p:cSld>
-  <p:clrMapOvr>
-    <a:masterClrMapping/>
-  </p:clrMapOvr>
-</p:notes>
-</file>
-
 <file path=ppt/notesSlides/notesSlide16.xml><?xml version="1.0" encoding="utf-8"?>
 <p:notes xmlns:a="http://schemas.openxmlformats.org/drawingml/2006/main" xmlns:r="http://schemas.openxmlformats.org/officeDocument/2006/relationships" xmlns:p="http://schemas.openxmlformats.org/presentationml/2006/main">
   <p:cSld>
@@ -1372,6 +1374,14 @@
             <a:pPr>
               <a:buNone/>
             </a:pPr>
+            <a:r>
+              <a:rPr lang="en-US" dirty="0"/>
+              <a:t>Simpler models</a:t>
+            </a:r>
+            <a:r>
+              <a:rPr lang="en-US" baseline="0" dirty="0"/>
+              <a:t> usually depict more simple trends</a:t>
+            </a:r>
             <a:endParaRPr lang="en-US" dirty="0"/>
           </a:p>
         </p:txBody>
@@ -1425,6 +1435,116 @@
     </p:spTree>
     <p:extLst>
       <p:ext uri="{BB962C8B-B14F-4D97-AF65-F5344CB8AC3E}">
+        <p14:creationId xmlns:p14="http://schemas.microsoft.com/office/powerpoint/2010/main" val="4120358575"/>
+      </p:ext>
+    </p:extLst>
+  </p:cSld>
+  <p:clrMapOvr>
+    <a:masterClrMapping/>
+  </p:clrMapOvr>
+</p:notes>
+</file>
+
+<file path=ppt/notesSlides/notesSlide17.xml><?xml version="1.0" encoding="utf-8"?>
+<p:notes xmlns:a="http://schemas.openxmlformats.org/drawingml/2006/main" xmlns:r="http://schemas.openxmlformats.org/officeDocument/2006/relationships" xmlns:p="http://schemas.openxmlformats.org/presentationml/2006/main">
+  <p:cSld>
+    <p:spTree>
+      <p:nvGrpSpPr>
+        <p:cNvPr id="1" name=""/>
+        <p:cNvGrpSpPr/>
+        <p:nvPr/>
+      </p:nvGrpSpPr>
+      <p:grpSpPr>
+        <a:xfrm>
+          <a:off x="0" y="0"/>
+          <a:ext cx="0" cy="0"/>
+          <a:chOff x="0" y="0"/>
+          <a:chExt cx="0" cy="0"/>
+        </a:xfrm>
+      </p:grpSpPr>
+      <p:sp>
+        <p:nvSpPr>
+          <p:cNvPr id="2" name="Slide Image Placeholder 1"/>
+          <p:cNvSpPr>
+            <a:spLocks noGrp="1" noRot="1" noChangeAspect="1"/>
+          </p:cNvSpPr>
+          <p:nvPr>
+            <p:ph type="sldImg"/>
+          </p:nvPr>
+        </p:nvSpPr>
+        <p:spPr/>
+      </p:sp>
+      <p:sp>
+        <p:nvSpPr>
+          <p:cNvPr id="3" name="Notes Placeholder 2"/>
+          <p:cNvSpPr>
+            <a:spLocks noGrp="1"/>
+          </p:cNvSpPr>
+          <p:nvPr>
+            <p:ph type="body" idx="1"/>
+          </p:nvPr>
+        </p:nvSpPr>
+        <p:spPr/>
+        <p:txBody>
+          <a:bodyPr/>
+          <a:lstStyle/>
+          <a:p>
+            <a:pPr>
+              <a:buNone/>
+            </a:pPr>
+            <a:endParaRPr lang="en-US" dirty="0"/>
+          </a:p>
+        </p:txBody>
+      </p:sp>
+      <p:sp>
+        <p:nvSpPr>
+          <p:cNvPr id="4" name="Slide Number Placeholder 3"/>
+          <p:cNvSpPr>
+            <a:spLocks noGrp="1"/>
+          </p:cNvSpPr>
+          <p:nvPr>
+            <p:ph type="sldNum" idx="10"/>
+          </p:nvPr>
+        </p:nvSpPr>
+        <p:spPr/>
+        <p:txBody>
+          <a:bodyPr/>
+          <a:lstStyle/>
+          <a:p>
+            <a:pPr marL="0" marR="0" lvl="0" indent="0" algn="r" rtl="0">
+              <a:spcBef>
+                <a:spcPts val="0"/>
+              </a:spcBef>
+              <a:buSzPct val="25000"/>
+              <a:buNone/>
+            </a:pPr>
+            <a:fld id="{00000000-1234-1234-1234-123412341234}" type="slidenum">
+              <a:rPr lang="en-US" sz="1200" b="0" i="0" u="none" strike="noStrike" cap="none" smtClean="0">
+                <a:solidFill>
+                  <a:schemeClr val="dk1"/>
+                </a:solidFill>
+                <a:latin typeface="Calibri"/>
+                <a:ea typeface="Calibri"/>
+                <a:cs typeface="Calibri"/>
+                <a:sym typeface="Calibri"/>
+              </a:rPr>
+              <a:t>18</a:t>
+            </a:fld>
+            <a:endParaRPr lang="en-US" sz="1200" b="0" i="0" u="none" strike="noStrike" cap="none">
+              <a:solidFill>
+                <a:schemeClr val="dk1"/>
+              </a:solidFill>
+              <a:latin typeface="Calibri"/>
+              <a:ea typeface="Calibri"/>
+              <a:cs typeface="Calibri"/>
+              <a:sym typeface="Calibri"/>
+            </a:endParaRPr>
+          </a:p>
+        </p:txBody>
+      </p:sp>
+    </p:spTree>
+    <p:extLst>
+      <p:ext uri="{BB962C8B-B14F-4D97-AF65-F5344CB8AC3E}">
         <p14:creationId xmlns:p14="http://schemas.microsoft.com/office/powerpoint/2010/main" val="827136677"/>
       </p:ext>
     </p:extLst>
@@ -1435,7 +1555,7 @@
 </p:notes>
 </file>
 
-<file path=ppt/notesSlides/notesSlide17.xml><?xml version="1.0" encoding="utf-8"?>
+<file path=ppt/notesSlides/notesSlide18.xml><?xml version="1.0" encoding="utf-8"?>
 <p:notes xmlns:a="http://schemas.openxmlformats.org/drawingml/2006/main" xmlns:r="http://schemas.openxmlformats.org/officeDocument/2006/relationships" xmlns:p="http://schemas.openxmlformats.org/presentationml/2006/main" showMasterSp="0" showMasterPhAnim="0">
   <p:cSld>
     <p:spTree>
@@ -1572,7 +1692,7 @@
 </p:notes>
 </file>
 
-<file path=ppt/notesSlides/notesSlide18.xml><?xml version="1.0" encoding="utf-8"?>
+<file path=ppt/notesSlides/notesSlide19.xml><?xml version="1.0" encoding="utf-8"?>
 <p:notes xmlns:a="http://schemas.openxmlformats.org/drawingml/2006/main" xmlns:r="http://schemas.openxmlformats.org/officeDocument/2006/relationships" xmlns:p="http://schemas.openxmlformats.org/presentationml/2006/main">
   <p:cSld>
     <p:spTree>
@@ -1667,7 +1787,7 @@
                 <a:cs typeface="Calibri"/>
                 <a:sym typeface="Calibri"/>
               </a:rPr>
-              <a:t>19</a:t>
+              <a:t>20</a:t>
             </a:fld>
             <a:endParaRPr lang="en-US" sz="1200" b="0" i="0" u="none" strike="noStrike" cap="none">
               <a:solidFill>
@@ -1685,112 +1805,6 @@
     <p:extLst>
       <p:ext uri="{BB962C8B-B14F-4D97-AF65-F5344CB8AC3E}">
         <p14:creationId xmlns:p14="http://schemas.microsoft.com/office/powerpoint/2010/main" val="4083833948"/>
-      </p:ext>
-    </p:extLst>
-  </p:cSld>
-  <p:clrMapOvr>
-    <a:masterClrMapping/>
-  </p:clrMapOvr>
-</p:notes>
-</file>
-
-<file path=ppt/notesSlides/notesSlide19.xml><?xml version="1.0" encoding="utf-8"?>
-<p:notes xmlns:a="http://schemas.openxmlformats.org/drawingml/2006/main" xmlns:r="http://schemas.openxmlformats.org/officeDocument/2006/relationships" xmlns:p="http://schemas.openxmlformats.org/presentationml/2006/main" showMasterSp="0" showMasterPhAnim="0">
-  <p:cSld>
-    <p:spTree>
-      <p:nvGrpSpPr>
-        <p:cNvPr id="1" name="Shape 96"/>
-        <p:cNvGrpSpPr/>
-        <p:nvPr/>
-      </p:nvGrpSpPr>
-      <p:grpSpPr>
-        <a:xfrm>
-          <a:off x="0" y="0"/>
-          <a:ext cx="0" cy="0"/>
-          <a:chOff x="0" y="0"/>
-          <a:chExt cx="0" cy="0"/>
-        </a:xfrm>
-      </p:grpSpPr>
-      <p:sp>
-        <p:nvSpPr>
-          <p:cNvPr id="97" name="Shape 97"/>
-          <p:cNvSpPr txBox="1">
-            <a:spLocks noGrp="1"/>
-          </p:cNvSpPr>
-          <p:nvPr>
-            <p:ph type="body" idx="1"/>
-          </p:nvPr>
-        </p:nvSpPr>
-        <p:spPr>
-          <a:xfrm>
-            <a:off x="685800" y="4343400"/>
-            <a:ext cx="5486399" cy="4114800"/>
-          </a:xfrm>
-          <a:prstGeom prst="rect">
-            <a:avLst/>
-          </a:prstGeom>
-        </p:spPr>
-        <p:txBody>
-          <a:bodyPr wrap="square" lIns="91425" tIns="91425" rIns="91425" bIns="91425" anchor="t" anchorCtr="0">
-            <a:noAutofit/>
-          </a:bodyPr>
-          <a:lstStyle/>
-          <a:p>
-            <a:pPr lvl="0">
-              <a:spcBef>
-                <a:spcPts val="0"/>
-              </a:spcBef>
-              <a:buNone/>
-            </a:pPr>
-            <a:endParaRPr dirty="0"/>
-          </a:p>
-        </p:txBody>
-      </p:sp>
-      <p:sp>
-        <p:nvSpPr>
-          <p:cNvPr id="98" name="Shape 98"/>
-          <p:cNvSpPr>
-            <a:spLocks noGrp="1" noRot="1" noChangeAspect="1"/>
-          </p:cNvSpPr>
-          <p:nvPr>
-            <p:ph type="sldImg" idx="2"/>
-          </p:nvPr>
-        </p:nvSpPr>
-        <p:spPr>
-          <a:xfrm>
-            <a:off x="381000" y="685800"/>
-            <a:ext cx="6096000" cy="3429000"/>
-          </a:xfrm>
-          <a:custGeom>
-            <a:avLst/>
-            <a:gdLst/>
-            <a:ahLst/>
-            <a:cxnLst/>
-            <a:rect l="0" t="0" r="0" b="0"/>
-            <a:pathLst>
-              <a:path w="120000" h="120000" extrusionOk="0">
-                <a:moveTo>
-                  <a:pt x="0" y="0"/>
-                </a:moveTo>
-                <a:lnTo>
-                  <a:pt x="120000" y="0"/>
-                </a:lnTo>
-                <a:lnTo>
-                  <a:pt x="120000" y="120000"/>
-                </a:lnTo>
-                <a:lnTo>
-                  <a:pt x="0" y="120000"/>
-                </a:lnTo>
-                <a:close/>
-              </a:path>
-            </a:pathLst>
-          </a:custGeom>
-        </p:spPr>
-      </p:sp>
-    </p:spTree>
-    <p:extLst>
-      <p:ext uri="{BB962C8B-B14F-4D97-AF65-F5344CB8AC3E}">
-        <p14:creationId xmlns:p14="http://schemas.microsoft.com/office/powerpoint/2010/main" val="1226738228"/>
       </p:ext>
     </p:extLst>
   </p:cSld>
@@ -1954,6 +1968,112 @@
               </a:spcBef>
               <a:buNone/>
             </a:pPr>
+            <a:endParaRPr dirty="0"/>
+          </a:p>
+        </p:txBody>
+      </p:sp>
+      <p:sp>
+        <p:nvSpPr>
+          <p:cNvPr id="98" name="Shape 98"/>
+          <p:cNvSpPr>
+            <a:spLocks noGrp="1" noRot="1" noChangeAspect="1"/>
+          </p:cNvSpPr>
+          <p:nvPr>
+            <p:ph type="sldImg" idx="2"/>
+          </p:nvPr>
+        </p:nvSpPr>
+        <p:spPr>
+          <a:xfrm>
+            <a:off x="381000" y="685800"/>
+            <a:ext cx="6096000" cy="3429000"/>
+          </a:xfrm>
+          <a:custGeom>
+            <a:avLst/>
+            <a:gdLst/>
+            <a:ahLst/>
+            <a:cxnLst/>
+            <a:rect l="0" t="0" r="0" b="0"/>
+            <a:pathLst>
+              <a:path w="120000" h="120000" extrusionOk="0">
+                <a:moveTo>
+                  <a:pt x="0" y="0"/>
+                </a:moveTo>
+                <a:lnTo>
+                  <a:pt x="120000" y="0"/>
+                </a:lnTo>
+                <a:lnTo>
+                  <a:pt x="120000" y="120000"/>
+                </a:lnTo>
+                <a:lnTo>
+                  <a:pt x="0" y="120000"/>
+                </a:lnTo>
+                <a:close/>
+              </a:path>
+            </a:pathLst>
+          </a:custGeom>
+        </p:spPr>
+      </p:sp>
+    </p:spTree>
+    <p:extLst>
+      <p:ext uri="{BB962C8B-B14F-4D97-AF65-F5344CB8AC3E}">
+        <p14:creationId xmlns:p14="http://schemas.microsoft.com/office/powerpoint/2010/main" val="1226738228"/>
+      </p:ext>
+    </p:extLst>
+  </p:cSld>
+  <p:clrMapOvr>
+    <a:masterClrMapping/>
+  </p:clrMapOvr>
+</p:notes>
+</file>
+
+<file path=ppt/notesSlides/notesSlide21.xml><?xml version="1.0" encoding="utf-8"?>
+<p:notes xmlns:a="http://schemas.openxmlformats.org/drawingml/2006/main" xmlns:r="http://schemas.openxmlformats.org/officeDocument/2006/relationships" xmlns:p="http://schemas.openxmlformats.org/presentationml/2006/main" showMasterSp="0" showMasterPhAnim="0">
+  <p:cSld>
+    <p:spTree>
+      <p:nvGrpSpPr>
+        <p:cNvPr id="1" name="Shape 96"/>
+        <p:cNvGrpSpPr/>
+        <p:nvPr/>
+      </p:nvGrpSpPr>
+      <p:grpSpPr>
+        <a:xfrm>
+          <a:off x="0" y="0"/>
+          <a:ext cx="0" cy="0"/>
+          <a:chOff x="0" y="0"/>
+          <a:chExt cx="0" cy="0"/>
+        </a:xfrm>
+      </p:grpSpPr>
+      <p:sp>
+        <p:nvSpPr>
+          <p:cNvPr id="97" name="Shape 97"/>
+          <p:cNvSpPr txBox="1">
+            <a:spLocks noGrp="1"/>
+          </p:cNvSpPr>
+          <p:nvPr>
+            <p:ph type="body" idx="1"/>
+          </p:nvPr>
+        </p:nvSpPr>
+        <p:spPr>
+          <a:xfrm>
+            <a:off x="685800" y="4343400"/>
+            <a:ext cx="5486399" cy="4114800"/>
+          </a:xfrm>
+          <a:prstGeom prst="rect">
+            <a:avLst/>
+          </a:prstGeom>
+        </p:spPr>
+        <p:txBody>
+          <a:bodyPr wrap="square" lIns="91425" tIns="91425" rIns="91425" bIns="91425" anchor="t" anchorCtr="0">
+            <a:noAutofit/>
+          </a:bodyPr>
+          <a:lstStyle/>
+          <a:p>
+            <a:pPr lvl="0">
+              <a:spcBef>
+                <a:spcPts val="0"/>
+              </a:spcBef>
+              <a:buNone/>
+            </a:pPr>
             <a:r>
               <a:rPr lang="en-US" dirty="0"/>
               <a:t>In conservation you might extrapolate</a:t>
@@ -2036,7 +2156,7 @@
 </p:notes>
 </file>
 
-<file path=ppt/notesSlides/notesSlide21.xml><?xml version="1.0" encoding="utf-8"?>
+<file path=ppt/notesSlides/notesSlide22.xml><?xml version="1.0" encoding="utf-8"?>
 <p:notes xmlns:a="http://schemas.openxmlformats.org/drawingml/2006/main" xmlns:r="http://schemas.openxmlformats.org/officeDocument/2006/relationships" xmlns:p="http://schemas.openxmlformats.org/presentationml/2006/main" showMasterSp="0" showMasterPhAnim="0">
   <p:cSld>
     <p:spTree>
@@ -2173,158 +2293,6 @@
 </p:notes>
 </file>
 
-<file path=ppt/notesSlides/notesSlide22.xml><?xml version="1.0" encoding="utf-8"?>
-<p:notes xmlns:a="http://schemas.openxmlformats.org/drawingml/2006/main" xmlns:r="http://schemas.openxmlformats.org/officeDocument/2006/relationships" xmlns:p="http://schemas.openxmlformats.org/presentationml/2006/main">
-  <p:cSld>
-    <p:spTree>
-      <p:nvGrpSpPr>
-        <p:cNvPr id="1" name=""/>
-        <p:cNvGrpSpPr/>
-        <p:nvPr/>
-      </p:nvGrpSpPr>
-      <p:grpSpPr>
-        <a:xfrm>
-          <a:off x="0" y="0"/>
-          <a:ext cx="0" cy="0"/>
-          <a:chOff x="0" y="0"/>
-          <a:chExt cx="0" cy="0"/>
-        </a:xfrm>
-      </p:grpSpPr>
-      <p:sp>
-        <p:nvSpPr>
-          <p:cNvPr id="2" name="Slide Image Placeholder 1"/>
-          <p:cNvSpPr>
-            <a:spLocks noGrp="1" noRot="1" noChangeAspect="1"/>
-          </p:cNvSpPr>
-          <p:nvPr>
-            <p:ph type="sldImg"/>
-          </p:nvPr>
-        </p:nvSpPr>
-        <p:spPr/>
-      </p:sp>
-      <p:sp>
-        <p:nvSpPr>
-          <p:cNvPr id="3" name="Notes Placeholder 2"/>
-          <p:cNvSpPr>
-            <a:spLocks noGrp="1"/>
-          </p:cNvSpPr>
-          <p:nvPr>
-            <p:ph type="body" idx="1"/>
-          </p:nvPr>
-        </p:nvSpPr>
-        <p:spPr/>
-        <p:txBody>
-          <a:bodyPr/>
-          <a:lstStyle/>
-          <a:p>
-            <a:pPr eaLnBrk="1" hangingPunct="1"/>
-            <a:r>
-              <a:rPr lang="en-US" sz="1200" dirty="0"/>
-              <a:t>Threshold statistics you might run into if you use a subset of data to test the models:</a:t>
-            </a:r>
-          </a:p>
-          <a:p>
-            <a:pPr eaLnBrk="1" hangingPunct="1">
-              <a:buFontTx/>
-              <a:buChar char="-"/>
-            </a:pPr>
-            <a:endParaRPr lang="en-US" sz="1200" dirty="0"/>
-          </a:p>
-          <a:p>
-            <a:pPr eaLnBrk="1" hangingPunct="1">
-              <a:buFontTx/>
-              <a:buChar char="-"/>
-            </a:pPr>
-            <a:r>
-              <a:rPr lang="en-US" sz="1200" dirty="0"/>
-              <a:t>true positive (TP) rate (TPR) = TP/P </a:t>
-            </a:r>
-          </a:p>
-          <a:p>
-            <a:pPr eaLnBrk="1" hangingPunct="1">
-              <a:buFontTx/>
-              <a:buChar char="-"/>
-            </a:pPr>
-            <a:r>
-              <a:rPr lang="en-US" sz="1200" dirty="0"/>
-              <a:t>false positive rate (FPR) =FP/N</a:t>
-            </a:r>
-          </a:p>
-          <a:p>
-            <a:pPr eaLnBrk="1" hangingPunct="1">
-              <a:buFontTx/>
-              <a:buChar char="-"/>
-            </a:pPr>
-            <a:r>
-              <a:rPr lang="en-US" sz="1200" dirty="0"/>
-              <a:t>accuracy (ACC) = (TP + TN) / (P + N) </a:t>
-            </a:r>
-          </a:p>
-          <a:p>
-            <a:pPr eaLnBrk="1" hangingPunct="1">
-              <a:buFontTx/>
-              <a:buChar char="-"/>
-            </a:pPr>
-            <a:endParaRPr lang="en-US" sz="1200" dirty="0"/>
-          </a:p>
-          <a:p>
-            <a:pPr eaLnBrk="1" hangingPunct="1"/>
-            <a:r>
-              <a:rPr lang="en-US" sz="1200" dirty="0"/>
-              <a:t>Model performance statistics you will run into:</a:t>
-            </a:r>
-          </a:p>
-          <a:p>
-            <a:pPr eaLnBrk="1" hangingPunct="1">
-              <a:buFontTx/>
-              <a:buChar char="-"/>
-            </a:pPr>
-            <a:r>
-              <a:rPr lang="en-US" sz="1200" dirty="0"/>
-              <a:t>area under the receiver operating curve (AUC): range 0.5–1.0. Models values &gt;0.9 are considered to have high performance</a:t>
-            </a:r>
-          </a:p>
-          <a:p>
-            <a:endParaRPr lang="en-US" dirty="0"/>
-          </a:p>
-        </p:txBody>
-      </p:sp>
-      <p:sp>
-        <p:nvSpPr>
-          <p:cNvPr id="4" name="Slide Number Placeholder 3"/>
-          <p:cNvSpPr>
-            <a:spLocks noGrp="1"/>
-          </p:cNvSpPr>
-          <p:nvPr>
-            <p:ph type="sldNum" sz="quarter" idx="5"/>
-          </p:nvPr>
-        </p:nvSpPr>
-        <p:spPr/>
-        <p:txBody>
-          <a:bodyPr/>
-          <a:lstStyle/>
-          <a:p>
-            <a:fld id="{7D916CEE-44AD-4293-9830-25D3223D5179}" type="slidenum">
-              <a:rPr lang="en-US" smtClean="0"/>
-              <a:t>24</a:t>
-            </a:fld>
-            <a:endParaRPr lang="en-US"/>
-          </a:p>
-        </p:txBody>
-      </p:sp>
-    </p:spTree>
-    <p:extLst>
-      <p:ext uri="{BB962C8B-B14F-4D97-AF65-F5344CB8AC3E}">
-        <p14:creationId xmlns:p14="http://schemas.microsoft.com/office/powerpoint/2010/main" val="3092761663"/>
-      </p:ext>
-    </p:extLst>
-  </p:cSld>
-  <p:clrMapOvr>
-    <a:masterClrMapping/>
-  </p:clrMapOvr>
-</p:notes>
-</file>
-
 <file path=ppt/notesSlides/notesSlide23.xml><?xml version="1.0" encoding="utf-8"?>
 <p:notes xmlns:a="http://schemas.openxmlformats.org/drawingml/2006/main" xmlns:r="http://schemas.openxmlformats.org/officeDocument/2006/relationships" xmlns:p="http://schemas.openxmlformats.org/presentationml/2006/main">
   <p:cSld>
@@ -2369,6 +2337,158 @@
           <a:bodyPr/>
           <a:lstStyle/>
           <a:p>
+            <a:pPr eaLnBrk="1" hangingPunct="1"/>
+            <a:r>
+              <a:rPr lang="en-US" sz="1200" dirty="0"/>
+              <a:t>Threshold statistics you might run into if you use a subset of data to test the models:</a:t>
+            </a:r>
+          </a:p>
+          <a:p>
+            <a:pPr eaLnBrk="1" hangingPunct="1">
+              <a:buFontTx/>
+              <a:buChar char="-"/>
+            </a:pPr>
+            <a:endParaRPr lang="en-US" sz="1200" dirty="0"/>
+          </a:p>
+          <a:p>
+            <a:pPr eaLnBrk="1" hangingPunct="1">
+              <a:buFontTx/>
+              <a:buChar char="-"/>
+            </a:pPr>
+            <a:r>
+              <a:rPr lang="en-US" sz="1200" dirty="0"/>
+              <a:t>true positive (TP) rate (TPR) = TP/P </a:t>
+            </a:r>
+          </a:p>
+          <a:p>
+            <a:pPr eaLnBrk="1" hangingPunct="1">
+              <a:buFontTx/>
+              <a:buChar char="-"/>
+            </a:pPr>
+            <a:r>
+              <a:rPr lang="en-US" sz="1200" dirty="0"/>
+              <a:t>false positive rate (FPR) =FP/N</a:t>
+            </a:r>
+          </a:p>
+          <a:p>
+            <a:pPr eaLnBrk="1" hangingPunct="1">
+              <a:buFontTx/>
+              <a:buChar char="-"/>
+            </a:pPr>
+            <a:r>
+              <a:rPr lang="en-US" sz="1200" dirty="0"/>
+              <a:t>accuracy (ACC) = (TP + TN) / (P + N) </a:t>
+            </a:r>
+          </a:p>
+          <a:p>
+            <a:pPr eaLnBrk="1" hangingPunct="1">
+              <a:buFontTx/>
+              <a:buChar char="-"/>
+            </a:pPr>
+            <a:endParaRPr lang="en-US" sz="1200" dirty="0"/>
+          </a:p>
+          <a:p>
+            <a:pPr eaLnBrk="1" hangingPunct="1"/>
+            <a:r>
+              <a:rPr lang="en-US" sz="1200" dirty="0"/>
+              <a:t>Model performance statistics you will run into:</a:t>
+            </a:r>
+          </a:p>
+          <a:p>
+            <a:pPr eaLnBrk="1" hangingPunct="1">
+              <a:buFontTx/>
+              <a:buChar char="-"/>
+            </a:pPr>
+            <a:r>
+              <a:rPr lang="en-US" sz="1200" dirty="0"/>
+              <a:t>area under the receiver operating curve (AUC): range 0.5–1.0. Models values &gt;0.9 are considered to have high performance</a:t>
+            </a:r>
+          </a:p>
+          <a:p>
+            <a:endParaRPr lang="en-US" dirty="0"/>
+          </a:p>
+        </p:txBody>
+      </p:sp>
+      <p:sp>
+        <p:nvSpPr>
+          <p:cNvPr id="4" name="Slide Number Placeholder 3"/>
+          <p:cNvSpPr>
+            <a:spLocks noGrp="1"/>
+          </p:cNvSpPr>
+          <p:nvPr>
+            <p:ph type="sldNum" sz="quarter" idx="5"/>
+          </p:nvPr>
+        </p:nvSpPr>
+        <p:spPr/>
+        <p:txBody>
+          <a:bodyPr/>
+          <a:lstStyle/>
+          <a:p>
+            <a:fld id="{7D916CEE-44AD-4293-9830-25D3223D5179}" type="slidenum">
+              <a:rPr lang="en-US" smtClean="0"/>
+              <a:t>25</a:t>
+            </a:fld>
+            <a:endParaRPr lang="en-US"/>
+          </a:p>
+        </p:txBody>
+      </p:sp>
+    </p:spTree>
+    <p:extLst>
+      <p:ext uri="{BB962C8B-B14F-4D97-AF65-F5344CB8AC3E}">
+        <p14:creationId xmlns:p14="http://schemas.microsoft.com/office/powerpoint/2010/main" val="3092761663"/>
+      </p:ext>
+    </p:extLst>
+  </p:cSld>
+  <p:clrMapOvr>
+    <a:masterClrMapping/>
+  </p:clrMapOvr>
+</p:notes>
+</file>
+
+<file path=ppt/notesSlides/notesSlide24.xml><?xml version="1.0" encoding="utf-8"?>
+<p:notes xmlns:a="http://schemas.openxmlformats.org/drawingml/2006/main" xmlns:r="http://schemas.openxmlformats.org/officeDocument/2006/relationships" xmlns:p="http://schemas.openxmlformats.org/presentationml/2006/main">
+  <p:cSld>
+    <p:spTree>
+      <p:nvGrpSpPr>
+        <p:cNvPr id="1" name=""/>
+        <p:cNvGrpSpPr/>
+        <p:nvPr/>
+      </p:nvGrpSpPr>
+      <p:grpSpPr>
+        <a:xfrm>
+          <a:off x="0" y="0"/>
+          <a:ext cx="0" cy="0"/>
+          <a:chOff x="0" y="0"/>
+          <a:chExt cx="0" cy="0"/>
+        </a:xfrm>
+      </p:grpSpPr>
+      <p:sp>
+        <p:nvSpPr>
+          <p:cNvPr id="2" name="Slide Image Placeholder 1"/>
+          <p:cNvSpPr>
+            <a:spLocks noGrp="1" noRot="1" noChangeAspect="1"/>
+          </p:cNvSpPr>
+          <p:nvPr>
+            <p:ph type="sldImg"/>
+          </p:nvPr>
+        </p:nvSpPr>
+        <p:spPr/>
+      </p:sp>
+      <p:sp>
+        <p:nvSpPr>
+          <p:cNvPr id="3" name="Notes Placeholder 2"/>
+          <p:cNvSpPr>
+            <a:spLocks noGrp="1"/>
+          </p:cNvSpPr>
+          <p:nvPr>
+            <p:ph type="body" idx="1"/>
+          </p:nvPr>
+        </p:nvSpPr>
+        <p:spPr/>
+        <p:txBody>
+          <a:bodyPr/>
+          <a:lstStyle/>
+          <a:p>
             <a:endParaRPr lang="en-US" dirty="0"/>
           </a:p>
         </p:txBody>
@@ -2390,7 +2510,7 @@
           <a:p>
             <a:fld id="{7D916CEE-44AD-4293-9830-25D3223D5179}" type="slidenum">
               <a:rPr lang="en-US" smtClean="0"/>
-              <a:t>25</a:t>
+              <a:t>26</a:t>
             </a:fld>
             <a:endParaRPr lang="en-US"/>
           </a:p>
@@ -2409,7 +2529,7 @@
 </p:notes>
 </file>
 
-<file path=ppt/notesSlides/notesSlide24.xml><?xml version="1.0" encoding="utf-8"?>
+<file path=ppt/notesSlides/notesSlide25.xml><?xml version="1.0" encoding="utf-8"?>
 <p:notes xmlns:a="http://schemas.openxmlformats.org/drawingml/2006/main" xmlns:r="http://schemas.openxmlformats.org/officeDocument/2006/relationships" xmlns:p="http://schemas.openxmlformats.org/presentationml/2006/main" showMasterSp="0" showMasterPhAnim="0">
   <p:cSld>
     <p:spTree>
@@ -2515,7 +2635,7 @@
 </p:notes>
 </file>
 
-<file path=ppt/notesSlides/notesSlide25.xml><?xml version="1.0" encoding="utf-8"?>
+<file path=ppt/notesSlides/notesSlide26.xml><?xml version="1.0" encoding="utf-8"?>
 <p:notes xmlns:a="http://schemas.openxmlformats.org/drawingml/2006/main" xmlns:r="http://schemas.openxmlformats.org/officeDocument/2006/relationships" xmlns:p="http://schemas.openxmlformats.org/presentationml/2006/main" showMasterSp="0" showMasterPhAnim="0">
   <p:cSld>
     <p:spTree>
@@ -2652,7 +2772,7 @@
 </p:notes>
 </file>
 
-<file path=ppt/notesSlides/notesSlide26.xml><?xml version="1.0" encoding="utf-8"?>
+<file path=ppt/notesSlides/notesSlide27.xml><?xml version="1.0" encoding="utf-8"?>
 <p:notes xmlns:a="http://schemas.openxmlformats.org/drawingml/2006/main" xmlns:r="http://schemas.openxmlformats.org/officeDocument/2006/relationships" xmlns:p="http://schemas.openxmlformats.org/presentationml/2006/main" showMasterSp="0" showMasterPhAnim="0">
   <p:cSld>
     <p:spTree>
@@ -2758,7 +2878,7 @@
 </p:notes>
 </file>
 
-<file path=ppt/notesSlides/notesSlide27.xml><?xml version="1.0" encoding="utf-8"?>
+<file path=ppt/notesSlides/notesSlide28.xml><?xml version="1.0" encoding="utf-8"?>
 <p:notes xmlns:a="http://schemas.openxmlformats.org/drawingml/2006/main" xmlns:r="http://schemas.openxmlformats.org/officeDocument/2006/relationships" xmlns:p="http://schemas.openxmlformats.org/presentationml/2006/main" showMasterSp="0" showMasterPhAnim="0">
   <p:cSld>
     <p:spTree>
@@ -2864,7 +2984,7 @@
 </p:notes>
 </file>
 
-<file path=ppt/notesSlides/notesSlide28.xml><?xml version="1.0" encoding="utf-8"?>
+<file path=ppt/notesSlides/notesSlide29.xml><?xml version="1.0" encoding="utf-8"?>
 <p:notes xmlns:a="http://schemas.openxmlformats.org/drawingml/2006/main" xmlns:r="http://schemas.openxmlformats.org/officeDocument/2006/relationships" xmlns:p="http://schemas.openxmlformats.org/presentationml/2006/main" showMasterSp="0" showMasterPhAnim="0">
   <p:cSld>
     <p:spTree>
@@ -2978,7 +3098,122 @@
 </p:notes>
 </file>
 
-<file path=ppt/notesSlides/notesSlide29.xml><?xml version="1.0" encoding="utf-8"?>
+<file path=ppt/notesSlides/notesSlide3.xml><?xml version="1.0" encoding="utf-8"?>
+<p:notes xmlns:a="http://schemas.openxmlformats.org/drawingml/2006/main" xmlns:r="http://schemas.openxmlformats.org/officeDocument/2006/relationships" xmlns:p="http://schemas.openxmlformats.org/presentationml/2006/main">
+  <p:cSld>
+    <p:spTree>
+      <p:nvGrpSpPr>
+        <p:cNvPr id="1" name=""/>
+        <p:cNvGrpSpPr/>
+        <p:nvPr/>
+      </p:nvGrpSpPr>
+      <p:grpSpPr>
+        <a:xfrm>
+          <a:off x="0" y="0"/>
+          <a:ext cx="0" cy="0"/>
+          <a:chOff x="0" y="0"/>
+          <a:chExt cx="0" cy="0"/>
+        </a:xfrm>
+      </p:grpSpPr>
+      <p:sp>
+        <p:nvSpPr>
+          <p:cNvPr id="2" name="Slide Image Placeholder 1"/>
+          <p:cNvSpPr>
+            <a:spLocks noGrp="1" noRot="1" noChangeAspect="1"/>
+          </p:cNvSpPr>
+          <p:nvPr>
+            <p:ph type="sldImg"/>
+          </p:nvPr>
+        </p:nvSpPr>
+        <p:spPr/>
+      </p:sp>
+      <p:sp>
+        <p:nvSpPr>
+          <p:cNvPr id="3" name="Notes Placeholder 2"/>
+          <p:cNvSpPr>
+            <a:spLocks noGrp="1"/>
+          </p:cNvSpPr>
+          <p:nvPr>
+            <p:ph type="body" idx="1"/>
+          </p:nvPr>
+        </p:nvSpPr>
+        <p:spPr/>
+        <p:txBody>
+          <a:bodyPr/>
+          <a:lstStyle/>
+          <a:p>
+            <a:r>
+              <a:rPr lang="en-US" dirty="0"/>
+              <a:t>By the end of the lecture,</a:t>
+            </a:r>
+            <a:r>
+              <a:rPr lang="en-US" baseline="0" dirty="0"/>
+              <a:t> you should have information to allow you assess presence type models.</a:t>
+            </a:r>
+            <a:endParaRPr lang="en-US" dirty="0"/>
+          </a:p>
+        </p:txBody>
+      </p:sp>
+      <p:sp>
+        <p:nvSpPr>
+          <p:cNvPr id="4" name="Slide Number Placeholder 3"/>
+          <p:cNvSpPr>
+            <a:spLocks noGrp="1"/>
+          </p:cNvSpPr>
+          <p:nvPr>
+            <p:ph type="sldNum" idx="10"/>
+          </p:nvPr>
+        </p:nvSpPr>
+        <p:spPr/>
+        <p:txBody>
+          <a:bodyPr/>
+          <a:lstStyle/>
+          <a:p>
+            <a:pPr marL="0" marR="0" lvl="0" indent="0" algn="r" rtl="0">
+              <a:spcBef>
+                <a:spcPts val="0"/>
+              </a:spcBef>
+              <a:buSzPct val="25000"/>
+              <a:buNone/>
+            </a:pPr>
+            <a:fld id="{00000000-1234-1234-1234-123412341234}" type="slidenum">
+              <a:rPr lang="en-US" sz="1200" b="0" i="0" u="none" strike="noStrike" cap="none" smtClean="0">
+                <a:solidFill>
+                  <a:schemeClr val="dk1"/>
+                </a:solidFill>
+                <a:latin typeface="Calibri"/>
+                <a:ea typeface="Calibri"/>
+                <a:cs typeface="Calibri"/>
+                <a:sym typeface="Calibri"/>
+              </a:rPr>
+              <a:t>3</a:t>
+            </a:fld>
+            <a:endParaRPr lang="en-US" sz="1200" b="0" i="0" u="none" strike="noStrike" cap="none">
+              <a:solidFill>
+                <a:schemeClr val="dk1"/>
+              </a:solidFill>
+              <a:latin typeface="Calibri"/>
+              <a:ea typeface="Calibri"/>
+              <a:cs typeface="Calibri"/>
+              <a:sym typeface="Calibri"/>
+            </a:endParaRPr>
+          </a:p>
+        </p:txBody>
+      </p:sp>
+    </p:spTree>
+    <p:extLst>
+      <p:ext uri="{BB962C8B-B14F-4D97-AF65-F5344CB8AC3E}">
+        <p14:creationId xmlns:p14="http://schemas.microsoft.com/office/powerpoint/2010/main" val="2384560456"/>
+      </p:ext>
+    </p:extLst>
+  </p:cSld>
+  <p:clrMapOvr>
+    <a:masterClrMapping/>
+  </p:clrMapOvr>
+</p:notes>
+</file>
+
+<file path=ppt/notesSlides/notesSlide30.xml><?xml version="1.0" encoding="utf-8"?>
 <p:notes xmlns:a="http://schemas.openxmlformats.org/drawingml/2006/main" xmlns:r="http://schemas.openxmlformats.org/officeDocument/2006/relationships" xmlns:p="http://schemas.openxmlformats.org/presentationml/2006/main" showMasterSp="0" showMasterPhAnim="0">
   <p:cSld>
     <p:spTree>
@@ -3115,122 +3350,7 @@
 </p:notes>
 </file>
 
-<file path=ppt/notesSlides/notesSlide3.xml><?xml version="1.0" encoding="utf-8"?>
-<p:notes xmlns:a="http://schemas.openxmlformats.org/drawingml/2006/main" xmlns:r="http://schemas.openxmlformats.org/officeDocument/2006/relationships" xmlns:p="http://schemas.openxmlformats.org/presentationml/2006/main">
-  <p:cSld>
-    <p:spTree>
-      <p:nvGrpSpPr>
-        <p:cNvPr id="1" name=""/>
-        <p:cNvGrpSpPr/>
-        <p:nvPr/>
-      </p:nvGrpSpPr>
-      <p:grpSpPr>
-        <a:xfrm>
-          <a:off x="0" y="0"/>
-          <a:ext cx="0" cy="0"/>
-          <a:chOff x="0" y="0"/>
-          <a:chExt cx="0" cy="0"/>
-        </a:xfrm>
-      </p:grpSpPr>
-      <p:sp>
-        <p:nvSpPr>
-          <p:cNvPr id="2" name="Slide Image Placeholder 1"/>
-          <p:cNvSpPr>
-            <a:spLocks noGrp="1" noRot="1" noChangeAspect="1"/>
-          </p:cNvSpPr>
-          <p:nvPr>
-            <p:ph type="sldImg"/>
-          </p:nvPr>
-        </p:nvSpPr>
-        <p:spPr/>
-      </p:sp>
-      <p:sp>
-        <p:nvSpPr>
-          <p:cNvPr id="3" name="Notes Placeholder 2"/>
-          <p:cNvSpPr>
-            <a:spLocks noGrp="1"/>
-          </p:cNvSpPr>
-          <p:nvPr>
-            <p:ph type="body" idx="1"/>
-          </p:nvPr>
-        </p:nvSpPr>
-        <p:spPr/>
-        <p:txBody>
-          <a:bodyPr/>
-          <a:lstStyle/>
-          <a:p>
-            <a:r>
-              <a:rPr lang="en-US" dirty="0"/>
-              <a:t>By the end of the lecture,</a:t>
-            </a:r>
-            <a:r>
-              <a:rPr lang="en-US" baseline="0" dirty="0"/>
-              <a:t> you should have information to allow you assess presence type models.</a:t>
-            </a:r>
-            <a:endParaRPr lang="en-US" dirty="0"/>
-          </a:p>
-        </p:txBody>
-      </p:sp>
-      <p:sp>
-        <p:nvSpPr>
-          <p:cNvPr id="4" name="Slide Number Placeholder 3"/>
-          <p:cNvSpPr>
-            <a:spLocks noGrp="1"/>
-          </p:cNvSpPr>
-          <p:nvPr>
-            <p:ph type="sldNum" idx="10"/>
-          </p:nvPr>
-        </p:nvSpPr>
-        <p:spPr/>
-        <p:txBody>
-          <a:bodyPr/>
-          <a:lstStyle/>
-          <a:p>
-            <a:pPr marL="0" marR="0" lvl="0" indent="0" algn="r" rtl="0">
-              <a:spcBef>
-                <a:spcPts val="0"/>
-              </a:spcBef>
-              <a:buSzPct val="25000"/>
-              <a:buNone/>
-            </a:pPr>
-            <a:fld id="{00000000-1234-1234-1234-123412341234}" type="slidenum">
-              <a:rPr lang="en-US" sz="1200" b="0" i="0" u="none" strike="noStrike" cap="none" smtClean="0">
-                <a:solidFill>
-                  <a:schemeClr val="dk1"/>
-                </a:solidFill>
-                <a:latin typeface="Calibri"/>
-                <a:ea typeface="Calibri"/>
-                <a:cs typeface="Calibri"/>
-                <a:sym typeface="Calibri"/>
-              </a:rPr>
-              <a:t>3</a:t>
-            </a:fld>
-            <a:endParaRPr lang="en-US" sz="1200" b="0" i="0" u="none" strike="noStrike" cap="none">
-              <a:solidFill>
-                <a:schemeClr val="dk1"/>
-              </a:solidFill>
-              <a:latin typeface="Calibri"/>
-              <a:ea typeface="Calibri"/>
-              <a:cs typeface="Calibri"/>
-              <a:sym typeface="Calibri"/>
-            </a:endParaRPr>
-          </a:p>
-        </p:txBody>
-      </p:sp>
-    </p:spTree>
-    <p:extLst>
-      <p:ext uri="{BB962C8B-B14F-4D97-AF65-F5344CB8AC3E}">
-        <p14:creationId xmlns:p14="http://schemas.microsoft.com/office/powerpoint/2010/main" val="2384560456"/>
-      </p:ext>
-    </p:extLst>
-  </p:cSld>
-  <p:clrMapOvr>
-    <a:masterClrMapping/>
-  </p:clrMapOvr>
-</p:notes>
-</file>
-
-<file path=ppt/notesSlides/notesSlide30.xml><?xml version="1.0" encoding="utf-8"?>
+<file path=ppt/notesSlides/notesSlide31.xml><?xml version="1.0" encoding="utf-8"?>
 <p:notes xmlns:a="http://schemas.openxmlformats.org/drawingml/2006/main" xmlns:r="http://schemas.openxmlformats.org/officeDocument/2006/relationships" xmlns:p="http://schemas.openxmlformats.org/presentationml/2006/main" showMasterSp="0" showMasterPhAnim="0">
   <p:cSld>
     <p:spTree>
@@ -3367,7 +3487,7 @@
 </p:notes>
 </file>
 
-<file path=ppt/notesSlides/notesSlide31.xml><?xml version="1.0" encoding="utf-8"?>
+<file path=ppt/notesSlides/notesSlide32.xml><?xml version="1.0" encoding="utf-8"?>
 <p:notes xmlns:a="http://schemas.openxmlformats.org/drawingml/2006/main" xmlns:r="http://schemas.openxmlformats.org/officeDocument/2006/relationships" xmlns:p="http://schemas.openxmlformats.org/presentationml/2006/main" showMasterSp="0" showMasterPhAnim="0">
   <p:cSld>
     <p:spTree>
@@ -3532,7 +3652,7 @@
                 <a:cs typeface="Calibri"/>
                 <a:sym typeface="Calibri"/>
               </a:rPr>
-              <a:t>35</a:t>
+              <a:t>36</a:t>
             </a:fld>
             <a:endParaRPr lang="en-US" sz="1200">
               <a:solidFill>
@@ -3559,7 +3679,7 @@
 </p:notes>
 </file>
 
-<file path=ppt/notesSlides/notesSlide32.xml><?xml version="1.0" encoding="utf-8"?>
+<file path=ppt/notesSlides/notesSlide33.xml><?xml version="1.0" encoding="utf-8"?>
 <p:notes xmlns:a="http://schemas.openxmlformats.org/drawingml/2006/main" xmlns:r="http://schemas.openxmlformats.org/officeDocument/2006/relationships" xmlns:p="http://schemas.openxmlformats.org/presentationml/2006/main">
   <p:cSld>
     <p:spTree>
@@ -3627,7 +3747,7 @@
           <a:p>
             <a:fld id="{7D916CEE-44AD-4293-9830-25D3223D5179}" type="slidenum">
               <a:rPr lang="en-US" smtClean="0"/>
-              <a:t>36</a:t>
+              <a:t>37</a:t>
             </a:fld>
             <a:endParaRPr lang="en-US"/>
           </a:p>
@@ -3646,7 +3766,94 @@
 </p:notes>
 </file>
 
-<file path=ppt/notesSlides/notesSlide33.xml><?xml version="1.0" encoding="utf-8"?>
+<file path=ppt/notesSlides/notesSlide34.xml><?xml version="1.0" encoding="utf-8"?>
+<p:notes xmlns:a="http://schemas.openxmlformats.org/drawingml/2006/main" xmlns:r="http://schemas.openxmlformats.org/officeDocument/2006/relationships" xmlns:p="http://schemas.openxmlformats.org/presentationml/2006/main">
+  <p:cSld>
+    <p:spTree>
+      <p:nvGrpSpPr>
+        <p:cNvPr id="1" name=""/>
+        <p:cNvGrpSpPr/>
+        <p:nvPr/>
+      </p:nvGrpSpPr>
+      <p:grpSpPr>
+        <a:xfrm>
+          <a:off x="0" y="0"/>
+          <a:ext cx="0" cy="0"/>
+          <a:chOff x="0" y="0"/>
+          <a:chExt cx="0" cy="0"/>
+        </a:xfrm>
+      </p:grpSpPr>
+      <p:sp>
+        <p:nvSpPr>
+          <p:cNvPr id="2" name="Slide Image Placeholder 1"/>
+          <p:cNvSpPr>
+            <a:spLocks noGrp="1" noRot="1" noChangeAspect="1"/>
+          </p:cNvSpPr>
+          <p:nvPr>
+            <p:ph type="sldImg"/>
+          </p:nvPr>
+        </p:nvSpPr>
+        <p:spPr/>
+      </p:sp>
+      <p:sp>
+        <p:nvSpPr>
+          <p:cNvPr id="3" name="Notes Placeholder 2"/>
+          <p:cNvSpPr>
+            <a:spLocks noGrp="1"/>
+          </p:cNvSpPr>
+          <p:nvPr>
+            <p:ph type="body" idx="1"/>
+          </p:nvPr>
+        </p:nvSpPr>
+        <p:spPr/>
+        <p:txBody>
+          <a:bodyPr/>
+          <a:lstStyle/>
+          <a:p>
+            <a:r>
+              <a:rPr lang="en-US" dirty="0"/>
+              <a:t>What is the detection probability of this species?</a:t>
+            </a:r>
+          </a:p>
+        </p:txBody>
+      </p:sp>
+      <p:sp>
+        <p:nvSpPr>
+          <p:cNvPr id="4" name="Slide Number Placeholder 3"/>
+          <p:cNvSpPr>
+            <a:spLocks noGrp="1"/>
+          </p:cNvSpPr>
+          <p:nvPr>
+            <p:ph type="sldNum" sz="quarter" idx="5"/>
+          </p:nvPr>
+        </p:nvSpPr>
+        <p:spPr/>
+        <p:txBody>
+          <a:bodyPr/>
+          <a:lstStyle/>
+          <a:p>
+            <a:fld id="{7D916CEE-44AD-4293-9830-25D3223D5179}" type="slidenum">
+              <a:rPr lang="en-US" smtClean="0"/>
+              <a:t>38</a:t>
+            </a:fld>
+            <a:endParaRPr lang="en-US"/>
+          </a:p>
+        </p:txBody>
+      </p:sp>
+    </p:spTree>
+    <p:extLst>
+      <p:ext uri="{BB962C8B-B14F-4D97-AF65-F5344CB8AC3E}">
+        <p14:creationId xmlns:p14="http://schemas.microsoft.com/office/powerpoint/2010/main" val="4157851278"/>
+      </p:ext>
+    </p:extLst>
+  </p:cSld>
+  <p:clrMapOvr>
+    <a:masterClrMapping/>
+  </p:clrMapOvr>
+</p:notes>
+</file>
+
+<file path=ppt/notesSlides/notesSlide35.xml><?xml version="1.0" encoding="utf-8"?>
 <p:notes xmlns:a="http://schemas.openxmlformats.org/drawingml/2006/main" xmlns:r="http://schemas.openxmlformats.org/officeDocument/2006/relationships" xmlns:p="http://schemas.openxmlformats.org/presentationml/2006/main" showMasterSp="0" showMasterPhAnim="0">
   <p:cSld>
     <p:spTree>
@@ -3752,7 +3959,7 @@
 </p:notes>
 </file>
 
-<file path=ppt/notesSlides/notesSlide34.xml><?xml version="1.0" encoding="utf-8"?>
+<file path=ppt/notesSlides/notesSlide36.xml><?xml version="1.0" encoding="utf-8"?>
 <p:notes xmlns:a="http://schemas.openxmlformats.org/drawingml/2006/main" xmlns:r="http://schemas.openxmlformats.org/officeDocument/2006/relationships" xmlns:p="http://schemas.openxmlformats.org/presentationml/2006/main" showMasterSp="0" showMasterPhAnim="0">
   <p:cSld>
     <p:spTree>
@@ -3858,7 +4065,7 @@
 </p:notes>
 </file>
 
-<file path=ppt/notesSlides/notesSlide35.xml><?xml version="1.0" encoding="utf-8"?>
+<file path=ppt/notesSlides/notesSlide37.xml><?xml version="1.0" encoding="utf-8"?>
 <p:notes xmlns:a="http://schemas.openxmlformats.org/drawingml/2006/main" xmlns:r="http://schemas.openxmlformats.org/officeDocument/2006/relationships" xmlns:p="http://schemas.openxmlformats.org/presentationml/2006/main" showMasterSp="0" showMasterPhAnim="0">
   <p:cSld>
     <p:spTree>
@@ -3964,7 +4171,7 @@
 </p:notes>
 </file>
 
-<file path=ppt/notesSlides/notesSlide36.xml><?xml version="1.0" encoding="utf-8"?>
+<file path=ppt/notesSlides/notesSlide38.xml><?xml version="1.0" encoding="utf-8"?>
 <p:notes xmlns:a="http://schemas.openxmlformats.org/drawingml/2006/main" xmlns:r="http://schemas.openxmlformats.org/officeDocument/2006/relationships" xmlns:p="http://schemas.openxmlformats.org/presentationml/2006/main" showMasterSp="0" showMasterPhAnim="0">
   <p:cSld>
     <p:spTree>
@@ -4101,7 +4308,7 @@
 </p:notes>
 </file>
 
-<file path=ppt/notesSlides/notesSlide37.xml><?xml version="1.0" encoding="utf-8"?>
+<file path=ppt/notesSlides/notesSlide39.xml><?xml version="1.0" encoding="utf-8"?>
 <p:notes xmlns:a="http://schemas.openxmlformats.org/drawingml/2006/main" xmlns:r="http://schemas.openxmlformats.org/officeDocument/2006/relationships" xmlns:p="http://schemas.openxmlformats.org/presentationml/2006/main" showMasterSp="0" showMasterPhAnim="0">
   <p:cSld>
     <p:spTree>
@@ -4198,249 +4405,6 @@
     <p:extLst>
       <p:ext uri="{BB962C8B-B14F-4D97-AF65-F5344CB8AC3E}">
         <p14:creationId xmlns:p14="http://schemas.microsoft.com/office/powerpoint/2010/main" val="3794755040"/>
-      </p:ext>
-    </p:extLst>
-  </p:cSld>
-  <p:clrMapOvr>
-    <a:masterClrMapping/>
-  </p:clrMapOvr>
-</p:notes>
-</file>
-
-<file path=ppt/notesSlides/notesSlide38.xml><?xml version="1.0" encoding="utf-8"?>
-<p:notes xmlns:a="http://schemas.openxmlformats.org/drawingml/2006/main" xmlns:r="http://schemas.openxmlformats.org/officeDocument/2006/relationships" xmlns:p="http://schemas.openxmlformats.org/presentationml/2006/main" showMasterSp="0" showMasterPhAnim="0">
-  <p:cSld>
-    <p:spTree>
-      <p:nvGrpSpPr>
-        <p:cNvPr id="1" name="Shape 218"/>
-        <p:cNvGrpSpPr/>
-        <p:nvPr/>
-      </p:nvGrpSpPr>
-      <p:grpSpPr>
-        <a:xfrm>
-          <a:off x="0" y="0"/>
-          <a:ext cx="0" cy="0"/>
-          <a:chOff x="0" y="0"/>
-          <a:chExt cx="0" cy="0"/>
-        </a:xfrm>
-      </p:grpSpPr>
-      <p:sp>
-        <p:nvSpPr>
-          <p:cNvPr id="219" name="Shape 219"/>
-          <p:cNvSpPr txBox="1">
-            <a:spLocks noGrp="1"/>
-          </p:cNvSpPr>
-          <p:nvPr>
-            <p:ph type="body" idx="1"/>
-          </p:nvPr>
-        </p:nvSpPr>
-        <p:spPr>
-          <a:xfrm>
-            <a:off x="685800" y="4343400"/>
-            <a:ext cx="5486399" cy="4114800"/>
-          </a:xfrm>
-          <a:prstGeom prst="rect">
-            <a:avLst/>
-          </a:prstGeom>
-        </p:spPr>
-        <p:txBody>
-          <a:bodyPr wrap="square" lIns="91425" tIns="91425" rIns="91425" bIns="91425" anchor="t" anchorCtr="0">
-            <a:noAutofit/>
-          </a:bodyPr>
-          <a:lstStyle/>
-          <a:p>
-            <a:pPr lvl="0">
-              <a:spcBef>
-                <a:spcPts val="0"/>
-              </a:spcBef>
-              <a:buNone/>
-            </a:pPr>
-            <a:endParaRPr/>
-          </a:p>
-        </p:txBody>
-      </p:sp>
-      <p:sp>
-        <p:nvSpPr>
-          <p:cNvPr id="220" name="Shape 220"/>
-          <p:cNvSpPr>
-            <a:spLocks noGrp="1" noRot="1" noChangeAspect="1"/>
-          </p:cNvSpPr>
-          <p:nvPr>
-            <p:ph type="sldImg" idx="2"/>
-          </p:nvPr>
-        </p:nvSpPr>
-        <p:spPr>
-          <a:xfrm>
-            <a:off x="381000" y="685800"/>
-            <a:ext cx="6096000" cy="3429000"/>
-          </a:xfrm>
-          <a:custGeom>
-            <a:avLst/>
-            <a:gdLst/>
-            <a:ahLst/>
-            <a:cxnLst/>
-            <a:rect l="0" t="0" r="0" b="0"/>
-            <a:pathLst>
-              <a:path w="120000" h="120000" extrusionOk="0">
-                <a:moveTo>
-                  <a:pt x="0" y="0"/>
-                </a:moveTo>
-                <a:lnTo>
-                  <a:pt x="120000" y="0"/>
-                </a:lnTo>
-                <a:lnTo>
-                  <a:pt x="120000" y="120000"/>
-                </a:lnTo>
-                <a:lnTo>
-                  <a:pt x="0" y="120000"/>
-                </a:lnTo>
-                <a:close/>
-              </a:path>
-            </a:pathLst>
-          </a:custGeom>
-        </p:spPr>
-      </p:sp>
-    </p:spTree>
-    <p:extLst>
-      <p:ext uri="{BB962C8B-B14F-4D97-AF65-F5344CB8AC3E}">
-        <p14:creationId xmlns:p14="http://schemas.microsoft.com/office/powerpoint/2010/main" val="1919226614"/>
-      </p:ext>
-    </p:extLst>
-  </p:cSld>
-  <p:clrMapOvr>
-    <a:masterClrMapping/>
-  </p:clrMapOvr>
-</p:notes>
-</file>
-
-<file path=ppt/notesSlides/notesSlide39.xml><?xml version="1.0" encoding="utf-8"?>
-<p:notes xmlns:a="http://schemas.openxmlformats.org/drawingml/2006/main" xmlns:r="http://schemas.openxmlformats.org/officeDocument/2006/relationships" xmlns:p="http://schemas.openxmlformats.org/presentationml/2006/main" showMasterSp="0" showMasterPhAnim="0">
-  <p:cSld>
-    <p:spTree>
-      <p:nvGrpSpPr>
-        <p:cNvPr id="1" name="Shape 96"/>
-        <p:cNvGrpSpPr/>
-        <p:nvPr/>
-      </p:nvGrpSpPr>
-      <p:grpSpPr>
-        <a:xfrm>
-          <a:off x="0" y="0"/>
-          <a:ext cx="0" cy="0"/>
-          <a:chOff x="0" y="0"/>
-          <a:chExt cx="0" cy="0"/>
-        </a:xfrm>
-      </p:grpSpPr>
-      <p:sp>
-        <p:nvSpPr>
-          <p:cNvPr id="97" name="Shape 97"/>
-          <p:cNvSpPr txBox="1">
-            <a:spLocks noGrp="1"/>
-          </p:cNvSpPr>
-          <p:nvPr>
-            <p:ph type="body" idx="1"/>
-          </p:nvPr>
-        </p:nvSpPr>
-        <p:spPr>
-          <a:xfrm>
-            <a:off x="685800" y="4343400"/>
-            <a:ext cx="5486399" cy="4114800"/>
-          </a:xfrm>
-          <a:prstGeom prst="rect">
-            <a:avLst/>
-          </a:prstGeom>
-        </p:spPr>
-        <p:txBody>
-          <a:bodyPr wrap="square" lIns="91425" tIns="91425" rIns="91425" bIns="91425" anchor="t" anchorCtr="0">
-            <a:noAutofit/>
-          </a:bodyPr>
-          <a:lstStyle/>
-          <a:p>
-            <a:pPr marL="0" marR="0" lvl="0" indent="0" algn="l" defTabSz="914400" rtl="0" eaLnBrk="1" fontAlgn="auto" latinLnBrk="0" hangingPunct="1">
-              <a:lnSpc>
-                <a:spcPct val="100000"/>
-              </a:lnSpc>
-              <a:spcBef>
-                <a:spcPts val="0"/>
-              </a:spcBef>
-              <a:spcAft>
-                <a:spcPts val="0"/>
-              </a:spcAft>
-              <a:buClrTx/>
-              <a:buSzTx/>
-              <a:buFontTx/>
-              <a:buNone/>
-              <a:tabLst/>
-              <a:defRPr/>
-            </a:pPr>
-            <a:r>
-              <a:rPr lang="en-US" sz="1200" dirty="0">
-                <a:solidFill>
-                  <a:schemeClr val="dk1"/>
-                </a:solidFill>
-                <a:latin typeface="Calibri"/>
-                <a:ea typeface="Calibri"/>
-                <a:cs typeface="Calibri"/>
-                <a:sym typeface="Calibri"/>
-              </a:rPr>
-              <a:t>Difficult to parse apart observation/detection probability from true occurrence probability</a:t>
-            </a:r>
-          </a:p>
-          <a:p>
-            <a:pPr lvl="0">
-              <a:spcBef>
-                <a:spcPts val="0"/>
-              </a:spcBef>
-              <a:buNone/>
-            </a:pPr>
-            <a:endParaRPr dirty="0"/>
-          </a:p>
-        </p:txBody>
-      </p:sp>
-      <p:sp>
-        <p:nvSpPr>
-          <p:cNvPr id="98" name="Shape 98"/>
-          <p:cNvSpPr>
-            <a:spLocks noGrp="1" noRot="1" noChangeAspect="1"/>
-          </p:cNvSpPr>
-          <p:nvPr>
-            <p:ph type="sldImg" idx="2"/>
-          </p:nvPr>
-        </p:nvSpPr>
-        <p:spPr>
-          <a:xfrm>
-            <a:off x="381000" y="685800"/>
-            <a:ext cx="6096000" cy="3429000"/>
-          </a:xfrm>
-          <a:custGeom>
-            <a:avLst/>
-            <a:gdLst/>
-            <a:ahLst/>
-            <a:cxnLst/>
-            <a:rect l="0" t="0" r="0" b="0"/>
-            <a:pathLst>
-              <a:path w="120000" h="120000" extrusionOk="0">
-                <a:moveTo>
-                  <a:pt x="0" y="0"/>
-                </a:moveTo>
-                <a:lnTo>
-                  <a:pt x="120000" y="0"/>
-                </a:lnTo>
-                <a:lnTo>
-                  <a:pt x="120000" y="120000"/>
-                </a:lnTo>
-                <a:lnTo>
-                  <a:pt x="0" y="120000"/>
-                </a:lnTo>
-                <a:close/>
-              </a:path>
-            </a:pathLst>
-          </a:custGeom>
-        </p:spPr>
-      </p:sp>
-    </p:spTree>
-    <p:extLst>
-      <p:ext uri="{BB962C8B-B14F-4D97-AF65-F5344CB8AC3E}">
-        <p14:creationId xmlns:p14="http://schemas.microsoft.com/office/powerpoint/2010/main" val="2839577093"/>
       </p:ext>
     </p:extLst>
   </p:cSld>
@@ -4557,6 +4521,249 @@
 </file>
 
 <file path=ppt/notesSlides/notesSlide40.xml><?xml version="1.0" encoding="utf-8"?>
+<p:notes xmlns:a="http://schemas.openxmlformats.org/drawingml/2006/main" xmlns:r="http://schemas.openxmlformats.org/officeDocument/2006/relationships" xmlns:p="http://schemas.openxmlformats.org/presentationml/2006/main" showMasterSp="0" showMasterPhAnim="0">
+  <p:cSld>
+    <p:spTree>
+      <p:nvGrpSpPr>
+        <p:cNvPr id="1" name="Shape 218"/>
+        <p:cNvGrpSpPr/>
+        <p:nvPr/>
+      </p:nvGrpSpPr>
+      <p:grpSpPr>
+        <a:xfrm>
+          <a:off x="0" y="0"/>
+          <a:ext cx="0" cy="0"/>
+          <a:chOff x="0" y="0"/>
+          <a:chExt cx="0" cy="0"/>
+        </a:xfrm>
+      </p:grpSpPr>
+      <p:sp>
+        <p:nvSpPr>
+          <p:cNvPr id="219" name="Shape 219"/>
+          <p:cNvSpPr txBox="1">
+            <a:spLocks noGrp="1"/>
+          </p:cNvSpPr>
+          <p:nvPr>
+            <p:ph type="body" idx="1"/>
+          </p:nvPr>
+        </p:nvSpPr>
+        <p:spPr>
+          <a:xfrm>
+            <a:off x="685800" y="4343400"/>
+            <a:ext cx="5486399" cy="4114800"/>
+          </a:xfrm>
+          <a:prstGeom prst="rect">
+            <a:avLst/>
+          </a:prstGeom>
+        </p:spPr>
+        <p:txBody>
+          <a:bodyPr wrap="square" lIns="91425" tIns="91425" rIns="91425" bIns="91425" anchor="t" anchorCtr="0">
+            <a:noAutofit/>
+          </a:bodyPr>
+          <a:lstStyle/>
+          <a:p>
+            <a:pPr lvl="0">
+              <a:spcBef>
+                <a:spcPts val="0"/>
+              </a:spcBef>
+              <a:buNone/>
+            </a:pPr>
+            <a:endParaRPr/>
+          </a:p>
+        </p:txBody>
+      </p:sp>
+      <p:sp>
+        <p:nvSpPr>
+          <p:cNvPr id="220" name="Shape 220"/>
+          <p:cNvSpPr>
+            <a:spLocks noGrp="1" noRot="1" noChangeAspect="1"/>
+          </p:cNvSpPr>
+          <p:nvPr>
+            <p:ph type="sldImg" idx="2"/>
+          </p:nvPr>
+        </p:nvSpPr>
+        <p:spPr>
+          <a:xfrm>
+            <a:off x="381000" y="685800"/>
+            <a:ext cx="6096000" cy="3429000"/>
+          </a:xfrm>
+          <a:custGeom>
+            <a:avLst/>
+            <a:gdLst/>
+            <a:ahLst/>
+            <a:cxnLst/>
+            <a:rect l="0" t="0" r="0" b="0"/>
+            <a:pathLst>
+              <a:path w="120000" h="120000" extrusionOk="0">
+                <a:moveTo>
+                  <a:pt x="0" y="0"/>
+                </a:moveTo>
+                <a:lnTo>
+                  <a:pt x="120000" y="0"/>
+                </a:lnTo>
+                <a:lnTo>
+                  <a:pt x="120000" y="120000"/>
+                </a:lnTo>
+                <a:lnTo>
+                  <a:pt x="0" y="120000"/>
+                </a:lnTo>
+                <a:close/>
+              </a:path>
+            </a:pathLst>
+          </a:custGeom>
+        </p:spPr>
+      </p:sp>
+    </p:spTree>
+    <p:extLst>
+      <p:ext uri="{BB962C8B-B14F-4D97-AF65-F5344CB8AC3E}">
+        <p14:creationId xmlns:p14="http://schemas.microsoft.com/office/powerpoint/2010/main" val="1919226614"/>
+      </p:ext>
+    </p:extLst>
+  </p:cSld>
+  <p:clrMapOvr>
+    <a:masterClrMapping/>
+  </p:clrMapOvr>
+</p:notes>
+</file>
+
+<file path=ppt/notesSlides/notesSlide41.xml><?xml version="1.0" encoding="utf-8"?>
+<p:notes xmlns:a="http://schemas.openxmlformats.org/drawingml/2006/main" xmlns:r="http://schemas.openxmlformats.org/officeDocument/2006/relationships" xmlns:p="http://schemas.openxmlformats.org/presentationml/2006/main" showMasterSp="0" showMasterPhAnim="0">
+  <p:cSld>
+    <p:spTree>
+      <p:nvGrpSpPr>
+        <p:cNvPr id="1" name="Shape 96"/>
+        <p:cNvGrpSpPr/>
+        <p:nvPr/>
+      </p:nvGrpSpPr>
+      <p:grpSpPr>
+        <a:xfrm>
+          <a:off x="0" y="0"/>
+          <a:ext cx="0" cy="0"/>
+          <a:chOff x="0" y="0"/>
+          <a:chExt cx="0" cy="0"/>
+        </a:xfrm>
+      </p:grpSpPr>
+      <p:sp>
+        <p:nvSpPr>
+          <p:cNvPr id="97" name="Shape 97"/>
+          <p:cNvSpPr txBox="1">
+            <a:spLocks noGrp="1"/>
+          </p:cNvSpPr>
+          <p:nvPr>
+            <p:ph type="body" idx="1"/>
+          </p:nvPr>
+        </p:nvSpPr>
+        <p:spPr>
+          <a:xfrm>
+            <a:off x="685800" y="4343400"/>
+            <a:ext cx="5486399" cy="4114800"/>
+          </a:xfrm>
+          <a:prstGeom prst="rect">
+            <a:avLst/>
+          </a:prstGeom>
+        </p:spPr>
+        <p:txBody>
+          <a:bodyPr wrap="square" lIns="91425" tIns="91425" rIns="91425" bIns="91425" anchor="t" anchorCtr="0">
+            <a:noAutofit/>
+          </a:bodyPr>
+          <a:lstStyle/>
+          <a:p>
+            <a:pPr marL="0" marR="0" lvl="0" indent="0" algn="l" defTabSz="914400" rtl="0" eaLnBrk="1" fontAlgn="auto" latinLnBrk="0" hangingPunct="1">
+              <a:lnSpc>
+                <a:spcPct val="100000"/>
+              </a:lnSpc>
+              <a:spcBef>
+                <a:spcPts val="0"/>
+              </a:spcBef>
+              <a:spcAft>
+                <a:spcPts val="0"/>
+              </a:spcAft>
+              <a:buClrTx/>
+              <a:buSzTx/>
+              <a:buFontTx/>
+              <a:buNone/>
+              <a:tabLst/>
+              <a:defRPr/>
+            </a:pPr>
+            <a:r>
+              <a:rPr lang="en-US" sz="1200" dirty="0">
+                <a:solidFill>
+                  <a:schemeClr val="dk1"/>
+                </a:solidFill>
+                <a:latin typeface="Calibri"/>
+                <a:ea typeface="Calibri"/>
+                <a:cs typeface="Calibri"/>
+                <a:sym typeface="Calibri"/>
+              </a:rPr>
+              <a:t>Difficult to parse apart observation/detection probability from true occurrence probability</a:t>
+            </a:r>
+          </a:p>
+          <a:p>
+            <a:pPr lvl="0">
+              <a:spcBef>
+                <a:spcPts val="0"/>
+              </a:spcBef>
+              <a:buNone/>
+            </a:pPr>
+            <a:endParaRPr dirty="0"/>
+          </a:p>
+        </p:txBody>
+      </p:sp>
+      <p:sp>
+        <p:nvSpPr>
+          <p:cNvPr id="98" name="Shape 98"/>
+          <p:cNvSpPr>
+            <a:spLocks noGrp="1" noRot="1" noChangeAspect="1"/>
+          </p:cNvSpPr>
+          <p:nvPr>
+            <p:ph type="sldImg" idx="2"/>
+          </p:nvPr>
+        </p:nvSpPr>
+        <p:spPr>
+          <a:xfrm>
+            <a:off x="381000" y="685800"/>
+            <a:ext cx="6096000" cy="3429000"/>
+          </a:xfrm>
+          <a:custGeom>
+            <a:avLst/>
+            <a:gdLst/>
+            <a:ahLst/>
+            <a:cxnLst/>
+            <a:rect l="0" t="0" r="0" b="0"/>
+            <a:pathLst>
+              <a:path w="120000" h="120000" extrusionOk="0">
+                <a:moveTo>
+                  <a:pt x="0" y="0"/>
+                </a:moveTo>
+                <a:lnTo>
+                  <a:pt x="120000" y="0"/>
+                </a:lnTo>
+                <a:lnTo>
+                  <a:pt x="120000" y="120000"/>
+                </a:lnTo>
+                <a:lnTo>
+                  <a:pt x="0" y="120000"/>
+                </a:lnTo>
+                <a:close/>
+              </a:path>
+            </a:pathLst>
+          </a:custGeom>
+        </p:spPr>
+      </p:sp>
+    </p:spTree>
+    <p:extLst>
+      <p:ext uri="{BB962C8B-B14F-4D97-AF65-F5344CB8AC3E}">
+        <p14:creationId xmlns:p14="http://schemas.microsoft.com/office/powerpoint/2010/main" val="2839577093"/>
+      </p:ext>
+    </p:extLst>
+  </p:cSld>
+  <p:clrMapOvr>
+    <a:masterClrMapping/>
+  </p:clrMapOvr>
+</p:notes>
+</file>
+
+<file path=ppt/notesSlides/notesSlide42.xml><?xml version="1.0" encoding="utf-8"?>
 <p:notes xmlns:a="http://schemas.openxmlformats.org/drawingml/2006/main" xmlns:r="http://schemas.openxmlformats.org/officeDocument/2006/relationships" xmlns:p="http://schemas.openxmlformats.org/presentationml/2006/main">
   <p:cSld>
     <p:spTree>
@@ -4644,7 +4851,7 @@
                 <a:cs typeface="Calibri"/>
                 <a:sym typeface="Calibri"/>
               </a:rPr>
-              <a:t>46</a:t>
+              <a:t>49</a:t>
             </a:fld>
             <a:endParaRPr lang="en-US" sz="1200" b="0" i="0" u="none" strike="noStrike" cap="none">
               <a:solidFill>
@@ -5565,7 +5772,7 @@
           <p:cNvPr id="2" name="Title 1">
             <a:extLst>
               <a:ext uri="{FF2B5EF4-FFF2-40B4-BE49-F238E27FC236}">
-                <a16:creationId xmlns:a16="http://schemas.microsoft.com/office/drawing/2014/main" xmlns="" id="{F6BEE4D0-2948-4D8B-A6B0-A27F98C5260C}"/>
+                <a16:creationId xmlns:a16="http://schemas.microsoft.com/office/drawing/2014/main" id="{F6BEE4D0-2948-4D8B-A6B0-A27F98C5260C}"/>
               </a:ext>
             </a:extLst>
           </p:cNvPr>
@@ -5603,7 +5810,7 @@
           <p:cNvPr id="3" name="Subtitle 2">
             <a:extLst>
               <a:ext uri="{FF2B5EF4-FFF2-40B4-BE49-F238E27FC236}">
-                <a16:creationId xmlns:a16="http://schemas.microsoft.com/office/drawing/2014/main" xmlns="" id="{7F1F3275-E82E-484B-AF27-5650288E8ED2}"/>
+                <a16:creationId xmlns:a16="http://schemas.microsoft.com/office/drawing/2014/main" id="{7F1F3275-E82E-484B-AF27-5650288E8ED2}"/>
               </a:ext>
             </a:extLst>
           </p:cNvPr>
@@ -5676,7 +5883,7 @@
           <p:cNvPr id="9" name="Group 8">
             <a:extLst>
               <a:ext uri="{FF2B5EF4-FFF2-40B4-BE49-F238E27FC236}">
-                <a16:creationId xmlns:a16="http://schemas.microsoft.com/office/drawing/2014/main" xmlns="" id="{D86187BD-A9A7-4B3D-8F2C-B91567B9C326}"/>
+                <a16:creationId xmlns:a16="http://schemas.microsoft.com/office/drawing/2014/main" id="{D86187BD-A9A7-4B3D-8F2C-B91567B9C326}"/>
               </a:ext>
             </a:extLst>
           </p:cNvPr>
@@ -5696,7 +5903,7 @@
             <p:cNvPr id="7" name="Picture 6">
               <a:extLst>
                 <a:ext uri="{FF2B5EF4-FFF2-40B4-BE49-F238E27FC236}">
-                  <a16:creationId xmlns:a16="http://schemas.microsoft.com/office/drawing/2014/main" xmlns="" id="{0A3E5B43-8C12-4719-87CA-7E757457C225}"/>
+                  <a16:creationId xmlns:a16="http://schemas.microsoft.com/office/drawing/2014/main" id="{0A3E5B43-8C12-4719-87CA-7E757457C225}"/>
                 </a:ext>
               </a:extLst>
             </p:cNvPr>
@@ -5732,7 +5939,7 @@
             <p:cNvPr id="8" name="Picture 7">
               <a:extLst>
                 <a:ext uri="{FF2B5EF4-FFF2-40B4-BE49-F238E27FC236}">
-                  <a16:creationId xmlns:a16="http://schemas.microsoft.com/office/drawing/2014/main" xmlns="" id="{D1FEADCA-1EA9-45D5-8DD0-F4B44D8E1151}"/>
+                  <a16:creationId xmlns:a16="http://schemas.microsoft.com/office/drawing/2014/main" id="{D1FEADCA-1EA9-45D5-8DD0-F4B44D8E1151}"/>
                 </a:ext>
               </a:extLst>
             </p:cNvPr>
@@ -5799,7 +6006,7 @@
           <p:cNvPr id="2" name="Title 1">
             <a:extLst>
               <a:ext uri="{FF2B5EF4-FFF2-40B4-BE49-F238E27FC236}">
-                <a16:creationId xmlns:a16="http://schemas.microsoft.com/office/drawing/2014/main" xmlns="" id="{494522C5-0666-4DB7-83CE-5B6CB4D1CF9A}"/>
+                <a16:creationId xmlns:a16="http://schemas.microsoft.com/office/drawing/2014/main" id="{494522C5-0666-4DB7-83CE-5B6CB4D1CF9A}"/>
               </a:ext>
             </a:extLst>
           </p:cNvPr>
@@ -5827,7 +6034,7 @@
           <p:cNvPr id="3" name="Vertical Text Placeholder 2">
             <a:extLst>
               <a:ext uri="{FF2B5EF4-FFF2-40B4-BE49-F238E27FC236}">
-                <a16:creationId xmlns:a16="http://schemas.microsoft.com/office/drawing/2014/main" xmlns="" id="{2C129D95-7B38-4744-A706-F3D434E89EF7}"/>
+                <a16:creationId xmlns:a16="http://schemas.microsoft.com/office/drawing/2014/main" id="{2C129D95-7B38-4744-A706-F3D434E89EF7}"/>
               </a:ext>
             </a:extLst>
           </p:cNvPr>
@@ -5884,7 +6091,7 @@
           <p:cNvPr id="4" name="Date Placeholder 3">
             <a:extLst>
               <a:ext uri="{FF2B5EF4-FFF2-40B4-BE49-F238E27FC236}">
-                <a16:creationId xmlns:a16="http://schemas.microsoft.com/office/drawing/2014/main" xmlns="" id="{ADC97E7D-72AD-48B7-ABA5-B20ABBFBD7C7}"/>
+                <a16:creationId xmlns:a16="http://schemas.microsoft.com/office/drawing/2014/main" id="{ADC97E7D-72AD-48B7-ABA5-B20ABBFBD7C7}"/>
               </a:ext>
             </a:extLst>
           </p:cNvPr>
@@ -5910,7 +6117,7 @@
           <a:p>
             <a:fld id="{96DCDAD2-BF2B-4B23-962D-FA09F549519F}" type="datetimeFigureOut">
               <a:rPr lang="en-US" smtClean="0"/>
-              <a:t>11/18/2018</a:t>
+              <a:t>12/11/2018</a:t>
             </a:fld>
             <a:endParaRPr lang="en-US"/>
           </a:p>
@@ -5921,7 +6128,7 @@
           <p:cNvPr id="5" name="Footer Placeholder 4">
             <a:extLst>
               <a:ext uri="{FF2B5EF4-FFF2-40B4-BE49-F238E27FC236}">
-                <a16:creationId xmlns:a16="http://schemas.microsoft.com/office/drawing/2014/main" xmlns="" id="{796783C9-D241-4646-AA69-5AFF6519F7EB}"/>
+                <a16:creationId xmlns:a16="http://schemas.microsoft.com/office/drawing/2014/main" id="{796783C9-D241-4646-AA69-5AFF6519F7EB}"/>
               </a:ext>
             </a:extLst>
           </p:cNvPr>
@@ -5946,7 +6153,7 @@
           <p:cNvPr id="6" name="Slide Number Placeholder 5">
             <a:extLst>
               <a:ext uri="{FF2B5EF4-FFF2-40B4-BE49-F238E27FC236}">
-                <a16:creationId xmlns:a16="http://schemas.microsoft.com/office/drawing/2014/main" xmlns="" id="{0ABA8567-0C73-4EE1-85D6-11E997D3CA11}"/>
+                <a16:creationId xmlns:a16="http://schemas.microsoft.com/office/drawing/2014/main" id="{0ABA8567-0C73-4EE1-85D6-11E997D3CA11}"/>
               </a:ext>
             </a:extLst>
           </p:cNvPr>
@@ -6013,7 +6220,7 @@
           <p:cNvPr id="2" name="Vertical Title 1">
             <a:extLst>
               <a:ext uri="{FF2B5EF4-FFF2-40B4-BE49-F238E27FC236}">
-                <a16:creationId xmlns:a16="http://schemas.microsoft.com/office/drawing/2014/main" xmlns="" id="{C034C754-EBB8-4F31-83B1-76F65241CF42}"/>
+                <a16:creationId xmlns:a16="http://schemas.microsoft.com/office/drawing/2014/main" id="{C034C754-EBB8-4F31-83B1-76F65241CF42}"/>
               </a:ext>
             </a:extLst>
           </p:cNvPr>
@@ -6046,7 +6253,7 @@
           <p:cNvPr id="3" name="Vertical Text Placeholder 2">
             <a:extLst>
               <a:ext uri="{FF2B5EF4-FFF2-40B4-BE49-F238E27FC236}">
-                <a16:creationId xmlns:a16="http://schemas.microsoft.com/office/drawing/2014/main" xmlns="" id="{F0C526F1-1446-4F44-BC5F-884564219E21}"/>
+                <a16:creationId xmlns:a16="http://schemas.microsoft.com/office/drawing/2014/main" id="{F0C526F1-1446-4F44-BC5F-884564219E21}"/>
               </a:ext>
             </a:extLst>
           </p:cNvPr>
@@ -6108,7 +6315,7 @@
           <p:cNvPr id="4" name="Date Placeholder 3">
             <a:extLst>
               <a:ext uri="{FF2B5EF4-FFF2-40B4-BE49-F238E27FC236}">
-                <a16:creationId xmlns:a16="http://schemas.microsoft.com/office/drawing/2014/main" xmlns="" id="{1DAB0D6A-501E-4400-90AE-40AD173EACB5}"/>
+                <a16:creationId xmlns:a16="http://schemas.microsoft.com/office/drawing/2014/main" id="{1DAB0D6A-501E-4400-90AE-40AD173EACB5}"/>
               </a:ext>
             </a:extLst>
           </p:cNvPr>
@@ -6134,7 +6341,7 @@
           <a:p>
             <a:fld id="{96DCDAD2-BF2B-4B23-962D-FA09F549519F}" type="datetimeFigureOut">
               <a:rPr lang="en-US" smtClean="0"/>
-              <a:t>11/18/2018</a:t>
+              <a:t>12/11/2018</a:t>
             </a:fld>
             <a:endParaRPr lang="en-US"/>
           </a:p>
@@ -6145,7 +6352,7 @@
           <p:cNvPr id="5" name="Footer Placeholder 4">
             <a:extLst>
               <a:ext uri="{FF2B5EF4-FFF2-40B4-BE49-F238E27FC236}">
-                <a16:creationId xmlns:a16="http://schemas.microsoft.com/office/drawing/2014/main" xmlns="" id="{76F1E445-1BC8-4794-9C96-36BEAF0741B6}"/>
+                <a16:creationId xmlns:a16="http://schemas.microsoft.com/office/drawing/2014/main" id="{76F1E445-1BC8-4794-9C96-36BEAF0741B6}"/>
               </a:ext>
             </a:extLst>
           </p:cNvPr>
@@ -6170,7 +6377,7 @@
           <p:cNvPr id="6" name="Slide Number Placeholder 5">
             <a:extLst>
               <a:ext uri="{FF2B5EF4-FFF2-40B4-BE49-F238E27FC236}">
-                <a16:creationId xmlns:a16="http://schemas.microsoft.com/office/drawing/2014/main" xmlns="" id="{D28A5DE7-2691-4958-B071-BAF6637CA8BE}"/>
+                <a16:creationId xmlns:a16="http://schemas.microsoft.com/office/drawing/2014/main" id="{D28A5DE7-2691-4958-B071-BAF6637CA8BE}"/>
               </a:ext>
             </a:extLst>
           </p:cNvPr>
@@ -6237,7 +6444,7 @@
           <p:cNvPr id="2" name="Title 1">
             <a:extLst>
               <a:ext uri="{FF2B5EF4-FFF2-40B4-BE49-F238E27FC236}">
-                <a16:creationId xmlns:a16="http://schemas.microsoft.com/office/drawing/2014/main" xmlns="" id="{6C17425C-18D3-491A-B44C-33310DF00363}"/>
+                <a16:creationId xmlns:a16="http://schemas.microsoft.com/office/drawing/2014/main" id="{6C17425C-18D3-491A-B44C-33310DF00363}"/>
               </a:ext>
             </a:extLst>
           </p:cNvPr>
@@ -6266,7 +6473,7 @@
           <p:cNvPr id="3" name="Content Placeholder 2">
             <a:extLst>
               <a:ext uri="{FF2B5EF4-FFF2-40B4-BE49-F238E27FC236}">
-                <a16:creationId xmlns:a16="http://schemas.microsoft.com/office/drawing/2014/main" xmlns="" id="{690EA820-1375-49CA-A199-58675EA20385}"/>
+                <a16:creationId xmlns:a16="http://schemas.microsoft.com/office/drawing/2014/main" id="{690EA820-1375-49CA-A199-58675EA20385}"/>
               </a:ext>
             </a:extLst>
           </p:cNvPr>
@@ -6335,7 +6542,7 @@
           <p:cNvPr id="5" name="Footer Placeholder 4">
             <a:extLst>
               <a:ext uri="{FF2B5EF4-FFF2-40B4-BE49-F238E27FC236}">
-                <a16:creationId xmlns:a16="http://schemas.microsoft.com/office/drawing/2014/main" xmlns="" id="{2E02902E-6772-48E0-9C32-694AC3F38F05}"/>
+                <a16:creationId xmlns:a16="http://schemas.microsoft.com/office/drawing/2014/main" id="{2E02902E-6772-48E0-9C32-694AC3F38F05}"/>
               </a:ext>
             </a:extLst>
           </p:cNvPr>
@@ -6363,7 +6570,7 @@
           <p:cNvPr id="7" name="Group 6">
             <a:extLst>
               <a:ext uri="{FF2B5EF4-FFF2-40B4-BE49-F238E27FC236}">
-                <a16:creationId xmlns:a16="http://schemas.microsoft.com/office/drawing/2014/main" xmlns="" id="{298F834E-EBF3-46CA-A2EC-73D50440B60A}"/>
+                <a16:creationId xmlns:a16="http://schemas.microsoft.com/office/drawing/2014/main" id="{298F834E-EBF3-46CA-A2EC-73D50440B60A}"/>
               </a:ext>
             </a:extLst>
           </p:cNvPr>
@@ -6383,7 +6590,7 @@
             <p:cNvPr id="8" name="Picture 7">
               <a:extLst>
                 <a:ext uri="{FF2B5EF4-FFF2-40B4-BE49-F238E27FC236}">
-                  <a16:creationId xmlns:a16="http://schemas.microsoft.com/office/drawing/2014/main" xmlns="" id="{EB3E9659-0155-4ABB-9E67-A5BD8C5D39FB}"/>
+                  <a16:creationId xmlns:a16="http://schemas.microsoft.com/office/drawing/2014/main" id="{EB3E9659-0155-4ABB-9E67-A5BD8C5D39FB}"/>
                 </a:ext>
               </a:extLst>
             </p:cNvPr>
@@ -6419,7 +6626,7 @@
             <p:cNvPr id="9" name="Picture 8">
               <a:extLst>
                 <a:ext uri="{FF2B5EF4-FFF2-40B4-BE49-F238E27FC236}">
-                  <a16:creationId xmlns:a16="http://schemas.microsoft.com/office/drawing/2014/main" xmlns="" id="{1798BE8B-8B5E-4738-8DF7-8EF166351FDC}"/>
+                  <a16:creationId xmlns:a16="http://schemas.microsoft.com/office/drawing/2014/main" id="{1798BE8B-8B5E-4738-8DF7-8EF166351FDC}"/>
                 </a:ext>
               </a:extLst>
             </p:cNvPr>
@@ -6486,7 +6693,7 @@
           <p:cNvPr id="2" name="Title 1">
             <a:extLst>
               <a:ext uri="{FF2B5EF4-FFF2-40B4-BE49-F238E27FC236}">
-                <a16:creationId xmlns:a16="http://schemas.microsoft.com/office/drawing/2014/main" xmlns="" id="{185726EC-5590-4B3F-8B93-87BF6D6E2685}"/>
+                <a16:creationId xmlns:a16="http://schemas.microsoft.com/office/drawing/2014/main" id="{185726EC-5590-4B3F-8B93-87BF6D6E2685}"/>
               </a:ext>
             </a:extLst>
           </p:cNvPr>
@@ -6523,7 +6730,7 @@
           <p:cNvPr id="3" name="Text Placeholder 2">
             <a:extLst>
               <a:ext uri="{FF2B5EF4-FFF2-40B4-BE49-F238E27FC236}">
-                <a16:creationId xmlns:a16="http://schemas.microsoft.com/office/drawing/2014/main" xmlns="" id="{702BC31A-AFD3-475B-8FD8-2A3385AB9343}"/>
+                <a16:creationId xmlns:a16="http://schemas.microsoft.com/office/drawing/2014/main" id="{702BC31A-AFD3-475B-8FD8-2A3385AB9343}"/>
               </a:ext>
             </a:extLst>
           </p:cNvPr>
@@ -6648,7 +6855,7 @@
           <p:cNvPr id="4" name="Date Placeholder 3">
             <a:extLst>
               <a:ext uri="{FF2B5EF4-FFF2-40B4-BE49-F238E27FC236}">
-                <a16:creationId xmlns:a16="http://schemas.microsoft.com/office/drawing/2014/main" xmlns="" id="{C34470BF-A87D-49C2-A87F-81CA950634A0}"/>
+                <a16:creationId xmlns:a16="http://schemas.microsoft.com/office/drawing/2014/main" id="{C34470BF-A87D-49C2-A87F-81CA950634A0}"/>
               </a:ext>
             </a:extLst>
           </p:cNvPr>
@@ -6674,7 +6881,7 @@
           <a:p>
             <a:fld id="{96DCDAD2-BF2B-4B23-962D-FA09F549519F}" type="datetimeFigureOut">
               <a:rPr lang="en-US" smtClean="0"/>
-              <a:t>11/18/2018</a:t>
+              <a:t>12/11/2018</a:t>
             </a:fld>
             <a:endParaRPr lang="en-US"/>
           </a:p>
@@ -6685,7 +6892,7 @@
           <p:cNvPr id="5" name="Footer Placeholder 4">
             <a:extLst>
               <a:ext uri="{FF2B5EF4-FFF2-40B4-BE49-F238E27FC236}">
-                <a16:creationId xmlns:a16="http://schemas.microsoft.com/office/drawing/2014/main" xmlns="" id="{FA92D832-4BA1-436E-9216-19CE6A5C0BFE}"/>
+                <a16:creationId xmlns:a16="http://schemas.microsoft.com/office/drawing/2014/main" id="{FA92D832-4BA1-436E-9216-19CE6A5C0BFE}"/>
               </a:ext>
             </a:extLst>
           </p:cNvPr>
@@ -6710,7 +6917,7 @@
           <p:cNvPr id="6" name="Slide Number Placeholder 5">
             <a:extLst>
               <a:ext uri="{FF2B5EF4-FFF2-40B4-BE49-F238E27FC236}">
-                <a16:creationId xmlns:a16="http://schemas.microsoft.com/office/drawing/2014/main" xmlns="" id="{F05B968E-A11B-4791-A225-DDAB8A994CFA}"/>
+                <a16:creationId xmlns:a16="http://schemas.microsoft.com/office/drawing/2014/main" id="{F05B968E-A11B-4791-A225-DDAB8A994CFA}"/>
               </a:ext>
             </a:extLst>
           </p:cNvPr>
@@ -6777,7 +6984,7 @@
           <p:cNvPr id="2" name="Title 1">
             <a:extLst>
               <a:ext uri="{FF2B5EF4-FFF2-40B4-BE49-F238E27FC236}">
-                <a16:creationId xmlns:a16="http://schemas.microsoft.com/office/drawing/2014/main" xmlns="" id="{A4669A23-3852-415D-8903-B7312F70C8CE}"/>
+                <a16:creationId xmlns:a16="http://schemas.microsoft.com/office/drawing/2014/main" id="{A4669A23-3852-415D-8903-B7312F70C8CE}"/>
               </a:ext>
             </a:extLst>
           </p:cNvPr>
@@ -6805,7 +7012,7 @@
           <p:cNvPr id="3" name="Content Placeholder 2">
             <a:extLst>
               <a:ext uri="{FF2B5EF4-FFF2-40B4-BE49-F238E27FC236}">
-                <a16:creationId xmlns:a16="http://schemas.microsoft.com/office/drawing/2014/main" xmlns="" id="{11D49E50-AD63-415E-99DA-84C92E64DE61}"/>
+                <a16:creationId xmlns:a16="http://schemas.microsoft.com/office/drawing/2014/main" id="{11D49E50-AD63-415E-99DA-84C92E64DE61}"/>
               </a:ext>
             </a:extLst>
           </p:cNvPr>
@@ -6867,7 +7074,7 @@
           <p:cNvPr id="4" name="Content Placeholder 3">
             <a:extLst>
               <a:ext uri="{FF2B5EF4-FFF2-40B4-BE49-F238E27FC236}">
-                <a16:creationId xmlns:a16="http://schemas.microsoft.com/office/drawing/2014/main" xmlns="" id="{2A4420E8-85C5-4B63-9A9C-1CC0FA16D3A1}"/>
+                <a16:creationId xmlns:a16="http://schemas.microsoft.com/office/drawing/2014/main" id="{2A4420E8-85C5-4B63-9A9C-1CC0FA16D3A1}"/>
               </a:ext>
             </a:extLst>
           </p:cNvPr>
@@ -6929,7 +7136,7 @@
           <p:cNvPr id="5" name="Date Placeholder 4">
             <a:extLst>
               <a:ext uri="{FF2B5EF4-FFF2-40B4-BE49-F238E27FC236}">
-                <a16:creationId xmlns:a16="http://schemas.microsoft.com/office/drawing/2014/main" xmlns="" id="{2CD305D2-024D-47A9-A566-3657C84A3336}"/>
+                <a16:creationId xmlns:a16="http://schemas.microsoft.com/office/drawing/2014/main" id="{2CD305D2-024D-47A9-A566-3657C84A3336}"/>
               </a:ext>
             </a:extLst>
           </p:cNvPr>
@@ -6955,7 +7162,7 @@
           <a:p>
             <a:fld id="{96DCDAD2-BF2B-4B23-962D-FA09F549519F}" type="datetimeFigureOut">
               <a:rPr lang="en-US" smtClean="0"/>
-              <a:t>11/18/2018</a:t>
+              <a:t>12/11/2018</a:t>
             </a:fld>
             <a:endParaRPr lang="en-US"/>
           </a:p>
@@ -6966,7 +7173,7 @@
           <p:cNvPr id="6" name="Footer Placeholder 5">
             <a:extLst>
               <a:ext uri="{FF2B5EF4-FFF2-40B4-BE49-F238E27FC236}">
-                <a16:creationId xmlns:a16="http://schemas.microsoft.com/office/drawing/2014/main" xmlns="" id="{73B305F1-7C3A-47AC-B3BA-9C8569C6B7DC}"/>
+                <a16:creationId xmlns:a16="http://schemas.microsoft.com/office/drawing/2014/main" id="{73B305F1-7C3A-47AC-B3BA-9C8569C6B7DC}"/>
               </a:ext>
             </a:extLst>
           </p:cNvPr>
@@ -6991,7 +7198,7 @@
           <p:cNvPr id="7" name="Slide Number Placeholder 6">
             <a:extLst>
               <a:ext uri="{FF2B5EF4-FFF2-40B4-BE49-F238E27FC236}">
-                <a16:creationId xmlns:a16="http://schemas.microsoft.com/office/drawing/2014/main" xmlns="" id="{AAB821BD-C529-4F76-B156-490A930D2AFF}"/>
+                <a16:creationId xmlns:a16="http://schemas.microsoft.com/office/drawing/2014/main" id="{AAB821BD-C529-4F76-B156-490A930D2AFF}"/>
               </a:ext>
             </a:extLst>
           </p:cNvPr>
@@ -7058,7 +7265,7 @@
           <p:cNvPr id="2" name="Title 1">
             <a:extLst>
               <a:ext uri="{FF2B5EF4-FFF2-40B4-BE49-F238E27FC236}">
-                <a16:creationId xmlns:a16="http://schemas.microsoft.com/office/drawing/2014/main" xmlns="" id="{9C561881-86DC-4916-AE89-0AF94D9C2977}"/>
+                <a16:creationId xmlns:a16="http://schemas.microsoft.com/office/drawing/2014/main" id="{9C561881-86DC-4916-AE89-0AF94D9C2977}"/>
               </a:ext>
             </a:extLst>
           </p:cNvPr>
@@ -7091,7 +7298,7 @@
           <p:cNvPr id="3" name="Text Placeholder 2">
             <a:extLst>
               <a:ext uri="{FF2B5EF4-FFF2-40B4-BE49-F238E27FC236}">
-                <a16:creationId xmlns:a16="http://schemas.microsoft.com/office/drawing/2014/main" xmlns="" id="{B1168BAB-1836-4E96-BAD0-AAFF619D397D}"/>
+                <a16:creationId xmlns:a16="http://schemas.microsoft.com/office/drawing/2014/main" id="{B1168BAB-1836-4E96-BAD0-AAFF619D397D}"/>
               </a:ext>
             </a:extLst>
           </p:cNvPr>
@@ -7162,7 +7369,7 @@
           <p:cNvPr id="4" name="Content Placeholder 3">
             <a:extLst>
               <a:ext uri="{FF2B5EF4-FFF2-40B4-BE49-F238E27FC236}">
-                <a16:creationId xmlns:a16="http://schemas.microsoft.com/office/drawing/2014/main" xmlns="" id="{32FF6108-0262-4DA9-B7C1-67C14C5DD408}"/>
+                <a16:creationId xmlns:a16="http://schemas.microsoft.com/office/drawing/2014/main" id="{32FF6108-0262-4DA9-B7C1-67C14C5DD408}"/>
               </a:ext>
             </a:extLst>
           </p:cNvPr>
@@ -7224,7 +7431,7 @@
           <p:cNvPr id="5" name="Text Placeholder 4">
             <a:extLst>
               <a:ext uri="{FF2B5EF4-FFF2-40B4-BE49-F238E27FC236}">
-                <a16:creationId xmlns:a16="http://schemas.microsoft.com/office/drawing/2014/main" xmlns="" id="{C3435E12-9692-4AB9-8792-8753CF5F331B}"/>
+                <a16:creationId xmlns:a16="http://schemas.microsoft.com/office/drawing/2014/main" id="{C3435E12-9692-4AB9-8792-8753CF5F331B}"/>
               </a:ext>
             </a:extLst>
           </p:cNvPr>
@@ -7295,7 +7502,7 @@
           <p:cNvPr id="6" name="Content Placeholder 5">
             <a:extLst>
               <a:ext uri="{FF2B5EF4-FFF2-40B4-BE49-F238E27FC236}">
-                <a16:creationId xmlns:a16="http://schemas.microsoft.com/office/drawing/2014/main" xmlns="" id="{B354201C-5274-4011-A80E-FE3998BCD0BB}"/>
+                <a16:creationId xmlns:a16="http://schemas.microsoft.com/office/drawing/2014/main" id="{B354201C-5274-4011-A80E-FE3998BCD0BB}"/>
               </a:ext>
             </a:extLst>
           </p:cNvPr>
@@ -7357,7 +7564,7 @@
           <p:cNvPr id="7" name="Date Placeholder 6">
             <a:extLst>
               <a:ext uri="{FF2B5EF4-FFF2-40B4-BE49-F238E27FC236}">
-                <a16:creationId xmlns:a16="http://schemas.microsoft.com/office/drawing/2014/main" xmlns="" id="{DB6D68A9-CDBE-4250-BDC9-E32480670E89}"/>
+                <a16:creationId xmlns:a16="http://schemas.microsoft.com/office/drawing/2014/main" id="{DB6D68A9-CDBE-4250-BDC9-E32480670E89}"/>
               </a:ext>
             </a:extLst>
           </p:cNvPr>
@@ -7383,7 +7590,7 @@
           <a:p>
             <a:fld id="{96DCDAD2-BF2B-4B23-962D-FA09F549519F}" type="datetimeFigureOut">
               <a:rPr lang="en-US" smtClean="0"/>
-              <a:t>11/18/2018</a:t>
+              <a:t>12/11/2018</a:t>
             </a:fld>
             <a:endParaRPr lang="en-US"/>
           </a:p>
@@ -7394,7 +7601,7 @@
           <p:cNvPr id="8" name="Footer Placeholder 7">
             <a:extLst>
               <a:ext uri="{FF2B5EF4-FFF2-40B4-BE49-F238E27FC236}">
-                <a16:creationId xmlns:a16="http://schemas.microsoft.com/office/drawing/2014/main" xmlns="" id="{9C6A8D0A-7F29-45C6-82F2-06B303437B1D}"/>
+                <a16:creationId xmlns:a16="http://schemas.microsoft.com/office/drawing/2014/main" id="{9C6A8D0A-7F29-45C6-82F2-06B303437B1D}"/>
               </a:ext>
             </a:extLst>
           </p:cNvPr>
@@ -7419,7 +7626,7 @@
           <p:cNvPr id="9" name="Slide Number Placeholder 8">
             <a:extLst>
               <a:ext uri="{FF2B5EF4-FFF2-40B4-BE49-F238E27FC236}">
-                <a16:creationId xmlns:a16="http://schemas.microsoft.com/office/drawing/2014/main" xmlns="" id="{81B1795D-5472-415B-BA30-F548D00786DF}"/>
+                <a16:creationId xmlns:a16="http://schemas.microsoft.com/office/drawing/2014/main" id="{81B1795D-5472-415B-BA30-F548D00786DF}"/>
               </a:ext>
             </a:extLst>
           </p:cNvPr>
@@ -7486,7 +7693,7 @@
           <p:cNvPr id="2" name="Title 1">
             <a:extLst>
               <a:ext uri="{FF2B5EF4-FFF2-40B4-BE49-F238E27FC236}">
-                <a16:creationId xmlns:a16="http://schemas.microsoft.com/office/drawing/2014/main" xmlns="" id="{2EB3CEBF-9D6F-47EF-9EE3-62C97B8693C7}"/>
+                <a16:creationId xmlns:a16="http://schemas.microsoft.com/office/drawing/2014/main" id="{2EB3CEBF-9D6F-47EF-9EE3-62C97B8693C7}"/>
               </a:ext>
             </a:extLst>
           </p:cNvPr>
@@ -7514,7 +7721,7 @@
           <p:cNvPr id="3" name="Date Placeholder 2">
             <a:extLst>
               <a:ext uri="{FF2B5EF4-FFF2-40B4-BE49-F238E27FC236}">
-                <a16:creationId xmlns:a16="http://schemas.microsoft.com/office/drawing/2014/main" xmlns="" id="{C6AE9C0A-FC09-4279-A12C-CF1FC4ACCE9B}"/>
+                <a16:creationId xmlns:a16="http://schemas.microsoft.com/office/drawing/2014/main" id="{C6AE9C0A-FC09-4279-A12C-CF1FC4ACCE9B}"/>
               </a:ext>
             </a:extLst>
           </p:cNvPr>
@@ -7540,7 +7747,7 @@
           <a:p>
             <a:fld id="{96DCDAD2-BF2B-4B23-962D-FA09F549519F}" type="datetimeFigureOut">
               <a:rPr lang="en-US" smtClean="0"/>
-              <a:t>11/18/2018</a:t>
+              <a:t>12/11/2018</a:t>
             </a:fld>
             <a:endParaRPr lang="en-US"/>
           </a:p>
@@ -7551,7 +7758,7 @@
           <p:cNvPr id="4" name="Footer Placeholder 3">
             <a:extLst>
               <a:ext uri="{FF2B5EF4-FFF2-40B4-BE49-F238E27FC236}">
-                <a16:creationId xmlns:a16="http://schemas.microsoft.com/office/drawing/2014/main" xmlns="" id="{89A9F02E-BCCD-47A7-916C-5C304CA71A62}"/>
+                <a16:creationId xmlns:a16="http://schemas.microsoft.com/office/drawing/2014/main" id="{89A9F02E-BCCD-47A7-916C-5C304CA71A62}"/>
               </a:ext>
             </a:extLst>
           </p:cNvPr>
@@ -7576,7 +7783,7 @@
           <p:cNvPr id="5" name="Slide Number Placeholder 4">
             <a:extLst>
               <a:ext uri="{FF2B5EF4-FFF2-40B4-BE49-F238E27FC236}">
-                <a16:creationId xmlns:a16="http://schemas.microsoft.com/office/drawing/2014/main" xmlns="" id="{DCCA5EE6-0D3B-4C18-8759-812A322530D2}"/>
+                <a16:creationId xmlns:a16="http://schemas.microsoft.com/office/drawing/2014/main" id="{DCCA5EE6-0D3B-4C18-8759-812A322530D2}"/>
               </a:ext>
             </a:extLst>
           </p:cNvPr>
@@ -7643,7 +7850,7 @@
           <p:cNvPr id="2" name="Date Placeholder 1">
             <a:extLst>
               <a:ext uri="{FF2B5EF4-FFF2-40B4-BE49-F238E27FC236}">
-                <a16:creationId xmlns:a16="http://schemas.microsoft.com/office/drawing/2014/main" xmlns="" id="{692CB08F-9B03-4D60-8EE4-511D62AE0DA2}"/>
+                <a16:creationId xmlns:a16="http://schemas.microsoft.com/office/drawing/2014/main" id="{692CB08F-9B03-4D60-8EE4-511D62AE0DA2}"/>
               </a:ext>
             </a:extLst>
           </p:cNvPr>
@@ -7669,7 +7876,7 @@
           <a:p>
             <a:fld id="{96DCDAD2-BF2B-4B23-962D-FA09F549519F}" type="datetimeFigureOut">
               <a:rPr lang="en-US" smtClean="0"/>
-              <a:t>11/18/2018</a:t>
+              <a:t>12/11/2018</a:t>
             </a:fld>
             <a:endParaRPr lang="en-US"/>
           </a:p>
@@ -7680,7 +7887,7 @@
           <p:cNvPr id="3" name="Footer Placeholder 2">
             <a:extLst>
               <a:ext uri="{FF2B5EF4-FFF2-40B4-BE49-F238E27FC236}">
-                <a16:creationId xmlns:a16="http://schemas.microsoft.com/office/drawing/2014/main" xmlns="" id="{02D76FC5-22C7-4DB5-A361-705C02029D6F}"/>
+                <a16:creationId xmlns:a16="http://schemas.microsoft.com/office/drawing/2014/main" id="{02D76FC5-22C7-4DB5-A361-705C02029D6F}"/>
               </a:ext>
             </a:extLst>
           </p:cNvPr>
@@ -7705,7 +7912,7 @@
           <p:cNvPr id="4" name="Slide Number Placeholder 3">
             <a:extLst>
               <a:ext uri="{FF2B5EF4-FFF2-40B4-BE49-F238E27FC236}">
-                <a16:creationId xmlns:a16="http://schemas.microsoft.com/office/drawing/2014/main" xmlns="" id="{BDE70A03-9867-43E1-A029-A3BE230783BC}"/>
+                <a16:creationId xmlns:a16="http://schemas.microsoft.com/office/drawing/2014/main" id="{BDE70A03-9867-43E1-A029-A3BE230783BC}"/>
               </a:ext>
             </a:extLst>
           </p:cNvPr>
@@ -7772,7 +7979,7 @@
           <p:cNvPr id="2" name="Title 1">
             <a:extLst>
               <a:ext uri="{FF2B5EF4-FFF2-40B4-BE49-F238E27FC236}">
-                <a16:creationId xmlns:a16="http://schemas.microsoft.com/office/drawing/2014/main" xmlns="" id="{7D92E7AC-CA20-4FC5-AA54-7B5F06D7E3DF}"/>
+                <a16:creationId xmlns:a16="http://schemas.microsoft.com/office/drawing/2014/main" id="{7D92E7AC-CA20-4FC5-AA54-7B5F06D7E3DF}"/>
               </a:ext>
             </a:extLst>
           </p:cNvPr>
@@ -7809,7 +8016,7 @@
           <p:cNvPr id="3" name="Content Placeholder 2">
             <a:extLst>
               <a:ext uri="{FF2B5EF4-FFF2-40B4-BE49-F238E27FC236}">
-                <a16:creationId xmlns:a16="http://schemas.microsoft.com/office/drawing/2014/main" xmlns="" id="{C04311B7-6590-4631-B0EA-3CE414A88DA8}"/>
+                <a16:creationId xmlns:a16="http://schemas.microsoft.com/office/drawing/2014/main" id="{C04311B7-6590-4631-B0EA-3CE414A88DA8}"/>
               </a:ext>
             </a:extLst>
           </p:cNvPr>
@@ -7899,7 +8106,7 @@
           <p:cNvPr id="4" name="Text Placeholder 3">
             <a:extLst>
               <a:ext uri="{FF2B5EF4-FFF2-40B4-BE49-F238E27FC236}">
-                <a16:creationId xmlns:a16="http://schemas.microsoft.com/office/drawing/2014/main" xmlns="" id="{B2F21C70-E3E7-4A52-B9E1-8B7E6EDF4A73}"/>
+                <a16:creationId xmlns:a16="http://schemas.microsoft.com/office/drawing/2014/main" id="{B2F21C70-E3E7-4A52-B9E1-8B7E6EDF4A73}"/>
               </a:ext>
             </a:extLst>
           </p:cNvPr>
@@ -7970,7 +8177,7 @@
           <p:cNvPr id="5" name="Date Placeholder 4">
             <a:extLst>
               <a:ext uri="{FF2B5EF4-FFF2-40B4-BE49-F238E27FC236}">
-                <a16:creationId xmlns:a16="http://schemas.microsoft.com/office/drawing/2014/main" xmlns="" id="{C3665185-E7E2-4539-B9D0-02A042196115}"/>
+                <a16:creationId xmlns:a16="http://schemas.microsoft.com/office/drawing/2014/main" id="{C3665185-E7E2-4539-B9D0-02A042196115}"/>
               </a:ext>
             </a:extLst>
           </p:cNvPr>
@@ -7996,7 +8203,7 @@
           <a:p>
             <a:fld id="{96DCDAD2-BF2B-4B23-962D-FA09F549519F}" type="datetimeFigureOut">
               <a:rPr lang="en-US" smtClean="0"/>
-              <a:t>11/18/2018</a:t>
+              <a:t>12/11/2018</a:t>
             </a:fld>
             <a:endParaRPr lang="en-US"/>
           </a:p>
@@ -8007,7 +8214,7 @@
           <p:cNvPr id="6" name="Footer Placeholder 5">
             <a:extLst>
               <a:ext uri="{FF2B5EF4-FFF2-40B4-BE49-F238E27FC236}">
-                <a16:creationId xmlns:a16="http://schemas.microsoft.com/office/drawing/2014/main" xmlns="" id="{95F35328-35F6-4E9F-ACEA-7F6EDCE1399D}"/>
+                <a16:creationId xmlns:a16="http://schemas.microsoft.com/office/drawing/2014/main" id="{95F35328-35F6-4E9F-ACEA-7F6EDCE1399D}"/>
               </a:ext>
             </a:extLst>
           </p:cNvPr>
@@ -8032,7 +8239,7 @@
           <p:cNvPr id="7" name="Slide Number Placeholder 6">
             <a:extLst>
               <a:ext uri="{FF2B5EF4-FFF2-40B4-BE49-F238E27FC236}">
-                <a16:creationId xmlns:a16="http://schemas.microsoft.com/office/drawing/2014/main" xmlns="" id="{7D3530D7-713A-4142-865D-69F2CBB2ABC3}"/>
+                <a16:creationId xmlns:a16="http://schemas.microsoft.com/office/drawing/2014/main" id="{7D3530D7-713A-4142-865D-69F2CBB2ABC3}"/>
               </a:ext>
             </a:extLst>
           </p:cNvPr>
@@ -8099,7 +8306,7 @@
           <p:cNvPr id="2" name="Title 1">
             <a:extLst>
               <a:ext uri="{FF2B5EF4-FFF2-40B4-BE49-F238E27FC236}">
-                <a16:creationId xmlns:a16="http://schemas.microsoft.com/office/drawing/2014/main" xmlns="" id="{5858AD64-1235-487E-9A09-75012305112A}"/>
+                <a16:creationId xmlns:a16="http://schemas.microsoft.com/office/drawing/2014/main" id="{5858AD64-1235-487E-9A09-75012305112A}"/>
               </a:ext>
             </a:extLst>
           </p:cNvPr>
@@ -8136,7 +8343,7 @@
           <p:cNvPr id="3" name="Picture Placeholder 2">
             <a:extLst>
               <a:ext uri="{FF2B5EF4-FFF2-40B4-BE49-F238E27FC236}">
-                <a16:creationId xmlns:a16="http://schemas.microsoft.com/office/drawing/2014/main" xmlns="" id="{05D99B9C-611F-4220-8C96-BA83A97158DA}"/>
+                <a16:creationId xmlns:a16="http://schemas.microsoft.com/office/drawing/2014/main" id="{05D99B9C-611F-4220-8C96-BA83A97158DA}"/>
               </a:ext>
             </a:extLst>
           </p:cNvPr>
@@ -8206,7 +8413,7 @@
           <p:cNvPr id="4" name="Text Placeholder 3">
             <a:extLst>
               <a:ext uri="{FF2B5EF4-FFF2-40B4-BE49-F238E27FC236}">
-                <a16:creationId xmlns:a16="http://schemas.microsoft.com/office/drawing/2014/main" xmlns="" id="{4E0AA1A1-26F2-44A0-9322-3322B2666875}"/>
+                <a16:creationId xmlns:a16="http://schemas.microsoft.com/office/drawing/2014/main" id="{4E0AA1A1-26F2-44A0-9322-3322B2666875}"/>
               </a:ext>
             </a:extLst>
           </p:cNvPr>
@@ -8277,7 +8484,7 @@
           <p:cNvPr id="5" name="Date Placeholder 4">
             <a:extLst>
               <a:ext uri="{FF2B5EF4-FFF2-40B4-BE49-F238E27FC236}">
-                <a16:creationId xmlns:a16="http://schemas.microsoft.com/office/drawing/2014/main" xmlns="" id="{2520F382-0E56-432B-970C-3DABE5CA9ACE}"/>
+                <a16:creationId xmlns:a16="http://schemas.microsoft.com/office/drawing/2014/main" id="{2520F382-0E56-432B-970C-3DABE5CA9ACE}"/>
               </a:ext>
             </a:extLst>
           </p:cNvPr>
@@ -8303,7 +8510,7 @@
           <a:p>
             <a:fld id="{96DCDAD2-BF2B-4B23-962D-FA09F549519F}" type="datetimeFigureOut">
               <a:rPr lang="en-US" smtClean="0"/>
-              <a:t>11/18/2018</a:t>
+              <a:t>12/11/2018</a:t>
             </a:fld>
             <a:endParaRPr lang="en-US"/>
           </a:p>
@@ -8314,7 +8521,7 @@
           <p:cNvPr id="6" name="Footer Placeholder 5">
             <a:extLst>
               <a:ext uri="{FF2B5EF4-FFF2-40B4-BE49-F238E27FC236}">
-                <a16:creationId xmlns:a16="http://schemas.microsoft.com/office/drawing/2014/main" xmlns="" id="{E62E010E-DD6F-43A1-82AC-4AAEF7E49092}"/>
+                <a16:creationId xmlns:a16="http://schemas.microsoft.com/office/drawing/2014/main" id="{E62E010E-DD6F-43A1-82AC-4AAEF7E49092}"/>
               </a:ext>
             </a:extLst>
           </p:cNvPr>
@@ -8339,7 +8546,7 @@
           <p:cNvPr id="7" name="Slide Number Placeholder 6">
             <a:extLst>
               <a:ext uri="{FF2B5EF4-FFF2-40B4-BE49-F238E27FC236}">
-                <a16:creationId xmlns:a16="http://schemas.microsoft.com/office/drawing/2014/main" xmlns="" id="{F71EA10F-0831-4A28-8DCF-F8218C7F6AF5}"/>
+                <a16:creationId xmlns:a16="http://schemas.microsoft.com/office/drawing/2014/main" id="{F71EA10F-0831-4A28-8DCF-F8218C7F6AF5}"/>
               </a:ext>
             </a:extLst>
           </p:cNvPr>
@@ -8411,7 +8618,7 @@
           <p:cNvPr id="2" name="Title Placeholder 1">
             <a:extLst>
               <a:ext uri="{FF2B5EF4-FFF2-40B4-BE49-F238E27FC236}">
-                <a16:creationId xmlns:a16="http://schemas.microsoft.com/office/drawing/2014/main" xmlns="" id="{B97A4B4B-7891-46E8-8E2C-4A43CE28BEDF}"/>
+                <a16:creationId xmlns:a16="http://schemas.microsoft.com/office/drawing/2014/main" id="{B97A4B4B-7891-46E8-8E2C-4A43CE28BEDF}"/>
               </a:ext>
             </a:extLst>
           </p:cNvPr>
@@ -8449,7 +8656,7 @@
           <p:cNvPr id="3" name="Text Placeholder 2">
             <a:extLst>
               <a:ext uri="{FF2B5EF4-FFF2-40B4-BE49-F238E27FC236}">
-                <a16:creationId xmlns:a16="http://schemas.microsoft.com/office/drawing/2014/main" xmlns="" id="{3911003D-388B-489E-B61B-028FD9516650}"/>
+                <a16:creationId xmlns:a16="http://schemas.microsoft.com/office/drawing/2014/main" id="{3911003D-388B-489E-B61B-028FD9516650}"/>
               </a:ext>
             </a:extLst>
           </p:cNvPr>
@@ -8516,7 +8723,7 @@
           <p:cNvPr id="5" name="Footer Placeholder 4">
             <a:extLst>
               <a:ext uri="{FF2B5EF4-FFF2-40B4-BE49-F238E27FC236}">
-                <a16:creationId xmlns:a16="http://schemas.microsoft.com/office/drawing/2014/main" xmlns="" id="{7FF24B16-6409-4A0B-A9E8-7BEDFCD3741B}"/>
+                <a16:creationId xmlns:a16="http://schemas.microsoft.com/office/drawing/2014/main" id="{7FF24B16-6409-4A0B-A9E8-7BEDFCD3741B}"/>
               </a:ext>
             </a:extLst>
           </p:cNvPr>
@@ -8562,7 +8769,7 @@
           <p:cNvPr id="8" name="Group 7">
             <a:extLst>
               <a:ext uri="{FF2B5EF4-FFF2-40B4-BE49-F238E27FC236}">
-                <a16:creationId xmlns:a16="http://schemas.microsoft.com/office/drawing/2014/main" xmlns="" id="{8C1E83E0-1C1D-47CB-853B-598DFFEE3018}"/>
+                <a16:creationId xmlns:a16="http://schemas.microsoft.com/office/drawing/2014/main" id="{8C1E83E0-1C1D-47CB-853B-598DFFEE3018}"/>
               </a:ext>
             </a:extLst>
           </p:cNvPr>
@@ -8582,7 +8789,7 @@
             <p:cNvPr id="9" name="Picture 8">
               <a:extLst>
                 <a:ext uri="{FF2B5EF4-FFF2-40B4-BE49-F238E27FC236}">
-                  <a16:creationId xmlns:a16="http://schemas.microsoft.com/office/drawing/2014/main" xmlns="" id="{C247AE3A-171B-4E36-8770-E111D72C8D51}"/>
+                  <a16:creationId xmlns:a16="http://schemas.microsoft.com/office/drawing/2014/main" id="{C247AE3A-171B-4E36-8770-E111D72C8D51}"/>
                 </a:ext>
               </a:extLst>
             </p:cNvPr>
@@ -8618,7 +8825,7 @@
             <p:cNvPr id="10" name="Picture 9">
               <a:extLst>
                 <a:ext uri="{FF2B5EF4-FFF2-40B4-BE49-F238E27FC236}">
-                  <a16:creationId xmlns:a16="http://schemas.microsoft.com/office/drawing/2014/main" xmlns="" id="{CB3072C0-B39B-4FDC-B4B6-E51875FEB3AC}"/>
+                  <a16:creationId xmlns:a16="http://schemas.microsoft.com/office/drawing/2014/main" id="{CB3072C0-B39B-4FDC-B4B6-E51875FEB3AC}"/>
                 </a:ext>
               </a:extLst>
             </p:cNvPr>
@@ -9039,7 +9246,7 @@
           <p:cNvPr id="2" name="Subtitle 1">
             <a:extLst>
               <a:ext uri="{FF2B5EF4-FFF2-40B4-BE49-F238E27FC236}">
-                <a16:creationId xmlns:a16="http://schemas.microsoft.com/office/drawing/2014/main" xmlns="" id="{ADD75101-8095-4B19-9BEE-04CEADF7EE94}"/>
+                <a16:creationId xmlns:a16="http://schemas.microsoft.com/office/drawing/2014/main" id="{ADD75101-8095-4B19-9BEE-04CEADF7EE94}"/>
               </a:ext>
             </a:extLst>
           </p:cNvPr>
@@ -9180,8 +9387,8 @@
         </p:nvSpPr>
         <p:spPr bwMode="auto">
           <a:xfrm>
-            <a:off x="365776" y="5668158"/>
-            <a:ext cx="8912639" cy="1077218"/>
+            <a:off x="365776" y="5811279"/>
+            <a:ext cx="8912639" cy="830997"/>
           </a:xfrm>
           <a:prstGeom prst="rect">
             <a:avLst/>
@@ -9231,26 +9438,8 @@
             <a:pPr eaLnBrk="1" hangingPunct="1"/>
             <a:r>
               <a:rPr lang="en-US" altLang="x-none" sz="1600" dirty="0"/>
-              <a:t>Treglia ML, Fisher RN, Fitzgerald LA (2015) Integrating Multiple Distribution Models to Guide Conservation Efforts of an Endangered Toad. PLOS ONE 10(6): e0131628. https://</a:t>
-            </a:r>
-            <a:r>
-              <a:rPr lang="en-US" altLang="x-none" sz="1600" dirty="0" err="1"/>
-              <a:t>doi.org</a:t>
-            </a:r>
-            <a:r>
-              <a:rPr lang="en-US" altLang="x-none" sz="1600" dirty="0"/>
-              <a:t>/10.1371/journal.pone.0131628</a:t>
-            </a:r>
-          </a:p>
-          <a:p>
-            <a:pPr eaLnBrk="1" hangingPunct="1"/>
-            <a:r>
-              <a:rPr lang="en-US" altLang="x-none" sz="1600" dirty="0">
-                <a:hlinkClick r:id="rId4"/>
-              </a:rPr>
-              <a:t>https://journals.plos.org/plosone/article?id=10.1371/journal.pone.0131628</a:t>
-            </a:r>
-            <a:endParaRPr lang="en-US" altLang="x-none" sz="1600" dirty="0"/>
+              <a:t>Treglia ML, Fisher RN, Fitzgerald LA (2015) Integrating Multiple Distribution Models to Guide Conservation Efforts of an Endangered Toad. PLOS ONE 10(6): e0131628. https://doi.org/10.1371/journal.pone.0131628</a:t>
+            </a:r>
           </a:p>
         </p:txBody>
       </p:sp>
@@ -9259,7 +9448,7 @@
           <p:cNvPr id="2" name="TextBox 1">
             <a:extLst>
               <a:ext uri="{FF2B5EF4-FFF2-40B4-BE49-F238E27FC236}">
-                <a16:creationId xmlns:a16="http://schemas.microsoft.com/office/drawing/2014/main" xmlns="" id="{BFFE6481-1D5A-4638-A2FA-4E9E083775B3}"/>
+                <a16:creationId xmlns:a16="http://schemas.microsoft.com/office/drawing/2014/main" id="{BFFE6481-1D5A-4638-A2FA-4E9E083775B3}"/>
               </a:ext>
             </a:extLst>
           </p:cNvPr>
@@ -9269,7 +9458,7 @@
         <p:spPr>
           <a:xfrm>
             <a:off x="6681216" y="1341120"/>
-            <a:ext cx="4474464" cy="2246769"/>
+            <a:ext cx="4474464" cy="2677656"/>
           </a:xfrm>
           <a:prstGeom prst="rect">
             <a:avLst/>
@@ -9282,13 +9471,19 @@
           </a:bodyPr>
           <a:lstStyle/>
           <a:p>
+            <a:r>
+              <a:rPr lang="en-US" sz="2800" dirty="0"/>
+              <a:t>Data sources:</a:t>
+            </a:r>
+          </a:p>
+          <a:p>
             <a:pPr marL="457200" indent="-457200">
               <a:buFontTx/>
               <a:buChar char="-"/>
             </a:pPr>
             <a:r>
               <a:rPr lang="en-US" sz="2800" dirty="0"/>
-              <a:t>Combined occurrence localities with museum records</a:t>
+              <a:t>USFWS localities</a:t>
             </a:r>
           </a:p>
           <a:p>
@@ -9297,9 +9492,29 @@
               <a:buChar char="-"/>
             </a:pPr>
             <a:r>
+              <a:rPr lang="en-US" sz="2800" dirty="0" err="1"/>
+              <a:t>HerpNet</a:t>
+            </a:r>
+            <a:r>
               <a:rPr lang="en-US" sz="2800" dirty="0"/>
-              <a:t>Mapped current suitable habitat</a:t>
-            </a:r>
+              <a:t> records</a:t>
+            </a:r>
+          </a:p>
+          <a:p>
+            <a:pPr marL="457200" indent="-457200">
+              <a:buFontTx/>
+              <a:buChar char="-"/>
+            </a:pPr>
+            <a:r>
+              <a:rPr lang="en-US" sz="2800" dirty="0"/>
+              <a:t>Museum records</a:t>
+            </a:r>
+          </a:p>
+          <a:p>
+            <a:endParaRPr lang="en-US" sz="2800" dirty="0"/>
+          </a:p>
+          <a:p>
+            <a:endParaRPr lang="en-US" sz="2800" dirty="0"/>
           </a:p>
         </p:txBody>
       </p:sp>
@@ -9313,14 +9528,6 @@
   <p:clrMapOvr>
     <a:masterClrMapping/>
   </p:clrMapOvr>
-  <mc:AlternateContent xmlns:mc="http://schemas.openxmlformats.org/markup-compatibility/2006">
-    <mc:Choice xmlns:p14="http://schemas.microsoft.com/office/powerpoint/2010/main" Requires="p14">
-      <p:transition spd="slow" p14:dur="2000"/>
-    </mc:Choice>
-    <mc:Fallback>
-      <p:transition spd="slow"/>
-    </mc:Fallback>
-  </mc:AlternateContent>
 </p:sld>
 </file>
 
@@ -9561,7 +9768,7 @@
           <p:cNvPr id="4" name="Group 3">
             <a:extLst>
               <a:ext uri="{FF2B5EF4-FFF2-40B4-BE49-F238E27FC236}">
-                <a16:creationId xmlns:a16="http://schemas.microsoft.com/office/drawing/2014/main" xmlns="" id="{CCE16A1A-1C51-4A74-9F46-66CEEEAC3615}"/>
+                <a16:creationId xmlns:a16="http://schemas.microsoft.com/office/drawing/2014/main" id="{CCE16A1A-1C51-4A74-9F46-66CEEEAC3615}"/>
               </a:ext>
             </a:extLst>
           </p:cNvPr>
@@ -9581,7 +9788,7 @@
             <p:cNvPr id="5" name="Shape 111">
               <a:extLst>
                 <a:ext uri="{FF2B5EF4-FFF2-40B4-BE49-F238E27FC236}">
-                  <a16:creationId xmlns:a16="http://schemas.microsoft.com/office/drawing/2014/main" xmlns="" id="{55C27F56-C30F-451C-8B40-7637FC79806D}"/>
+                  <a16:creationId xmlns:a16="http://schemas.microsoft.com/office/drawing/2014/main" id="{55C27F56-C30F-451C-8B40-7637FC79806D}"/>
                 </a:ext>
               </a:extLst>
             </p:cNvPr>
@@ -9614,7 +9821,7 @@
             <p:cNvPr id="6" name="Shape 113">
               <a:extLst>
                 <a:ext uri="{FF2B5EF4-FFF2-40B4-BE49-F238E27FC236}">
-                  <a16:creationId xmlns:a16="http://schemas.microsoft.com/office/drawing/2014/main" xmlns="" id="{502F1649-BE0F-41AF-A7CB-D063EA004434}"/>
+                  <a16:creationId xmlns:a16="http://schemas.microsoft.com/office/drawing/2014/main" id="{502F1649-BE0F-41AF-A7CB-D063EA004434}"/>
                 </a:ext>
               </a:extLst>
             </p:cNvPr>
@@ -9660,7 +9867,7 @@
             <p:cNvPr id="7" name="Shape 113">
               <a:extLst>
                 <a:ext uri="{FF2B5EF4-FFF2-40B4-BE49-F238E27FC236}">
-                  <a16:creationId xmlns:a16="http://schemas.microsoft.com/office/drawing/2014/main" xmlns="" id="{0C265412-64B5-4C24-9BC3-0A96A653064E}"/>
+                  <a16:creationId xmlns:a16="http://schemas.microsoft.com/office/drawing/2014/main" id="{0C265412-64B5-4C24-9BC3-0A96A653064E}"/>
                 </a:ext>
               </a:extLst>
             </p:cNvPr>
@@ -9706,7 +9913,7 @@
             <p:cNvPr id="8" name="Shape 113">
               <a:extLst>
                 <a:ext uri="{FF2B5EF4-FFF2-40B4-BE49-F238E27FC236}">
-                  <a16:creationId xmlns:a16="http://schemas.microsoft.com/office/drawing/2014/main" xmlns="" id="{9CE1BEE5-F4C0-44AC-85CF-8899B4396B7F}"/>
+                  <a16:creationId xmlns:a16="http://schemas.microsoft.com/office/drawing/2014/main" id="{9CE1BEE5-F4C0-44AC-85CF-8899B4396B7F}"/>
                 </a:ext>
               </a:extLst>
             </p:cNvPr>
@@ -9752,7 +9959,7 @@
             <p:cNvPr id="9" name="Shape 113">
               <a:extLst>
                 <a:ext uri="{FF2B5EF4-FFF2-40B4-BE49-F238E27FC236}">
-                  <a16:creationId xmlns:a16="http://schemas.microsoft.com/office/drawing/2014/main" xmlns="" id="{8FCD85AF-BACF-48E0-B59B-84D88BD9A7C1}"/>
+                  <a16:creationId xmlns:a16="http://schemas.microsoft.com/office/drawing/2014/main" id="{8FCD85AF-BACF-48E0-B59B-84D88BD9A7C1}"/>
                 </a:ext>
               </a:extLst>
             </p:cNvPr>
@@ -9798,7 +10005,7 @@
             <p:cNvPr id="10" name="Shape 113">
               <a:extLst>
                 <a:ext uri="{FF2B5EF4-FFF2-40B4-BE49-F238E27FC236}">
-                  <a16:creationId xmlns:a16="http://schemas.microsoft.com/office/drawing/2014/main" xmlns="" id="{9025ED15-8034-4F22-8E5E-BA830DC45C12}"/>
+                  <a16:creationId xmlns:a16="http://schemas.microsoft.com/office/drawing/2014/main" id="{9025ED15-8034-4F22-8E5E-BA830DC45C12}"/>
                 </a:ext>
               </a:extLst>
             </p:cNvPr>
@@ -9844,7 +10051,7 @@
             <p:cNvPr id="11" name="Shape 113">
               <a:extLst>
                 <a:ext uri="{FF2B5EF4-FFF2-40B4-BE49-F238E27FC236}">
-                  <a16:creationId xmlns:a16="http://schemas.microsoft.com/office/drawing/2014/main" xmlns="" id="{7180BD05-5D28-45C9-853B-03EC6C8B81BD}"/>
+                  <a16:creationId xmlns:a16="http://schemas.microsoft.com/office/drawing/2014/main" id="{7180BD05-5D28-45C9-853B-03EC6C8B81BD}"/>
                 </a:ext>
               </a:extLst>
             </p:cNvPr>
@@ -9891,7 +10098,7 @@
           <p:cNvPr id="12" name="Shape 113">
             <a:extLst>
               <a:ext uri="{FF2B5EF4-FFF2-40B4-BE49-F238E27FC236}">
-                <a16:creationId xmlns:a16="http://schemas.microsoft.com/office/drawing/2014/main" xmlns="" id="{99384AF0-5104-466A-9A8F-7BAB1DD226D5}"/>
+                <a16:creationId xmlns:a16="http://schemas.microsoft.com/office/drawing/2014/main" id="{99384AF0-5104-466A-9A8F-7BAB1DD226D5}"/>
               </a:ext>
             </a:extLst>
           </p:cNvPr>
@@ -9937,7 +10144,7 @@
           <p:cNvPr id="13" name="Shape 113">
             <a:extLst>
               <a:ext uri="{FF2B5EF4-FFF2-40B4-BE49-F238E27FC236}">
-                <a16:creationId xmlns:a16="http://schemas.microsoft.com/office/drawing/2014/main" xmlns="" id="{94E44212-1369-46C7-B986-136784FC5950}"/>
+                <a16:creationId xmlns:a16="http://schemas.microsoft.com/office/drawing/2014/main" id="{94E44212-1369-46C7-B986-136784FC5950}"/>
               </a:ext>
             </a:extLst>
           </p:cNvPr>
@@ -9983,7 +10190,7 @@
           <p:cNvPr id="14" name="Shape 113">
             <a:extLst>
               <a:ext uri="{FF2B5EF4-FFF2-40B4-BE49-F238E27FC236}">
-                <a16:creationId xmlns:a16="http://schemas.microsoft.com/office/drawing/2014/main" xmlns="" id="{C6279FF8-A817-4C22-B0A8-018FFCD397A4}"/>
+                <a16:creationId xmlns:a16="http://schemas.microsoft.com/office/drawing/2014/main" id="{C6279FF8-A817-4C22-B0A8-018FFCD397A4}"/>
               </a:ext>
             </a:extLst>
           </p:cNvPr>
@@ -10029,7 +10236,7 @@
           <p:cNvPr id="15" name="Shape 113">
             <a:extLst>
               <a:ext uri="{FF2B5EF4-FFF2-40B4-BE49-F238E27FC236}">
-                <a16:creationId xmlns:a16="http://schemas.microsoft.com/office/drawing/2014/main" xmlns="" id="{FF26BF26-19F8-45A3-A5C4-7A8CE7187096}"/>
+                <a16:creationId xmlns:a16="http://schemas.microsoft.com/office/drawing/2014/main" id="{FF26BF26-19F8-45A3-A5C4-7A8CE7187096}"/>
               </a:ext>
             </a:extLst>
           </p:cNvPr>
@@ -10075,7 +10282,7 @@
           <p:cNvPr id="16" name="Shape 113">
             <a:extLst>
               <a:ext uri="{FF2B5EF4-FFF2-40B4-BE49-F238E27FC236}">
-                <a16:creationId xmlns:a16="http://schemas.microsoft.com/office/drawing/2014/main" xmlns="" id="{4B19427B-A8FF-492A-905A-18E2191FF363}"/>
+                <a16:creationId xmlns:a16="http://schemas.microsoft.com/office/drawing/2014/main" id="{4B19427B-A8FF-492A-905A-18E2191FF363}"/>
               </a:ext>
             </a:extLst>
           </p:cNvPr>
@@ -10121,7 +10328,7 @@
           <p:cNvPr id="17" name="Shape 113">
             <a:extLst>
               <a:ext uri="{FF2B5EF4-FFF2-40B4-BE49-F238E27FC236}">
-                <a16:creationId xmlns:a16="http://schemas.microsoft.com/office/drawing/2014/main" xmlns="" id="{3AD2A4AE-C724-446A-B332-AC8E51280A71}"/>
+                <a16:creationId xmlns:a16="http://schemas.microsoft.com/office/drawing/2014/main" id="{3AD2A4AE-C724-446A-B332-AC8E51280A71}"/>
               </a:ext>
             </a:extLst>
           </p:cNvPr>
@@ -10449,7 +10656,7 @@
               <a:buSzPct val="25000"/>
             </a:pPr>
             <a:r>
-              <a:rPr lang="en-US" sz="4000" dirty="0" smtClean="0">
+              <a:rPr lang="en-US" sz="4000" dirty="0">
                 <a:sym typeface="Calibri"/>
               </a:rPr>
               <a:t>Generating “pseudo-absences”</a:t>
@@ -10529,10 +10736,9 @@
           </a:p>
           <a:p>
             <a:r>
-              <a:rPr lang="en-US" dirty="0" smtClean="0"/>
+              <a:rPr lang="en-US" dirty="0"/>
               <a:t>Different methods of generating background points or pseudo-absences have different assumptions</a:t>
             </a:r>
-            <a:endParaRPr lang="en-US" dirty="0" smtClean="0"/>
           </a:p>
           <a:p>
             <a:endParaRPr lang="en-US" dirty="0"/>
@@ -10540,7 +10746,7 @@
           <a:p>
             <a:r>
               <a:rPr lang="en-US" dirty="0"/>
-              <a:t>Now you have a dataset of 0s and 1s – use logistic regression to estimate effects of environmental covariates</a:t>
+              <a:t>Generates a dataset of 0s and 1s – use logistic regression to estimate effects of environmental covariates</a:t>
             </a:r>
           </a:p>
           <a:p>
@@ -10916,136 +11122,10 @@
               <a:buSzPct val="25000"/>
             </a:pPr>
             <a:r>
-              <a:rPr lang="en-US" sz="3600" dirty="0">
-                <a:solidFill>
-                  <a:schemeClr val="dk1"/>
-                </a:solidFill>
-                <a:latin typeface="Calibri"/>
-                <a:ea typeface="Calibri"/>
-                <a:cs typeface="Calibri"/>
-                <a:sym typeface="Calibri"/>
-              </a:rPr>
-              <a:t>Some caveats about presence-only models*</a:t>
-            </a:r>
-          </a:p>
-        </p:txBody>
-      </p:sp>
-      <p:sp>
-        <p:nvSpPr>
-          <p:cNvPr id="101" name="Shape 101"/>
-          <p:cNvSpPr txBox="1">
-            <a:spLocks noGrp="1"/>
-          </p:cNvSpPr>
-          <p:nvPr>
-            <p:ph sz="quarter" idx="1"/>
-          </p:nvPr>
-        </p:nvSpPr>
-        <p:spPr>
-          <a:xfrm>
-            <a:off x="406400" y="1371601"/>
-            <a:ext cx="11379200" cy="4526100"/>
-          </a:xfrm>
-          <a:prstGeom prst="rect">
-            <a:avLst/>
-          </a:prstGeom>
-          <a:noFill/>
-          <a:ln>
-            <a:noFill/>
-          </a:ln>
-        </p:spPr>
-        <p:txBody>
-          <a:bodyPr vert="horz" wrap="square" lIns="121900" tIns="60933" rIns="121900" bIns="60933" rtlCol="0" anchor="t" anchorCtr="0">
-            <a:noAutofit/>
-          </a:bodyPr>
-          <a:lstStyle/>
-          <a:p>
-            <a:pPr marL="533398" indent="-457200">
-              <a:spcBef>
-                <a:spcPts val="640"/>
-              </a:spcBef>
-            </a:pPr>
-            <a:r>
-              <a:rPr lang="en-US" dirty="0">
-                <a:solidFill>
-                  <a:schemeClr val="dk1"/>
-                </a:solidFill>
-                <a:sym typeface="Calibri"/>
-              </a:rPr>
-              <a:t>Temptation for overfitting</a:t>
-            </a:r>
-          </a:p>
-          <a:p>
-            <a:pPr marL="533398" indent="-457200">
-              <a:spcBef>
-                <a:spcPts val="640"/>
-              </a:spcBef>
-            </a:pPr>
-            <a:r>
-              <a:rPr lang="en-US" dirty="0">
-                <a:solidFill>
-                  <a:schemeClr val="dk1"/>
-                </a:solidFill>
-                <a:sym typeface="Calibri"/>
-              </a:rPr>
-              <a:t>Potential observation bias</a:t>
-            </a:r>
-            <a:endParaRPr lang="en-US" sz="2400" dirty="0">
-              <a:solidFill>
-                <a:schemeClr val="dk1"/>
-              </a:solidFill>
-              <a:sym typeface="Calibri"/>
-            </a:endParaRPr>
-          </a:p>
-          <a:p>
-            <a:pPr marL="533398" indent="-457200">
-              <a:spcBef>
-                <a:spcPts val="640"/>
-              </a:spcBef>
-            </a:pPr>
-            <a:r>
-              <a:rPr lang="en-US" dirty="0">
-                <a:solidFill>
-                  <a:schemeClr val="dk1"/>
-                </a:solidFill>
-                <a:sym typeface="Calibri"/>
-              </a:rPr>
-              <a:t>Be careful with extrapolation (both spatial and temporal)</a:t>
-            </a:r>
-          </a:p>
-          <a:p>
-            <a:pPr marL="533398" indent="-457200">
-              <a:spcBef>
-                <a:spcPts val="640"/>
-              </a:spcBef>
-            </a:pPr>
-            <a:r>
-              <a:rPr lang="en-US" dirty="0">
-                <a:solidFill>
-                  <a:schemeClr val="dk1"/>
-                </a:solidFill>
-                <a:sym typeface="Calibri"/>
-              </a:rPr>
-              <a:t>Omission &amp; commission errors</a:t>
-            </a:r>
-            <a:endParaRPr sz="2400" dirty="0">
-              <a:solidFill>
-                <a:schemeClr val="dk1"/>
-              </a:solidFill>
-              <a:sym typeface="Calibri"/>
-            </a:endParaRPr>
-          </a:p>
-          <a:p>
-            <a:pPr marL="457189" indent="-457189">
-              <a:spcBef>
-                <a:spcPts val="747"/>
-              </a:spcBef>
-              <a:buClr>
-                <a:schemeClr val="dk1"/>
-              </a:buClr>
-              <a:buSzPct val="100000"/>
-              <a:buNone/>
-            </a:pPr>
-            <a:endParaRPr sz="3200" dirty="0">
+              <a:rPr lang="en-US" dirty="0"/>
+              <a:t>Logistic regression</a:t>
+            </a:r>
+            <a:endParaRPr lang="en-US" dirty="0">
               <a:solidFill>
                 <a:schemeClr val="dk1"/>
               </a:solidFill>
@@ -11055,68 +11135,42 @@
               <a:sym typeface="Calibri"/>
             </a:endParaRPr>
           </a:p>
-          <a:p>
-            <a:pPr marL="457189" indent="-457189">
-              <a:spcBef>
-                <a:spcPts val="747"/>
-              </a:spcBef>
-              <a:buClr>
-                <a:schemeClr val="dk1"/>
-              </a:buClr>
-              <a:buSzPct val="100000"/>
-              <a:buNone/>
-            </a:pPr>
-            <a:endParaRPr sz="3200" dirty="0">
-              <a:solidFill>
-                <a:schemeClr val="dk1"/>
-              </a:solidFill>
-              <a:latin typeface="Calibri"/>
-              <a:ea typeface="Calibri"/>
-              <a:cs typeface="Calibri"/>
-              <a:sym typeface="Calibri"/>
-            </a:endParaRPr>
-          </a:p>
         </p:txBody>
       </p:sp>
-      <p:sp>
-        <p:nvSpPr>
-          <p:cNvPr id="2" name="TextBox 1">
+      <p:pic>
+        <p:nvPicPr>
+          <p:cNvPr id="6" name="Picture 5">
             <a:extLst>
               <a:ext uri="{FF2B5EF4-FFF2-40B4-BE49-F238E27FC236}">
-                <a16:creationId xmlns:a16="http://schemas.microsoft.com/office/drawing/2014/main" xmlns="" id="{53A6D985-8AA5-4EA3-AAB9-CE9A9772FE68}"/>
+                <a16:creationId xmlns:a16="http://schemas.microsoft.com/office/drawing/2014/main" id="{E068D714-D398-465E-B613-657A3BD27587}"/>
               </a:ext>
             </a:extLst>
           </p:cNvPr>
-          <p:cNvSpPr txBox="1"/>
+          <p:cNvPicPr>
+            <a:picLocks noChangeAspect="1"/>
+          </p:cNvPicPr>
           <p:nvPr/>
-        </p:nvSpPr>
+        </p:nvPicPr>
+        <p:blipFill>
+          <a:blip r:embed="rId3"/>
+          <a:stretch>
+            <a:fillRect/>
+          </a:stretch>
+        </p:blipFill>
         <p:spPr>
           <a:xfrm>
-            <a:off x="609600" y="5798403"/>
-            <a:ext cx="8424672" cy="830997"/>
+            <a:off x="1937852" y="1371600"/>
+            <a:ext cx="7461730" cy="4798515"/>
           </a:xfrm>
           <a:prstGeom prst="rect">
             <a:avLst/>
           </a:prstGeom>
-          <a:noFill/>
         </p:spPr>
-        <p:txBody>
-          <a:bodyPr wrap="square" rtlCol="0">
-            <a:spAutoFit/>
-          </a:bodyPr>
-          <a:lstStyle/>
-          <a:p>
-            <a:r>
-              <a:rPr lang="en-US" sz="2400" i="1" dirty="0"/>
-              <a:t>*not just presence-only models, these apply to many different modeling cases!</a:t>
-            </a:r>
-          </a:p>
-        </p:txBody>
-      </p:sp>
+      </p:pic>
     </p:spTree>
     <p:extLst>
       <p:ext uri="{BB962C8B-B14F-4D97-AF65-F5344CB8AC3E}">
-        <p14:creationId xmlns:p14="http://schemas.microsoft.com/office/powerpoint/2010/main" val="3897923427"/>
+        <p14:creationId xmlns:p14="http://schemas.microsoft.com/office/powerpoint/2010/main" val="595906849"/>
       </p:ext>
     </p:extLst>
   </p:cSld>
@@ -11191,7 +11245,7 @@
                 <a:cs typeface="Calibri"/>
                 <a:sym typeface="Calibri"/>
               </a:rPr>
-              <a:t>Some caveats about presence-only models</a:t>
+              <a:t>Some caveats about presence-only models*</a:t>
             </a:r>
           </a:p>
         </p:txBody>
@@ -11241,7 +11295,7 @@
             </a:r>
           </a:p>
           <a:p>
-            <a:pPr marL="784849" lvl="1" indent="-342900">
+            <a:pPr marL="533398" indent="-457200">
               <a:spcBef>
                 <a:spcPts val="640"/>
               </a:spcBef>
@@ -11253,11 +11307,17 @@
                 </a:solidFill>
                 <a:sym typeface="Calibri"/>
               </a:rPr>
-              <a:t>The number of terms in the model should not exceed the number of observations </a:t>
-            </a:r>
-          </a:p>
-          <a:p>
-            <a:pPr marL="784849" lvl="1" indent="-342900">
+              <a:t>Potential observation bias</a:t>
+            </a:r>
+            <a:endParaRPr lang="en-US" sz="2400" dirty="0">
+              <a:solidFill>
+                <a:schemeClr val="dk1"/>
+              </a:solidFill>
+              <a:sym typeface="Calibri"/>
+            </a:endParaRPr>
+          </a:p>
+          <a:p>
+            <a:pPr marL="533398" indent="-457200">
               <a:spcBef>
                 <a:spcPts val="640"/>
               </a:spcBef>
@@ -11269,8 +11329,30 @@
                 </a:solidFill>
                 <a:sym typeface="Calibri"/>
               </a:rPr>
-              <a:t>Consider ecologically-relevant environmental variables to include</a:t>
-            </a:r>
+              <a:t>Be careful with extrapolation (both spatial and temporal)</a:t>
+            </a:r>
+          </a:p>
+          <a:p>
+            <a:pPr marL="533398" indent="-457200">
+              <a:spcBef>
+                <a:spcPts val="640"/>
+              </a:spcBef>
+            </a:pPr>
+            <a:r>
+              <a:rPr lang="en-US" dirty="0">
+                <a:solidFill>
+                  <a:schemeClr val="dk1"/>
+                </a:solidFill>
+                <a:sym typeface="Calibri"/>
+              </a:rPr>
+              <a:t>Omission &amp; commission errors</a:t>
+            </a:r>
+            <a:endParaRPr sz="2400" dirty="0">
+              <a:solidFill>
+                <a:schemeClr val="dk1"/>
+              </a:solidFill>
+              <a:sym typeface="Calibri"/>
+            </a:endParaRPr>
           </a:p>
           <a:p>
             <a:pPr marL="457189" indent="-457189">
@@ -11316,6 +11398,244 @@
           </a:p>
         </p:txBody>
       </p:sp>
+      <p:sp>
+        <p:nvSpPr>
+          <p:cNvPr id="2" name="TextBox 1">
+            <a:extLst>
+              <a:ext uri="{FF2B5EF4-FFF2-40B4-BE49-F238E27FC236}">
+                <a16:creationId xmlns:a16="http://schemas.microsoft.com/office/drawing/2014/main" id="{53A6D985-8AA5-4EA3-AAB9-CE9A9772FE68}"/>
+              </a:ext>
+            </a:extLst>
+          </p:cNvPr>
+          <p:cNvSpPr txBox="1"/>
+          <p:nvPr/>
+        </p:nvSpPr>
+        <p:spPr>
+          <a:xfrm>
+            <a:off x="609600" y="5798403"/>
+            <a:ext cx="8424672" cy="461665"/>
+          </a:xfrm>
+          <a:prstGeom prst="rect">
+            <a:avLst/>
+          </a:prstGeom>
+          <a:noFill/>
+        </p:spPr>
+        <p:txBody>
+          <a:bodyPr wrap="square" rtlCol="0">
+            <a:spAutoFit/>
+          </a:bodyPr>
+          <a:lstStyle/>
+          <a:p>
+            <a:r>
+              <a:rPr lang="en-US" sz="2400" i="1" dirty="0"/>
+              <a:t>*and modeling in general</a:t>
+            </a:r>
+          </a:p>
+        </p:txBody>
+      </p:sp>
+    </p:spTree>
+    <p:extLst>
+      <p:ext uri="{BB962C8B-B14F-4D97-AF65-F5344CB8AC3E}">
+        <p14:creationId xmlns:p14="http://schemas.microsoft.com/office/powerpoint/2010/main" val="3897923427"/>
+      </p:ext>
+    </p:extLst>
+  </p:cSld>
+  <p:clrMapOvr>
+    <a:masterClrMapping/>
+  </p:clrMapOvr>
+</p:sld>
+</file>
+
+<file path=ppt/slides/slide16.xml><?xml version="1.0" encoding="utf-8"?>
+<p:sld xmlns:a="http://schemas.openxmlformats.org/drawingml/2006/main" xmlns:r="http://schemas.openxmlformats.org/officeDocument/2006/relationships" xmlns:p="http://schemas.openxmlformats.org/presentationml/2006/main">
+  <p:cSld>
+    <p:spTree>
+      <p:nvGrpSpPr>
+        <p:cNvPr id="1" name="Shape 99"/>
+        <p:cNvGrpSpPr/>
+        <p:nvPr/>
+      </p:nvGrpSpPr>
+      <p:grpSpPr>
+        <a:xfrm>
+          <a:off x="0" y="0"/>
+          <a:ext cx="0" cy="0"/>
+          <a:chOff x="0" y="0"/>
+          <a:chExt cx="0" cy="0"/>
+        </a:xfrm>
+      </p:grpSpPr>
+      <p:sp>
+        <p:nvSpPr>
+          <p:cNvPr id="100" name="Shape 100"/>
+          <p:cNvSpPr txBox="1">
+            <a:spLocks noGrp="1"/>
+          </p:cNvSpPr>
+          <p:nvPr>
+            <p:ph type="title"/>
+          </p:nvPr>
+        </p:nvSpPr>
+        <p:spPr>
+          <a:xfrm>
+            <a:off x="609600" y="228600"/>
+            <a:ext cx="10972800" cy="1143000"/>
+          </a:xfrm>
+          <a:prstGeom prst="rect">
+            <a:avLst/>
+          </a:prstGeom>
+          <a:noFill/>
+          <a:ln>
+            <a:noFill/>
+          </a:ln>
+        </p:spPr>
+        <p:txBody>
+          <a:bodyPr vert="horz" wrap="square" lIns="121900" tIns="60933" rIns="121900" bIns="60933" rtlCol="0" anchor="ctr" anchorCtr="0">
+            <a:noAutofit/>
+          </a:bodyPr>
+          <a:lstStyle/>
+          <a:p>
+            <a:pPr>
+              <a:spcBef>
+                <a:spcPts val="0"/>
+              </a:spcBef>
+              <a:buClr>
+                <a:schemeClr val="dk1"/>
+              </a:buClr>
+              <a:buSzPct val="25000"/>
+            </a:pPr>
+            <a:r>
+              <a:rPr lang="en-US" sz="3600" dirty="0">
+                <a:solidFill>
+                  <a:schemeClr val="dk1"/>
+                </a:solidFill>
+                <a:latin typeface="Calibri"/>
+                <a:ea typeface="Calibri"/>
+                <a:cs typeface="Calibri"/>
+                <a:sym typeface="Calibri"/>
+              </a:rPr>
+              <a:t>Some caveats about presence-only models</a:t>
+            </a:r>
+          </a:p>
+        </p:txBody>
+      </p:sp>
+      <p:sp>
+        <p:nvSpPr>
+          <p:cNvPr id="101" name="Shape 101"/>
+          <p:cNvSpPr txBox="1">
+            <a:spLocks noGrp="1"/>
+          </p:cNvSpPr>
+          <p:nvPr>
+            <p:ph sz="quarter" idx="1"/>
+          </p:nvPr>
+        </p:nvSpPr>
+        <p:spPr>
+          <a:xfrm>
+            <a:off x="406400" y="1371601"/>
+            <a:ext cx="11379200" cy="4526100"/>
+          </a:xfrm>
+          <a:prstGeom prst="rect">
+            <a:avLst/>
+          </a:prstGeom>
+          <a:noFill/>
+          <a:ln>
+            <a:noFill/>
+          </a:ln>
+        </p:spPr>
+        <p:txBody>
+          <a:bodyPr vert="horz" wrap="square" lIns="121900" tIns="60933" rIns="121900" bIns="60933" rtlCol="0" anchor="t" anchorCtr="0">
+            <a:noAutofit/>
+          </a:bodyPr>
+          <a:lstStyle/>
+          <a:p>
+            <a:pPr marL="533398" indent="-457200">
+              <a:spcBef>
+                <a:spcPts val="640"/>
+              </a:spcBef>
+            </a:pPr>
+            <a:r>
+              <a:rPr lang="en-US" dirty="0">
+                <a:solidFill>
+                  <a:schemeClr val="dk1"/>
+                </a:solidFill>
+                <a:sym typeface="Calibri"/>
+              </a:rPr>
+              <a:t>Temptation for overfitting</a:t>
+            </a:r>
+          </a:p>
+          <a:p>
+            <a:pPr marL="784849" lvl="1" indent="-342900">
+              <a:spcBef>
+                <a:spcPts val="640"/>
+              </a:spcBef>
+            </a:pPr>
+            <a:r>
+              <a:rPr lang="en-US" dirty="0">
+                <a:solidFill>
+                  <a:schemeClr val="dk1"/>
+                </a:solidFill>
+                <a:sym typeface="Calibri"/>
+              </a:rPr>
+              <a:t>The number of terms in the model should not exceed the number of observations </a:t>
+            </a:r>
+          </a:p>
+          <a:p>
+            <a:pPr marL="784849" lvl="1" indent="-342900">
+              <a:spcBef>
+                <a:spcPts val="640"/>
+              </a:spcBef>
+            </a:pPr>
+            <a:r>
+              <a:rPr lang="en-US" dirty="0">
+                <a:solidFill>
+                  <a:schemeClr val="dk1"/>
+                </a:solidFill>
+                <a:sym typeface="Calibri"/>
+              </a:rPr>
+              <a:t>Consider ecologically-relevant environmental variables to include</a:t>
+            </a:r>
+          </a:p>
+          <a:p>
+            <a:pPr marL="457189" indent="-457189">
+              <a:spcBef>
+                <a:spcPts val="747"/>
+              </a:spcBef>
+              <a:buClr>
+                <a:schemeClr val="dk1"/>
+              </a:buClr>
+              <a:buSzPct val="100000"/>
+              <a:buNone/>
+            </a:pPr>
+            <a:endParaRPr sz="3200" dirty="0">
+              <a:solidFill>
+                <a:schemeClr val="dk1"/>
+              </a:solidFill>
+              <a:latin typeface="Calibri"/>
+              <a:ea typeface="Calibri"/>
+              <a:cs typeface="Calibri"/>
+              <a:sym typeface="Calibri"/>
+            </a:endParaRPr>
+          </a:p>
+          <a:p>
+            <a:pPr marL="457189" indent="-457189">
+              <a:spcBef>
+                <a:spcPts val="747"/>
+              </a:spcBef>
+              <a:buClr>
+                <a:schemeClr val="dk1"/>
+              </a:buClr>
+              <a:buSzPct val="100000"/>
+              <a:buNone/>
+            </a:pPr>
+            <a:endParaRPr sz="3200" dirty="0">
+              <a:solidFill>
+                <a:schemeClr val="dk1"/>
+              </a:solidFill>
+              <a:latin typeface="Calibri"/>
+              <a:ea typeface="Calibri"/>
+              <a:cs typeface="Calibri"/>
+              <a:sym typeface="Calibri"/>
+            </a:endParaRPr>
+          </a:p>
+        </p:txBody>
+      </p:sp>
     </p:spTree>
     <p:extLst>
       <p:ext uri="{BB962C8B-B14F-4D97-AF65-F5344CB8AC3E}">
@@ -11329,7 +11649,7 @@
 </p:sld>
 </file>
 
-<file path=ppt/slides/slide16.xml><?xml version="1.0" encoding="utf-8"?>
+<file path=ppt/slides/slide17.xml><?xml version="1.0" encoding="utf-8"?>
 <p:sld xmlns:a="http://schemas.openxmlformats.org/drawingml/2006/main" xmlns:r="http://schemas.openxmlformats.org/officeDocument/2006/relationships" xmlns:p="http://schemas.openxmlformats.org/presentationml/2006/main">
   <p:cSld>
     <p:spTree>
@@ -14042,7 +14362,7 @@
 </p:sld>
 </file>
 
-<file path=ppt/slides/slide17.xml><?xml version="1.0" encoding="utf-8"?>
+<file path=ppt/slides/slide18.xml><?xml version="1.0" encoding="utf-8"?>
 <p:sld xmlns:a="http://schemas.openxmlformats.org/drawingml/2006/main" xmlns:r="http://schemas.openxmlformats.org/officeDocument/2006/relationships" xmlns:p="http://schemas.openxmlformats.org/presentationml/2006/main">
   <p:cSld>
     <p:spTree>
@@ -14121,7 +14441,7 @@
 </p:sld>
 </file>
 
-<file path=ppt/slides/slide18.xml><?xml version="1.0" encoding="utf-8"?>
+<file path=ppt/slides/slide19.xml><?xml version="1.0" encoding="utf-8"?>
 <p:sld xmlns:a="http://schemas.openxmlformats.org/drawingml/2006/main" xmlns:r="http://schemas.openxmlformats.org/officeDocument/2006/relationships" xmlns:p="http://schemas.openxmlformats.org/presentationml/2006/main">
   <p:cSld>
     <p:spTree>
@@ -14316,197 +14636,6 @@
     <p:extLst>
       <p:ext uri="{BB962C8B-B14F-4D97-AF65-F5344CB8AC3E}">
         <p14:creationId xmlns:p14="http://schemas.microsoft.com/office/powerpoint/2010/main" val="650890248"/>
-      </p:ext>
-    </p:extLst>
-  </p:cSld>
-  <p:clrMapOvr>
-    <a:masterClrMapping/>
-  </p:clrMapOvr>
-</p:sld>
-</file>
-
-<file path=ppt/slides/slide19.xml><?xml version="1.0" encoding="utf-8"?>
-<p:sld xmlns:a="http://schemas.openxmlformats.org/drawingml/2006/main" xmlns:r="http://schemas.openxmlformats.org/officeDocument/2006/relationships" xmlns:p="http://schemas.openxmlformats.org/presentationml/2006/main">
-  <p:cSld>
-    <p:spTree>
-      <p:nvGrpSpPr>
-        <p:cNvPr id="1" name=""/>
-        <p:cNvGrpSpPr/>
-        <p:nvPr/>
-      </p:nvGrpSpPr>
-      <p:grpSpPr>
-        <a:xfrm>
-          <a:off x="0" y="0"/>
-          <a:ext cx="0" cy="0"/>
-          <a:chOff x="0" y="0"/>
-          <a:chExt cx="0" cy="0"/>
-        </a:xfrm>
-      </p:grpSpPr>
-      <p:sp>
-        <p:nvSpPr>
-          <p:cNvPr id="2" name="Title 1"/>
-          <p:cNvSpPr>
-            <a:spLocks noGrp="1"/>
-          </p:cNvSpPr>
-          <p:nvPr>
-            <p:ph type="title"/>
-          </p:nvPr>
-        </p:nvSpPr>
-        <p:spPr>
-          <a:xfrm>
-            <a:off x="633085" y="120764"/>
-            <a:ext cx="10515600" cy="1325563"/>
-          </a:xfrm>
-        </p:spPr>
-        <p:txBody>
-          <a:bodyPr>
-            <a:normAutofit/>
-          </a:bodyPr>
-          <a:lstStyle/>
-          <a:p>
-            <a:r>
-              <a:rPr lang="en-US" dirty="0"/>
-              <a:t>Observation bias</a:t>
-            </a:r>
-          </a:p>
-        </p:txBody>
-      </p:sp>
-      <p:pic>
-        <p:nvPicPr>
-          <p:cNvPr id="5" name="Picture 4"/>
-          <p:cNvPicPr>
-            <a:picLocks noChangeAspect="1"/>
-          </p:cNvPicPr>
-          <p:nvPr/>
-        </p:nvPicPr>
-        <p:blipFill rotWithShape="1">
-          <a:blip r:embed="rId3">
-            <a:extLst>
-              <a:ext uri="{28A0092B-C50C-407E-A947-70E740481C1C}">
-                <a14:useLocalDpi xmlns:a14="http://schemas.microsoft.com/office/drawing/2010/main" val="0"/>
-              </a:ext>
-            </a:extLst>
-          </a:blip>
-          <a:srcRect r="36242"/>
-          <a:stretch/>
-        </p:blipFill>
-        <p:spPr>
-          <a:xfrm>
-            <a:off x="38101" y="1101200"/>
-            <a:ext cx="5854700" cy="4791285"/>
-          </a:xfrm>
-          <a:prstGeom prst="rect">
-            <a:avLst/>
-          </a:prstGeom>
-        </p:spPr>
-      </p:pic>
-      <p:pic>
-        <p:nvPicPr>
-          <p:cNvPr id="6" name="Picture 5"/>
-          <p:cNvPicPr>
-            <a:picLocks noChangeAspect="1"/>
-          </p:cNvPicPr>
-          <p:nvPr/>
-        </p:nvPicPr>
-        <p:blipFill>
-          <a:blip r:embed="rId4" cstate="print">
-            <a:extLst>
-              <a:ext uri="{28A0092B-C50C-407E-A947-70E740481C1C}">
-                <a14:useLocalDpi xmlns:a14="http://schemas.microsoft.com/office/drawing/2010/main" val="0"/>
-              </a:ext>
-            </a:extLst>
-          </a:blip>
-          <a:stretch>
-            <a:fillRect/>
-          </a:stretch>
-        </p:blipFill>
-        <p:spPr>
-          <a:xfrm>
-            <a:off x="5994400" y="1413352"/>
-            <a:ext cx="6069160" cy="3846096"/>
-          </a:xfrm>
-          <a:prstGeom prst="rect">
-            <a:avLst/>
-          </a:prstGeom>
-        </p:spPr>
-      </p:pic>
-      <p:sp>
-        <p:nvSpPr>
-          <p:cNvPr id="7" name="TextBox 6"/>
-          <p:cNvSpPr txBox="1"/>
-          <p:nvPr/>
-        </p:nvSpPr>
-        <p:spPr>
-          <a:xfrm>
-            <a:off x="7213601" y="5262854"/>
-            <a:ext cx="4442106" cy="830997"/>
-          </a:xfrm>
-          <a:prstGeom prst="rect">
-            <a:avLst/>
-          </a:prstGeom>
-          <a:noFill/>
-        </p:spPr>
-        <p:txBody>
-          <a:bodyPr wrap="square" rtlCol="0">
-            <a:spAutoFit/>
-          </a:bodyPr>
-          <a:lstStyle/>
-          <a:p>
-            <a:r>
-              <a:rPr lang="en-US" sz="2400" b="1" dirty="0" smtClean="0">
-                <a:latin typeface="Calibri" panose="020F0502020204030204" pitchFamily="34" charset="0"/>
-              </a:rPr>
-              <a:t>Human p</a:t>
-            </a:r>
-            <a:r>
-              <a:rPr lang="en-US" sz="2400" b="1" dirty="0" smtClean="0">
-                <a:latin typeface="Calibri" panose="020F0502020204030204" pitchFamily="34" charset="0"/>
-              </a:rPr>
-              <a:t>opulation </a:t>
-            </a:r>
-            <a:r>
-              <a:rPr lang="en-US" sz="2400" b="1" dirty="0">
-                <a:latin typeface="Calibri" panose="020F0502020204030204" pitchFamily="34" charset="0"/>
-              </a:rPr>
-              <a:t>density, 2010 US Census</a:t>
-            </a:r>
-          </a:p>
-        </p:txBody>
-      </p:sp>
-      <p:pic>
-        <p:nvPicPr>
-          <p:cNvPr id="8" name="Picture 7"/>
-          <p:cNvPicPr>
-            <a:picLocks noChangeAspect="1"/>
-          </p:cNvPicPr>
-          <p:nvPr/>
-        </p:nvPicPr>
-        <p:blipFill>
-          <a:blip r:embed="rId5" cstate="print">
-            <a:extLst>
-              <a:ext uri="{28A0092B-C50C-407E-A947-70E740481C1C}">
-                <a14:useLocalDpi xmlns:a14="http://schemas.microsoft.com/office/drawing/2010/main" val="0"/>
-              </a:ext>
-            </a:extLst>
-          </a:blip>
-          <a:stretch>
-            <a:fillRect/>
-          </a:stretch>
-        </p:blipFill>
-        <p:spPr>
-          <a:xfrm>
-            <a:off x="4865844" y="4314598"/>
-            <a:ext cx="2257113" cy="1194389"/>
-          </a:xfrm>
-          <a:prstGeom prst="rect">
-            <a:avLst/>
-          </a:prstGeom>
-        </p:spPr>
-      </p:pic>
-    </p:spTree>
-    <p:extLst>
-      <p:ext uri="{BB962C8B-B14F-4D97-AF65-F5344CB8AC3E}">
-        <p14:creationId xmlns:p14="http://schemas.microsoft.com/office/powerpoint/2010/main" val="1356141860"/>
       </p:ext>
     </p:extLst>
   </p:cSld>
@@ -15161,6 +15290,185 @@
   <p:cSld>
     <p:spTree>
       <p:nvGrpSpPr>
+        <p:cNvPr id="1" name=""/>
+        <p:cNvGrpSpPr/>
+        <p:nvPr/>
+      </p:nvGrpSpPr>
+      <p:grpSpPr>
+        <a:xfrm>
+          <a:off x="0" y="0"/>
+          <a:ext cx="0" cy="0"/>
+          <a:chOff x="0" y="0"/>
+          <a:chExt cx="0" cy="0"/>
+        </a:xfrm>
+      </p:grpSpPr>
+      <p:sp>
+        <p:nvSpPr>
+          <p:cNvPr id="2" name="Title 1"/>
+          <p:cNvSpPr>
+            <a:spLocks noGrp="1"/>
+          </p:cNvSpPr>
+          <p:nvPr>
+            <p:ph type="title"/>
+          </p:nvPr>
+        </p:nvSpPr>
+        <p:spPr>
+          <a:xfrm>
+            <a:off x="633085" y="120764"/>
+            <a:ext cx="10515600" cy="1325563"/>
+          </a:xfrm>
+        </p:spPr>
+        <p:txBody>
+          <a:bodyPr>
+            <a:normAutofit/>
+          </a:bodyPr>
+          <a:lstStyle/>
+          <a:p>
+            <a:r>
+              <a:rPr lang="en-US" dirty="0"/>
+              <a:t>Observation bias</a:t>
+            </a:r>
+          </a:p>
+        </p:txBody>
+      </p:sp>
+      <p:pic>
+        <p:nvPicPr>
+          <p:cNvPr id="5" name="Picture 4"/>
+          <p:cNvPicPr>
+            <a:picLocks noChangeAspect="1"/>
+          </p:cNvPicPr>
+          <p:nvPr/>
+        </p:nvPicPr>
+        <p:blipFill rotWithShape="1">
+          <a:blip r:embed="rId3">
+            <a:extLst>
+              <a:ext uri="{28A0092B-C50C-407E-A947-70E740481C1C}">
+                <a14:useLocalDpi xmlns:a14="http://schemas.microsoft.com/office/drawing/2010/main" val="0"/>
+              </a:ext>
+            </a:extLst>
+          </a:blip>
+          <a:srcRect r="36242"/>
+          <a:stretch/>
+        </p:blipFill>
+        <p:spPr>
+          <a:xfrm>
+            <a:off x="38101" y="1101200"/>
+            <a:ext cx="5854700" cy="4791285"/>
+          </a:xfrm>
+          <a:prstGeom prst="rect">
+            <a:avLst/>
+          </a:prstGeom>
+        </p:spPr>
+      </p:pic>
+      <p:pic>
+        <p:nvPicPr>
+          <p:cNvPr id="6" name="Picture 5"/>
+          <p:cNvPicPr>
+            <a:picLocks noChangeAspect="1"/>
+          </p:cNvPicPr>
+          <p:nvPr/>
+        </p:nvPicPr>
+        <p:blipFill>
+          <a:blip r:embed="rId4" cstate="print">
+            <a:extLst>
+              <a:ext uri="{28A0092B-C50C-407E-A947-70E740481C1C}">
+                <a14:useLocalDpi xmlns:a14="http://schemas.microsoft.com/office/drawing/2010/main" val="0"/>
+              </a:ext>
+            </a:extLst>
+          </a:blip>
+          <a:stretch>
+            <a:fillRect/>
+          </a:stretch>
+        </p:blipFill>
+        <p:spPr>
+          <a:xfrm>
+            <a:off x="5994400" y="1413352"/>
+            <a:ext cx="6069160" cy="3846096"/>
+          </a:xfrm>
+          <a:prstGeom prst="rect">
+            <a:avLst/>
+          </a:prstGeom>
+        </p:spPr>
+      </p:pic>
+      <p:sp>
+        <p:nvSpPr>
+          <p:cNvPr id="7" name="TextBox 6"/>
+          <p:cNvSpPr txBox="1"/>
+          <p:nvPr/>
+        </p:nvSpPr>
+        <p:spPr>
+          <a:xfrm>
+            <a:off x="7213601" y="5262854"/>
+            <a:ext cx="4442106" cy="830997"/>
+          </a:xfrm>
+          <a:prstGeom prst="rect">
+            <a:avLst/>
+          </a:prstGeom>
+          <a:noFill/>
+        </p:spPr>
+        <p:txBody>
+          <a:bodyPr wrap="square" rtlCol="0">
+            <a:spAutoFit/>
+          </a:bodyPr>
+          <a:lstStyle/>
+          <a:p>
+            <a:r>
+              <a:rPr lang="en-US" sz="2400" b="1" dirty="0">
+                <a:latin typeface="Calibri" panose="020F0502020204030204" pitchFamily="34" charset="0"/>
+              </a:rPr>
+              <a:t>Human population density, 2010 US Census</a:t>
+            </a:r>
+          </a:p>
+        </p:txBody>
+      </p:sp>
+      <p:pic>
+        <p:nvPicPr>
+          <p:cNvPr id="8" name="Picture 7"/>
+          <p:cNvPicPr>
+            <a:picLocks noChangeAspect="1"/>
+          </p:cNvPicPr>
+          <p:nvPr/>
+        </p:nvPicPr>
+        <p:blipFill>
+          <a:blip r:embed="rId5" cstate="print">
+            <a:extLst>
+              <a:ext uri="{28A0092B-C50C-407E-A947-70E740481C1C}">
+                <a14:useLocalDpi xmlns:a14="http://schemas.microsoft.com/office/drawing/2010/main" val="0"/>
+              </a:ext>
+            </a:extLst>
+          </a:blip>
+          <a:stretch>
+            <a:fillRect/>
+          </a:stretch>
+        </p:blipFill>
+        <p:spPr>
+          <a:xfrm>
+            <a:off x="4865844" y="4314598"/>
+            <a:ext cx="2257113" cy="1194389"/>
+          </a:xfrm>
+          <a:prstGeom prst="rect">
+            <a:avLst/>
+          </a:prstGeom>
+        </p:spPr>
+      </p:pic>
+    </p:spTree>
+    <p:extLst>
+      <p:ext uri="{BB962C8B-B14F-4D97-AF65-F5344CB8AC3E}">
+        <p14:creationId xmlns:p14="http://schemas.microsoft.com/office/powerpoint/2010/main" val="1356141860"/>
+      </p:ext>
+    </p:extLst>
+  </p:cSld>
+  <p:clrMapOvr>
+    <a:masterClrMapping/>
+  </p:clrMapOvr>
+</p:sld>
+</file>
+
+<file path=ppt/slides/slide21.xml><?xml version="1.0" encoding="utf-8"?>
+<p:sld xmlns:a="http://schemas.openxmlformats.org/drawingml/2006/main" xmlns:r="http://schemas.openxmlformats.org/officeDocument/2006/relationships" xmlns:p="http://schemas.openxmlformats.org/presentationml/2006/main">
+  <p:cSld>
+    <p:spTree>
+      <p:nvGrpSpPr>
         <p:cNvPr id="1" name="Shape 99"/>
         <p:cNvGrpSpPr/>
         <p:nvPr/>
@@ -15388,7 +15696,7 @@
 </p:sld>
 </file>
 
-<file path=ppt/slides/slide21.xml><?xml version="1.0" encoding="utf-8"?>
+<file path=ppt/slides/slide22.xml><?xml version="1.0" encoding="utf-8"?>
 <p:sld xmlns:a="http://schemas.openxmlformats.org/drawingml/2006/main" xmlns:r="http://schemas.openxmlformats.org/officeDocument/2006/relationships" xmlns:p="http://schemas.openxmlformats.org/presentationml/2006/main">
   <p:cSld>
     <p:spTree>
@@ -15671,7 +15979,7 @@
 </p:sld>
 </file>
 
-<file path=ppt/slides/slide22.xml><?xml version="1.0" encoding="utf-8"?>
+<file path=ppt/slides/slide23.xml><?xml version="1.0" encoding="utf-8"?>
 <p:sld xmlns:a="http://schemas.openxmlformats.org/drawingml/2006/main" xmlns:r="http://schemas.openxmlformats.org/officeDocument/2006/relationships" xmlns:p="http://schemas.openxmlformats.org/presentationml/2006/main">
   <p:cSld>
     <p:spTree>
@@ -15743,7 +16051,7 @@
               <a:buSzPct val="25000"/>
             </a:pPr>
             <a:r>
-              <a:rPr lang="en-US" smtClean="0"/>
+              <a:rPr lang="en-US"/>
               <a:t>Extrapolation</a:t>
             </a:r>
             <a:endParaRPr lang="en-US" dirty="0">
@@ -15801,7 +16109,7 @@
 </p:sld>
 </file>
 
-<file path=ppt/slides/slide23.xml><?xml version="1.0" encoding="utf-8"?>
+<file path=ppt/slides/slide24.xml><?xml version="1.0" encoding="utf-8"?>
 <p:sld xmlns:a="http://schemas.openxmlformats.org/drawingml/2006/main" xmlns:r="http://schemas.openxmlformats.org/officeDocument/2006/relationships" xmlns:p="http://schemas.openxmlformats.org/presentationml/2006/main">
   <p:cSld>
     <p:spTree>
@@ -15983,23 +16291,8 @@
                 </a:solidFill>
                 <a:sym typeface="Calibri"/>
               </a:rPr>
-              <a:t>Omission &amp; commission </a:t>
-            </a:r>
-            <a:r>
-              <a:rPr lang="en-US" dirty="0" smtClean="0">
-                <a:solidFill>
-                  <a:schemeClr val="dk1"/>
-                </a:solidFill>
-                <a:sym typeface="Calibri"/>
-              </a:rPr>
-              <a:t>errors</a:t>
-            </a:r>
-            <a:endParaRPr lang="en-US" dirty="0">
-              <a:solidFill>
-                <a:schemeClr val="dk1"/>
-              </a:solidFill>
-              <a:sym typeface="Calibri"/>
-            </a:endParaRPr>
+              <a:t>Omission &amp; commission errors</a:t>
+            </a:r>
           </a:p>
           <a:p>
             <a:pPr marL="533387" indent="-457189">
@@ -16084,7 +16377,7 @@
 </p:sld>
 </file>
 
-<file path=ppt/slides/slide24.xml><?xml version="1.0" encoding="utf-8"?>
+<file path=ppt/slides/slide25.xml><?xml version="1.0" encoding="utf-8"?>
 <p:sld xmlns:a="http://schemas.openxmlformats.org/drawingml/2006/main" xmlns:r="http://schemas.openxmlformats.org/officeDocument/2006/relationships" xmlns:p="http://schemas.openxmlformats.org/presentationml/2006/main">
   <p:cSld>
     <p:spTree>
@@ -17848,17 +18141,10 @@
     <a:masterClrMapping/>
   </p:clrMapOvr>
   <p:transition/>
-  <p:timing>
-    <p:tnLst>
-      <p:par>
-        <p:cTn id="1" dur="indefinite" restart="never" nodeType="tmRoot"/>
-      </p:par>
-    </p:tnLst>
-  </p:timing>
 </p:sld>
 </file>
 
-<file path=ppt/slides/slide25.xml><?xml version="1.0" encoding="utf-8"?>
+<file path=ppt/slides/slide26.xml><?xml version="1.0" encoding="utf-8"?>
 <p:sld xmlns:a="http://schemas.openxmlformats.org/drawingml/2006/main" xmlns:r="http://schemas.openxmlformats.org/officeDocument/2006/relationships" xmlns:p="http://schemas.openxmlformats.org/presentationml/2006/main">
   <p:cSld>
     <p:spTree>
@@ -17898,10 +18184,9 @@
           <a:lstStyle/>
           <a:p>
             <a:r>
-              <a:rPr lang="en-US" sz="3600" dirty="0" smtClean="0"/>
+              <a:rPr lang="en-US" sz="3600" dirty="0"/>
               <a:t>Assessing SDM performance</a:t>
             </a:r>
-            <a:endParaRPr lang="en-US" sz="3600" dirty="0"/>
           </a:p>
         </p:txBody>
       </p:sp>
@@ -17928,7 +18213,7 @@
           <a:lstStyle/>
           <a:p>
             <a:r>
-              <a:rPr lang="en-US" sz="2400" dirty="0" smtClean="0"/>
+              <a:rPr lang="en-US" sz="2400" dirty="0"/>
               <a:t>Withhold a subset of occurrence records from modeling and use them to test model performance (cross-validation)</a:t>
             </a:r>
           </a:p>
@@ -17938,7 +18223,7 @@
               <a:buChar char="-"/>
             </a:pPr>
             <a:r>
-              <a:rPr lang="en-US" sz="2400" dirty="0" smtClean="0"/>
+              <a:rPr lang="en-US" sz="2400" dirty="0"/>
               <a:t>Fit model with training points</a:t>
             </a:r>
           </a:p>
@@ -17948,7 +18233,7 @@
               <a:buChar char="-"/>
             </a:pPr>
             <a:r>
-              <a:rPr lang="en-US" sz="2400" dirty="0" smtClean="0"/>
+              <a:rPr lang="en-US" sz="2400" dirty="0"/>
               <a:t>Test model with test/validation points</a:t>
             </a:r>
           </a:p>
@@ -17961,7 +18246,7 @@
           </a:p>
           <a:p>
             <a:r>
-              <a:rPr lang="en-US" sz="2400" dirty="0" smtClean="0"/>
+              <a:rPr lang="en-US" sz="2400" dirty="0"/>
               <a:t>Calculate performance metrics:</a:t>
             </a:r>
           </a:p>
@@ -17971,7 +18256,7 @@
               <a:buChar char="-"/>
             </a:pPr>
             <a:r>
-              <a:rPr lang="en-US" sz="2400" dirty="0" smtClean="0"/>
+              <a:rPr lang="en-US" sz="2400" dirty="0"/>
               <a:t>True positive rate</a:t>
             </a:r>
           </a:p>
@@ -17981,7 +18266,7 @@
               <a:buChar char="-"/>
             </a:pPr>
             <a:r>
-              <a:rPr lang="en-US" sz="2400" dirty="0" smtClean="0"/>
+              <a:rPr lang="en-US" sz="2400" dirty="0"/>
               <a:t>False positive rate</a:t>
             </a:r>
           </a:p>
@@ -17991,7 +18276,7 @@
               <a:buChar char="-"/>
             </a:pPr>
             <a:r>
-              <a:rPr lang="en-US" sz="2400" dirty="0" smtClean="0"/>
+              <a:rPr lang="en-US" sz="2400" dirty="0"/>
               <a:t>True negative rate</a:t>
             </a:r>
           </a:p>
@@ -18001,7 +18286,7 @@
               <a:buChar char="-"/>
             </a:pPr>
             <a:r>
-              <a:rPr lang="en-US" sz="2400" dirty="0" smtClean="0"/>
+              <a:rPr lang="en-US" sz="2400" dirty="0"/>
               <a:t>False negative rate</a:t>
             </a:r>
           </a:p>
@@ -18010,11 +18295,11 @@
               <a:buFontTx/>
               <a:buChar char="-"/>
             </a:pPr>
-            <a:endParaRPr lang="en-US" sz="2400" dirty="0" smtClean="0"/>
-          </a:p>
-          <a:p>
-            <a:r>
-              <a:rPr lang="en-US" sz="2400" i="1" dirty="0" smtClean="0"/>
+            <a:endParaRPr lang="en-US" sz="2400" dirty="0"/>
+          </a:p>
+          <a:p>
+            <a:r>
+              <a:rPr lang="en-US" sz="2400" i="1" dirty="0"/>
               <a:t>Depend on user-defined thresholds </a:t>
             </a:r>
           </a:p>
@@ -18073,14 +18358,13 @@
           <a:lstStyle/>
           <a:p>
             <a:r>
-              <a:rPr lang="en-US" i="1" dirty="0" err="1" smtClean="0"/>
+              <a:rPr lang="en-US" i="1" dirty="0" err="1"/>
               <a:t>Beechy’s</a:t>
             </a:r>
             <a:r>
-              <a:rPr lang="en-US" i="1" dirty="0" smtClean="0"/>
+              <a:rPr lang="en-US" i="1" dirty="0"/>
               <a:t> ground squirrel</a:t>
             </a:r>
-            <a:endParaRPr lang="en-US" i="1" dirty="0"/>
           </a:p>
         </p:txBody>
       </p:sp>
@@ -18114,16 +18398,15 @@
           <a:lstStyle/>
           <a:p>
             <a:r>
-              <a:rPr lang="en-US" sz="2000" dirty="0" smtClean="0"/>
+              <a:rPr lang="en-US" sz="2000" dirty="0"/>
               <a:t>Purple = training points</a:t>
             </a:r>
           </a:p>
           <a:p>
             <a:r>
-              <a:rPr lang="en-US" sz="2000" dirty="0" smtClean="0"/>
+              <a:rPr lang="en-US" sz="2000" dirty="0"/>
               <a:t>White = testing points</a:t>
             </a:r>
-            <a:endParaRPr lang="en-US" sz="2000" dirty="0"/>
           </a:p>
         </p:txBody>
       </p:sp>
@@ -18158,7 +18441,7 @@
           <a:p>
             <a:pPr algn="ctr"/>
             <a:r>
-              <a:rPr lang="en-US" sz="2000" dirty="0" smtClean="0"/>
+              <a:rPr lang="en-US" sz="2000" dirty="0"/>
               <a:t>Model predicted probability of occurrence</a:t>
             </a:r>
           </a:p>
@@ -18212,17 +18495,10 @@
   <p:clrMapOvr>
     <a:masterClrMapping/>
   </p:clrMapOvr>
-  <p:timing>
-    <p:tnLst>
-      <p:par>
-        <p:cTn id="1" dur="indefinite" restart="never" nodeType="tmRoot"/>
-      </p:par>
-    </p:tnLst>
-  </p:timing>
 </p:sld>
 </file>
 
-<file path=ppt/slides/slide26.xml><?xml version="1.0" encoding="utf-8"?>
+<file path=ppt/slides/slide27.xml><?xml version="1.0" encoding="utf-8"?>
 <p:sld xmlns:a="http://schemas.openxmlformats.org/drawingml/2006/main" xmlns:r="http://schemas.openxmlformats.org/officeDocument/2006/relationships" xmlns:p="http://schemas.openxmlformats.org/presentationml/2006/main">
   <p:cSld>
     <p:spTree>
@@ -18247,7 +18523,7 @@
         </p:nvCxnSpPr>
         <p:spPr>
           <a:xfrm>
-            <a:off x="4216108" y="2009991"/>
+            <a:off x="5715724" y="1997799"/>
             <a:ext cx="0" cy="3333509"/>
           </a:xfrm>
           <a:prstGeom prst="line">
@@ -18282,7 +18558,7 @@
         </p:nvCxnSpPr>
         <p:spPr>
           <a:xfrm flipH="1">
-            <a:off x="4216108" y="5345429"/>
+            <a:off x="5715724" y="5333237"/>
             <a:ext cx="4396450" cy="0"/>
           </a:xfrm>
           <a:prstGeom prst="line">
@@ -18317,7 +18593,7 @@
         </p:nvSpPr>
         <p:spPr>
           <a:xfrm rot="16200000">
-            <a:off x="2462915" y="3569288"/>
+            <a:off x="3962531" y="3557096"/>
             <a:ext cx="2881318" cy="400110"/>
           </a:xfrm>
           <a:prstGeom prst="rect">
@@ -18333,10 +18609,9 @@
           <a:p>
             <a:pPr algn="ctr"/>
             <a:r>
-              <a:rPr lang="en-US" sz="2000" dirty="0" smtClean="0"/>
+              <a:rPr lang="en-US" sz="2000" dirty="0"/>
               <a:t>True positive rate</a:t>
             </a:r>
-            <a:endParaRPr lang="en-US" sz="2000" dirty="0"/>
           </a:p>
         </p:txBody>
       </p:sp>
@@ -18348,7 +18623,7 @@
         </p:nvSpPr>
         <p:spPr>
           <a:xfrm>
-            <a:off x="4216108" y="5354467"/>
+            <a:off x="5715724" y="5342275"/>
             <a:ext cx="4396450" cy="400110"/>
           </a:xfrm>
           <a:prstGeom prst="rect">
@@ -18364,10 +18639,9 @@
           <a:p>
             <a:pPr algn="ctr"/>
             <a:r>
-              <a:rPr lang="en-US" sz="2000" dirty="0" smtClean="0"/>
+              <a:rPr lang="en-US" sz="2000" dirty="0"/>
               <a:t>False positive rate</a:t>
             </a:r>
-            <a:endParaRPr lang="en-US" sz="2000" dirty="0"/>
           </a:p>
         </p:txBody>
       </p:sp>
@@ -18379,7 +18653,7 @@
         </p:nvCxnSpPr>
         <p:spPr>
           <a:xfrm flipV="1">
-            <a:off x="4216108" y="2195186"/>
+            <a:off x="5715724" y="2182994"/>
             <a:ext cx="4085839" cy="3148314"/>
           </a:xfrm>
           <a:prstGeom prst="line">
@@ -18417,7 +18691,7 @@
         </p:nvSpPr>
         <p:spPr>
           <a:xfrm rot="19373952">
-            <a:off x="6062800" y="2273848"/>
+            <a:off x="7562416" y="2261656"/>
             <a:ext cx="3131088" cy="400110"/>
           </a:xfrm>
           <a:prstGeom prst="rect">
@@ -18439,25 +18713,8 @@
                   </a:schemeClr>
                 </a:solidFill>
               </a:rPr>
-              <a:t>r</a:t>
-            </a:r>
-            <a:r>
-              <a:rPr lang="en-US" sz="2000" dirty="0" smtClean="0">
-                <a:solidFill>
-                  <a:schemeClr val="accent2">
-                    <a:lumMod val="75000"/>
-                  </a:schemeClr>
-                </a:solidFill>
-              </a:rPr>
-              <a:t>andom guess (AUC = 0.5)</a:t>
-            </a:r>
-            <a:endParaRPr lang="en-US" sz="2000" dirty="0">
-              <a:solidFill>
-                <a:schemeClr val="accent2">
-                  <a:lumMod val="75000"/>
-                </a:schemeClr>
-              </a:solidFill>
-            </a:endParaRPr>
+              <a:t>random guess (AUC = 0.5)</a:t>
+            </a:r>
           </a:p>
         </p:txBody>
       </p:sp>
@@ -18469,7 +18726,7 @@
         </p:nvCxnSpPr>
         <p:spPr>
           <a:xfrm flipH="1" flipV="1">
-            <a:off x="4968438" y="3769343"/>
+            <a:off x="6468054" y="3757151"/>
             <a:ext cx="335666" cy="461400"/>
           </a:xfrm>
           <a:prstGeom prst="straightConnector1">
@@ -18505,7 +18762,7 @@
         </p:nvCxnSpPr>
         <p:spPr>
           <a:xfrm>
-            <a:off x="5560676" y="4568338"/>
+            <a:off x="7060292" y="4556146"/>
             <a:ext cx="356886" cy="439496"/>
           </a:xfrm>
           <a:prstGeom prst="straightConnector1">
@@ -18541,7 +18798,7 @@
         </p:nvSpPr>
         <p:spPr>
           <a:xfrm>
-            <a:off x="4960716" y="3476690"/>
+            <a:off x="6460332" y="3464498"/>
             <a:ext cx="1556806" cy="400110"/>
           </a:xfrm>
           <a:prstGeom prst="rect">
@@ -18556,10 +18813,9 @@
           <a:lstStyle/>
           <a:p>
             <a:r>
-              <a:rPr lang="en-US" sz="2000" dirty="0" smtClean="0"/>
+              <a:rPr lang="en-US" sz="2000" dirty="0"/>
               <a:t>better</a:t>
             </a:r>
-            <a:endParaRPr lang="en-US" sz="2000" dirty="0"/>
           </a:p>
         </p:txBody>
       </p:sp>
@@ -18571,7 +18827,7 @@
         </p:nvSpPr>
         <p:spPr>
           <a:xfrm>
-            <a:off x="5917562" y="4753874"/>
+            <a:off x="7417178" y="4741682"/>
             <a:ext cx="1556806" cy="400110"/>
           </a:xfrm>
           <a:prstGeom prst="rect">
@@ -18586,10 +18842,9 @@
           <a:lstStyle/>
           <a:p>
             <a:r>
-              <a:rPr lang="en-US" sz="2000" dirty="0" smtClean="0"/>
+              <a:rPr lang="en-US" sz="2000" dirty="0"/>
               <a:t>worse</a:t>
             </a:r>
-            <a:endParaRPr lang="en-US" sz="2000" dirty="0"/>
           </a:p>
         </p:txBody>
       </p:sp>
@@ -18601,7 +18856,7 @@
         </p:nvSpPr>
         <p:spPr>
           <a:xfrm rot="20408020">
-            <a:off x="3803220" y="2317233"/>
+            <a:off x="5302836" y="2305041"/>
             <a:ext cx="4163024" cy="2165811"/>
           </a:xfrm>
           <a:custGeom>
@@ -18687,7 +18942,7 @@
         </p:nvSpPr>
         <p:spPr>
           <a:xfrm>
-            <a:off x="3753097" y="2009991"/>
+            <a:off x="5252713" y="1997799"/>
             <a:ext cx="463011" cy="369332"/>
           </a:xfrm>
           <a:prstGeom prst="rect">
@@ -18703,10 +18958,9 @@
           <a:p>
             <a:pPr algn="r"/>
             <a:r>
-              <a:rPr lang="en-US" b="1" dirty="0" smtClean="0"/>
+              <a:rPr lang="en-US" b="1" dirty="0"/>
               <a:t>1</a:t>
             </a:r>
-            <a:endParaRPr lang="en-US" b="1" dirty="0"/>
           </a:p>
         </p:txBody>
       </p:sp>
@@ -18718,7 +18972,7 @@
         </p:nvSpPr>
         <p:spPr>
           <a:xfrm>
-            <a:off x="3729972" y="4985135"/>
+            <a:off x="5229588" y="4972943"/>
             <a:ext cx="463011" cy="369332"/>
           </a:xfrm>
           <a:prstGeom prst="rect">
@@ -18737,7 +18991,6 @@
               <a:rPr lang="en-US" b="1" dirty="0"/>
               <a:t>0</a:t>
             </a:r>
-            <a:endParaRPr lang="en-US" b="1" dirty="0"/>
           </a:p>
         </p:txBody>
       </p:sp>
@@ -18749,7 +19002,7 @@
         </p:nvSpPr>
         <p:spPr>
           <a:xfrm>
-            <a:off x="4125500" y="5335176"/>
+            <a:off x="5625116" y="5322984"/>
             <a:ext cx="463011" cy="369332"/>
           </a:xfrm>
           <a:prstGeom prst="rect">
@@ -18768,7 +19021,6 @@
               <a:rPr lang="en-US" b="1" dirty="0"/>
               <a:t>0</a:t>
             </a:r>
-            <a:endParaRPr lang="en-US" b="1" dirty="0"/>
           </a:p>
         </p:txBody>
       </p:sp>
@@ -18780,7 +19032,7 @@
         </p:nvSpPr>
         <p:spPr>
           <a:xfrm>
-            <a:off x="8149547" y="5385245"/>
+            <a:off x="9649163" y="5373053"/>
             <a:ext cx="463011" cy="369332"/>
           </a:xfrm>
           <a:prstGeom prst="rect">
@@ -18796,10 +19048,9 @@
           <a:p>
             <a:pPr algn="r"/>
             <a:r>
-              <a:rPr lang="en-US" b="1" dirty="0" smtClean="0"/>
+              <a:rPr lang="en-US" b="1" dirty="0"/>
               <a:t>1</a:t>
             </a:r>
-            <a:endParaRPr lang="en-US" b="1" dirty="0"/>
           </a:p>
         </p:txBody>
       </p:sp>
@@ -18811,7 +19062,7 @@
         </p:nvSpPr>
         <p:spPr>
           <a:xfrm>
-            <a:off x="4125500" y="2102853"/>
+            <a:off x="5625116" y="2090661"/>
             <a:ext cx="231505" cy="184666"/>
           </a:xfrm>
           <a:prstGeom prst="ellipse">
@@ -18859,7 +19110,7 @@
         </p:nvSpPr>
         <p:spPr>
           <a:xfrm>
-            <a:off x="4082997" y="1416110"/>
+            <a:off x="5582613" y="1403918"/>
             <a:ext cx="3669130" cy="400110"/>
           </a:xfrm>
           <a:prstGeom prst="rect">
@@ -18874,7 +19125,7 @@
           <a:lstStyle/>
           <a:p>
             <a:r>
-              <a:rPr lang="en-US" sz="2000" dirty="0" smtClean="0">
+              <a:rPr lang="en-US" sz="2000" dirty="0">
                 <a:solidFill>
                   <a:schemeClr val="accent6">
                     <a:lumMod val="75000"/>
@@ -18883,13 +19134,6 @@
               </a:rPr>
               <a:t>perfect prediction (AUC = 1)</a:t>
             </a:r>
-            <a:endParaRPr lang="en-US" sz="2000" dirty="0">
-              <a:solidFill>
-                <a:schemeClr val="accent6">
-                  <a:lumMod val="75000"/>
-                </a:schemeClr>
-              </a:solidFill>
-            </a:endParaRPr>
           </a:p>
         </p:txBody>
       </p:sp>
@@ -18903,7 +19147,7 @@
         </p:nvCxnSpPr>
         <p:spPr>
           <a:xfrm flipH="1">
-            <a:off x="4323102" y="1816220"/>
+            <a:off x="5822718" y="1804028"/>
             <a:ext cx="265409" cy="313677"/>
           </a:xfrm>
           <a:prstGeom prst="straightConnector1">
@@ -18941,7 +19185,7 @@
         </p:nvSpPr>
         <p:spPr>
           <a:xfrm>
-            <a:off x="587415" y="300950"/>
+            <a:off x="483068" y="277243"/>
             <a:ext cx="10515600" cy="995423"/>
           </a:xfrm>
           <a:prstGeom prst="rect">
@@ -18973,10 +19217,68 @@
           </a:lstStyle>
           <a:p>
             <a:r>
-              <a:rPr lang="en-US" sz="3600" smtClean="0"/>
-              <a:t>Assessing SDM performance</a:t>
-            </a:r>
-            <a:endParaRPr lang="en-US" sz="3600" dirty="0"/>
+              <a:rPr lang="en-US" sz="3600" dirty="0"/>
+              <a:t>Assessing SDM performance – AUC</a:t>
+            </a:r>
+          </a:p>
+        </p:txBody>
+      </p:sp>
+      <p:sp>
+        <p:nvSpPr>
+          <p:cNvPr id="2" name="TextBox 1">
+            <a:extLst>
+              <a:ext uri="{FF2B5EF4-FFF2-40B4-BE49-F238E27FC236}">
+                <a16:creationId xmlns:a16="http://schemas.microsoft.com/office/drawing/2014/main" id="{6449239F-A7C3-456C-B0CC-B4334BFB887A}"/>
+              </a:ext>
+            </a:extLst>
+          </p:cNvPr>
+          <p:cNvSpPr txBox="1"/>
+          <p:nvPr/>
+        </p:nvSpPr>
+        <p:spPr>
+          <a:xfrm>
+            <a:off x="293860" y="2073502"/>
+            <a:ext cx="4685862" cy="2246769"/>
+          </a:xfrm>
+          <a:prstGeom prst="rect">
+            <a:avLst/>
+          </a:prstGeom>
+          <a:noFill/>
+        </p:spPr>
+        <p:txBody>
+          <a:bodyPr wrap="square" rtlCol="0">
+            <a:spAutoFit/>
+          </a:bodyPr>
+          <a:lstStyle/>
+          <a:p>
+            <a:pPr marL="457200" indent="-457200">
+              <a:buFont typeface="Arial" panose="020B0604020202020204" pitchFamily="34" charset="0"/>
+              <a:buChar char="•"/>
+            </a:pPr>
+            <a:r>
+              <a:rPr lang="en-US" sz="2800" dirty="0"/>
+              <a:t>Plot receiver operator curve</a:t>
+            </a:r>
+          </a:p>
+          <a:p>
+            <a:pPr marL="457200" indent="-457200">
+              <a:buFont typeface="Arial" panose="020B0604020202020204" pitchFamily="34" charset="0"/>
+              <a:buChar char="•"/>
+            </a:pPr>
+            <a:r>
+              <a:rPr lang="en-US" sz="2800" dirty="0"/>
+              <a:t>AUC = Area Under the Curve</a:t>
+            </a:r>
+          </a:p>
+          <a:p>
+            <a:pPr marL="457200" indent="-457200">
+              <a:buFont typeface="Arial" panose="020B0604020202020204" pitchFamily="34" charset="0"/>
+              <a:buChar char="•"/>
+            </a:pPr>
+            <a:r>
+              <a:rPr lang="en-US" sz="2800" dirty="0"/>
+              <a:t>Measure of model performance</a:t>
+            </a:r>
           </a:p>
         </p:txBody>
       </p:sp>
@@ -18990,17 +19292,10 @@
   <p:clrMapOvr>
     <a:masterClrMapping/>
   </p:clrMapOvr>
-  <p:timing>
-    <p:tnLst>
-      <p:par>
-        <p:cTn id="1" dur="indefinite" restart="never" nodeType="tmRoot"/>
-      </p:par>
-    </p:tnLst>
-  </p:timing>
 </p:sld>
 </file>
 
-<file path=ppt/slides/slide27.xml><?xml version="1.0" encoding="utf-8"?>
+<file path=ppt/slides/slide28.xml><?xml version="1.0" encoding="utf-8"?>
 <p:sld xmlns:a="http://schemas.openxmlformats.org/drawingml/2006/main" xmlns:r="http://schemas.openxmlformats.org/officeDocument/2006/relationships" xmlns:p="http://schemas.openxmlformats.org/presentationml/2006/main">
   <p:cSld>
     <p:spTree>
@@ -19075,17 +19370,10 @@
   <p:clrMapOvr>
     <a:masterClrMapping/>
   </p:clrMapOvr>
-  <p:timing>
-    <p:tnLst>
-      <p:par>
-        <p:cTn id="1" dur="indefinite" restart="never" nodeType="tmRoot"/>
-      </p:par>
-    </p:tnLst>
-  </p:timing>
 </p:sld>
 </file>
 
-<file path=ppt/slides/slide28.xml><?xml version="1.0" encoding="utf-8"?>
+<file path=ppt/slides/slide29.xml><?xml version="1.0" encoding="utf-8"?>
 <p:sld xmlns:a="http://schemas.openxmlformats.org/drawingml/2006/main" xmlns:r="http://schemas.openxmlformats.org/officeDocument/2006/relationships" xmlns:p="http://schemas.openxmlformats.org/presentationml/2006/main">
   <p:cSld>
     <p:spTree>
@@ -19247,288 +19535,6 @@
   <p:clrMapOvr>
     <a:masterClrMapping/>
   </p:clrMapOvr>
-  <p:timing>
-    <p:tnLst>
-      <p:par>
-        <p:cTn id="1" dur="indefinite" restart="never" nodeType="tmRoot"/>
-      </p:par>
-    </p:tnLst>
-  </p:timing>
-</p:sld>
-</file>
-
-<file path=ppt/slides/slide29.xml><?xml version="1.0" encoding="utf-8"?>
-<p:sld xmlns:a="http://schemas.openxmlformats.org/drawingml/2006/main" xmlns:r="http://schemas.openxmlformats.org/officeDocument/2006/relationships" xmlns:p="http://schemas.openxmlformats.org/presentationml/2006/main">
-  <p:cSld>
-    <p:spTree>
-      <p:nvGrpSpPr>
-        <p:cNvPr id="1" name="Shape 99"/>
-        <p:cNvGrpSpPr/>
-        <p:nvPr/>
-      </p:nvGrpSpPr>
-      <p:grpSpPr>
-        <a:xfrm>
-          <a:off x="0" y="0"/>
-          <a:ext cx="0" cy="0"/>
-          <a:chOff x="0" y="0"/>
-          <a:chExt cx="0" cy="0"/>
-        </a:xfrm>
-      </p:grpSpPr>
-      <p:sp>
-        <p:nvSpPr>
-          <p:cNvPr id="100" name="Shape 100"/>
-          <p:cNvSpPr txBox="1">
-            <a:spLocks noGrp="1"/>
-          </p:cNvSpPr>
-          <p:nvPr>
-            <p:ph type="title"/>
-          </p:nvPr>
-        </p:nvSpPr>
-        <p:spPr>
-          <a:xfrm>
-            <a:off x="609600" y="297875"/>
-            <a:ext cx="10972800" cy="1143000"/>
-          </a:xfrm>
-          <a:prstGeom prst="rect">
-            <a:avLst/>
-          </a:prstGeom>
-          <a:noFill/>
-          <a:ln>
-            <a:noFill/>
-          </a:ln>
-        </p:spPr>
-        <p:txBody>
-          <a:bodyPr vert="horz" wrap="square" lIns="121900" tIns="60933" rIns="121900" bIns="60933" rtlCol="0" anchor="ctr" anchorCtr="0">
-            <a:noAutofit/>
-          </a:bodyPr>
-          <a:lstStyle/>
-          <a:p>
-            <a:pPr>
-              <a:spcBef>
-                <a:spcPts val="0"/>
-              </a:spcBef>
-              <a:buClr>
-                <a:schemeClr val="dk1"/>
-              </a:buClr>
-              <a:buSzPct val="25000"/>
-            </a:pPr>
-            <a:r>
-              <a:rPr lang="en-US" dirty="0"/>
-              <a:t>Example research questions</a:t>
-            </a:r>
-            <a:endParaRPr lang="en-US" dirty="0">
-              <a:solidFill>
-                <a:schemeClr val="dk1"/>
-              </a:solidFill>
-              <a:latin typeface="Calibri"/>
-              <a:ea typeface="Calibri"/>
-              <a:cs typeface="Calibri"/>
-              <a:sym typeface="Calibri"/>
-            </a:endParaRPr>
-          </a:p>
-        </p:txBody>
-      </p:sp>
-      <p:sp>
-        <p:nvSpPr>
-          <p:cNvPr id="101" name="Shape 101"/>
-          <p:cNvSpPr txBox="1">
-            <a:spLocks noGrp="1"/>
-          </p:cNvSpPr>
-          <p:nvPr>
-            <p:ph sz="quarter" idx="1"/>
-          </p:nvPr>
-        </p:nvSpPr>
-        <p:spPr>
-          <a:xfrm>
-            <a:off x="406400" y="1468586"/>
-            <a:ext cx="11379200" cy="4526100"/>
-          </a:xfrm>
-          <a:prstGeom prst="rect">
-            <a:avLst/>
-          </a:prstGeom>
-          <a:noFill/>
-          <a:ln>
-            <a:noFill/>
-          </a:ln>
-        </p:spPr>
-        <p:txBody>
-          <a:bodyPr vert="horz" wrap="square" lIns="121900" tIns="60933" rIns="121900" bIns="60933" rtlCol="0" anchor="t" anchorCtr="0">
-            <a:noAutofit/>
-          </a:bodyPr>
-          <a:lstStyle/>
-          <a:p>
-            <a:pPr indent="-457189">
-              <a:spcBef>
-                <a:spcPts val="640"/>
-              </a:spcBef>
-            </a:pPr>
-            <a:r>
-              <a:rPr lang="en-US" sz="2667" dirty="0"/>
-              <a:t>What habitat characteristics are associated with species presence and absence? </a:t>
-            </a:r>
-            <a:r>
-              <a:rPr lang="en-US" sz="2667" i="1" dirty="0">
-                <a:solidFill>
-                  <a:schemeClr val="accent1"/>
-                </a:solidFill>
-              </a:rPr>
-              <a:t>(ecological needs, stressors)</a:t>
-            </a:r>
-            <a:endParaRPr lang="en-US" sz="2667" dirty="0"/>
-          </a:p>
-          <a:p>
-            <a:pPr indent="-457189">
-              <a:spcBef>
-                <a:spcPts val="640"/>
-              </a:spcBef>
-            </a:pPr>
-            <a:r>
-              <a:rPr lang="en-US" sz="2667" dirty="0"/>
-              <a:t>What is the distribution of a species in a given area? </a:t>
-            </a:r>
-            <a:r>
-              <a:rPr lang="en-US" sz="2667" i="1" dirty="0">
-                <a:solidFill>
-                  <a:schemeClr val="accent1"/>
-                </a:solidFill>
-              </a:rPr>
-              <a:t>(Representation, Redundancy)</a:t>
-            </a:r>
-          </a:p>
-          <a:p>
-            <a:pPr lvl="1" indent="-380990">
-              <a:spcBef>
-                <a:spcPts val="533"/>
-              </a:spcBef>
-            </a:pPr>
-            <a:r>
-              <a:rPr lang="en-US" dirty="0"/>
-              <a:t>How has that distribution shifted over time? (e.g. due to habitat loss, invasive species, etc.) </a:t>
-            </a:r>
-          </a:p>
-          <a:p>
-            <a:pPr indent="-457189">
-              <a:spcBef>
-                <a:spcPts val="640"/>
-              </a:spcBef>
-            </a:pPr>
-            <a:r>
-              <a:rPr lang="en-US" sz="2667" dirty="0"/>
-              <a:t>What is the extent of the species range?</a:t>
-            </a:r>
-          </a:p>
-          <a:p>
-            <a:pPr indent="-457189">
-              <a:spcBef>
-                <a:spcPts val="640"/>
-              </a:spcBef>
-            </a:pPr>
-            <a:r>
-              <a:rPr lang="en-US" sz="2667" dirty="0"/>
-              <a:t>To what extent does this species co-occur with other species?</a:t>
-            </a:r>
-          </a:p>
-          <a:p>
-            <a:pPr lvl="1" indent="-380990">
-              <a:spcBef>
-                <a:spcPts val="533"/>
-              </a:spcBef>
-            </a:pPr>
-            <a:r>
-              <a:rPr lang="en-US" dirty="0"/>
-              <a:t>Species interactions, exclusion, etc.</a:t>
-            </a:r>
-          </a:p>
-          <a:p>
-            <a:pPr indent="-457189">
-              <a:spcBef>
-                <a:spcPts val="640"/>
-              </a:spcBef>
-            </a:pPr>
-            <a:r>
-              <a:rPr lang="en-US" sz="2667" dirty="0"/>
-              <a:t>How many species are found in this area?</a:t>
-            </a:r>
-          </a:p>
-          <a:p>
-            <a:pPr marL="457189" indent="-457189">
-              <a:spcBef>
-                <a:spcPts val="747"/>
-              </a:spcBef>
-              <a:buClr>
-                <a:schemeClr val="dk1"/>
-              </a:buClr>
-              <a:buSzPct val="100000"/>
-              <a:buNone/>
-            </a:pPr>
-            <a:endParaRPr sz="2667" dirty="0">
-              <a:solidFill>
-                <a:schemeClr val="dk1"/>
-              </a:solidFill>
-              <a:sym typeface="Calibri"/>
-            </a:endParaRPr>
-          </a:p>
-          <a:p>
-            <a:pPr marL="457189" indent="-457189">
-              <a:spcBef>
-                <a:spcPts val="747"/>
-              </a:spcBef>
-              <a:buClr>
-                <a:schemeClr val="dk1"/>
-              </a:buClr>
-              <a:buSzPct val="100000"/>
-              <a:buNone/>
-            </a:pPr>
-            <a:endParaRPr sz="3200" dirty="0">
-              <a:solidFill>
-                <a:schemeClr val="dk1"/>
-              </a:solidFill>
-              <a:latin typeface="Calibri"/>
-              <a:ea typeface="Calibri"/>
-              <a:cs typeface="Calibri"/>
-              <a:sym typeface="Calibri"/>
-            </a:endParaRPr>
-          </a:p>
-          <a:p>
-            <a:pPr marL="457189" indent="-457189">
-              <a:spcBef>
-                <a:spcPts val="747"/>
-              </a:spcBef>
-              <a:buClr>
-                <a:schemeClr val="dk1"/>
-              </a:buClr>
-              <a:buSzPct val="100000"/>
-              <a:buNone/>
-            </a:pPr>
-            <a:endParaRPr sz="3200" dirty="0">
-              <a:solidFill>
-                <a:schemeClr val="dk1"/>
-              </a:solidFill>
-              <a:latin typeface="Calibri"/>
-              <a:ea typeface="Calibri"/>
-              <a:cs typeface="Calibri"/>
-              <a:sym typeface="Calibri"/>
-            </a:endParaRPr>
-          </a:p>
-        </p:txBody>
-      </p:sp>
-    </p:spTree>
-    <p:extLst>
-      <p:ext uri="{BB962C8B-B14F-4D97-AF65-F5344CB8AC3E}">
-        <p14:creationId xmlns:p14="http://schemas.microsoft.com/office/powerpoint/2010/main" val="2425944703"/>
-      </p:ext>
-    </p:extLst>
-  </p:cSld>
-  <p:clrMapOvr>
-    <a:masterClrMapping/>
-  </p:clrMapOvr>
-  <p:timing>
-    <p:tnLst>
-      <p:par>
-        <p:cTn id="1" dur="indefinite" restart="never" nodeType="tmRoot"/>
-      </p:par>
-    </p:tnLst>
-  </p:timing>
 </p:sld>
 </file>
 
@@ -20381,14 +20387,6 @@
   <p:clrMapOvr>
     <a:masterClrMapping/>
   </p:clrMapOvr>
-  <mc:AlternateContent xmlns:mc="http://schemas.openxmlformats.org/markup-compatibility/2006">
-    <mc:Choice xmlns:p14="http://schemas.microsoft.com/office/powerpoint/2010/main" Requires="p14">
-      <p:transition spd="slow" p14:dur="2000"/>
-    </mc:Choice>
-    <mc:Fallback>
-      <p:transition spd="slow"/>
-    </mc:Fallback>
-  </mc:AlternateContent>
 </p:sld>
 </file>
 
@@ -20421,7 +20419,7 @@
         </p:nvSpPr>
         <p:spPr>
           <a:xfrm>
-            <a:off x="609600" y="228600"/>
+            <a:off x="609600" y="297875"/>
             <a:ext cx="10972800" cy="1143000"/>
           </a:xfrm>
           <a:prstGeom prst="rect">
@@ -20449,7 +20447,7 @@
             </a:pPr>
             <a:r>
               <a:rPr lang="en-US" dirty="0"/>
-              <a:t>Common analysis approaches</a:t>
+              <a:t>Example research questions</a:t>
             </a:r>
             <a:endParaRPr lang="en-US" dirty="0">
               <a:solidFill>
@@ -20475,7 +20473,7 @@
         </p:nvSpPr>
         <p:spPr>
           <a:xfrm>
-            <a:off x="406400" y="1371601"/>
+            <a:off x="406400" y="1468586"/>
             <a:ext cx="11379200" cy="4526100"/>
           </a:xfrm>
           <a:prstGeom prst="rect">
@@ -20492,65 +20490,98 @@
           </a:bodyPr>
           <a:lstStyle/>
           <a:p>
-            <a:pPr marL="533387" indent="-457189">
+            <a:pPr indent="-457189">
               <a:spcBef>
                 <a:spcPts val="640"/>
               </a:spcBef>
             </a:pPr>
             <a:r>
-              <a:rPr lang="en-US" dirty="0">
+              <a:rPr lang="en-US" sz="2667" dirty="0"/>
+              <a:t>What habitat characteristics are associated with species presence and absence? </a:t>
+            </a:r>
+            <a:r>
+              <a:rPr lang="en-US" sz="2667" i="1" dirty="0">
                 <a:solidFill>
-                  <a:schemeClr val="dk1"/>
+                  <a:schemeClr val="accent1"/>
                 </a:solidFill>
-                <a:sym typeface="Calibri"/>
               </a:rPr>
-              <a:t>Logistic regression</a:t>
-            </a:r>
-          </a:p>
-          <a:p>
-            <a:pPr marL="990587" lvl="1" indent="-457189">
+              <a:t>(ecological needs, stressors)</a:t>
+            </a:r>
+            <a:endParaRPr lang="en-US" sz="2667" dirty="0"/>
+          </a:p>
+          <a:p>
+            <a:pPr indent="-457189">
               <a:spcBef>
                 <a:spcPts val="640"/>
               </a:spcBef>
             </a:pPr>
             <a:r>
-              <a:rPr lang="en-US" b="1" dirty="0">
+              <a:rPr lang="en-US" sz="2667" dirty="0"/>
+              <a:t>What is the distribution of a species in a given area? </a:t>
+            </a:r>
+            <a:r>
+              <a:rPr lang="en-US" sz="2667" i="1" dirty="0">
                 <a:solidFill>
-                  <a:schemeClr val="dk1"/>
+                  <a:schemeClr val="accent1"/>
                 </a:solidFill>
-                <a:sym typeface="Calibri"/>
               </a:rPr>
-              <a:t>Assumes perfect detection</a:t>
-            </a:r>
-          </a:p>
-          <a:p>
-            <a:pPr marL="76198" indent="0">
+              <a:t>(Representation, Redundancy)</a:t>
+            </a:r>
+          </a:p>
+          <a:p>
+            <a:pPr lvl="1" indent="-380990">
               <a:spcBef>
-                <a:spcPts val="640"/>
+                <a:spcPts val="533"/>
               </a:spcBef>
-              <a:buNone/>
             </a:pPr>
-            <a:endParaRPr lang="en-US" sz="2667" dirty="0"/>
-          </a:p>
-          <a:p>
-            <a:pPr marL="533387" indent="-457189">
+            <a:r>
+              <a:rPr lang="en-US" dirty="0"/>
+              <a:t>How has that distribution shifted over time? (e.g. due to habitat loss, invasive species, etc.) </a:t>
+            </a:r>
+          </a:p>
+          <a:p>
+            <a:pPr indent="-457189">
               <a:spcBef>
                 <a:spcPts val="640"/>
               </a:spcBef>
             </a:pPr>
-            <a:endParaRPr lang="en-US" sz="2933" dirty="0">
-              <a:solidFill>
-                <a:schemeClr val="dk1"/>
-              </a:solidFill>
-              <a:sym typeface="Calibri"/>
-            </a:endParaRPr>
-          </a:p>
-          <a:p>
-            <a:pPr marL="1600160" lvl="2" indent="-457189">
-              <a:buFont typeface="Arial" panose="020B0604020202020204" pitchFamily="34" charset="0"/>
-              <a:buChar char="•"/>
+            <a:r>
+              <a:rPr lang="en-US" sz="2667" dirty="0"/>
+              <a:t>What is the extent of the species range?</a:t>
+            </a:r>
+          </a:p>
+          <a:p>
+            <a:pPr indent="-457189">
+              <a:spcBef>
+                <a:spcPts val="640"/>
+              </a:spcBef>
             </a:pPr>
-            <a:endParaRPr lang="en-US" sz="2667" dirty="0"/>
+            <a:r>
+              <a:rPr lang="en-US" sz="2667" dirty="0"/>
+              <a:t>To what extent does this species co-occur with other species?</a:t>
+            </a:r>
+          </a:p>
+          <a:p>
+            <a:pPr lvl="1" indent="-380990">
+              <a:spcBef>
+                <a:spcPts val="533"/>
+              </a:spcBef>
+            </a:pPr>
+            <a:r>
+              <a:rPr lang="en-US" dirty="0"/>
+              <a:t>Species interactions, exclusion, etc.</a:t>
+            </a:r>
+          </a:p>
+          <a:p>
+            <a:pPr indent="-457189">
+              <a:spcBef>
+                <a:spcPts val="640"/>
+              </a:spcBef>
+            </a:pPr>
+            <a:r>
+              <a:rPr lang="en-US" sz="2667" dirty="0"/>
+              <a:t>How many species are found in this area?</a:t>
+            </a:r>
           </a:p>
           <a:p>
             <a:pPr marL="457189" indent="-457189">
@@ -20617,20 +20648,13 @@
     </p:spTree>
     <p:extLst>
       <p:ext uri="{BB962C8B-B14F-4D97-AF65-F5344CB8AC3E}">
-        <p14:creationId xmlns:p14="http://schemas.microsoft.com/office/powerpoint/2010/main" val="3168421973"/>
+        <p14:creationId xmlns:p14="http://schemas.microsoft.com/office/powerpoint/2010/main" val="2425944703"/>
       </p:ext>
     </p:extLst>
   </p:cSld>
   <p:clrMapOvr>
     <a:masterClrMapping/>
   </p:clrMapOvr>
-  <p:timing>
-    <p:tnLst>
-      <p:par>
-        <p:cTn id="1" dur="indefinite" restart="never" nodeType="tmRoot"/>
-      </p:par>
-    </p:tnLst>
-  </p:timing>
 </p:sld>
 </file>
 
@@ -20742,9 +20766,7 @@
             <a:r>
               <a:rPr lang="en-US" dirty="0">
                 <a:solidFill>
-                  <a:schemeClr val="bg1">
-                    <a:lumMod val="50000"/>
-                  </a:schemeClr>
+                  <a:schemeClr val="dk1"/>
                 </a:solidFill>
                 <a:sym typeface="Calibri"/>
               </a:rPr>
@@ -20752,19 +20774,19 @@
             </a:r>
           </a:p>
           <a:p>
-            <a:pPr marL="533387" indent="-457189">
+            <a:pPr marL="990587" lvl="1" indent="-457189">
               <a:spcBef>
                 <a:spcPts val="640"/>
               </a:spcBef>
             </a:pPr>
             <a:r>
-              <a:rPr lang="en-US" dirty="0">
+              <a:rPr lang="en-US" b="1" dirty="0">
                 <a:solidFill>
                   <a:schemeClr val="dk1"/>
                 </a:solidFill>
                 <a:sym typeface="Calibri"/>
               </a:rPr>
-              <a:t>Site-occupancy models</a:t>
+              <a:t>Assumes perfect detection</a:t>
             </a:r>
           </a:p>
           <a:p>
@@ -20858,6 +20880,273 @@
           </a:p>
         </p:txBody>
       </p:sp>
+      <p:pic>
+        <p:nvPicPr>
+          <p:cNvPr id="4" name="Picture 3">
+            <a:extLst>
+              <a:ext uri="{FF2B5EF4-FFF2-40B4-BE49-F238E27FC236}">
+                <a16:creationId xmlns:a16="http://schemas.microsoft.com/office/drawing/2014/main" id="{2CA58DB5-8BC1-47F4-A9A3-C8AE9D1C23D6}"/>
+              </a:ext>
+            </a:extLst>
+          </p:cNvPr>
+          <p:cNvPicPr>
+            <a:picLocks noChangeAspect="1"/>
+          </p:cNvPicPr>
+          <p:nvPr/>
+        </p:nvPicPr>
+        <p:blipFill>
+          <a:blip r:embed="rId3"/>
+          <a:stretch>
+            <a:fillRect/>
+          </a:stretch>
+        </p:blipFill>
+        <p:spPr>
+          <a:xfrm>
+            <a:off x="2657856" y="2544559"/>
+            <a:ext cx="5912670" cy="3802340"/>
+          </a:xfrm>
+          <a:prstGeom prst="rect">
+            <a:avLst/>
+          </a:prstGeom>
+        </p:spPr>
+      </p:pic>
+    </p:spTree>
+    <p:extLst>
+      <p:ext uri="{BB962C8B-B14F-4D97-AF65-F5344CB8AC3E}">
+        <p14:creationId xmlns:p14="http://schemas.microsoft.com/office/powerpoint/2010/main" val="3168421973"/>
+      </p:ext>
+    </p:extLst>
+  </p:cSld>
+  <p:clrMapOvr>
+    <a:masterClrMapping/>
+  </p:clrMapOvr>
+</p:sld>
+</file>
+
+<file path=ppt/slides/slide32.xml><?xml version="1.0" encoding="utf-8"?>
+<p:sld xmlns:a="http://schemas.openxmlformats.org/drawingml/2006/main" xmlns:r="http://schemas.openxmlformats.org/officeDocument/2006/relationships" xmlns:p="http://schemas.openxmlformats.org/presentationml/2006/main">
+  <p:cSld>
+    <p:spTree>
+      <p:nvGrpSpPr>
+        <p:cNvPr id="1" name="Shape 99"/>
+        <p:cNvGrpSpPr/>
+        <p:nvPr/>
+      </p:nvGrpSpPr>
+      <p:grpSpPr>
+        <a:xfrm>
+          <a:off x="0" y="0"/>
+          <a:ext cx="0" cy="0"/>
+          <a:chOff x="0" y="0"/>
+          <a:chExt cx="0" cy="0"/>
+        </a:xfrm>
+      </p:grpSpPr>
+      <p:sp>
+        <p:nvSpPr>
+          <p:cNvPr id="100" name="Shape 100"/>
+          <p:cNvSpPr txBox="1">
+            <a:spLocks noGrp="1"/>
+          </p:cNvSpPr>
+          <p:nvPr>
+            <p:ph type="title"/>
+          </p:nvPr>
+        </p:nvSpPr>
+        <p:spPr>
+          <a:xfrm>
+            <a:off x="609600" y="228600"/>
+            <a:ext cx="10972800" cy="1143000"/>
+          </a:xfrm>
+          <a:prstGeom prst="rect">
+            <a:avLst/>
+          </a:prstGeom>
+          <a:noFill/>
+          <a:ln>
+            <a:noFill/>
+          </a:ln>
+        </p:spPr>
+        <p:txBody>
+          <a:bodyPr vert="horz" wrap="square" lIns="121900" tIns="60933" rIns="121900" bIns="60933" rtlCol="0" anchor="ctr" anchorCtr="0">
+            <a:noAutofit/>
+          </a:bodyPr>
+          <a:lstStyle/>
+          <a:p>
+            <a:pPr>
+              <a:spcBef>
+                <a:spcPts val="0"/>
+              </a:spcBef>
+              <a:buClr>
+                <a:schemeClr val="dk1"/>
+              </a:buClr>
+              <a:buSzPct val="25000"/>
+            </a:pPr>
+            <a:r>
+              <a:rPr lang="en-US" dirty="0"/>
+              <a:t>Common analysis approaches</a:t>
+            </a:r>
+            <a:endParaRPr lang="en-US" dirty="0">
+              <a:solidFill>
+                <a:schemeClr val="dk1"/>
+              </a:solidFill>
+              <a:latin typeface="Calibri"/>
+              <a:ea typeface="Calibri"/>
+              <a:cs typeface="Calibri"/>
+              <a:sym typeface="Calibri"/>
+            </a:endParaRPr>
+          </a:p>
+        </p:txBody>
+      </p:sp>
+      <p:sp>
+        <p:nvSpPr>
+          <p:cNvPr id="101" name="Shape 101"/>
+          <p:cNvSpPr txBox="1">
+            <a:spLocks noGrp="1"/>
+          </p:cNvSpPr>
+          <p:nvPr>
+            <p:ph sz="quarter" idx="1"/>
+          </p:nvPr>
+        </p:nvSpPr>
+        <p:spPr>
+          <a:xfrm>
+            <a:off x="406400" y="1371601"/>
+            <a:ext cx="11379200" cy="4526100"/>
+          </a:xfrm>
+          <a:prstGeom prst="rect">
+            <a:avLst/>
+          </a:prstGeom>
+          <a:noFill/>
+          <a:ln>
+            <a:noFill/>
+          </a:ln>
+        </p:spPr>
+        <p:txBody>
+          <a:bodyPr vert="horz" wrap="square" lIns="121900" tIns="60933" rIns="121900" bIns="60933" rtlCol="0" anchor="t" anchorCtr="0">
+            <a:noAutofit/>
+          </a:bodyPr>
+          <a:lstStyle/>
+          <a:p>
+            <a:pPr marL="533387" indent="-457189">
+              <a:spcBef>
+                <a:spcPts val="640"/>
+              </a:spcBef>
+            </a:pPr>
+            <a:r>
+              <a:rPr lang="en-US" dirty="0">
+                <a:solidFill>
+                  <a:schemeClr val="bg1">
+                    <a:lumMod val="50000"/>
+                  </a:schemeClr>
+                </a:solidFill>
+                <a:sym typeface="Calibri"/>
+              </a:rPr>
+              <a:t>Logistic regression</a:t>
+            </a:r>
+          </a:p>
+          <a:p>
+            <a:pPr marL="533387" indent="-457189">
+              <a:spcBef>
+                <a:spcPts val="640"/>
+              </a:spcBef>
+            </a:pPr>
+            <a:r>
+              <a:rPr lang="en-US" dirty="0">
+                <a:solidFill>
+                  <a:schemeClr val="dk1"/>
+                </a:solidFill>
+                <a:sym typeface="Calibri"/>
+              </a:rPr>
+              <a:t>Site-occupancy models</a:t>
+            </a:r>
+          </a:p>
+          <a:p>
+            <a:pPr marL="76198" indent="0">
+              <a:spcBef>
+                <a:spcPts val="640"/>
+              </a:spcBef>
+              <a:buNone/>
+            </a:pPr>
+            <a:endParaRPr lang="en-US" sz="2667" dirty="0"/>
+          </a:p>
+          <a:p>
+            <a:pPr marL="533387" indent="-457189">
+              <a:spcBef>
+                <a:spcPts val="640"/>
+              </a:spcBef>
+            </a:pPr>
+            <a:endParaRPr lang="en-US" sz="2933" dirty="0">
+              <a:solidFill>
+                <a:schemeClr val="dk1"/>
+              </a:solidFill>
+              <a:sym typeface="Calibri"/>
+            </a:endParaRPr>
+          </a:p>
+          <a:p>
+            <a:pPr marL="1600160" lvl="2" indent="-457189">
+              <a:buFont typeface="Arial" panose="020B0604020202020204" pitchFamily="34" charset="0"/>
+              <a:buChar char="•"/>
+            </a:pPr>
+            <a:endParaRPr lang="en-US" sz="2667" dirty="0"/>
+          </a:p>
+          <a:p>
+            <a:pPr marL="457189" indent="-457189">
+              <a:spcBef>
+                <a:spcPts val="747"/>
+              </a:spcBef>
+              <a:buClr>
+                <a:schemeClr val="dk1"/>
+              </a:buClr>
+              <a:buSzPct val="100000"/>
+              <a:buNone/>
+            </a:pPr>
+            <a:endParaRPr sz="2667" dirty="0">
+              <a:solidFill>
+                <a:schemeClr val="dk1"/>
+              </a:solidFill>
+              <a:sym typeface="Calibri"/>
+            </a:endParaRPr>
+          </a:p>
+          <a:p>
+            <a:pPr marL="457189" indent="-457189">
+              <a:spcBef>
+                <a:spcPts val="747"/>
+              </a:spcBef>
+              <a:buClr>
+                <a:schemeClr val="dk1"/>
+              </a:buClr>
+              <a:buSzPct val="100000"/>
+              <a:buNone/>
+            </a:pPr>
+            <a:endParaRPr sz="3200" dirty="0">
+              <a:solidFill>
+                <a:schemeClr val="dk1"/>
+              </a:solidFill>
+              <a:latin typeface="Calibri"/>
+              <a:ea typeface="Calibri"/>
+              <a:cs typeface="Calibri"/>
+              <a:sym typeface="Calibri"/>
+            </a:endParaRPr>
+          </a:p>
+          <a:p>
+            <a:pPr marL="457189" indent="-457189">
+              <a:spcBef>
+                <a:spcPts val="747"/>
+              </a:spcBef>
+              <a:buClr>
+                <a:schemeClr val="dk1"/>
+              </a:buClr>
+              <a:buSzPct val="100000"/>
+              <a:buNone/>
+            </a:pPr>
+            <a:endParaRPr sz="3200" dirty="0">
+              <a:solidFill>
+                <a:schemeClr val="dk1"/>
+              </a:solidFill>
+              <a:latin typeface="Calibri"/>
+              <a:ea typeface="Calibri"/>
+              <a:cs typeface="Calibri"/>
+              <a:sym typeface="Calibri"/>
+            </a:endParaRPr>
+          </a:p>
+        </p:txBody>
+      </p:sp>
     </p:spTree>
     <p:extLst>
       <p:ext uri="{BB962C8B-B14F-4D97-AF65-F5344CB8AC3E}">
@@ -20868,17 +21157,10 @@
   <p:clrMapOvr>
     <a:masterClrMapping/>
   </p:clrMapOvr>
-  <p:timing>
-    <p:tnLst>
-      <p:par>
-        <p:cTn id="1" dur="indefinite" restart="never" nodeType="tmRoot"/>
-      </p:par>
-    </p:tnLst>
-  </p:timing>
 </p:sld>
 </file>
 
-<file path=ppt/slides/slide32.xml><?xml version="1.0" encoding="utf-8"?>
+<file path=ppt/slides/slide33.xml><?xml version="1.0" encoding="utf-8"?>
 <p:sld xmlns:a="http://schemas.openxmlformats.org/drawingml/2006/main" xmlns:r="http://schemas.openxmlformats.org/officeDocument/2006/relationships" xmlns:p="http://schemas.openxmlformats.org/presentationml/2006/main">
   <p:cSld>
     <p:spTree>
@@ -21176,17 +21458,10 @@
   <p:clrMapOvr>
     <a:masterClrMapping/>
   </p:clrMapOvr>
-  <p:timing>
-    <p:tnLst>
-      <p:par>
-        <p:cTn id="1" dur="indefinite" restart="never" nodeType="tmRoot"/>
-      </p:par>
-    </p:tnLst>
-  </p:timing>
 </p:sld>
 </file>
 
-<file path=ppt/slides/slide33.xml><?xml version="1.0" encoding="utf-8"?>
+<file path=ppt/slides/slide34.xml><?xml version="1.0" encoding="utf-8"?>
 <p:sld xmlns:a="http://schemas.openxmlformats.org/drawingml/2006/main" xmlns:r="http://schemas.openxmlformats.org/officeDocument/2006/relationships" xmlns:p="http://schemas.openxmlformats.org/presentationml/2006/main">
   <p:cSld>
     <p:spTree>
@@ -23058,7 +23333,7 @@
 </p:sld>
 </file>
 
-<file path=ppt/slides/slide34.xml><?xml version="1.0" encoding="utf-8"?>
+<file path=ppt/slides/slide35.xml><?xml version="1.0" encoding="utf-8"?>
 <p:sld xmlns:a="http://schemas.openxmlformats.org/drawingml/2006/main" xmlns:r="http://schemas.openxmlformats.org/officeDocument/2006/relationships" xmlns:p="http://schemas.openxmlformats.org/presentationml/2006/main">
   <p:cSld>
     <p:spTree>
@@ -23150,21 +23425,21 @@
                 <a:gridCol w="1074755">
                   <a:extLst>
                     <a:ext uri="{9D8B030D-6E8A-4147-A177-3AD203B41FA5}">
-                      <a16:colId xmlns:a16="http://schemas.microsoft.com/office/drawing/2014/main" xmlns="" val="20000"/>
+                      <a16:colId xmlns:a16="http://schemas.microsoft.com/office/drawing/2014/main" val="20000"/>
                     </a:ext>
                   </a:extLst>
                 </a:gridCol>
                 <a:gridCol w="1618827">
                   <a:extLst>
                     <a:ext uri="{9D8B030D-6E8A-4147-A177-3AD203B41FA5}">
-                      <a16:colId xmlns:a16="http://schemas.microsoft.com/office/drawing/2014/main" xmlns="" val="20001"/>
+                      <a16:colId xmlns:a16="http://schemas.microsoft.com/office/drawing/2014/main" val="20001"/>
                     </a:ext>
                   </a:extLst>
                 </a:gridCol>
                 <a:gridCol w="1828800">
                   <a:extLst>
                     <a:ext uri="{9D8B030D-6E8A-4147-A177-3AD203B41FA5}">
-                      <a16:colId xmlns:a16="http://schemas.microsoft.com/office/drawing/2014/main" xmlns="" val="20002"/>
+                      <a16:colId xmlns:a16="http://schemas.microsoft.com/office/drawing/2014/main" val="20002"/>
                     </a:ext>
                   </a:extLst>
                 </a:gridCol>
@@ -23219,7 +23494,7 @@
                 </a:tc>
                 <a:extLst>
                   <a:ext uri="{0D108BD9-81ED-4DB2-BD59-A6C34878D82A}">
-                    <a16:rowId xmlns:a16="http://schemas.microsoft.com/office/drawing/2014/main" xmlns="" val="10000"/>
+                    <a16:rowId xmlns:a16="http://schemas.microsoft.com/office/drawing/2014/main" val="10000"/>
                   </a:ext>
                 </a:extLst>
               </a:tr>
@@ -23268,7 +23543,7 @@
                 </a:tc>
                 <a:extLst>
                   <a:ext uri="{0D108BD9-81ED-4DB2-BD59-A6C34878D82A}">
-                    <a16:rowId xmlns:a16="http://schemas.microsoft.com/office/drawing/2014/main" xmlns="" val="10001"/>
+                    <a16:rowId xmlns:a16="http://schemas.microsoft.com/office/drawing/2014/main" val="10001"/>
                   </a:ext>
                 </a:extLst>
               </a:tr>
@@ -23317,7 +23592,7 @@
                 </a:tc>
                 <a:extLst>
                   <a:ext uri="{0D108BD9-81ED-4DB2-BD59-A6C34878D82A}">
-                    <a16:rowId xmlns:a16="http://schemas.microsoft.com/office/drawing/2014/main" xmlns="" val="10002"/>
+                    <a16:rowId xmlns:a16="http://schemas.microsoft.com/office/drawing/2014/main" val="10002"/>
                   </a:ext>
                 </a:extLst>
               </a:tr>
@@ -23366,7 +23641,7 @@
                 </a:tc>
                 <a:extLst>
                   <a:ext uri="{0D108BD9-81ED-4DB2-BD59-A6C34878D82A}">
-                    <a16:rowId xmlns:a16="http://schemas.microsoft.com/office/drawing/2014/main" xmlns="" val="10003"/>
+                    <a16:rowId xmlns:a16="http://schemas.microsoft.com/office/drawing/2014/main" val="10003"/>
                   </a:ext>
                 </a:extLst>
               </a:tr>
@@ -23415,7 +23690,7 @@
                 </a:tc>
                 <a:extLst>
                   <a:ext uri="{0D108BD9-81ED-4DB2-BD59-A6C34878D82A}">
-                    <a16:rowId xmlns:a16="http://schemas.microsoft.com/office/drawing/2014/main" xmlns="" val="10004"/>
+                    <a16:rowId xmlns:a16="http://schemas.microsoft.com/office/drawing/2014/main" val="10004"/>
                   </a:ext>
                 </a:extLst>
               </a:tr>
@@ -23464,7 +23739,7 @@
                 </a:tc>
                 <a:extLst>
                   <a:ext uri="{0D108BD9-81ED-4DB2-BD59-A6C34878D82A}">
-                    <a16:rowId xmlns:a16="http://schemas.microsoft.com/office/drawing/2014/main" xmlns="" val="10005"/>
+                    <a16:rowId xmlns:a16="http://schemas.microsoft.com/office/drawing/2014/main" val="10005"/>
                   </a:ext>
                 </a:extLst>
               </a:tr>
@@ -23513,7 +23788,7 @@
                 </a:tc>
                 <a:extLst>
                   <a:ext uri="{0D108BD9-81ED-4DB2-BD59-A6C34878D82A}">
-                    <a16:rowId xmlns:a16="http://schemas.microsoft.com/office/drawing/2014/main" xmlns="" val="10006"/>
+                    <a16:rowId xmlns:a16="http://schemas.microsoft.com/office/drawing/2014/main" val="10006"/>
                   </a:ext>
                 </a:extLst>
               </a:tr>
@@ -23562,7 +23837,7 @@
                 </a:tc>
                 <a:extLst>
                   <a:ext uri="{0D108BD9-81ED-4DB2-BD59-A6C34878D82A}">
-                    <a16:rowId xmlns:a16="http://schemas.microsoft.com/office/drawing/2014/main" xmlns="" val="10007"/>
+                    <a16:rowId xmlns:a16="http://schemas.microsoft.com/office/drawing/2014/main" val="10007"/>
                   </a:ext>
                 </a:extLst>
               </a:tr>
@@ -23611,7 +23886,7 @@
                 </a:tc>
                 <a:extLst>
                   <a:ext uri="{0D108BD9-81ED-4DB2-BD59-A6C34878D82A}">
-                    <a16:rowId xmlns:a16="http://schemas.microsoft.com/office/drawing/2014/main" xmlns="" val="10008"/>
+                    <a16:rowId xmlns:a16="http://schemas.microsoft.com/office/drawing/2014/main" val="10008"/>
                   </a:ext>
                 </a:extLst>
               </a:tr>
@@ -23660,7 +23935,7 @@
                 </a:tc>
                 <a:extLst>
                   <a:ext uri="{0D108BD9-81ED-4DB2-BD59-A6C34878D82A}">
-                    <a16:rowId xmlns:a16="http://schemas.microsoft.com/office/drawing/2014/main" xmlns="" val="10009"/>
+                    <a16:rowId xmlns:a16="http://schemas.microsoft.com/office/drawing/2014/main" val="10009"/>
                   </a:ext>
                 </a:extLst>
               </a:tr>
@@ -23690,28 +23965,28 @@
                 <a:gridCol w="848125">
                   <a:extLst>
                     <a:ext uri="{9D8B030D-6E8A-4147-A177-3AD203B41FA5}">
-                      <a16:colId xmlns:a16="http://schemas.microsoft.com/office/drawing/2014/main" xmlns="" val="20000"/>
+                      <a16:colId xmlns:a16="http://schemas.microsoft.com/office/drawing/2014/main" val="20000"/>
                     </a:ext>
                   </a:extLst>
                 </a:gridCol>
                 <a:gridCol w="1188175">
                   <a:extLst>
                     <a:ext uri="{9D8B030D-6E8A-4147-A177-3AD203B41FA5}">
-                      <a16:colId xmlns:a16="http://schemas.microsoft.com/office/drawing/2014/main" xmlns="" val="20001"/>
+                      <a16:colId xmlns:a16="http://schemas.microsoft.com/office/drawing/2014/main" val="20001"/>
                     </a:ext>
                   </a:extLst>
                 </a:gridCol>
                 <a:gridCol w="1188175">
                   <a:extLst>
                     <a:ext uri="{9D8B030D-6E8A-4147-A177-3AD203B41FA5}">
-                      <a16:colId xmlns:a16="http://schemas.microsoft.com/office/drawing/2014/main" xmlns="" val="20002"/>
+                      <a16:colId xmlns:a16="http://schemas.microsoft.com/office/drawing/2014/main" val="20002"/>
                     </a:ext>
                   </a:extLst>
                 </a:gridCol>
                 <a:gridCol w="1410023">
                   <a:extLst>
                     <a:ext uri="{9D8B030D-6E8A-4147-A177-3AD203B41FA5}">
-                      <a16:colId xmlns:a16="http://schemas.microsoft.com/office/drawing/2014/main" xmlns="" val="20003"/>
+                      <a16:colId xmlns:a16="http://schemas.microsoft.com/office/drawing/2014/main" val="20003"/>
                     </a:ext>
                   </a:extLst>
                 </a:gridCol>
@@ -23785,7 +24060,7 @@
                 </a:tc>
                 <a:extLst>
                   <a:ext uri="{0D108BD9-81ED-4DB2-BD59-A6C34878D82A}">
-                    <a16:rowId xmlns:a16="http://schemas.microsoft.com/office/drawing/2014/main" xmlns="" val="10000"/>
+                    <a16:rowId xmlns:a16="http://schemas.microsoft.com/office/drawing/2014/main" val="10000"/>
                   </a:ext>
                 </a:extLst>
               </a:tr>
@@ -23848,7 +24123,7 @@
                 </a:tc>
                 <a:extLst>
                   <a:ext uri="{0D108BD9-81ED-4DB2-BD59-A6C34878D82A}">
-                    <a16:rowId xmlns:a16="http://schemas.microsoft.com/office/drawing/2014/main" xmlns="" val="10001"/>
+                    <a16:rowId xmlns:a16="http://schemas.microsoft.com/office/drawing/2014/main" val="10001"/>
                   </a:ext>
                 </a:extLst>
               </a:tr>
@@ -23902,7 +24177,7 @@
                 </a:tc>
                 <a:extLst>
                   <a:ext uri="{0D108BD9-81ED-4DB2-BD59-A6C34878D82A}">
-                    <a16:rowId xmlns:a16="http://schemas.microsoft.com/office/drawing/2014/main" xmlns="" val="10002"/>
+                    <a16:rowId xmlns:a16="http://schemas.microsoft.com/office/drawing/2014/main" val="10002"/>
                   </a:ext>
                 </a:extLst>
               </a:tr>
@@ -23956,7 +24231,7 @@
                 </a:tc>
                 <a:extLst>
                   <a:ext uri="{0D108BD9-81ED-4DB2-BD59-A6C34878D82A}">
-                    <a16:rowId xmlns:a16="http://schemas.microsoft.com/office/drawing/2014/main" xmlns="" val="10003"/>
+                    <a16:rowId xmlns:a16="http://schemas.microsoft.com/office/drawing/2014/main" val="10003"/>
                   </a:ext>
                 </a:extLst>
               </a:tr>
@@ -24142,28 +24417,28 @@
                 <a:gridCol w="848125">
                   <a:extLst>
                     <a:ext uri="{9D8B030D-6E8A-4147-A177-3AD203B41FA5}">
-                      <a16:colId xmlns:a16="http://schemas.microsoft.com/office/drawing/2014/main" xmlns="" val="20000"/>
+                      <a16:colId xmlns:a16="http://schemas.microsoft.com/office/drawing/2014/main" val="20000"/>
                     </a:ext>
                   </a:extLst>
                 </a:gridCol>
                 <a:gridCol w="1188175">
                   <a:extLst>
                     <a:ext uri="{9D8B030D-6E8A-4147-A177-3AD203B41FA5}">
-                      <a16:colId xmlns:a16="http://schemas.microsoft.com/office/drawing/2014/main" xmlns="" val="20001"/>
+                      <a16:colId xmlns:a16="http://schemas.microsoft.com/office/drawing/2014/main" val="20001"/>
                     </a:ext>
                   </a:extLst>
                 </a:gridCol>
                 <a:gridCol w="1188175">
                   <a:extLst>
                     <a:ext uri="{9D8B030D-6E8A-4147-A177-3AD203B41FA5}">
-                      <a16:colId xmlns:a16="http://schemas.microsoft.com/office/drawing/2014/main" xmlns="" val="20002"/>
+                      <a16:colId xmlns:a16="http://schemas.microsoft.com/office/drawing/2014/main" val="20002"/>
                     </a:ext>
                   </a:extLst>
                 </a:gridCol>
                 <a:gridCol w="1410023">
                   <a:extLst>
                     <a:ext uri="{9D8B030D-6E8A-4147-A177-3AD203B41FA5}">
-                      <a16:colId xmlns:a16="http://schemas.microsoft.com/office/drawing/2014/main" xmlns="" val="20003"/>
+                      <a16:colId xmlns:a16="http://schemas.microsoft.com/office/drawing/2014/main" val="20003"/>
                     </a:ext>
                   </a:extLst>
                 </a:gridCol>
@@ -24237,7 +24512,7 @@
                 </a:tc>
                 <a:extLst>
                   <a:ext uri="{0D108BD9-81ED-4DB2-BD59-A6C34878D82A}">
-                    <a16:rowId xmlns:a16="http://schemas.microsoft.com/office/drawing/2014/main" xmlns="" val="10000"/>
+                    <a16:rowId xmlns:a16="http://schemas.microsoft.com/office/drawing/2014/main" val="10000"/>
                   </a:ext>
                 </a:extLst>
               </a:tr>
@@ -24291,7 +24566,7 @@
                 </a:tc>
                 <a:extLst>
                   <a:ext uri="{0D108BD9-81ED-4DB2-BD59-A6C34878D82A}">
-                    <a16:rowId xmlns:a16="http://schemas.microsoft.com/office/drawing/2014/main" xmlns="" val="10001"/>
+                    <a16:rowId xmlns:a16="http://schemas.microsoft.com/office/drawing/2014/main" val="10001"/>
                   </a:ext>
                 </a:extLst>
               </a:tr>
@@ -24345,7 +24620,7 @@
                 </a:tc>
                 <a:extLst>
                   <a:ext uri="{0D108BD9-81ED-4DB2-BD59-A6C34878D82A}">
-                    <a16:rowId xmlns:a16="http://schemas.microsoft.com/office/drawing/2014/main" xmlns="" val="10002"/>
+                    <a16:rowId xmlns:a16="http://schemas.microsoft.com/office/drawing/2014/main" val="10002"/>
                   </a:ext>
                 </a:extLst>
               </a:tr>
@@ -24399,7 +24674,7 @@
                 </a:tc>
                 <a:extLst>
                   <a:ext uri="{0D108BD9-81ED-4DB2-BD59-A6C34878D82A}">
-                    <a16:rowId xmlns:a16="http://schemas.microsoft.com/office/drawing/2014/main" xmlns="" val="10003"/>
+                    <a16:rowId xmlns:a16="http://schemas.microsoft.com/office/drawing/2014/main" val="10003"/>
                   </a:ext>
                 </a:extLst>
               </a:tr>
@@ -24585,28 +24860,28 @@
                 <a:gridCol w="848125">
                   <a:extLst>
                     <a:ext uri="{9D8B030D-6E8A-4147-A177-3AD203B41FA5}">
-                      <a16:colId xmlns:a16="http://schemas.microsoft.com/office/drawing/2014/main" xmlns="" val="20000"/>
+                      <a16:colId xmlns:a16="http://schemas.microsoft.com/office/drawing/2014/main" val="20000"/>
                     </a:ext>
                   </a:extLst>
                 </a:gridCol>
                 <a:gridCol w="1188175">
                   <a:extLst>
                     <a:ext uri="{9D8B030D-6E8A-4147-A177-3AD203B41FA5}">
-                      <a16:colId xmlns:a16="http://schemas.microsoft.com/office/drawing/2014/main" xmlns="" val="20001"/>
+                      <a16:colId xmlns:a16="http://schemas.microsoft.com/office/drawing/2014/main" val="20001"/>
                     </a:ext>
                   </a:extLst>
                 </a:gridCol>
                 <a:gridCol w="1188175">
                   <a:extLst>
                     <a:ext uri="{9D8B030D-6E8A-4147-A177-3AD203B41FA5}">
-                      <a16:colId xmlns:a16="http://schemas.microsoft.com/office/drawing/2014/main" xmlns="" val="20002"/>
+                      <a16:colId xmlns:a16="http://schemas.microsoft.com/office/drawing/2014/main" val="20002"/>
                     </a:ext>
                   </a:extLst>
                 </a:gridCol>
                 <a:gridCol w="1410023">
                   <a:extLst>
                     <a:ext uri="{9D8B030D-6E8A-4147-A177-3AD203B41FA5}">
-                      <a16:colId xmlns:a16="http://schemas.microsoft.com/office/drawing/2014/main" xmlns="" val="20003"/>
+                      <a16:colId xmlns:a16="http://schemas.microsoft.com/office/drawing/2014/main" val="20003"/>
                     </a:ext>
                   </a:extLst>
                 </a:gridCol>
@@ -24680,7 +24955,7 @@
                 </a:tc>
                 <a:extLst>
                   <a:ext uri="{0D108BD9-81ED-4DB2-BD59-A6C34878D82A}">
-                    <a16:rowId xmlns:a16="http://schemas.microsoft.com/office/drawing/2014/main" xmlns="" val="10000"/>
+                    <a16:rowId xmlns:a16="http://schemas.microsoft.com/office/drawing/2014/main" val="10000"/>
                   </a:ext>
                 </a:extLst>
               </a:tr>
@@ -24743,7 +25018,7 @@
                 </a:tc>
                 <a:extLst>
                   <a:ext uri="{0D108BD9-81ED-4DB2-BD59-A6C34878D82A}">
-                    <a16:rowId xmlns:a16="http://schemas.microsoft.com/office/drawing/2014/main" xmlns="" val="10001"/>
+                    <a16:rowId xmlns:a16="http://schemas.microsoft.com/office/drawing/2014/main" val="10001"/>
                   </a:ext>
                 </a:extLst>
               </a:tr>
@@ -24806,7 +25081,7 @@
                 </a:tc>
                 <a:extLst>
                   <a:ext uri="{0D108BD9-81ED-4DB2-BD59-A6C34878D82A}">
-                    <a16:rowId xmlns:a16="http://schemas.microsoft.com/office/drawing/2014/main" xmlns="" val="10002"/>
+                    <a16:rowId xmlns:a16="http://schemas.microsoft.com/office/drawing/2014/main" val="10002"/>
                   </a:ext>
                 </a:extLst>
               </a:tr>
@@ -24860,7 +25135,7 @@
                 </a:tc>
                 <a:extLst>
                   <a:ext uri="{0D108BD9-81ED-4DB2-BD59-A6C34878D82A}">
-                    <a16:rowId xmlns:a16="http://schemas.microsoft.com/office/drawing/2014/main" xmlns="" val="10003"/>
+                    <a16:rowId xmlns:a16="http://schemas.microsoft.com/office/drawing/2014/main" val="10003"/>
                   </a:ext>
                 </a:extLst>
               </a:tr>
@@ -25046,28 +25321,28 @@
                 <a:gridCol w="848125">
                   <a:extLst>
                     <a:ext uri="{9D8B030D-6E8A-4147-A177-3AD203B41FA5}">
-                      <a16:colId xmlns:a16="http://schemas.microsoft.com/office/drawing/2014/main" xmlns="" val="20000"/>
+                      <a16:colId xmlns:a16="http://schemas.microsoft.com/office/drawing/2014/main" val="20000"/>
                     </a:ext>
                   </a:extLst>
                 </a:gridCol>
                 <a:gridCol w="1188175">
                   <a:extLst>
                     <a:ext uri="{9D8B030D-6E8A-4147-A177-3AD203B41FA5}">
-                      <a16:colId xmlns:a16="http://schemas.microsoft.com/office/drawing/2014/main" xmlns="" val="20001"/>
+                      <a16:colId xmlns:a16="http://schemas.microsoft.com/office/drawing/2014/main" val="20001"/>
                     </a:ext>
                   </a:extLst>
                 </a:gridCol>
                 <a:gridCol w="1188175">
                   <a:extLst>
                     <a:ext uri="{9D8B030D-6E8A-4147-A177-3AD203B41FA5}">
-                      <a16:colId xmlns:a16="http://schemas.microsoft.com/office/drawing/2014/main" xmlns="" val="20002"/>
+                      <a16:colId xmlns:a16="http://schemas.microsoft.com/office/drawing/2014/main" val="20002"/>
                     </a:ext>
                   </a:extLst>
                 </a:gridCol>
                 <a:gridCol w="1410023">
                   <a:extLst>
                     <a:ext uri="{9D8B030D-6E8A-4147-A177-3AD203B41FA5}">
-                      <a16:colId xmlns:a16="http://schemas.microsoft.com/office/drawing/2014/main" xmlns="" val="20003"/>
+                      <a16:colId xmlns:a16="http://schemas.microsoft.com/office/drawing/2014/main" val="20003"/>
                     </a:ext>
                   </a:extLst>
                 </a:gridCol>
@@ -25141,7 +25416,7 @@
                 </a:tc>
                 <a:extLst>
                   <a:ext uri="{0D108BD9-81ED-4DB2-BD59-A6C34878D82A}">
-                    <a16:rowId xmlns:a16="http://schemas.microsoft.com/office/drawing/2014/main" xmlns="" val="10000"/>
+                    <a16:rowId xmlns:a16="http://schemas.microsoft.com/office/drawing/2014/main" val="10000"/>
                   </a:ext>
                 </a:extLst>
               </a:tr>
@@ -25204,7 +25479,7 @@
                 </a:tc>
                 <a:extLst>
                   <a:ext uri="{0D108BD9-81ED-4DB2-BD59-A6C34878D82A}">
-                    <a16:rowId xmlns:a16="http://schemas.microsoft.com/office/drawing/2014/main" xmlns="" val="10001"/>
+                    <a16:rowId xmlns:a16="http://schemas.microsoft.com/office/drawing/2014/main" val="10001"/>
                   </a:ext>
                 </a:extLst>
               </a:tr>
@@ -25267,7 +25542,7 @@
                 </a:tc>
                 <a:extLst>
                   <a:ext uri="{0D108BD9-81ED-4DB2-BD59-A6C34878D82A}">
-                    <a16:rowId xmlns:a16="http://schemas.microsoft.com/office/drawing/2014/main" xmlns="" val="10002"/>
+                    <a16:rowId xmlns:a16="http://schemas.microsoft.com/office/drawing/2014/main" val="10002"/>
                   </a:ext>
                 </a:extLst>
               </a:tr>
@@ -25330,7 +25605,7 @@
                 </a:tc>
                 <a:extLst>
                   <a:ext uri="{0D108BD9-81ED-4DB2-BD59-A6C34878D82A}">
-                    <a16:rowId xmlns:a16="http://schemas.microsoft.com/office/drawing/2014/main" xmlns="" val="10003"/>
+                    <a16:rowId xmlns:a16="http://schemas.microsoft.com/office/drawing/2014/main" val="10003"/>
                   </a:ext>
                 </a:extLst>
               </a:tr>
@@ -26160,7 +26435,7 @@
 </p:sld>
 </file>
 
-<file path=ppt/slides/slide35.xml><?xml version="1.0" encoding="utf-8"?>
+<file path=ppt/slides/slide36.xml><?xml version="1.0" encoding="utf-8"?>
 <p:sld xmlns:a="http://schemas.openxmlformats.org/drawingml/2006/main" xmlns:r="http://schemas.openxmlformats.org/officeDocument/2006/relationships" xmlns:p="http://schemas.openxmlformats.org/presentationml/2006/main">
   <p:cSld>
     <p:spTree>
@@ -26997,7 +27272,7 @@
           <p:cNvPr id="3" name="Oval 2">
             <a:extLst>
               <a:ext uri="{FF2B5EF4-FFF2-40B4-BE49-F238E27FC236}">
-                <a16:creationId xmlns:a16="http://schemas.microsoft.com/office/drawing/2014/main" xmlns="" id="{4606B0C7-C9A1-4617-B3E9-9EB78D7858BB}"/>
+                <a16:creationId xmlns:a16="http://schemas.microsoft.com/office/drawing/2014/main" id="{4606B0C7-C9A1-4617-B3E9-9EB78D7858BB}"/>
               </a:ext>
             </a:extLst>
           </p:cNvPr>
@@ -27046,7 +27321,7 @@
           <p:cNvPr id="5" name="Straight Arrow Connector 4">
             <a:extLst>
               <a:ext uri="{FF2B5EF4-FFF2-40B4-BE49-F238E27FC236}">
-                <a16:creationId xmlns:a16="http://schemas.microsoft.com/office/drawing/2014/main" xmlns="" id="{E8EF6C8B-8543-43B7-895F-786E81F206D9}"/>
+                <a16:creationId xmlns:a16="http://schemas.microsoft.com/office/drawing/2014/main" id="{E8EF6C8B-8543-43B7-895F-786E81F206D9}"/>
               </a:ext>
             </a:extLst>
           </p:cNvPr>
@@ -27092,7 +27367,7 @@
           <p:cNvPr id="23" name="Straight Arrow Connector 22">
             <a:extLst>
               <a:ext uri="{FF2B5EF4-FFF2-40B4-BE49-F238E27FC236}">
-                <a16:creationId xmlns:a16="http://schemas.microsoft.com/office/drawing/2014/main" xmlns="" id="{705B93F0-A7F6-49AB-8425-25E062F7B140}"/>
+                <a16:creationId xmlns:a16="http://schemas.microsoft.com/office/drawing/2014/main" id="{705B93F0-A7F6-49AB-8425-25E062F7B140}"/>
               </a:ext>
             </a:extLst>
           </p:cNvPr>
@@ -27490,7 +27765,7 @@
 </p:sld>
 </file>
 
-<file path=ppt/slides/slide36.xml><?xml version="1.0" encoding="utf-8"?>
+<file path=ppt/slides/slide37.xml><?xml version="1.0" encoding="utf-8"?>
 <p:sld xmlns:a="http://schemas.openxmlformats.org/drawingml/2006/main" xmlns:r="http://schemas.openxmlformats.org/officeDocument/2006/relationships" xmlns:p="http://schemas.openxmlformats.org/presentationml/2006/main">
   <p:cSld>
     <p:spTree>
@@ -27512,7 +27787,7 @@
           <p:cNvPr id="4" name="Table 3">
             <a:extLst>
               <a:ext uri="{FF2B5EF4-FFF2-40B4-BE49-F238E27FC236}">
-                <a16:creationId xmlns:a16="http://schemas.microsoft.com/office/drawing/2014/main" xmlns="" id="{91C72693-5305-4F5F-BA5D-AA2A0AC96749}"/>
+                <a16:creationId xmlns:a16="http://schemas.microsoft.com/office/drawing/2014/main" id="{91C72693-5305-4F5F-BA5D-AA2A0AC96749}"/>
               </a:ext>
             </a:extLst>
           </p:cNvPr>
@@ -27539,28 +27814,28 @@
                 <a:gridCol w="969137">
                   <a:extLst>
                     <a:ext uri="{9D8B030D-6E8A-4147-A177-3AD203B41FA5}">
-                      <a16:colId xmlns:a16="http://schemas.microsoft.com/office/drawing/2014/main" xmlns="" val="20000"/>
+                      <a16:colId xmlns:a16="http://schemas.microsoft.com/office/drawing/2014/main" val="20000"/>
                     </a:ext>
                   </a:extLst>
                 </a:gridCol>
                 <a:gridCol w="1377315">
                   <a:extLst>
                     <a:ext uri="{9D8B030D-6E8A-4147-A177-3AD203B41FA5}">
-                      <a16:colId xmlns:a16="http://schemas.microsoft.com/office/drawing/2014/main" xmlns="" val="20001"/>
+                      <a16:colId xmlns:a16="http://schemas.microsoft.com/office/drawing/2014/main" val="20001"/>
                     </a:ext>
                   </a:extLst>
                 </a:gridCol>
                 <a:gridCol w="1377315">
                   <a:extLst>
                     <a:ext uri="{9D8B030D-6E8A-4147-A177-3AD203B41FA5}">
-                      <a16:colId xmlns:a16="http://schemas.microsoft.com/office/drawing/2014/main" xmlns="" val="20002"/>
+                      <a16:colId xmlns:a16="http://schemas.microsoft.com/office/drawing/2014/main" val="20002"/>
                     </a:ext>
                   </a:extLst>
                 </a:gridCol>
                 <a:gridCol w="1410023">
                   <a:extLst>
                     <a:ext uri="{9D8B030D-6E8A-4147-A177-3AD203B41FA5}">
-                      <a16:colId xmlns:a16="http://schemas.microsoft.com/office/drawing/2014/main" xmlns="" val="20003"/>
+                      <a16:colId xmlns:a16="http://schemas.microsoft.com/office/drawing/2014/main" val="20003"/>
                     </a:ext>
                   </a:extLst>
                 </a:gridCol>
@@ -27634,7 +27909,7 @@
                 </a:tc>
                 <a:extLst>
                   <a:ext uri="{0D108BD9-81ED-4DB2-BD59-A6C34878D82A}">
-                    <a16:rowId xmlns:a16="http://schemas.microsoft.com/office/drawing/2014/main" xmlns="" val="10000"/>
+                    <a16:rowId xmlns:a16="http://schemas.microsoft.com/office/drawing/2014/main" val="10000"/>
                   </a:ext>
                 </a:extLst>
               </a:tr>
@@ -27697,7 +27972,7 @@
                 </a:tc>
                 <a:extLst>
                   <a:ext uri="{0D108BD9-81ED-4DB2-BD59-A6C34878D82A}">
-                    <a16:rowId xmlns:a16="http://schemas.microsoft.com/office/drawing/2014/main" xmlns="" val="10001"/>
+                    <a16:rowId xmlns:a16="http://schemas.microsoft.com/office/drawing/2014/main" val="10001"/>
                   </a:ext>
                 </a:extLst>
               </a:tr>
@@ -27760,7 +28035,7 @@
                 </a:tc>
                 <a:extLst>
                   <a:ext uri="{0D108BD9-81ED-4DB2-BD59-A6C34878D82A}">
-                    <a16:rowId xmlns:a16="http://schemas.microsoft.com/office/drawing/2014/main" xmlns="" val="10002"/>
+                    <a16:rowId xmlns:a16="http://schemas.microsoft.com/office/drawing/2014/main" val="10002"/>
                   </a:ext>
                 </a:extLst>
               </a:tr>
@@ -27823,7 +28098,7 @@
                 </a:tc>
                 <a:extLst>
                   <a:ext uri="{0D108BD9-81ED-4DB2-BD59-A6C34878D82A}">
-                    <a16:rowId xmlns:a16="http://schemas.microsoft.com/office/drawing/2014/main" xmlns="" val="10003"/>
+                    <a16:rowId xmlns:a16="http://schemas.microsoft.com/office/drawing/2014/main" val="10003"/>
                   </a:ext>
                 </a:extLst>
               </a:tr>
@@ -27886,7 +28161,7 @@
                 </a:tc>
                 <a:extLst>
                   <a:ext uri="{0D108BD9-81ED-4DB2-BD59-A6C34878D82A}">
-                    <a16:rowId xmlns:a16="http://schemas.microsoft.com/office/drawing/2014/main" xmlns="" val="2612765108"/>
+                    <a16:rowId xmlns:a16="http://schemas.microsoft.com/office/drawing/2014/main" val="2612765108"/>
                   </a:ext>
                 </a:extLst>
               </a:tr>
@@ -27899,7 +28174,7 @@
           <p:cNvPr id="6" name="TextBox 5">
             <a:extLst>
               <a:ext uri="{FF2B5EF4-FFF2-40B4-BE49-F238E27FC236}">
-                <a16:creationId xmlns:a16="http://schemas.microsoft.com/office/drawing/2014/main" xmlns="" id="{525024B4-2687-4F65-813F-E7C2112835A6}"/>
+                <a16:creationId xmlns:a16="http://schemas.microsoft.com/office/drawing/2014/main" id="{525024B4-2687-4F65-813F-E7C2112835A6}"/>
               </a:ext>
             </a:extLst>
           </p:cNvPr>
@@ -27955,7 +28230,7 @@
           <p:cNvPr id="8" name="Right Brace 7">
             <a:extLst>
               <a:ext uri="{FF2B5EF4-FFF2-40B4-BE49-F238E27FC236}">
-                <a16:creationId xmlns:a16="http://schemas.microsoft.com/office/drawing/2014/main" xmlns="" id="{A281854E-BE78-4AB2-B86E-8F0EDCCA2B1F}"/>
+                <a16:creationId xmlns:a16="http://schemas.microsoft.com/office/drawing/2014/main" id="{A281854E-BE78-4AB2-B86E-8F0EDCCA2B1F}"/>
               </a:ext>
             </a:extLst>
           </p:cNvPr>
@@ -28004,7 +28279,7 @@
           <p:cNvPr id="14" name="TextBox 13">
             <a:extLst>
               <a:ext uri="{FF2B5EF4-FFF2-40B4-BE49-F238E27FC236}">
-                <a16:creationId xmlns:a16="http://schemas.microsoft.com/office/drawing/2014/main" xmlns="" id="{6092DBBA-2D18-453B-B1B5-56E5019FA4F0}"/>
+                <a16:creationId xmlns:a16="http://schemas.microsoft.com/office/drawing/2014/main" id="{6092DBBA-2D18-453B-B1B5-56E5019FA4F0}"/>
               </a:ext>
             </a:extLst>
           </p:cNvPr>
@@ -28045,7 +28320,7 @@
           <p:cNvPr id="16" name="Straight Arrow Connector 15">
             <a:extLst>
               <a:ext uri="{FF2B5EF4-FFF2-40B4-BE49-F238E27FC236}">
-                <a16:creationId xmlns:a16="http://schemas.microsoft.com/office/drawing/2014/main" xmlns="" id="{1EC42F48-A1A5-4AC2-9384-24CFA2743215}"/>
+                <a16:creationId xmlns:a16="http://schemas.microsoft.com/office/drawing/2014/main" id="{1EC42F48-A1A5-4AC2-9384-24CFA2743215}"/>
               </a:ext>
             </a:extLst>
           </p:cNvPr>
@@ -28090,7 +28365,7 @@
           <p:cNvPr id="18" name="Straight Arrow Connector 17">
             <a:extLst>
               <a:ext uri="{FF2B5EF4-FFF2-40B4-BE49-F238E27FC236}">
-                <a16:creationId xmlns:a16="http://schemas.microsoft.com/office/drawing/2014/main" xmlns="" id="{5102EED1-7CA5-48DA-B9F5-6AF598882590}"/>
+                <a16:creationId xmlns:a16="http://schemas.microsoft.com/office/drawing/2014/main" id="{5102EED1-7CA5-48DA-B9F5-6AF598882590}"/>
               </a:ext>
             </a:extLst>
           </p:cNvPr>
@@ -28135,7 +28410,7 @@
           <p:cNvPr id="21" name="Straight Arrow Connector 20">
             <a:extLst>
               <a:ext uri="{FF2B5EF4-FFF2-40B4-BE49-F238E27FC236}">
-                <a16:creationId xmlns:a16="http://schemas.microsoft.com/office/drawing/2014/main" xmlns="" id="{DC8E21FB-E284-4590-ADFE-0F9E3CDDFB31}"/>
+                <a16:creationId xmlns:a16="http://schemas.microsoft.com/office/drawing/2014/main" id="{DC8E21FB-E284-4590-ADFE-0F9E3CDDFB31}"/>
               </a:ext>
             </a:extLst>
           </p:cNvPr>
@@ -28179,7 +28454,7 @@
           <p:cNvPr id="24" name="TextBox 23">
             <a:extLst>
               <a:ext uri="{FF2B5EF4-FFF2-40B4-BE49-F238E27FC236}">
-                <a16:creationId xmlns:a16="http://schemas.microsoft.com/office/drawing/2014/main" xmlns="" id="{AEB7C7FD-03CB-4986-9F07-4689A30A5EE7}"/>
+                <a16:creationId xmlns:a16="http://schemas.microsoft.com/office/drawing/2014/main" id="{AEB7C7FD-03CB-4986-9F07-4689A30A5EE7}"/>
               </a:ext>
             </a:extLst>
           </p:cNvPr>
@@ -28220,7 +28495,7 @@
           <p:cNvPr id="25" name="Straight Arrow Connector 24">
             <a:extLst>
               <a:ext uri="{FF2B5EF4-FFF2-40B4-BE49-F238E27FC236}">
-                <a16:creationId xmlns:a16="http://schemas.microsoft.com/office/drawing/2014/main" xmlns="" id="{176EADFE-45E1-4B46-ACB8-6F64C817F75C}"/>
+                <a16:creationId xmlns:a16="http://schemas.microsoft.com/office/drawing/2014/main" id="{176EADFE-45E1-4B46-ACB8-6F64C817F75C}"/>
               </a:ext>
             </a:extLst>
           </p:cNvPr>
@@ -28260,192 +28535,6 @@
           </a:fontRef>
         </p:style>
       </p:cxnSp>
-      <mc:AlternateContent xmlns:mc="http://schemas.openxmlformats.org/markup-compatibility/2006" xmlns:a14="http://schemas.microsoft.com/office/drawing/2010/main">
-        <mc:Choice Requires="a14">
-          <p:sp>
-            <p:nvSpPr>
-              <p:cNvPr id="29" name="TextBox 28">
-                <a:extLst>
-                  <a:ext uri="{FF2B5EF4-FFF2-40B4-BE49-F238E27FC236}">
-                    <a16:creationId xmlns:a16="http://schemas.microsoft.com/office/drawing/2014/main" xmlns="" id="{E1ED5958-B066-48D1-B351-72B883D385E6}"/>
-                  </a:ext>
-                </a:extLst>
-              </p:cNvPr>
-              <p:cNvSpPr txBox="1"/>
-              <p:nvPr/>
-            </p:nvSpPr>
-            <p:spPr>
-              <a:xfrm>
-                <a:off x="604324" y="6177140"/>
-                <a:ext cx="7787132" cy="430887"/>
-              </a:xfrm>
-              <a:prstGeom prst="rect">
-                <a:avLst/>
-              </a:prstGeom>
-              <a:noFill/>
-            </p:spPr>
-            <p:txBody>
-              <a:bodyPr wrap="none" lIns="0" tIns="0" rIns="0" bIns="0" rtlCol="0">
-                <a:spAutoFit/>
-              </a:bodyPr>
-              <a:lstStyle/>
-              <a:p>
-                <a:pPr/>
-                <a14:m>
-                  <m:oMathPara xmlns:m="http://schemas.openxmlformats.org/officeDocument/2006/math">
-                    <m:oMathParaPr>
-                      <m:jc m:val="centerGroup"/>
-                    </m:oMathParaPr>
-                    <m:oMath xmlns:m="http://schemas.openxmlformats.org/officeDocument/2006/math">
-                      <m:func>
-                        <m:funcPr>
-                          <m:ctrlPr>
-                            <a:rPr lang="en-US" sz="2800" b="0" i="1" smtClean="0">
-                              <a:latin typeface="Cambria Math"/>
-                            </a:rPr>
-                          </m:ctrlPr>
-                        </m:funcPr>
-                        <m:fName>
-                          <m:r>
-                            <m:rPr>
-                              <m:sty m:val="p"/>
-                            </m:rPr>
-                            <a:rPr lang="en-US" sz="2800" b="0" i="0" smtClean="0">
-                              <a:latin typeface="Cambria Math" panose="02040503050406030204" pitchFamily="18" charset="0"/>
-                            </a:rPr>
-                            <m:t>Pr</m:t>
-                          </m:r>
-                        </m:fName>
-                        <m:e>
-                          <m:d>
-                            <m:dPr>
-                              <m:ctrlPr>
-                                <a:rPr lang="en-US" sz="2800" b="0" i="1" smtClean="0">
-                                  <a:latin typeface="Cambria Math"/>
-                                </a:rPr>
-                              </m:ctrlPr>
-                            </m:dPr>
-                            <m:e>
-                              <m:r>
-                                <a:rPr lang="en-US" sz="2800" b="0" i="1" smtClean="0">
-                                  <a:latin typeface="Cambria Math" panose="02040503050406030204" pitchFamily="18" charset="0"/>
-                                </a:rPr>
-                                <m:t>𝑝𝑟𝑒𝑠𝑒𝑛𝑡</m:t>
-                              </m:r>
-                            </m:e>
-                            <m:e>
-                              <m:r>
-                                <a:rPr lang="en-US" sz="2800" b="0" i="1" smtClean="0">
-                                  <a:latin typeface="Cambria Math" panose="02040503050406030204" pitchFamily="18" charset="0"/>
-                                </a:rPr>
-                                <m:t>𝑛𝑒𝑣𝑒𝑟</m:t>
-                              </m:r>
-                              <m:r>
-                                <a:rPr lang="en-US" sz="2800" b="0" i="1" smtClean="0">
-                                  <a:latin typeface="Cambria Math" panose="02040503050406030204" pitchFamily="18" charset="0"/>
-                                </a:rPr>
-                                <m:t> </m:t>
-                              </m:r>
-                              <m:r>
-                                <a:rPr lang="en-US" sz="2800" b="0" i="1" smtClean="0">
-                                  <a:latin typeface="Cambria Math" panose="02040503050406030204" pitchFamily="18" charset="0"/>
-                                </a:rPr>
-                                <m:t>𝑑𝑒𝑡𝑒𝑐𝑡𝑒𝑑</m:t>
-                              </m:r>
-                            </m:e>
-                          </m:d>
-                        </m:e>
-                      </m:func>
-                      <m:r>
-                        <a:rPr lang="en-US" sz="2800" b="0" i="1" smtClean="0">
-                          <a:latin typeface="Cambria Math" panose="02040503050406030204" pitchFamily="18" charset="0"/>
-                        </a:rPr>
-                        <m:t>=</m:t>
-                      </m:r>
-                      <m:sSup>
-                        <m:sSupPr>
-                          <m:ctrlPr>
-                            <a:rPr lang="en-US" sz="2800" b="0" i="1" smtClean="0">
-                              <a:latin typeface="Cambria Math"/>
-                            </a:rPr>
-                          </m:ctrlPr>
-                        </m:sSupPr>
-                        <m:e>
-                          <m:r>
-                            <a:rPr lang="en-US" sz="2800" i="1">
-                              <a:latin typeface="Cambria Math" panose="02040503050406030204" pitchFamily="18" charset="0"/>
-                            </a:rPr>
-                            <m:t>(1−0.67)</m:t>
-                          </m:r>
-                        </m:e>
-                        <m:sup>
-                          <m:r>
-                            <a:rPr lang="en-US" sz="2800" b="0" i="1" smtClean="0">
-                              <a:latin typeface="Cambria Math" panose="02040503050406030204" pitchFamily="18" charset="0"/>
-                            </a:rPr>
-                            <m:t>3</m:t>
-                          </m:r>
-                        </m:sup>
-                      </m:sSup>
-                      <m:r>
-                        <a:rPr lang="en-US" sz="2800" b="0" i="1" smtClean="0">
-                          <a:latin typeface="Cambria Math" panose="02040503050406030204" pitchFamily="18" charset="0"/>
-                        </a:rPr>
-                        <m:t>=0.04</m:t>
-                      </m:r>
-                    </m:oMath>
-                  </m:oMathPara>
-                </a14:m>
-                <a:endParaRPr lang="en-US" sz="2800" dirty="0"/>
-              </a:p>
-            </p:txBody>
-          </p:sp>
-        </mc:Choice>
-        <mc:Fallback xmlns="">
-          <p:sp>
-            <p:nvSpPr>
-              <p:cNvPr id="29" name="TextBox 28">
-                <a:extLst>
-                  <a:ext uri="{FF2B5EF4-FFF2-40B4-BE49-F238E27FC236}">
-                    <a16:creationId xmlns:a16="http://schemas.microsoft.com/office/drawing/2014/main" id="{E1ED5958-B066-48D1-B351-72B883D385E6}"/>
-                  </a:ext>
-                </a:extLst>
-              </p:cNvPr>
-              <p:cNvSpPr txBox="1">
-                <a:spLocks noRot="1" noChangeAspect="1" noMove="1" noResize="1" noEditPoints="1" noAdjustHandles="1" noChangeArrowheads="1" noChangeShapeType="1" noTextEdit="1"/>
-              </p:cNvSpPr>
-              <p:nvPr/>
-            </p:nvSpPr>
-            <p:spPr>
-              <a:xfrm>
-                <a:off x="604324" y="6177140"/>
-                <a:ext cx="7787132" cy="430887"/>
-              </a:xfrm>
-              <a:prstGeom prst="rect">
-                <a:avLst/>
-              </a:prstGeom>
-              <a:blipFill>
-                <a:blip r:embed="rId3"/>
-                <a:stretch>
-                  <a:fillRect/>
-                </a:stretch>
-              </a:blipFill>
-            </p:spPr>
-            <p:txBody>
-              <a:bodyPr/>
-              <a:lstStyle/>
-              <a:p>
-                <a:r>
-                  <a:rPr lang="en-US">
-                    <a:noFill/>
-                  </a:rPr>
-                  <a:t> </a:t>
-                </a:r>
-              </a:p>
-            </p:txBody>
-          </p:sp>
-        </mc:Fallback>
-      </mc:AlternateContent>
     </p:spTree>
     <p:extLst>
       <p:ext uri="{BB962C8B-B14F-4D97-AF65-F5344CB8AC3E}">
@@ -28710,51 +28799,6 @@
                       </p:childTnLst>
                     </p:cTn>
                   </p:par>
-                  <p:par>
-                    <p:cTn id="23" fill="hold">
-                      <p:stCondLst>
-                        <p:cond delay="indefinite"/>
-                      </p:stCondLst>
-                      <p:childTnLst>
-                        <p:par>
-                          <p:cTn id="24" fill="hold">
-                            <p:stCondLst>
-                              <p:cond delay="0"/>
-                            </p:stCondLst>
-                            <p:childTnLst>
-                              <p:par>
-                                <p:cTn id="25" presetID="1" presetClass="entr" presetSubtype="0" fill="hold" grpId="0" nodeType="clickEffect">
-                                  <p:stCondLst>
-                                    <p:cond delay="0"/>
-                                  </p:stCondLst>
-                                  <p:childTnLst>
-                                    <p:set>
-                                      <p:cBhvr>
-                                        <p:cTn id="26" dur="1" fill="hold">
-                                          <p:stCondLst>
-                                            <p:cond delay="0"/>
-                                          </p:stCondLst>
-                                        </p:cTn>
-                                        <p:tgtEl>
-                                          <p:spTgt spid="29"/>
-                                        </p:tgtEl>
-                                        <p:attrNameLst>
-                                          <p:attrName>style.visibility</p:attrName>
-                                        </p:attrNameLst>
-                                      </p:cBhvr>
-                                      <p:to>
-                                        <p:strVal val="visible"/>
-                                      </p:to>
-                                    </p:set>
-                                  </p:childTnLst>
-                                </p:cTn>
-                              </p:par>
-                            </p:childTnLst>
-                          </p:cTn>
-                        </p:par>
-                      </p:childTnLst>
-                    </p:cTn>
-                  </p:par>
                 </p:childTnLst>
               </p:cTn>
               <p:prevCondLst>
@@ -28779,13 +28823,1148 @@
     <p:bldLst>
       <p:bldP spid="14" grpId="0" animBg="1"/>
       <p:bldP spid="24" grpId="0" animBg="1"/>
-      <p:bldP spid="29" grpId="0"/>
     </p:bldLst>
   </p:timing>
 </p:sld>
 </file>
 
-<file path=ppt/slides/slide37.xml><?xml version="1.0" encoding="utf-8"?>
+<file path=ppt/slides/slide38.xml><?xml version="1.0" encoding="utf-8"?>
+<p:sld xmlns:a="http://schemas.openxmlformats.org/drawingml/2006/main" xmlns:r="http://schemas.openxmlformats.org/officeDocument/2006/relationships" xmlns:p="http://schemas.openxmlformats.org/presentationml/2006/main">
+  <p:cSld>
+    <p:spTree>
+      <p:nvGrpSpPr>
+        <p:cNvPr id="1" name=""/>
+        <p:cNvGrpSpPr/>
+        <p:nvPr/>
+      </p:nvGrpSpPr>
+      <p:grpSpPr>
+        <a:xfrm>
+          <a:off x="0" y="0"/>
+          <a:ext cx="0" cy="0"/>
+          <a:chOff x="0" y="0"/>
+          <a:chExt cx="0" cy="0"/>
+        </a:xfrm>
+      </p:grpSpPr>
+      <p:graphicFrame>
+        <p:nvGraphicFramePr>
+          <p:cNvPr id="4" name="Table 3">
+            <a:extLst>
+              <a:ext uri="{FF2B5EF4-FFF2-40B4-BE49-F238E27FC236}">
+                <a16:creationId xmlns:a16="http://schemas.microsoft.com/office/drawing/2014/main" id="{91C72693-5305-4F5F-BA5D-AA2A0AC96749}"/>
+              </a:ext>
+            </a:extLst>
+          </p:cNvPr>
+          <p:cNvGraphicFramePr>
+            <a:graphicFrameLocks noGrp="1"/>
+          </p:cNvGraphicFramePr>
+          <p:nvPr>
+            <p:extLst/>
+          </p:nvPr>
+        </p:nvGraphicFramePr>
+        <p:xfrm>
+          <a:off x="865633" y="2880360"/>
+          <a:ext cx="5133790" cy="3048000"/>
+        </p:xfrm>
+        <a:graphic>
+          <a:graphicData uri="http://schemas.openxmlformats.org/drawingml/2006/table">
+            <a:tbl>
+              <a:tblPr firstRow="1" bandRow="1"/>
+              <a:tblGrid>
+                <a:gridCol w="969137">
+                  <a:extLst>
+                    <a:ext uri="{9D8B030D-6E8A-4147-A177-3AD203B41FA5}">
+                      <a16:colId xmlns:a16="http://schemas.microsoft.com/office/drawing/2014/main" val="20000"/>
+                    </a:ext>
+                  </a:extLst>
+                </a:gridCol>
+                <a:gridCol w="1377315">
+                  <a:extLst>
+                    <a:ext uri="{9D8B030D-6E8A-4147-A177-3AD203B41FA5}">
+                      <a16:colId xmlns:a16="http://schemas.microsoft.com/office/drawing/2014/main" val="20001"/>
+                    </a:ext>
+                  </a:extLst>
+                </a:gridCol>
+                <a:gridCol w="1377315">
+                  <a:extLst>
+                    <a:ext uri="{9D8B030D-6E8A-4147-A177-3AD203B41FA5}">
+                      <a16:colId xmlns:a16="http://schemas.microsoft.com/office/drawing/2014/main" val="20002"/>
+                    </a:ext>
+                  </a:extLst>
+                </a:gridCol>
+                <a:gridCol w="1410023">
+                  <a:extLst>
+                    <a:ext uri="{9D8B030D-6E8A-4147-A177-3AD203B41FA5}">
+                      <a16:colId xmlns:a16="http://schemas.microsoft.com/office/drawing/2014/main" val="20003"/>
+                    </a:ext>
+                  </a:extLst>
+                </a:gridCol>
+              </a:tblGrid>
+              <a:tr h="494453">
+                <a:tc>
+                  <a:txBody>
+                    <a:bodyPr/>
+                    <a:lstStyle/>
+                    <a:p>
+                      <a:pPr algn="ctr"/>
+                      <a:r>
+                        <a:rPr lang="en-US" sz="3200" b="1" dirty="0"/>
+                        <a:t>Site</a:t>
+                      </a:r>
+                    </a:p>
+                  </a:txBody>
+                  <a:tcPr marL="121920" marR="121920" marT="60960" marB="60960" anchor="ctr"/>
+                </a:tc>
+                <a:tc>
+                  <a:txBody>
+                    <a:bodyPr/>
+                    <a:lstStyle/>
+                    <a:p>
+                      <a:pPr algn="ctr"/>
+                      <a:r>
+                        <a:rPr lang="en-US" sz="3200" b="1" dirty="0"/>
+                        <a:t>Visit</a:t>
+                      </a:r>
+                      <a:r>
+                        <a:rPr lang="en-US" sz="3200" b="1" baseline="0" dirty="0"/>
+                        <a:t> 1</a:t>
+                      </a:r>
+                      <a:endParaRPr lang="en-US" sz="3200" b="1" dirty="0"/>
+                    </a:p>
+                  </a:txBody>
+                  <a:tcPr marL="121920" marR="121920" marT="60960" marB="60960" anchor="ctr"/>
+                </a:tc>
+                <a:tc>
+                  <a:txBody>
+                    <a:bodyPr/>
+                    <a:lstStyle/>
+                    <a:p>
+                      <a:pPr algn="ctr"/>
+                      <a:r>
+                        <a:rPr lang="en-US" sz="3200" b="1" dirty="0"/>
+                        <a:t>Visit 2</a:t>
+                      </a:r>
+                    </a:p>
+                  </a:txBody>
+                  <a:tcPr marL="121920" marR="121920" marT="60960" marB="60960" anchor="ctr"/>
+                </a:tc>
+                <a:tc>
+                  <a:txBody>
+                    <a:bodyPr/>
+                    <a:lstStyle/>
+                    <a:p>
+                      <a:pPr algn="ctr"/>
+                      <a:r>
+                        <a:rPr lang="en-US" sz="3200" b="1" dirty="0"/>
+                        <a:t>Visit</a:t>
+                      </a:r>
+                      <a:r>
+                        <a:rPr lang="en-US" sz="3200" b="1" baseline="0" dirty="0"/>
+                        <a:t> 3</a:t>
+                      </a:r>
+                      <a:endParaRPr lang="en-US" sz="3200" b="1" dirty="0"/>
+                    </a:p>
+                  </a:txBody>
+                  <a:tcPr marL="121920" marR="121920" marT="60960" marB="60960" anchor="ctr"/>
+                </a:tc>
+                <a:extLst>
+                  <a:ext uri="{0D108BD9-81ED-4DB2-BD59-A6C34878D82A}">
+                    <a16:rowId xmlns:a16="http://schemas.microsoft.com/office/drawing/2014/main" val="10000"/>
+                  </a:ext>
+                </a:extLst>
+              </a:tr>
+              <a:tr h="494453">
+                <a:tc>
+                  <a:txBody>
+                    <a:bodyPr/>
+                    <a:lstStyle/>
+                    <a:p>
+                      <a:pPr algn="ctr"/>
+                      <a:r>
+                        <a:rPr lang="en-US" sz="3200" b="1" dirty="0"/>
+                        <a:t>A</a:t>
+                      </a:r>
+                    </a:p>
+                  </a:txBody>
+                  <a:tcPr marL="121920" marR="121920" marT="60960" marB="60960" anchor="ctr"/>
+                </a:tc>
+                <a:tc>
+                  <a:txBody>
+                    <a:bodyPr/>
+                    <a:lstStyle/>
+                    <a:p>
+                      <a:pPr algn="ctr"/>
+                      <a:r>
+                        <a:rPr lang="en-US" sz="3200" dirty="0"/>
+                        <a:t>1</a:t>
+                      </a:r>
+                    </a:p>
+                  </a:txBody>
+                  <a:tcPr marL="121920" marR="121920" marT="60960" marB="60960" anchor="ctr"/>
+                </a:tc>
+                <a:tc>
+                  <a:txBody>
+                    <a:bodyPr/>
+                    <a:lstStyle/>
+                    <a:p>
+                      <a:pPr algn="ctr"/>
+                      <a:r>
+                        <a:rPr lang="en-US" sz="3200" dirty="0"/>
+                        <a:t>0</a:t>
+                      </a:r>
+                    </a:p>
+                  </a:txBody>
+                  <a:tcPr marL="121920" marR="121920" marT="60960" marB="60960" anchor="ctr"/>
+                </a:tc>
+                <a:tc>
+                  <a:txBody>
+                    <a:bodyPr/>
+                    <a:lstStyle/>
+                    <a:p>
+                      <a:pPr algn="ctr"/>
+                      <a:r>
+                        <a:rPr lang="en-US" sz="3200" dirty="0"/>
+                        <a:t>1</a:t>
+                      </a:r>
+                    </a:p>
+                  </a:txBody>
+                  <a:tcPr marL="121920" marR="121920" marT="60960" marB="60960" anchor="ctr"/>
+                </a:tc>
+                <a:extLst>
+                  <a:ext uri="{0D108BD9-81ED-4DB2-BD59-A6C34878D82A}">
+                    <a16:rowId xmlns:a16="http://schemas.microsoft.com/office/drawing/2014/main" val="10001"/>
+                  </a:ext>
+                </a:extLst>
+              </a:tr>
+              <a:tr h="494453">
+                <a:tc>
+                  <a:txBody>
+                    <a:bodyPr/>
+                    <a:lstStyle/>
+                    <a:p>
+                      <a:pPr algn="ctr"/>
+                      <a:r>
+                        <a:rPr lang="en-US" sz="3200" b="1" dirty="0"/>
+                        <a:t>B</a:t>
+                      </a:r>
+                    </a:p>
+                  </a:txBody>
+                  <a:tcPr marL="121920" marR="121920" marT="60960" marB="60960" anchor="ctr"/>
+                </a:tc>
+                <a:tc>
+                  <a:txBody>
+                    <a:bodyPr/>
+                    <a:lstStyle/>
+                    <a:p>
+                      <a:pPr algn="ctr"/>
+                      <a:r>
+                        <a:rPr lang="en-US" sz="3200" dirty="0"/>
+                        <a:t>1</a:t>
+                      </a:r>
+                    </a:p>
+                  </a:txBody>
+                  <a:tcPr marL="121920" marR="121920" marT="60960" marB="60960" anchor="ctr"/>
+                </a:tc>
+                <a:tc>
+                  <a:txBody>
+                    <a:bodyPr/>
+                    <a:lstStyle/>
+                    <a:p>
+                      <a:pPr algn="ctr"/>
+                      <a:r>
+                        <a:rPr lang="en-US" sz="3200" dirty="0"/>
+                        <a:t>1</a:t>
+                      </a:r>
+                    </a:p>
+                  </a:txBody>
+                  <a:tcPr marL="121920" marR="121920" marT="60960" marB="60960" anchor="ctr"/>
+                </a:tc>
+                <a:tc>
+                  <a:txBody>
+                    <a:bodyPr/>
+                    <a:lstStyle/>
+                    <a:p>
+                      <a:pPr algn="ctr"/>
+                      <a:r>
+                        <a:rPr lang="en-US" sz="3200" dirty="0"/>
+                        <a:t>0</a:t>
+                      </a:r>
+                    </a:p>
+                  </a:txBody>
+                  <a:tcPr marL="121920" marR="121920" marT="60960" marB="60960" anchor="ctr"/>
+                </a:tc>
+                <a:extLst>
+                  <a:ext uri="{0D108BD9-81ED-4DB2-BD59-A6C34878D82A}">
+                    <a16:rowId xmlns:a16="http://schemas.microsoft.com/office/drawing/2014/main" val="10002"/>
+                  </a:ext>
+                </a:extLst>
+              </a:tr>
+              <a:tr h="494453">
+                <a:tc>
+                  <a:txBody>
+                    <a:bodyPr/>
+                    <a:lstStyle/>
+                    <a:p>
+                      <a:pPr algn="ctr"/>
+                      <a:r>
+                        <a:rPr lang="en-US" sz="3200" b="1" dirty="0"/>
+                        <a:t>C</a:t>
+                      </a:r>
+                    </a:p>
+                  </a:txBody>
+                  <a:tcPr marL="121920" marR="121920" marT="60960" marB="60960" anchor="ctr"/>
+                </a:tc>
+                <a:tc>
+                  <a:txBody>
+                    <a:bodyPr/>
+                    <a:lstStyle/>
+                    <a:p>
+                      <a:pPr algn="ctr"/>
+                      <a:r>
+                        <a:rPr lang="en-US" sz="3200" dirty="0"/>
+                        <a:t>0</a:t>
+                      </a:r>
+                    </a:p>
+                  </a:txBody>
+                  <a:tcPr marL="121920" marR="121920" marT="60960" marB="60960" anchor="ctr"/>
+                </a:tc>
+                <a:tc>
+                  <a:txBody>
+                    <a:bodyPr/>
+                    <a:lstStyle/>
+                    <a:p>
+                      <a:pPr algn="ctr"/>
+                      <a:r>
+                        <a:rPr lang="en-US" sz="3200" dirty="0"/>
+                        <a:t>1</a:t>
+                      </a:r>
+                    </a:p>
+                  </a:txBody>
+                  <a:tcPr marL="121920" marR="121920" marT="60960" marB="60960" anchor="ctr"/>
+                </a:tc>
+                <a:tc>
+                  <a:txBody>
+                    <a:bodyPr/>
+                    <a:lstStyle/>
+                    <a:p>
+                      <a:pPr algn="ctr"/>
+                      <a:r>
+                        <a:rPr lang="en-US" sz="3200" dirty="0"/>
+                        <a:t>1</a:t>
+                      </a:r>
+                    </a:p>
+                  </a:txBody>
+                  <a:tcPr marL="121920" marR="121920" marT="60960" marB="60960" anchor="ctr"/>
+                </a:tc>
+                <a:extLst>
+                  <a:ext uri="{0D108BD9-81ED-4DB2-BD59-A6C34878D82A}">
+                    <a16:rowId xmlns:a16="http://schemas.microsoft.com/office/drawing/2014/main" val="10003"/>
+                  </a:ext>
+                </a:extLst>
+              </a:tr>
+              <a:tr h="494453">
+                <a:tc>
+                  <a:txBody>
+                    <a:bodyPr/>
+                    <a:lstStyle/>
+                    <a:p>
+                      <a:pPr algn="ctr"/>
+                      <a:r>
+                        <a:rPr lang="en-US" sz="3200" b="1" dirty="0"/>
+                        <a:t>D</a:t>
+                      </a:r>
+                    </a:p>
+                  </a:txBody>
+                  <a:tcPr marL="121920" marR="121920" marT="60960" marB="60960" anchor="ctr"/>
+                </a:tc>
+                <a:tc>
+                  <a:txBody>
+                    <a:bodyPr/>
+                    <a:lstStyle/>
+                    <a:p>
+                      <a:pPr algn="ctr"/>
+                      <a:r>
+                        <a:rPr lang="en-US" sz="3200" dirty="0"/>
+                        <a:t>0</a:t>
+                      </a:r>
+                    </a:p>
+                  </a:txBody>
+                  <a:tcPr marL="121920" marR="121920" marT="60960" marB="60960" anchor="ctr"/>
+                </a:tc>
+                <a:tc>
+                  <a:txBody>
+                    <a:bodyPr/>
+                    <a:lstStyle/>
+                    <a:p>
+                      <a:pPr algn="ctr"/>
+                      <a:r>
+                        <a:rPr lang="en-US" sz="3200" dirty="0"/>
+                        <a:t>0</a:t>
+                      </a:r>
+                    </a:p>
+                  </a:txBody>
+                  <a:tcPr marL="121920" marR="121920" marT="60960" marB="60960" anchor="ctr"/>
+                </a:tc>
+                <a:tc>
+                  <a:txBody>
+                    <a:bodyPr/>
+                    <a:lstStyle/>
+                    <a:p>
+                      <a:pPr algn="ctr"/>
+                      <a:r>
+                        <a:rPr lang="en-US" sz="3200" dirty="0"/>
+                        <a:t>0</a:t>
+                      </a:r>
+                    </a:p>
+                  </a:txBody>
+                  <a:tcPr marL="121920" marR="121920" marT="60960" marB="60960" anchor="ctr"/>
+                </a:tc>
+                <a:extLst>
+                  <a:ext uri="{0D108BD9-81ED-4DB2-BD59-A6C34878D82A}">
+                    <a16:rowId xmlns:a16="http://schemas.microsoft.com/office/drawing/2014/main" val="2612765108"/>
+                  </a:ext>
+                </a:extLst>
+              </a:tr>
+            </a:tbl>
+          </a:graphicData>
+        </a:graphic>
+      </p:graphicFrame>
+      <p:sp>
+        <p:nvSpPr>
+          <p:cNvPr id="2" name="Rectangle 1">
+            <a:extLst>
+              <a:ext uri="{FF2B5EF4-FFF2-40B4-BE49-F238E27FC236}">
+                <a16:creationId xmlns:a16="http://schemas.microsoft.com/office/drawing/2014/main" id="{DA91C097-56FB-4D4B-9AD6-2780956E5A81}"/>
+              </a:ext>
+            </a:extLst>
+          </p:cNvPr>
+          <p:cNvSpPr/>
+          <p:nvPr/>
+        </p:nvSpPr>
+        <p:spPr>
+          <a:xfrm>
+            <a:off x="1482852" y="388251"/>
+            <a:ext cx="4694879" cy="1499616"/>
+          </a:xfrm>
+          <a:prstGeom prst="rect">
+            <a:avLst/>
+          </a:prstGeom>
+          <a:noFill/>
+          <a:ln w="57150"/>
+        </p:spPr>
+        <p:style>
+          <a:lnRef idx="2">
+            <a:schemeClr val="accent1">
+              <a:shade val="50000"/>
+            </a:schemeClr>
+          </a:lnRef>
+          <a:fillRef idx="1">
+            <a:schemeClr val="accent1"/>
+          </a:fillRef>
+          <a:effectRef idx="0">
+            <a:schemeClr val="accent1"/>
+          </a:effectRef>
+          <a:fontRef idx="minor">
+            <a:schemeClr val="lt1"/>
+          </a:fontRef>
+        </p:style>
+        <p:txBody>
+          <a:bodyPr rtlCol="0" anchor="ctr"/>
+          <a:lstStyle/>
+          <a:p>
+            <a:pPr algn="ctr"/>
+            <a:r>
+              <a:rPr lang="en-US" sz="2400" dirty="0">
+                <a:solidFill>
+                  <a:schemeClr val="tx1"/>
+                </a:solidFill>
+              </a:rPr>
+              <a:t>Each site visited tree times, species detected twice at each site</a:t>
+            </a:r>
+          </a:p>
+        </p:txBody>
+      </p:sp>
+      <p:sp>
+        <p:nvSpPr>
+          <p:cNvPr id="13" name="Right Brace 12">
+            <a:extLst>
+              <a:ext uri="{FF2B5EF4-FFF2-40B4-BE49-F238E27FC236}">
+                <a16:creationId xmlns:a16="http://schemas.microsoft.com/office/drawing/2014/main" id="{AF5A232C-D3E0-4A0D-A87D-9958C7DA7DC9}"/>
+              </a:ext>
+            </a:extLst>
+          </p:cNvPr>
+          <p:cNvSpPr/>
+          <p:nvPr/>
+        </p:nvSpPr>
+        <p:spPr>
+          <a:xfrm rot="16200000">
+            <a:off x="3556734" y="437670"/>
+            <a:ext cx="743712" cy="4141667"/>
+          </a:xfrm>
+          <a:prstGeom prst="rightBrace">
+            <a:avLst/>
+          </a:prstGeom>
+          <a:ln w="38100">
+            <a:solidFill>
+              <a:schemeClr val="tx1"/>
+            </a:solidFill>
+          </a:ln>
+        </p:spPr>
+        <p:style>
+          <a:lnRef idx="1">
+            <a:schemeClr val="accent1"/>
+          </a:lnRef>
+          <a:fillRef idx="0">
+            <a:schemeClr val="accent1"/>
+          </a:fillRef>
+          <a:effectRef idx="0">
+            <a:schemeClr val="accent1"/>
+          </a:effectRef>
+          <a:fontRef idx="minor">
+            <a:schemeClr val="tx1"/>
+          </a:fontRef>
+        </p:style>
+        <p:txBody>
+          <a:bodyPr rtlCol="0" anchor="ctr"/>
+          <a:lstStyle/>
+          <a:p>
+            <a:pPr algn="ctr"/>
+            <a:endParaRPr lang="en-US"/>
+          </a:p>
+        </p:txBody>
+      </p:sp>
+      <mc:AlternateContent xmlns:mc="http://schemas.openxmlformats.org/markup-compatibility/2006">
+        <mc:Choice xmlns:a14="http://schemas.microsoft.com/office/drawing/2010/main" Requires="a14">
+          <p:sp>
+            <p:nvSpPr>
+              <p:cNvPr id="3" name="TextBox 2">
+                <a:extLst>
+                  <a:ext uri="{FF2B5EF4-FFF2-40B4-BE49-F238E27FC236}">
+                    <a16:creationId xmlns:a16="http://schemas.microsoft.com/office/drawing/2014/main" id="{355FB3D0-FDC4-42FA-BF52-3F8CD83A04B8}"/>
+                  </a:ext>
+                </a:extLst>
+              </p:cNvPr>
+              <p:cNvSpPr txBox="1"/>
+              <p:nvPr/>
+            </p:nvSpPr>
+            <p:spPr>
+              <a:xfrm>
+                <a:off x="7710875" y="617692"/>
+                <a:ext cx="2684261" cy="1040734"/>
+              </a:xfrm>
+              <a:prstGeom prst="rect">
+                <a:avLst/>
+              </a:prstGeom>
+              <a:noFill/>
+            </p:spPr>
+            <p:txBody>
+              <a:bodyPr wrap="none" lIns="0" tIns="0" rIns="0" bIns="0" rtlCol="0">
+                <a:spAutoFit/>
+              </a:bodyPr>
+              <a:lstStyle/>
+              <a:p>
+                <a14:m>
+                  <m:oMathPara xmlns:m="http://schemas.openxmlformats.org/officeDocument/2006/math">
+                    <m:oMathParaPr>
+                      <m:jc m:val="centerGroup"/>
+                    </m:oMathParaPr>
+                    <m:oMath xmlns:m="http://schemas.openxmlformats.org/officeDocument/2006/math">
+                      <m:r>
+                        <a:rPr lang="en-US" sz="3600" b="0" i="1" smtClean="0">
+                          <a:latin typeface="Cambria Math" panose="02040503050406030204" pitchFamily="18" charset="0"/>
+                        </a:rPr>
+                        <m:t>𝑝</m:t>
+                      </m:r>
+                      <m:r>
+                        <a:rPr lang="en-US" sz="3600" b="0" i="1" smtClean="0">
+                          <a:latin typeface="Cambria Math" panose="02040503050406030204" pitchFamily="18" charset="0"/>
+                        </a:rPr>
+                        <m:t>=</m:t>
+                      </m:r>
+                      <m:f>
+                        <m:fPr>
+                          <m:ctrlPr>
+                            <a:rPr lang="en-US" sz="3600" b="0" i="1" smtClean="0">
+                              <a:latin typeface="Cambria Math" panose="02040503050406030204" pitchFamily="18" charset="0"/>
+                            </a:rPr>
+                          </m:ctrlPr>
+                        </m:fPr>
+                        <m:num>
+                          <m:r>
+                            <a:rPr lang="en-US" sz="3600" b="0" i="1" smtClean="0">
+                              <a:latin typeface="Cambria Math" panose="02040503050406030204" pitchFamily="18" charset="0"/>
+                            </a:rPr>
+                            <m:t>2</m:t>
+                          </m:r>
+                        </m:num>
+                        <m:den>
+                          <m:r>
+                            <a:rPr lang="en-US" sz="3600" b="0" i="1" smtClean="0">
+                              <a:latin typeface="Cambria Math" panose="02040503050406030204" pitchFamily="18" charset="0"/>
+                            </a:rPr>
+                            <m:t>3</m:t>
+                          </m:r>
+                        </m:den>
+                      </m:f>
+                      <m:r>
+                        <a:rPr lang="en-US" sz="3600" b="0" i="1" smtClean="0">
+                          <a:latin typeface="Cambria Math" panose="02040503050406030204" pitchFamily="18" charset="0"/>
+                        </a:rPr>
+                        <m:t>=0.67</m:t>
+                      </m:r>
+                    </m:oMath>
+                  </m:oMathPara>
+                </a14:m>
+                <a:endParaRPr lang="en-US" sz="3600" dirty="0"/>
+              </a:p>
+            </p:txBody>
+          </p:sp>
+        </mc:Choice>
+        <mc:Fallback>
+          <p:sp>
+            <p:nvSpPr>
+              <p:cNvPr id="3" name="TextBox 2">
+                <a:extLst>
+                  <a:ext uri="{FF2B5EF4-FFF2-40B4-BE49-F238E27FC236}">
+                    <a16:creationId xmlns:a16="http://schemas.microsoft.com/office/drawing/2014/main" id="{355FB3D0-FDC4-42FA-BF52-3F8CD83A04B8}"/>
+                  </a:ext>
+                </a:extLst>
+              </p:cNvPr>
+              <p:cNvSpPr txBox="1">
+                <a:spLocks noRot="1" noChangeAspect="1" noMove="1" noResize="1" noEditPoints="1" noAdjustHandles="1" noChangeArrowheads="1" noChangeShapeType="1" noTextEdit="1"/>
+              </p:cNvSpPr>
+              <p:nvPr/>
+            </p:nvSpPr>
+            <p:spPr>
+              <a:xfrm>
+                <a:off x="7710875" y="617692"/>
+                <a:ext cx="2684261" cy="1040734"/>
+              </a:xfrm>
+              <a:prstGeom prst="rect">
+                <a:avLst/>
+              </a:prstGeom>
+              <a:blipFill>
+                <a:blip r:embed="rId3"/>
+                <a:stretch>
+                  <a:fillRect/>
+                </a:stretch>
+              </a:blipFill>
+            </p:spPr>
+            <p:txBody>
+              <a:bodyPr/>
+              <a:lstStyle/>
+              <a:p>
+                <a:r>
+                  <a:rPr lang="en-US">
+                    <a:noFill/>
+                  </a:rPr>
+                  <a:t> </a:t>
+                </a:r>
+              </a:p>
+            </p:txBody>
+          </p:sp>
+        </mc:Fallback>
+      </mc:AlternateContent>
+      <p:cxnSp>
+        <p:nvCxnSpPr>
+          <p:cNvPr id="7" name="Straight Arrow Connector 6">
+            <a:extLst>
+              <a:ext uri="{FF2B5EF4-FFF2-40B4-BE49-F238E27FC236}">
+                <a16:creationId xmlns:a16="http://schemas.microsoft.com/office/drawing/2014/main" id="{556DCE6E-603A-4DF8-8397-4BE2C7604B41}"/>
+              </a:ext>
+            </a:extLst>
+          </p:cNvPr>
+          <p:cNvCxnSpPr>
+            <a:cxnSpLocks/>
+            <a:stCxn id="2" idx="3"/>
+            <a:endCxn id="3" idx="1"/>
+          </p:cNvCxnSpPr>
+          <p:nvPr/>
+        </p:nvCxnSpPr>
+        <p:spPr>
+          <a:xfrm>
+            <a:off x="6177731" y="1138059"/>
+            <a:ext cx="1533144" cy="0"/>
+          </a:xfrm>
+          <a:prstGeom prst="straightConnector1">
+            <a:avLst/>
+          </a:prstGeom>
+          <a:ln w="57150">
+            <a:tailEnd type="triangle"/>
+          </a:ln>
+        </p:spPr>
+        <p:style>
+          <a:lnRef idx="1">
+            <a:schemeClr val="accent1"/>
+          </a:lnRef>
+          <a:fillRef idx="0">
+            <a:schemeClr val="accent1"/>
+          </a:fillRef>
+          <a:effectRef idx="0">
+            <a:schemeClr val="accent1"/>
+          </a:effectRef>
+          <a:fontRef idx="minor">
+            <a:schemeClr val="tx1"/>
+          </a:fontRef>
+        </p:style>
+      </p:cxnSp>
+      <mc:AlternateContent xmlns:mc="http://schemas.openxmlformats.org/markup-compatibility/2006">
+        <mc:Choice xmlns:a14="http://schemas.microsoft.com/office/drawing/2010/main" Requires="a14">
+          <p:sp>
+            <p:nvSpPr>
+              <p:cNvPr id="10" name="TextBox 9">
+                <a:extLst>
+                  <a:ext uri="{FF2B5EF4-FFF2-40B4-BE49-F238E27FC236}">
+                    <a16:creationId xmlns:a16="http://schemas.microsoft.com/office/drawing/2014/main" id="{8D386C03-3191-4132-92E3-22607EC6DB63}"/>
+                  </a:ext>
+                </a:extLst>
+              </p:cNvPr>
+              <p:cNvSpPr txBox="1"/>
+              <p:nvPr/>
+            </p:nvSpPr>
+            <p:spPr>
+              <a:xfrm>
+                <a:off x="7627055" y="3125204"/>
+                <a:ext cx="2878993" cy="492443"/>
+              </a:xfrm>
+              <a:prstGeom prst="rect">
+                <a:avLst/>
+              </a:prstGeom>
+              <a:noFill/>
+            </p:spPr>
+            <p:txBody>
+              <a:bodyPr wrap="none" lIns="0" tIns="0" rIns="0" bIns="0" rtlCol="0">
+                <a:spAutoFit/>
+              </a:bodyPr>
+              <a:lstStyle/>
+              <a:p>
+                <a14:m>
+                  <m:oMathPara xmlns:m="http://schemas.openxmlformats.org/officeDocument/2006/math">
+                    <m:oMathParaPr>
+                      <m:jc m:val="centerGroup"/>
+                    </m:oMathParaPr>
+                    <m:oMath xmlns:m="http://schemas.openxmlformats.org/officeDocument/2006/math">
+                      <m:r>
+                        <a:rPr lang="en-US" sz="3200" b="0" i="1" smtClean="0">
+                          <a:latin typeface="Cambria Math" panose="02040503050406030204" pitchFamily="18" charset="0"/>
+                        </a:rPr>
+                        <m:t>1−0.67=0.33</m:t>
+                      </m:r>
+                    </m:oMath>
+                  </m:oMathPara>
+                </a14:m>
+                <a:endParaRPr lang="en-US" sz="3200" dirty="0"/>
+              </a:p>
+            </p:txBody>
+          </p:sp>
+        </mc:Choice>
+        <mc:Fallback>
+          <p:sp>
+            <p:nvSpPr>
+              <p:cNvPr id="10" name="TextBox 9">
+                <a:extLst>
+                  <a:ext uri="{FF2B5EF4-FFF2-40B4-BE49-F238E27FC236}">
+                    <a16:creationId xmlns:a16="http://schemas.microsoft.com/office/drawing/2014/main" id="{8D386C03-3191-4132-92E3-22607EC6DB63}"/>
+                  </a:ext>
+                </a:extLst>
+              </p:cNvPr>
+              <p:cNvSpPr txBox="1">
+                <a:spLocks noRot="1" noChangeAspect="1" noMove="1" noResize="1" noEditPoints="1" noAdjustHandles="1" noChangeArrowheads="1" noChangeShapeType="1" noTextEdit="1"/>
+              </p:cNvSpPr>
+              <p:nvPr/>
+            </p:nvSpPr>
+            <p:spPr>
+              <a:xfrm>
+                <a:off x="7627055" y="3125204"/>
+                <a:ext cx="2878993" cy="492443"/>
+              </a:xfrm>
+              <a:prstGeom prst="rect">
+                <a:avLst/>
+              </a:prstGeom>
+              <a:blipFill>
+                <a:blip r:embed="rId4"/>
+                <a:stretch>
+                  <a:fillRect/>
+                </a:stretch>
+              </a:blipFill>
+            </p:spPr>
+            <p:txBody>
+              <a:bodyPr/>
+              <a:lstStyle/>
+              <a:p>
+                <a:r>
+                  <a:rPr lang="en-US">
+                    <a:noFill/>
+                  </a:rPr>
+                  <a:t> </a:t>
+                </a:r>
+              </a:p>
+            </p:txBody>
+          </p:sp>
+        </mc:Fallback>
+      </mc:AlternateContent>
+      <p:sp>
+        <p:nvSpPr>
+          <p:cNvPr id="11" name="TextBox 10">
+            <a:extLst>
+              <a:ext uri="{FF2B5EF4-FFF2-40B4-BE49-F238E27FC236}">
+                <a16:creationId xmlns:a16="http://schemas.microsoft.com/office/drawing/2014/main" id="{2834B34C-FBC9-43E5-938C-35731AF3C730}"/>
+              </a:ext>
+            </a:extLst>
+          </p:cNvPr>
+          <p:cNvSpPr txBox="1"/>
+          <p:nvPr/>
+        </p:nvSpPr>
+        <p:spPr>
+          <a:xfrm>
+            <a:off x="6291072" y="2178793"/>
+            <a:ext cx="5754624" cy="954107"/>
+          </a:xfrm>
+          <a:prstGeom prst="rect">
+            <a:avLst/>
+          </a:prstGeom>
+          <a:noFill/>
+        </p:spPr>
+        <p:txBody>
+          <a:bodyPr wrap="square" rtlCol="0">
+            <a:spAutoFit/>
+          </a:bodyPr>
+          <a:lstStyle/>
+          <a:p>
+            <a:r>
+              <a:rPr lang="en-US" sz="2800" dirty="0"/>
+              <a:t>Probability the species is not detected if present:</a:t>
+            </a:r>
+          </a:p>
+        </p:txBody>
+      </p:sp>
+      <p:sp>
+        <p:nvSpPr>
+          <p:cNvPr id="20" name="TextBox 19">
+            <a:extLst>
+              <a:ext uri="{FF2B5EF4-FFF2-40B4-BE49-F238E27FC236}">
+                <a16:creationId xmlns:a16="http://schemas.microsoft.com/office/drawing/2014/main" id="{EF36BF50-2053-4847-9FF5-5FCF75364236}"/>
+              </a:ext>
+            </a:extLst>
+          </p:cNvPr>
+          <p:cNvSpPr txBox="1"/>
+          <p:nvPr/>
+        </p:nvSpPr>
+        <p:spPr>
+          <a:xfrm>
+            <a:off x="6291072" y="3804871"/>
+            <a:ext cx="5754624" cy="954107"/>
+          </a:xfrm>
+          <a:prstGeom prst="rect">
+            <a:avLst/>
+          </a:prstGeom>
+          <a:noFill/>
+        </p:spPr>
+        <p:txBody>
+          <a:bodyPr wrap="square" rtlCol="0">
+            <a:spAutoFit/>
+          </a:bodyPr>
+          <a:lstStyle/>
+          <a:p>
+            <a:r>
+              <a:rPr lang="en-US" sz="2800" dirty="0"/>
+              <a:t>Probability the species is not detected </a:t>
+            </a:r>
+            <a:r>
+              <a:rPr lang="en-US" sz="2800" b="1" dirty="0"/>
+              <a:t>three times </a:t>
+            </a:r>
+            <a:r>
+              <a:rPr lang="en-US" sz="2800" dirty="0"/>
+              <a:t>if present:</a:t>
+            </a:r>
+          </a:p>
+        </p:txBody>
+      </p:sp>
+      <mc:AlternateContent xmlns:mc="http://schemas.openxmlformats.org/markup-compatibility/2006">
+        <mc:Choice xmlns:a14="http://schemas.microsoft.com/office/drawing/2010/main" Requires="a14">
+          <p:sp>
+            <p:nvSpPr>
+              <p:cNvPr id="23" name="TextBox 22">
+                <a:extLst>
+                  <a:ext uri="{FF2B5EF4-FFF2-40B4-BE49-F238E27FC236}">
+                    <a16:creationId xmlns:a16="http://schemas.microsoft.com/office/drawing/2014/main" id="{5DFD8137-F692-4848-8A93-4859C3EF9D78}"/>
+                  </a:ext>
+                </a:extLst>
+              </p:cNvPr>
+              <p:cNvSpPr txBox="1"/>
+              <p:nvPr/>
+            </p:nvSpPr>
+            <p:spPr>
+              <a:xfrm>
+                <a:off x="7040655" y="4934890"/>
+                <a:ext cx="4460773" cy="492443"/>
+              </a:xfrm>
+              <a:prstGeom prst="rect">
+                <a:avLst/>
+              </a:prstGeom>
+              <a:noFill/>
+            </p:spPr>
+            <p:txBody>
+              <a:bodyPr wrap="none" lIns="0" tIns="0" rIns="0" bIns="0" rtlCol="0">
+                <a:spAutoFit/>
+              </a:bodyPr>
+              <a:lstStyle/>
+              <a:p>
+                <a14:m>
+                  <m:oMathPara xmlns:m="http://schemas.openxmlformats.org/officeDocument/2006/math">
+                    <m:oMathParaPr>
+                      <m:jc m:val="centerGroup"/>
+                    </m:oMathParaPr>
+                    <m:oMath xmlns:m="http://schemas.openxmlformats.org/officeDocument/2006/math">
+                      <m:r>
+                        <a:rPr lang="en-US" sz="3200" b="0" i="1" smtClean="0">
+                          <a:latin typeface="Cambria Math" panose="02040503050406030204" pitchFamily="18" charset="0"/>
+                        </a:rPr>
+                        <m:t>0.33∗0.33∗0.33=0.04</m:t>
+                      </m:r>
+                    </m:oMath>
+                  </m:oMathPara>
+                </a14:m>
+                <a:endParaRPr lang="en-US" sz="3200" dirty="0"/>
+              </a:p>
+            </p:txBody>
+          </p:sp>
+        </mc:Choice>
+        <mc:Fallback>
+          <p:sp>
+            <p:nvSpPr>
+              <p:cNvPr id="23" name="TextBox 22">
+                <a:extLst>
+                  <a:ext uri="{FF2B5EF4-FFF2-40B4-BE49-F238E27FC236}">
+                    <a16:creationId xmlns:a16="http://schemas.microsoft.com/office/drawing/2014/main" id="{5DFD8137-F692-4848-8A93-4859C3EF9D78}"/>
+                  </a:ext>
+                </a:extLst>
+              </p:cNvPr>
+              <p:cNvSpPr txBox="1">
+                <a:spLocks noRot="1" noChangeAspect="1" noMove="1" noResize="1" noEditPoints="1" noAdjustHandles="1" noChangeArrowheads="1" noChangeShapeType="1" noTextEdit="1"/>
+              </p:cNvSpPr>
+              <p:nvPr/>
+            </p:nvSpPr>
+            <p:spPr>
+              <a:xfrm>
+                <a:off x="7040655" y="4934890"/>
+                <a:ext cx="4460773" cy="492443"/>
+              </a:xfrm>
+              <a:prstGeom prst="rect">
+                <a:avLst/>
+              </a:prstGeom>
+              <a:blipFill>
+                <a:blip r:embed="rId5"/>
+                <a:stretch>
+                  <a:fillRect/>
+                </a:stretch>
+              </a:blipFill>
+            </p:spPr>
+            <p:txBody>
+              <a:bodyPr/>
+              <a:lstStyle/>
+              <a:p>
+                <a:r>
+                  <a:rPr lang="en-US">
+                    <a:noFill/>
+                  </a:rPr>
+                  <a:t> </a:t>
+                </a:r>
+              </a:p>
+            </p:txBody>
+          </p:sp>
+        </mc:Fallback>
+      </mc:AlternateContent>
+    </p:spTree>
+    <p:extLst>
+      <p:ext uri="{BB962C8B-B14F-4D97-AF65-F5344CB8AC3E}">
+        <p14:creationId xmlns:p14="http://schemas.microsoft.com/office/powerpoint/2010/main" val="351470784"/>
+      </p:ext>
+    </p:extLst>
+  </p:cSld>
+  <p:clrMapOvr>
+    <a:masterClrMapping/>
+  </p:clrMapOvr>
+</p:sld>
+</file>
+
+<file path=ppt/slides/slide39.xml><?xml version="1.0" encoding="utf-8"?>
+<p:sld xmlns:a="http://schemas.openxmlformats.org/drawingml/2006/main" xmlns:r="http://schemas.openxmlformats.org/officeDocument/2006/relationships" xmlns:p="http://schemas.openxmlformats.org/presentationml/2006/main">
+  <p:cSld>
+    <p:spTree>
+      <p:nvGrpSpPr>
+        <p:cNvPr id="1" name=""/>
+        <p:cNvGrpSpPr/>
+        <p:nvPr/>
+      </p:nvGrpSpPr>
+      <p:grpSpPr>
+        <a:xfrm>
+          <a:off x="0" y="0"/>
+          <a:ext cx="0" cy="0"/>
+          <a:chOff x="0" y="0"/>
+          <a:chExt cx="0" cy="0"/>
+        </a:xfrm>
+      </p:grpSpPr>
+      <p:sp>
+        <p:nvSpPr>
+          <p:cNvPr id="2" name="Title 1">
+            <a:extLst>
+              <a:ext uri="{FF2B5EF4-FFF2-40B4-BE49-F238E27FC236}">
+                <a16:creationId xmlns:a16="http://schemas.microsoft.com/office/drawing/2014/main" id="{DB8D9347-8473-4D94-8875-77208B311B81}"/>
+              </a:ext>
+            </a:extLst>
+          </p:cNvPr>
+          <p:cNvSpPr>
+            <a:spLocks noGrp="1"/>
+          </p:cNvSpPr>
+          <p:nvPr>
+            <p:ph type="title"/>
+          </p:nvPr>
+        </p:nvSpPr>
+        <p:spPr/>
+        <p:txBody>
+          <a:bodyPr/>
+          <a:lstStyle/>
+          <a:p>
+            <a:r>
+              <a:rPr lang="en-US" dirty="0"/>
+              <a:t>Detection probability</a:t>
+            </a:r>
+          </a:p>
+        </p:txBody>
+      </p:sp>
+      <p:sp>
+        <p:nvSpPr>
+          <p:cNvPr id="3" name="Content Placeholder 2">
+            <a:extLst>
+              <a:ext uri="{FF2B5EF4-FFF2-40B4-BE49-F238E27FC236}">
+                <a16:creationId xmlns:a16="http://schemas.microsoft.com/office/drawing/2014/main" id="{C287133E-E95B-4000-B7EA-773A8E48513B}"/>
+              </a:ext>
+            </a:extLst>
+          </p:cNvPr>
+          <p:cNvSpPr>
+            <a:spLocks noGrp="1"/>
+          </p:cNvSpPr>
+          <p:nvPr>
+            <p:ph idx="1"/>
+          </p:nvPr>
+        </p:nvSpPr>
+        <p:spPr/>
+        <p:txBody>
+          <a:bodyPr/>
+          <a:lstStyle/>
+          <a:p>
+            <a:r>
+              <a:rPr lang="en-US" dirty="0"/>
+              <a:t>Generally considered a “nuisance parameter”, not of ecological interest</a:t>
+            </a:r>
+          </a:p>
+          <a:p>
+            <a:r>
+              <a:rPr lang="en-US" dirty="0"/>
+              <a:t>Analyses that also estimate detection probability produce estimates of the ecologically-interesting parameter (e.g. occupancy) that are adjusted for detection</a:t>
+            </a:r>
+          </a:p>
+          <a:p>
+            <a:r>
+              <a:rPr lang="en-US" dirty="0"/>
+              <a:t>Detection process and covariates that could influence detection (e.g. weather, visibility) important to consider in designing an analysis</a:t>
+            </a:r>
+          </a:p>
+        </p:txBody>
+      </p:sp>
+    </p:spTree>
+    <p:extLst>
+      <p:ext uri="{BB962C8B-B14F-4D97-AF65-F5344CB8AC3E}">
+        <p14:creationId xmlns:p14="http://schemas.microsoft.com/office/powerpoint/2010/main" val="1405177191"/>
+      </p:ext>
+    </p:extLst>
+  </p:cSld>
+  <p:clrMapOvr>
+    <a:masterClrMapping/>
+  </p:clrMapOvr>
+</p:sld>
+</file>
+
+<file path=ppt/slides/slide4.xml><?xml version="1.0" encoding="utf-8"?>
+<p:sld xmlns:a="http://schemas.openxmlformats.org/drawingml/2006/main" xmlns:r="http://schemas.openxmlformats.org/officeDocument/2006/relationships" xmlns:p="http://schemas.openxmlformats.org/presentationml/2006/main">
+  <p:cSld>
+    <p:spTree>
+      <p:nvGrpSpPr>
+        <p:cNvPr id="1" name="Shape 87"/>
+        <p:cNvGrpSpPr/>
+        <p:nvPr/>
+      </p:nvGrpSpPr>
+      <p:grpSpPr>
+        <a:xfrm>
+          <a:off x="0" y="0"/>
+          <a:ext cx="0" cy="0"/>
+          <a:chOff x="0" y="0"/>
+          <a:chExt cx="0" cy="0"/>
+        </a:xfrm>
+      </p:grpSpPr>
+      <p:sp>
+        <p:nvSpPr>
+          <p:cNvPr id="88" name="Shape 88"/>
+          <p:cNvSpPr txBox="1">
+            <a:spLocks noGrp="1"/>
+          </p:cNvSpPr>
+          <p:nvPr>
+            <p:ph type="ctrTitle"/>
+          </p:nvPr>
+        </p:nvSpPr>
+        <p:spPr>
+          <a:prstGeom prst="rect">
+            <a:avLst/>
+          </a:prstGeom>
+          <a:noFill/>
+          <a:ln>
+            <a:noFill/>
+          </a:ln>
+        </p:spPr>
+        <p:txBody>
+          <a:bodyPr vert="horz" wrap="square" lIns="121900" tIns="60933" rIns="121900" bIns="60933" rtlCol="0" anchor="ctr" anchorCtr="0">
+            <a:noAutofit/>
+          </a:bodyPr>
+          <a:lstStyle/>
+          <a:p>
+            <a:pPr>
+              <a:spcBef>
+                <a:spcPts val="0"/>
+              </a:spcBef>
+              <a:buClr>
+                <a:schemeClr val="dk1"/>
+              </a:buClr>
+              <a:buSzPct val="25000"/>
+            </a:pPr>
+            <a:r>
+              <a:rPr lang="en-US" sz="4267" dirty="0">
+                <a:solidFill>
+                  <a:schemeClr val="dk1"/>
+                </a:solidFill>
+                <a:ea typeface="Calibri"/>
+                <a:cs typeface="Calibri"/>
+                <a:sym typeface="Calibri"/>
+              </a:rPr>
+              <a:t>Presence only data</a:t>
+            </a:r>
+          </a:p>
+        </p:txBody>
+      </p:sp>
+    </p:spTree>
+    <p:extLst>
+      <p:ext uri="{BB962C8B-B14F-4D97-AF65-F5344CB8AC3E}">
+        <p14:creationId xmlns:p14="http://schemas.microsoft.com/office/powerpoint/2010/main" val="719257"/>
+      </p:ext>
+    </p:extLst>
+  </p:cSld>
+  <p:clrMapOvr>
+    <a:masterClrMapping/>
+  </p:clrMapOvr>
+</p:sld>
+</file>
+
+<file path=ppt/slides/slide40.xml><?xml version="1.0" encoding="utf-8"?>
 <p:sld xmlns:a="http://schemas.openxmlformats.org/drawingml/2006/main" xmlns:r="http://schemas.openxmlformats.org/officeDocument/2006/relationships" xmlns:p="http://schemas.openxmlformats.org/presentationml/2006/main">
   <p:cSld>
     <p:spTree>
@@ -28842,7 +30021,7 @@
                 <a:cs typeface="Calibri"/>
                 <a:sym typeface="Calibri"/>
               </a:rPr>
-              <a:t>Assumptions</a:t>
+              <a:t>Assumptions of occupancy models</a:t>
             </a:r>
           </a:p>
         </p:txBody>
@@ -29037,17 +30216,10 @@
   <p:clrMapOvr>
     <a:masterClrMapping/>
   </p:clrMapOvr>
-  <p:timing>
-    <p:tnLst>
-      <p:par>
-        <p:cTn id="1" dur="indefinite" restart="never" nodeType="tmRoot"/>
-      </p:par>
-    </p:tnLst>
-  </p:timing>
 </p:sld>
 </file>
 
-<file path=ppt/slides/slide38.xml><?xml version="1.0" encoding="utf-8"?>
+<file path=ppt/slides/slide41.xml><?xml version="1.0" encoding="utf-8"?>
 <p:sld xmlns:a="http://schemas.openxmlformats.org/drawingml/2006/main" xmlns:r="http://schemas.openxmlformats.org/officeDocument/2006/relationships" xmlns:p="http://schemas.openxmlformats.org/presentationml/2006/main">
   <p:cSld>
     <p:spTree>
@@ -29540,17 +30712,10 @@
   <p:clrMapOvr>
     <a:masterClrMapping/>
   </p:clrMapOvr>
-  <p:timing>
-    <p:tnLst>
-      <p:par>
-        <p:cTn id="1" dur="indefinite" restart="never" nodeType="tmRoot"/>
-      </p:par>
-    </p:tnLst>
-  </p:timing>
 </p:sld>
 </file>
 
-<file path=ppt/slides/slide39.xml><?xml version="1.0" encoding="utf-8"?>
+<file path=ppt/slides/slide42.xml><?xml version="1.0" encoding="utf-8"?>
 <p:sld xmlns:a="http://schemas.openxmlformats.org/drawingml/2006/main" xmlns:r="http://schemas.openxmlformats.org/officeDocument/2006/relationships" xmlns:p="http://schemas.openxmlformats.org/presentationml/2006/main">
   <p:cSld>
     <p:spTree>
@@ -29979,95 +31144,10 @@
   <p:clrMapOvr>
     <a:masterClrMapping/>
   </p:clrMapOvr>
-  <p:timing>
-    <p:tnLst>
-      <p:par>
-        <p:cTn id="1" dur="indefinite" restart="never" nodeType="tmRoot"/>
-      </p:par>
-    </p:tnLst>
-  </p:timing>
 </p:sld>
 </file>
 
-<file path=ppt/slides/slide4.xml><?xml version="1.0" encoding="utf-8"?>
-<p:sld xmlns:a="http://schemas.openxmlformats.org/drawingml/2006/main" xmlns:r="http://schemas.openxmlformats.org/officeDocument/2006/relationships" xmlns:p="http://schemas.openxmlformats.org/presentationml/2006/main">
-  <p:cSld>
-    <p:spTree>
-      <p:nvGrpSpPr>
-        <p:cNvPr id="1" name="Shape 87"/>
-        <p:cNvGrpSpPr/>
-        <p:nvPr/>
-      </p:nvGrpSpPr>
-      <p:grpSpPr>
-        <a:xfrm>
-          <a:off x="0" y="0"/>
-          <a:ext cx="0" cy="0"/>
-          <a:chOff x="0" y="0"/>
-          <a:chExt cx="0" cy="0"/>
-        </a:xfrm>
-      </p:grpSpPr>
-      <p:sp>
-        <p:nvSpPr>
-          <p:cNvPr id="88" name="Shape 88"/>
-          <p:cNvSpPr txBox="1">
-            <a:spLocks noGrp="1"/>
-          </p:cNvSpPr>
-          <p:nvPr>
-            <p:ph type="ctrTitle"/>
-          </p:nvPr>
-        </p:nvSpPr>
-        <p:spPr>
-          <a:prstGeom prst="rect">
-            <a:avLst/>
-          </a:prstGeom>
-          <a:noFill/>
-          <a:ln>
-            <a:noFill/>
-          </a:ln>
-        </p:spPr>
-        <p:txBody>
-          <a:bodyPr vert="horz" wrap="square" lIns="121900" tIns="60933" rIns="121900" bIns="60933" rtlCol="0" anchor="ctr" anchorCtr="0">
-            <a:noAutofit/>
-          </a:bodyPr>
-          <a:lstStyle/>
-          <a:p>
-            <a:pPr>
-              <a:spcBef>
-                <a:spcPts val="0"/>
-              </a:spcBef>
-              <a:buClr>
-                <a:schemeClr val="dk1"/>
-              </a:buClr>
-              <a:buSzPct val="25000"/>
-            </a:pPr>
-            <a:r>
-              <a:rPr lang="en-US" sz="4267" dirty="0">
-                <a:solidFill>
-                  <a:schemeClr val="dk1"/>
-                </a:solidFill>
-                <a:ea typeface="Calibri"/>
-                <a:cs typeface="Calibri"/>
-                <a:sym typeface="Calibri"/>
-              </a:rPr>
-              <a:t>Presence only data</a:t>
-            </a:r>
-          </a:p>
-        </p:txBody>
-      </p:sp>
-    </p:spTree>
-    <p:extLst>
-      <p:ext uri="{BB962C8B-B14F-4D97-AF65-F5344CB8AC3E}">
-        <p14:creationId xmlns:p14="http://schemas.microsoft.com/office/powerpoint/2010/main" val="719257"/>
-      </p:ext>
-    </p:extLst>
-  </p:cSld>
-  <p:clrMapOvr>
-    <a:masterClrMapping/>
-  </p:clrMapOvr>
-</p:sld>
-</file>
-
-<file path=ppt/slides/slide40.xml><?xml version="1.0" encoding="utf-8"?>
+<file path=ppt/slides/slide43.xml><?xml version="1.0" encoding="utf-8"?>
 <p:sld xmlns:a="http://schemas.openxmlformats.org/drawingml/2006/main" xmlns:r="http://schemas.openxmlformats.org/officeDocument/2006/relationships" xmlns:p="http://schemas.openxmlformats.org/presentationml/2006/main">
   <p:cSld>
     <p:spTree>
@@ -30089,7 +31169,7 @@
           <p:cNvPr id="5" name="Table 4">
             <a:extLst>
               <a:ext uri="{FF2B5EF4-FFF2-40B4-BE49-F238E27FC236}">
-                <a16:creationId xmlns:a16="http://schemas.microsoft.com/office/drawing/2014/main" xmlns="" id="{5CC166F4-B098-492A-8AF2-AC98FB770093}"/>
+                <a16:creationId xmlns:a16="http://schemas.microsoft.com/office/drawing/2014/main" id="{5CC166F4-B098-492A-8AF2-AC98FB770093}"/>
               </a:ext>
             </a:extLst>
           </p:cNvPr>
@@ -30114,35 +31194,35 @@
                 <a:gridCol w="2382457">
                   <a:extLst>
                     <a:ext uri="{9D8B030D-6E8A-4147-A177-3AD203B41FA5}">
-                      <a16:colId xmlns:a16="http://schemas.microsoft.com/office/drawing/2014/main" xmlns="" val="1994016553"/>
+                      <a16:colId xmlns:a16="http://schemas.microsoft.com/office/drawing/2014/main" val="1994016553"/>
                     </a:ext>
                   </a:extLst>
                 </a:gridCol>
                 <a:gridCol w="1127772">
                   <a:extLst>
                     <a:ext uri="{9D8B030D-6E8A-4147-A177-3AD203B41FA5}">
-                      <a16:colId xmlns:a16="http://schemas.microsoft.com/office/drawing/2014/main" xmlns="" val="4052906356"/>
+                      <a16:colId xmlns:a16="http://schemas.microsoft.com/office/drawing/2014/main" val="4052906356"/>
                     </a:ext>
                   </a:extLst>
                 </a:gridCol>
                 <a:gridCol w="1127772">
                   <a:extLst>
                     <a:ext uri="{9D8B030D-6E8A-4147-A177-3AD203B41FA5}">
-                      <a16:colId xmlns:a16="http://schemas.microsoft.com/office/drawing/2014/main" xmlns="" val="4014107595"/>
+                      <a16:colId xmlns:a16="http://schemas.microsoft.com/office/drawing/2014/main" val="4014107595"/>
                     </a:ext>
                   </a:extLst>
                 </a:gridCol>
                 <a:gridCol w="862330">
                   <a:extLst>
                     <a:ext uri="{9D8B030D-6E8A-4147-A177-3AD203B41FA5}">
-                      <a16:colId xmlns:a16="http://schemas.microsoft.com/office/drawing/2014/main" xmlns="" val="3374785829"/>
+                      <a16:colId xmlns:a16="http://schemas.microsoft.com/office/drawing/2014/main" val="3374785829"/>
                     </a:ext>
                   </a:extLst>
                 </a:gridCol>
                 <a:gridCol w="1339361">
                   <a:extLst>
                     <a:ext uri="{9D8B030D-6E8A-4147-A177-3AD203B41FA5}">
-                      <a16:colId xmlns:a16="http://schemas.microsoft.com/office/drawing/2014/main" xmlns="" val="3501160603"/>
+                      <a16:colId xmlns:a16="http://schemas.microsoft.com/office/drawing/2014/main" val="3501160603"/>
                     </a:ext>
                   </a:extLst>
                 </a:gridCol>
@@ -30231,7 +31311,7 @@
                 </a:tc>
                 <a:extLst>
                   <a:ext uri="{0D108BD9-81ED-4DB2-BD59-A6C34878D82A}">
-                    <a16:rowId xmlns:a16="http://schemas.microsoft.com/office/drawing/2014/main" xmlns="" val="374498280"/>
+                    <a16:rowId xmlns:a16="http://schemas.microsoft.com/office/drawing/2014/main" val="374498280"/>
                   </a:ext>
                 </a:extLst>
               </a:tr>
@@ -30308,7 +31388,7 @@
                 </a:tc>
                 <a:extLst>
                   <a:ext uri="{0D108BD9-81ED-4DB2-BD59-A6C34878D82A}">
-                    <a16:rowId xmlns:a16="http://schemas.microsoft.com/office/drawing/2014/main" xmlns="" val="1460076334"/>
+                    <a16:rowId xmlns:a16="http://schemas.microsoft.com/office/drawing/2014/main" val="1460076334"/>
                   </a:ext>
                 </a:extLst>
               </a:tr>
@@ -30385,7 +31465,7 @@
                 </a:tc>
                 <a:extLst>
                   <a:ext uri="{0D108BD9-81ED-4DB2-BD59-A6C34878D82A}">
-                    <a16:rowId xmlns:a16="http://schemas.microsoft.com/office/drawing/2014/main" xmlns="" val="711840075"/>
+                    <a16:rowId xmlns:a16="http://schemas.microsoft.com/office/drawing/2014/main" val="711840075"/>
                   </a:ext>
                 </a:extLst>
               </a:tr>
@@ -30462,7 +31542,7 @@
                 </a:tc>
                 <a:extLst>
                   <a:ext uri="{0D108BD9-81ED-4DB2-BD59-A6C34878D82A}">
-                    <a16:rowId xmlns:a16="http://schemas.microsoft.com/office/drawing/2014/main" xmlns="" val="3838341620"/>
+                    <a16:rowId xmlns:a16="http://schemas.microsoft.com/office/drawing/2014/main" val="3838341620"/>
                   </a:ext>
                 </a:extLst>
               </a:tr>
@@ -30539,7 +31619,7 @@
                 </a:tc>
                 <a:extLst>
                   <a:ext uri="{0D108BD9-81ED-4DB2-BD59-A6C34878D82A}">
-                    <a16:rowId xmlns:a16="http://schemas.microsoft.com/office/drawing/2014/main" xmlns="" val="3751830125"/>
+                    <a16:rowId xmlns:a16="http://schemas.microsoft.com/office/drawing/2014/main" val="3751830125"/>
                   </a:ext>
                 </a:extLst>
               </a:tr>
@@ -30552,7 +31632,7 @@
           <p:cNvPr id="6" name="TextBox 5">
             <a:extLst>
               <a:ext uri="{FF2B5EF4-FFF2-40B4-BE49-F238E27FC236}">
-                <a16:creationId xmlns:a16="http://schemas.microsoft.com/office/drawing/2014/main" xmlns="" id="{936836E4-3FC0-4CC2-90FD-2A06DD4133F5}"/>
+                <a16:creationId xmlns:a16="http://schemas.microsoft.com/office/drawing/2014/main" id="{936836E4-3FC0-4CC2-90FD-2A06DD4133F5}"/>
               </a:ext>
             </a:extLst>
           </p:cNvPr>
@@ -30593,7 +31673,7 @@
           <p:cNvPr id="8" name="Straight Arrow Connector 7">
             <a:extLst>
               <a:ext uri="{FF2B5EF4-FFF2-40B4-BE49-F238E27FC236}">
-                <a16:creationId xmlns:a16="http://schemas.microsoft.com/office/drawing/2014/main" xmlns="" id="{18BB64C0-AC3E-4DD7-866D-B0857E8AAED9}"/>
+                <a16:creationId xmlns:a16="http://schemas.microsoft.com/office/drawing/2014/main" id="{18BB64C0-AC3E-4DD7-866D-B0857E8AAED9}"/>
               </a:ext>
             </a:extLst>
           </p:cNvPr>
@@ -30635,7 +31715,7 @@
           <p:cNvPr id="9" name="TextBox 8">
             <a:extLst>
               <a:ext uri="{FF2B5EF4-FFF2-40B4-BE49-F238E27FC236}">
-                <a16:creationId xmlns:a16="http://schemas.microsoft.com/office/drawing/2014/main" xmlns="" id="{E24EE18F-39B4-4628-B948-4AF5DA1CB1C4}"/>
+                <a16:creationId xmlns:a16="http://schemas.microsoft.com/office/drawing/2014/main" id="{E24EE18F-39B4-4628-B948-4AF5DA1CB1C4}"/>
               </a:ext>
             </a:extLst>
           </p:cNvPr>
@@ -30680,7 +31760,7 @@
           <p:cNvPr id="10" name="Straight Arrow Connector 9">
             <a:extLst>
               <a:ext uri="{FF2B5EF4-FFF2-40B4-BE49-F238E27FC236}">
-                <a16:creationId xmlns:a16="http://schemas.microsoft.com/office/drawing/2014/main" xmlns="" id="{E1EEF595-00AF-4C16-95C3-1F6371A8D4F6}"/>
+                <a16:creationId xmlns:a16="http://schemas.microsoft.com/office/drawing/2014/main" id="{E1EEF595-00AF-4C16-95C3-1F6371A8D4F6}"/>
               </a:ext>
             </a:extLst>
           </p:cNvPr>
@@ -30722,7 +31802,7 @@
           <p:cNvPr id="16" name="TextBox 15">
             <a:extLst>
               <a:ext uri="{FF2B5EF4-FFF2-40B4-BE49-F238E27FC236}">
-                <a16:creationId xmlns:a16="http://schemas.microsoft.com/office/drawing/2014/main" xmlns="" id="{27D857F7-BE27-4BDA-90E8-E32F4011B381}"/>
+                <a16:creationId xmlns:a16="http://schemas.microsoft.com/office/drawing/2014/main" id="{27D857F7-BE27-4BDA-90E8-E32F4011B381}"/>
               </a:ext>
             </a:extLst>
           </p:cNvPr>
@@ -30770,7 +31850,7 @@
           <p:cNvPr id="17" name="Straight Arrow Connector 16">
             <a:extLst>
               <a:ext uri="{FF2B5EF4-FFF2-40B4-BE49-F238E27FC236}">
-                <a16:creationId xmlns:a16="http://schemas.microsoft.com/office/drawing/2014/main" xmlns="" id="{DCC09424-EC2F-4031-9335-20F71E26AB7E}"/>
+                <a16:creationId xmlns:a16="http://schemas.microsoft.com/office/drawing/2014/main" id="{DCC09424-EC2F-4031-9335-20F71E26AB7E}"/>
               </a:ext>
             </a:extLst>
           </p:cNvPr>
@@ -30812,7 +31892,7 @@
           <p:cNvPr id="33" name="TextBox 32">
             <a:extLst>
               <a:ext uri="{FF2B5EF4-FFF2-40B4-BE49-F238E27FC236}">
-                <a16:creationId xmlns:a16="http://schemas.microsoft.com/office/drawing/2014/main" xmlns="" id="{19EBC30D-84E8-4385-9585-ABBBE6596CD1}"/>
+                <a16:creationId xmlns:a16="http://schemas.microsoft.com/office/drawing/2014/main" id="{19EBC30D-84E8-4385-9585-ABBBE6596CD1}"/>
               </a:ext>
             </a:extLst>
           </p:cNvPr>
@@ -30869,7 +31949,7 @@
           <p:cNvPr id="34" name="Straight Arrow Connector 33">
             <a:extLst>
               <a:ext uri="{FF2B5EF4-FFF2-40B4-BE49-F238E27FC236}">
-                <a16:creationId xmlns:a16="http://schemas.microsoft.com/office/drawing/2014/main" xmlns="" id="{845392A4-CA7D-4277-A852-3A1A8C57825A}"/>
+                <a16:creationId xmlns:a16="http://schemas.microsoft.com/office/drawing/2014/main" id="{845392A4-CA7D-4277-A852-3A1A8C57825A}"/>
               </a:ext>
             </a:extLst>
           </p:cNvPr>
@@ -30911,7 +31991,7 @@
           <p:cNvPr id="38" name="TextBox 37">
             <a:extLst>
               <a:ext uri="{FF2B5EF4-FFF2-40B4-BE49-F238E27FC236}">
-                <a16:creationId xmlns:a16="http://schemas.microsoft.com/office/drawing/2014/main" xmlns="" id="{BE3DBFFA-9E3A-46E5-96D4-723312C49A9B}"/>
+                <a16:creationId xmlns:a16="http://schemas.microsoft.com/office/drawing/2014/main" id="{BE3DBFFA-9E3A-46E5-96D4-723312C49A9B}"/>
               </a:ext>
             </a:extLst>
           </p:cNvPr>
@@ -30952,7 +32032,7 @@
           <p:cNvPr id="39" name="Straight Arrow Connector 38">
             <a:extLst>
               <a:ext uri="{FF2B5EF4-FFF2-40B4-BE49-F238E27FC236}">
-                <a16:creationId xmlns:a16="http://schemas.microsoft.com/office/drawing/2014/main" xmlns="" id="{F814DB84-ACD4-46B9-9667-4CCADF6A0428}"/>
+                <a16:creationId xmlns:a16="http://schemas.microsoft.com/office/drawing/2014/main" id="{F814DB84-ACD4-46B9-9667-4CCADF6A0428}"/>
               </a:ext>
             </a:extLst>
           </p:cNvPr>
@@ -30994,7 +32074,7 @@
           <p:cNvPr id="14" name="TextBox 13">
             <a:extLst>
               <a:ext uri="{FF2B5EF4-FFF2-40B4-BE49-F238E27FC236}">
-                <a16:creationId xmlns:a16="http://schemas.microsoft.com/office/drawing/2014/main" xmlns="" id="{A4205DC4-CD87-44F1-82C6-5847F1DB6737}"/>
+                <a16:creationId xmlns:a16="http://schemas.microsoft.com/office/drawing/2014/main" id="{A4205DC4-CD87-44F1-82C6-5847F1DB6737}"/>
               </a:ext>
             </a:extLst>
           </p:cNvPr>
@@ -31611,7 +32691,7 @@
 </p:sld>
 </file>
 
-<file path=ppt/slides/slide41.xml><?xml version="1.0" encoding="utf-8"?>
+<file path=ppt/slides/slide44.xml><?xml version="1.0" encoding="utf-8"?>
 <p:sld xmlns:a="http://schemas.openxmlformats.org/drawingml/2006/main" xmlns:r="http://schemas.openxmlformats.org/officeDocument/2006/relationships" xmlns:p="http://schemas.openxmlformats.org/presentationml/2006/main">
   <p:cSld>
     <p:spTree>
@@ -31633,7 +32713,7 @@
           <p:cNvPr id="15" name="Picture 14">
             <a:extLst>
               <a:ext uri="{FF2B5EF4-FFF2-40B4-BE49-F238E27FC236}">
-                <a16:creationId xmlns:a16="http://schemas.microsoft.com/office/drawing/2014/main" xmlns="" id="{E4DD9F60-AC89-479E-BA3C-FA9516486A1D}"/>
+                <a16:creationId xmlns:a16="http://schemas.microsoft.com/office/drawing/2014/main" id="{E4DD9F60-AC89-479E-BA3C-FA9516486A1D}"/>
               </a:ext>
             </a:extLst>
           </p:cNvPr>
@@ -31766,17 +32846,10 @@
   <p:clrMapOvr>
     <a:masterClrMapping/>
   </p:clrMapOvr>
-  <p:timing>
-    <p:tnLst>
-      <p:par>
-        <p:cTn id="1" dur="indefinite" restart="never" nodeType="tmRoot"/>
-      </p:par>
-    </p:tnLst>
-  </p:timing>
 </p:sld>
 </file>
 
-<file path=ppt/slides/slide42.xml><?xml version="1.0" encoding="utf-8"?>
+<file path=ppt/slides/slide45.xml><?xml version="1.0" encoding="utf-8"?>
 <p:sld xmlns:a="http://schemas.openxmlformats.org/drawingml/2006/main" xmlns:r="http://schemas.openxmlformats.org/officeDocument/2006/relationships" xmlns:p="http://schemas.openxmlformats.org/presentationml/2006/main">
   <p:cSld>
     <p:spTree>
@@ -32022,17 +33095,10 @@
   <p:clrMapOvr>
     <a:masterClrMapping/>
   </p:clrMapOvr>
-  <p:timing>
-    <p:tnLst>
-      <p:par>
-        <p:cTn id="1" dur="indefinite" restart="never" nodeType="tmRoot"/>
-      </p:par>
-    </p:tnLst>
-  </p:timing>
 </p:sld>
 </file>
 
-<file path=ppt/slides/slide43.xml><?xml version="1.0" encoding="utf-8"?>
+<file path=ppt/slides/slide46.xml><?xml version="1.0" encoding="utf-8"?>
 <p:sld xmlns:a="http://schemas.openxmlformats.org/drawingml/2006/main" xmlns:r="http://schemas.openxmlformats.org/officeDocument/2006/relationships" xmlns:p="http://schemas.openxmlformats.org/presentationml/2006/main">
   <p:cSld>
     <p:spTree>
@@ -32156,7 +33222,7 @@
           <p:cNvPr id="2" name="Group 1">
             <a:extLst>
               <a:ext uri="{FF2B5EF4-FFF2-40B4-BE49-F238E27FC236}">
-                <a16:creationId xmlns:a16="http://schemas.microsoft.com/office/drawing/2014/main" xmlns="" id="{88D2ED25-6C07-47A7-9C90-E309A372056B}"/>
+                <a16:creationId xmlns:a16="http://schemas.microsoft.com/office/drawing/2014/main" id="{88D2ED25-6C07-47A7-9C90-E309A372056B}"/>
               </a:ext>
             </a:extLst>
           </p:cNvPr>
@@ -33063,17 +34129,10 @@
   <p:clrMapOvr>
     <a:masterClrMapping/>
   </p:clrMapOvr>
-  <p:timing>
-    <p:tnLst>
-      <p:par>
-        <p:cTn id="1" dur="indefinite" restart="never" nodeType="tmRoot"/>
-      </p:par>
-    </p:tnLst>
-  </p:timing>
 </p:sld>
 </file>
 
-<file path=ppt/slides/slide44.xml><?xml version="1.0" encoding="utf-8"?>
+<file path=ppt/slides/slide47.xml><?xml version="1.0" encoding="utf-8"?>
 <p:sld xmlns:a="http://schemas.openxmlformats.org/drawingml/2006/main" xmlns:r="http://schemas.openxmlformats.org/officeDocument/2006/relationships" xmlns:p="http://schemas.openxmlformats.org/presentationml/2006/main">
   <p:cSld>
     <p:spTree>
@@ -33147,7 +34206,7 @@
           <p:cNvPr id="28" name="Table 27">
             <a:extLst>
               <a:ext uri="{FF2B5EF4-FFF2-40B4-BE49-F238E27FC236}">
-                <a16:creationId xmlns:a16="http://schemas.microsoft.com/office/drawing/2014/main" xmlns="" id="{B94AAA97-DD2E-4257-8BD9-21F9AC875166}"/>
+                <a16:creationId xmlns:a16="http://schemas.microsoft.com/office/drawing/2014/main" id="{B94AAA97-DD2E-4257-8BD9-21F9AC875166}"/>
               </a:ext>
             </a:extLst>
           </p:cNvPr>
@@ -33174,70 +34233,70 @@
                 <a:gridCol w="888294">
                   <a:extLst>
                     <a:ext uri="{9D8B030D-6E8A-4147-A177-3AD203B41FA5}">
-                      <a16:colId xmlns:a16="http://schemas.microsoft.com/office/drawing/2014/main" xmlns="" val="20000"/>
+                      <a16:colId xmlns:a16="http://schemas.microsoft.com/office/drawing/2014/main" val="20000"/>
                     </a:ext>
                   </a:extLst>
                 </a:gridCol>
                 <a:gridCol w="1093152">
                   <a:extLst>
                     <a:ext uri="{9D8B030D-6E8A-4147-A177-3AD203B41FA5}">
-                      <a16:colId xmlns:a16="http://schemas.microsoft.com/office/drawing/2014/main" xmlns="" val="20001"/>
+                      <a16:colId xmlns:a16="http://schemas.microsoft.com/office/drawing/2014/main" val="20001"/>
                     </a:ext>
                   </a:extLst>
                 </a:gridCol>
                 <a:gridCol w="1093152">
                   <a:extLst>
                     <a:ext uri="{9D8B030D-6E8A-4147-A177-3AD203B41FA5}">
-                      <a16:colId xmlns:a16="http://schemas.microsoft.com/office/drawing/2014/main" xmlns="" val="20002"/>
+                      <a16:colId xmlns:a16="http://schemas.microsoft.com/office/drawing/2014/main" val="20002"/>
                     </a:ext>
                   </a:extLst>
                 </a:gridCol>
                 <a:gridCol w="1093152">
                   <a:extLst>
                     <a:ext uri="{9D8B030D-6E8A-4147-A177-3AD203B41FA5}">
-                      <a16:colId xmlns:a16="http://schemas.microsoft.com/office/drawing/2014/main" xmlns="" val="20003"/>
+                      <a16:colId xmlns:a16="http://schemas.microsoft.com/office/drawing/2014/main" val="20003"/>
                     </a:ext>
                   </a:extLst>
                 </a:gridCol>
                 <a:gridCol w="1093152">
                   <a:extLst>
                     <a:ext uri="{9D8B030D-6E8A-4147-A177-3AD203B41FA5}">
-                      <a16:colId xmlns:a16="http://schemas.microsoft.com/office/drawing/2014/main" xmlns="" val="3523552247"/>
+                      <a16:colId xmlns:a16="http://schemas.microsoft.com/office/drawing/2014/main" val="3523552247"/>
                     </a:ext>
                   </a:extLst>
                 </a:gridCol>
                 <a:gridCol w="1093152">
                   <a:extLst>
                     <a:ext uri="{9D8B030D-6E8A-4147-A177-3AD203B41FA5}">
-                      <a16:colId xmlns:a16="http://schemas.microsoft.com/office/drawing/2014/main" xmlns="" val="475371268"/>
+                      <a16:colId xmlns:a16="http://schemas.microsoft.com/office/drawing/2014/main" val="475371268"/>
                     </a:ext>
                   </a:extLst>
                 </a:gridCol>
                 <a:gridCol w="1093152">
                   <a:extLst>
                     <a:ext uri="{9D8B030D-6E8A-4147-A177-3AD203B41FA5}">
-                      <a16:colId xmlns:a16="http://schemas.microsoft.com/office/drawing/2014/main" xmlns="" val="1125746503"/>
+                      <a16:colId xmlns:a16="http://schemas.microsoft.com/office/drawing/2014/main" val="1125746503"/>
                     </a:ext>
                   </a:extLst>
                 </a:gridCol>
                 <a:gridCol w="1093152">
                   <a:extLst>
                     <a:ext uri="{9D8B030D-6E8A-4147-A177-3AD203B41FA5}">
-                      <a16:colId xmlns:a16="http://schemas.microsoft.com/office/drawing/2014/main" xmlns="" val="2696462394"/>
+                      <a16:colId xmlns:a16="http://schemas.microsoft.com/office/drawing/2014/main" val="2696462394"/>
                     </a:ext>
                   </a:extLst>
                 </a:gridCol>
                 <a:gridCol w="1093152">
                   <a:extLst>
                     <a:ext uri="{9D8B030D-6E8A-4147-A177-3AD203B41FA5}">
-                      <a16:colId xmlns:a16="http://schemas.microsoft.com/office/drawing/2014/main" xmlns="" val="416204241"/>
+                      <a16:colId xmlns:a16="http://schemas.microsoft.com/office/drawing/2014/main" val="416204241"/>
                     </a:ext>
                   </a:extLst>
                 </a:gridCol>
                 <a:gridCol w="1093152">
                   <a:extLst>
                     <a:ext uri="{9D8B030D-6E8A-4147-A177-3AD203B41FA5}">
-                      <a16:colId xmlns:a16="http://schemas.microsoft.com/office/drawing/2014/main" xmlns="" val="1824099450"/>
+                      <a16:colId xmlns:a16="http://schemas.microsoft.com/office/drawing/2014/main" val="1824099450"/>
                     </a:ext>
                   </a:extLst>
                 </a:gridCol>
@@ -33364,7 +34423,7 @@
                 </a:tc>
                 <a:extLst>
                   <a:ext uri="{0D108BD9-81ED-4DB2-BD59-A6C34878D82A}">
-                    <a16:rowId xmlns:a16="http://schemas.microsoft.com/office/drawing/2014/main" xmlns="" val="4145127719"/>
+                    <a16:rowId xmlns:a16="http://schemas.microsoft.com/office/drawing/2014/main" val="4145127719"/>
                   </a:ext>
                 </a:extLst>
               </a:tr>
@@ -33541,7 +34600,7 @@
                 </a:tc>
                 <a:extLst>
                   <a:ext uri="{0D108BD9-81ED-4DB2-BD59-A6C34878D82A}">
-                    <a16:rowId xmlns:a16="http://schemas.microsoft.com/office/drawing/2014/main" xmlns="" val="10000"/>
+                    <a16:rowId xmlns:a16="http://schemas.microsoft.com/office/drawing/2014/main" val="10000"/>
                   </a:ext>
                 </a:extLst>
               </a:tr>
@@ -33688,7 +34747,7 @@
                 </a:tc>
                 <a:extLst>
                   <a:ext uri="{0D108BD9-81ED-4DB2-BD59-A6C34878D82A}">
-                    <a16:rowId xmlns:a16="http://schemas.microsoft.com/office/drawing/2014/main" xmlns="" val="10001"/>
+                    <a16:rowId xmlns:a16="http://schemas.microsoft.com/office/drawing/2014/main" val="10001"/>
                   </a:ext>
                 </a:extLst>
               </a:tr>
@@ -33835,7 +34894,7 @@
                 </a:tc>
                 <a:extLst>
                   <a:ext uri="{0D108BD9-81ED-4DB2-BD59-A6C34878D82A}">
-                    <a16:rowId xmlns:a16="http://schemas.microsoft.com/office/drawing/2014/main" xmlns="" val="10002"/>
+                    <a16:rowId xmlns:a16="http://schemas.microsoft.com/office/drawing/2014/main" val="10002"/>
                   </a:ext>
                 </a:extLst>
               </a:tr>
@@ -33982,7 +35041,7 @@
                 </a:tc>
                 <a:extLst>
                   <a:ext uri="{0D108BD9-81ED-4DB2-BD59-A6C34878D82A}">
-                    <a16:rowId xmlns:a16="http://schemas.microsoft.com/office/drawing/2014/main" xmlns="" val="10003"/>
+                    <a16:rowId xmlns:a16="http://schemas.microsoft.com/office/drawing/2014/main" val="10003"/>
                   </a:ext>
                 </a:extLst>
               </a:tr>
@@ -34129,7 +35188,7 @@
                 </a:tc>
                 <a:extLst>
                   <a:ext uri="{0D108BD9-81ED-4DB2-BD59-A6C34878D82A}">
-                    <a16:rowId xmlns:a16="http://schemas.microsoft.com/office/drawing/2014/main" xmlns="" val="2612765108"/>
+                    <a16:rowId xmlns:a16="http://schemas.microsoft.com/office/drawing/2014/main" val="2612765108"/>
                   </a:ext>
                 </a:extLst>
               </a:tr>
@@ -34142,7 +35201,7 @@
           <p:cNvPr id="6" name="Rectangle 5">
             <a:extLst>
               <a:ext uri="{FF2B5EF4-FFF2-40B4-BE49-F238E27FC236}">
-                <a16:creationId xmlns:a16="http://schemas.microsoft.com/office/drawing/2014/main" xmlns="" id="{5843A962-3601-45C7-8F0D-5F8D098D9013}"/>
+                <a16:creationId xmlns:a16="http://schemas.microsoft.com/office/drawing/2014/main" id="{5843A962-3601-45C7-8F0D-5F8D098D9013}"/>
               </a:ext>
             </a:extLst>
           </p:cNvPr>
@@ -34191,7 +35250,7 @@
           <p:cNvPr id="34" name="Rectangle 33">
             <a:extLst>
               <a:ext uri="{FF2B5EF4-FFF2-40B4-BE49-F238E27FC236}">
-                <a16:creationId xmlns:a16="http://schemas.microsoft.com/office/drawing/2014/main" xmlns="" id="{C8E00377-9A07-47D3-9547-15717DC23831}"/>
+                <a16:creationId xmlns:a16="http://schemas.microsoft.com/office/drawing/2014/main" id="{C8E00377-9A07-47D3-9547-15717DC23831}"/>
               </a:ext>
             </a:extLst>
           </p:cNvPr>
@@ -34240,7 +35299,7 @@
           <p:cNvPr id="35" name="Rectangle 34">
             <a:extLst>
               <a:ext uri="{FF2B5EF4-FFF2-40B4-BE49-F238E27FC236}">
-                <a16:creationId xmlns:a16="http://schemas.microsoft.com/office/drawing/2014/main" xmlns="" id="{8DB0A23A-D75F-4562-8EF6-55CAF8E66BE8}"/>
+                <a16:creationId xmlns:a16="http://schemas.microsoft.com/office/drawing/2014/main" id="{8DB0A23A-D75F-4562-8EF6-55CAF8E66BE8}"/>
               </a:ext>
             </a:extLst>
           </p:cNvPr>
@@ -34375,7 +35434,7 @@
 </p:sld>
 </file>
 
-<file path=ppt/slides/slide45.xml><?xml version="1.0" encoding="utf-8"?>
+<file path=ppt/slides/slide48.xml><?xml version="1.0" encoding="utf-8"?>
 <p:sld xmlns:a="http://schemas.openxmlformats.org/drawingml/2006/main" xmlns:r="http://schemas.openxmlformats.org/officeDocument/2006/relationships" xmlns:p="http://schemas.openxmlformats.org/presentationml/2006/main">
   <p:cSld>
     <p:spTree>
@@ -35053,7 +36112,7 @@
 </p:sld>
 </file>
 
-<file path=ppt/slides/slide46.xml><?xml version="1.0" encoding="utf-8"?>
+<file path=ppt/slides/slide49.xml><?xml version="1.0" encoding="utf-8"?>
 <p:sld xmlns:a="http://schemas.openxmlformats.org/drawingml/2006/main" xmlns:r="http://schemas.openxmlformats.org/officeDocument/2006/relationships" xmlns:p="http://schemas.openxmlformats.org/presentationml/2006/main">
   <p:cSld>
     <p:spTree>
@@ -35902,13 +36961,6 @@
   <p:clrMapOvr>
     <a:masterClrMapping/>
   </p:clrMapOvr>
-  <p:timing>
-    <p:tnLst>
-      <p:par>
-        <p:cTn id="1" dur="indefinite" restart="never" nodeType="tmRoot"/>
-      </p:par>
-    </p:tnLst>
-  </p:timing>
 </p:sld>
 </file>
 
@@ -36972,21 +38024,21 @@
                 <a:gridCol w="3614871">
                   <a:extLst>
                     <a:ext uri="{9D8B030D-6E8A-4147-A177-3AD203B41FA5}">
-                      <a16:colId xmlns:a16="http://schemas.microsoft.com/office/drawing/2014/main" xmlns="" val="20000"/>
+                      <a16:colId xmlns:a16="http://schemas.microsoft.com/office/drawing/2014/main" val="20000"/>
                     </a:ext>
                   </a:extLst>
                 </a:gridCol>
                 <a:gridCol w="2345821">
                   <a:extLst>
                     <a:ext uri="{9D8B030D-6E8A-4147-A177-3AD203B41FA5}">
-                      <a16:colId xmlns:a16="http://schemas.microsoft.com/office/drawing/2014/main" xmlns="" val="20001"/>
+                      <a16:colId xmlns:a16="http://schemas.microsoft.com/office/drawing/2014/main" val="20001"/>
                     </a:ext>
                   </a:extLst>
                 </a:gridCol>
                 <a:gridCol w="2268908">
                   <a:extLst>
                     <a:ext uri="{9D8B030D-6E8A-4147-A177-3AD203B41FA5}">
-                      <a16:colId xmlns:a16="http://schemas.microsoft.com/office/drawing/2014/main" xmlns="" val="20002"/>
+                      <a16:colId xmlns:a16="http://schemas.microsoft.com/office/drawing/2014/main" val="20002"/>
                     </a:ext>
                   </a:extLst>
                 </a:gridCol>
@@ -37087,7 +38139,7 @@
                 </a:tc>
                 <a:extLst>
                   <a:ext uri="{0D108BD9-81ED-4DB2-BD59-A6C34878D82A}">
-                    <a16:rowId xmlns:a16="http://schemas.microsoft.com/office/drawing/2014/main" xmlns="" val="10000"/>
+                    <a16:rowId xmlns:a16="http://schemas.microsoft.com/office/drawing/2014/main" val="10000"/>
                   </a:ext>
                 </a:extLst>
               </a:tr>
@@ -37187,7 +38239,7 @@
                 </a:tc>
                 <a:extLst>
                   <a:ext uri="{0D108BD9-81ED-4DB2-BD59-A6C34878D82A}">
-                    <a16:rowId xmlns:a16="http://schemas.microsoft.com/office/drawing/2014/main" xmlns="" val="10001"/>
+                    <a16:rowId xmlns:a16="http://schemas.microsoft.com/office/drawing/2014/main" val="10001"/>
                   </a:ext>
                 </a:extLst>
               </a:tr>
@@ -37287,7 +38339,7 @@
                 </a:tc>
                 <a:extLst>
                   <a:ext uri="{0D108BD9-81ED-4DB2-BD59-A6C34878D82A}">
-                    <a16:rowId xmlns:a16="http://schemas.microsoft.com/office/drawing/2014/main" xmlns="" val="10002"/>
+                    <a16:rowId xmlns:a16="http://schemas.microsoft.com/office/drawing/2014/main" val="10002"/>
                   </a:ext>
                 </a:extLst>
               </a:tr>
@@ -37387,7 +38439,7 @@
                 </a:tc>
                 <a:extLst>
                   <a:ext uri="{0D108BD9-81ED-4DB2-BD59-A6C34878D82A}">
-                    <a16:rowId xmlns:a16="http://schemas.microsoft.com/office/drawing/2014/main" xmlns="" val="10003"/>
+                    <a16:rowId xmlns:a16="http://schemas.microsoft.com/office/drawing/2014/main" val="10003"/>
                   </a:ext>
                 </a:extLst>
               </a:tr>
@@ -37487,7 +38539,7 @@
                 </a:tc>
                 <a:extLst>
                   <a:ext uri="{0D108BD9-81ED-4DB2-BD59-A6C34878D82A}">
-                    <a16:rowId xmlns:a16="http://schemas.microsoft.com/office/drawing/2014/main" xmlns="" val="10004"/>
+                    <a16:rowId xmlns:a16="http://schemas.microsoft.com/office/drawing/2014/main" val="10004"/>
                   </a:ext>
                 </a:extLst>
               </a:tr>
@@ -37587,7 +38639,7 @@
                 </a:tc>
                 <a:extLst>
                   <a:ext uri="{0D108BD9-81ED-4DB2-BD59-A6C34878D82A}">
-                    <a16:rowId xmlns:a16="http://schemas.microsoft.com/office/drawing/2014/main" xmlns="" val="10005"/>
+                    <a16:rowId xmlns:a16="http://schemas.microsoft.com/office/drawing/2014/main" val="10005"/>
                   </a:ext>
                 </a:extLst>
               </a:tr>
@@ -37687,7 +38739,7 @@
                 </a:tc>
                 <a:extLst>
                   <a:ext uri="{0D108BD9-81ED-4DB2-BD59-A6C34878D82A}">
-                    <a16:rowId xmlns:a16="http://schemas.microsoft.com/office/drawing/2014/main" xmlns="" val="10006"/>
+                    <a16:rowId xmlns:a16="http://schemas.microsoft.com/office/drawing/2014/main" val="10006"/>
                   </a:ext>
                 </a:extLst>
               </a:tr>
@@ -37787,7 +38839,7 @@
                 </a:tc>
                 <a:extLst>
                   <a:ext uri="{0D108BD9-81ED-4DB2-BD59-A6C34878D82A}">
-                    <a16:rowId xmlns:a16="http://schemas.microsoft.com/office/drawing/2014/main" xmlns="" val="10007"/>
+                    <a16:rowId xmlns:a16="http://schemas.microsoft.com/office/drawing/2014/main" val="10007"/>
                   </a:ext>
                 </a:extLst>
               </a:tr>
@@ -37887,7 +38939,7 @@
                 </a:tc>
                 <a:extLst>
                   <a:ext uri="{0D108BD9-81ED-4DB2-BD59-A6C34878D82A}">
-                    <a16:rowId xmlns:a16="http://schemas.microsoft.com/office/drawing/2014/main" xmlns="" val="10008"/>
+                    <a16:rowId xmlns:a16="http://schemas.microsoft.com/office/drawing/2014/main" val="10008"/>
                   </a:ext>
                 </a:extLst>
               </a:tr>
@@ -37991,7 +39043,7 @@
                 </a:tc>
                 <a:extLst>
                   <a:ext uri="{0D108BD9-81ED-4DB2-BD59-A6C34878D82A}">
-                    <a16:rowId xmlns:a16="http://schemas.microsoft.com/office/drawing/2014/main" xmlns="" val="10009"/>
+                    <a16:rowId xmlns:a16="http://schemas.microsoft.com/office/drawing/2014/main" val="10009"/>
                   </a:ext>
                 </a:extLst>
               </a:tr>
@@ -38095,7 +39147,7 @@
                 </a:tc>
                 <a:extLst>
                   <a:ext uri="{0D108BD9-81ED-4DB2-BD59-A6C34878D82A}">
-                    <a16:rowId xmlns:a16="http://schemas.microsoft.com/office/drawing/2014/main" xmlns="" val="10010"/>
+                    <a16:rowId xmlns:a16="http://schemas.microsoft.com/office/drawing/2014/main" val="10010"/>
                   </a:ext>
                 </a:extLst>
               </a:tr>
@@ -38459,7 +39511,7 @@
   <a:extraClrSchemeLst/>
   <a:extLst>
     <a:ext uri="{05A4C25C-085E-4340-85A3-A5531E510DB2}">
-      <thm15:themeFamily xmlns:thm15="http://schemas.microsoft.com/office/thememl/2012/main" xmlns="" name="Presentation1" id="{A72458EE-BFF9-468A-8464-DFD913327021}" vid="{7EB1F43D-0D6C-4939-8000-7D7E4F656E14}"/>
+      <thm15:themeFamily xmlns:thm15="http://schemas.microsoft.com/office/thememl/2012/main" name="Presentation1" id="{A72458EE-BFF9-468A-8464-DFD913327021}" vid="{7EB1F43D-0D6C-4939-8000-7D7E4F656E14}"/>
     </a:ext>
   </a:extLst>
 </a:theme>
@@ -38754,7 +39806,7 @@
   <a:extraClrSchemeLst/>
   <a:extLst>
     <a:ext uri="{05A4C25C-085E-4340-85A3-A5531E510DB2}">
-      <thm15:themeFamily xmlns:thm15="http://schemas.microsoft.com/office/thememl/2012/main" xmlns="" name="Office Theme" id="{62F939B6-93AF-4DB8-9C6B-D6C7DFDC589F}" vid="{4A3C46E8-61CC-4603-A589-7422A47A8E4A}"/>
+      <thm15:themeFamily xmlns:thm15="http://schemas.microsoft.com/office/thememl/2012/main" name="Office Theme" id="{62F939B6-93AF-4DB8-9C6B-D6C7DFDC589F}" vid="{4A3C46E8-61CC-4603-A589-7422A47A8E4A}"/>
     </a:ext>
   </a:extLst>
 </a:theme>

--- a/static/lectures/SSA_Lecture3_Occupancy_Data.pptx
+++ b/static/lectures/SSA_Lecture3_Occupancy_Data.pptx
@@ -256,7 +256,7 @@
           <a:p>
             <a:fld id="{9C255B4B-9E10-4CEE-AA05-4A47B52A875A}" type="datetimeFigureOut">
               <a:rPr lang="en-US" smtClean="0"/>
-              <a:t>12/11/2018</a:t>
+              <a:t>12/12/2018</a:t>
             </a:fld>
             <a:endParaRPr lang="en-US"/>
           </a:p>
@@ -6117,7 +6117,7 @@
           <a:p>
             <a:fld id="{96DCDAD2-BF2B-4B23-962D-FA09F549519F}" type="datetimeFigureOut">
               <a:rPr lang="en-US" smtClean="0"/>
-              <a:t>12/11/2018</a:t>
+              <a:t>12/12/2018</a:t>
             </a:fld>
             <a:endParaRPr lang="en-US"/>
           </a:p>
@@ -6341,7 +6341,7 @@
           <a:p>
             <a:fld id="{96DCDAD2-BF2B-4B23-962D-FA09F549519F}" type="datetimeFigureOut">
               <a:rPr lang="en-US" smtClean="0"/>
-              <a:t>12/11/2018</a:t>
+              <a:t>12/12/2018</a:t>
             </a:fld>
             <a:endParaRPr lang="en-US"/>
           </a:p>
@@ -6881,7 +6881,7 @@
           <a:p>
             <a:fld id="{96DCDAD2-BF2B-4B23-962D-FA09F549519F}" type="datetimeFigureOut">
               <a:rPr lang="en-US" smtClean="0"/>
-              <a:t>12/11/2018</a:t>
+              <a:t>12/12/2018</a:t>
             </a:fld>
             <a:endParaRPr lang="en-US"/>
           </a:p>
@@ -7162,7 +7162,7 @@
           <a:p>
             <a:fld id="{96DCDAD2-BF2B-4B23-962D-FA09F549519F}" type="datetimeFigureOut">
               <a:rPr lang="en-US" smtClean="0"/>
-              <a:t>12/11/2018</a:t>
+              <a:t>12/12/2018</a:t>
             </a:fld>
             <a:endParaRPr lang="en-US"/>
           </a:p>
@@ -7590,7 +7590,7 @@
           <a:p>
             <a:fld id="{96DCDAD2-BF2B-4B23-962D-FA09F549519F}" type="datetimeFigureOut">
               <a:rPr lang="en-US" smtClean="0"/>
-              <a:t>12/11/2018</a:t>
+              <a:t>12/12/2018</a:t>
             </a:fld>
             <a:endParaRPr lang="en-US"/>
           </a:p>
@@ -7747,7 +7747,7 @@
           <a:p>
             <a:fld id="{96DCDAD2-BF2B-4B23-962D-FA09F549519F}" type="datetimeFigureOut">
               <a:rPr lang="en-US" smtClean="0"/>
-              <a:t>12/11/2018</a:t>
+              <a:t>12/12/2018</a:t>
             </a:fld>
             <a:endParaRPr lang="en-US"/>
           </a:p>
@@ -7876,7 +7876,7 @@
           <a:p>
             <a:fld id="{96DCDAD2-BF2B-4B23-962D-FA09F549519F}" type="datetimeFigureOut">
               <a:rPr lang="en-US" smtClean="0"/>
-              <a:t>12/11/2018</a:t>
+              <a:t>12/12/2018</a:t>
             </a:fld>
             <a:endParaRPr lang="en-US"/>
           </a:p>
@@ -8203,7 +8203,7 @@
           <a:p>
             <a:fld id="{96DCDAD2-BF2B-4B23-962D-FA09F549519F}" type="datetimeFigureOut">
               <a:rPr lang="en-US" smtClean="0"/>
-              <a:t>12/11/2018</a:t>
+              <a:t>12/12/2018</a:t>
             </a:fld>
             <a:endParaRPr lang="en-US"/>
           </a:p>
@@ -8510,7 +8510,7 @@
           <a:p>
             <a:fld id="{96DCDAD2-BF2B-4B23-962D-FA09F549519F}" type="datetimeFigureOut">
               <a:rPr lang="en-US" smtClean="0"/>
-              <a:t>12/11/2018</a:t>
+              <a:t>12/12/2018</a:t>
             </a:fld>
             <a:endParaRPr lang="en-US"/>
           </a:p>
@@ -29278,7 +29278,7 @@
                   <a:schemeClr val="tx1"/>
                 </a:solidFill>
               </a:rPr>
-              <a:t>Each site visited tree times, species detected twice at each site</a:t>
+              <a:t>Each site visited three times, species detected twice at each site</a:t>
             </a:r>
           </a:p>
         </p:txBody>
@@ -29332,8 +29332,8 @@
           </a:p>
         </p:txBody>
       </p:sp>
-      <mc:AlternateContent xmlns:mc="http://schemas.openxmlformats.org/markup-compatibility/2006">
-        <mc:Choice xmlns:a14="http://schemas.microsoft.com/office/drawing/2010/main" Requires="a14">
+      <mc:AlternateContent xmlns:mc="http://schemas.openxmlformats.org/markup-compatibility/2006" xmlns:a14="http://schemas.microsoft.com/office/drawing/2010/main">
+        <mc:Choice Requires="a14">
           <p:sp>
             <p:nvSpPr>
               <p:cNvPr id="3" name="TextBox 2">
@@ -29362,6 +29362,7 @@
               </a:bodyPr>
               <a:lstStyle/>
               <a:p>
+                <a:pPr/>
                 <a14:m>
                   <m:oMathPara xmlns:m="http://schemas.openxmlformats.org/officeDocument/2006/math">
                     <m:oMathParaPr>
@@ -29419,7 +29420,7 @@
             </p:txBody>
           </p:sp>
         </mc:Choice>
-        <mc:Fallback>
+        <mc:Fallback xmlns="">
           <p:sp>
             <p:nvSpPr>
               <p:cNvPr id="3" name="TextBox 2">
@@ -29507,8 +29508,8 @@
           </a:fontRef>
         </p:style>
       </p:cxnSp>
-      <mc:AlternateContent xmlns:mc="http://schemas.openxmlformats.org/markup-compatibility/2006">
-        <mc:Choice xmlns:a14="http://schemas.microsoft.com/office/drawing/2010/main" Requires="a14">
+      <mc:AlternateContent xmlns:mc="http://schemas.openxmlformats.org/markup-compatibility/2006" xmlns:a14="http://schemas.microsoft.com/office/drawing/2010/main">
+        <mc:Choice Requires="a14">
           <p:sp>
             <p:nvSpPr>
               <p:cNvPr id="10" name="TextBox 9">
@@ -29537,6 +29538,7 @@
               </a:bodyPr>
               <a:lstStyle/>
               <a:p>
+                <a:pPr/>
                 <a14:m>
                   <m:oMathPara xmlns:m="http://schemas.openxmlformats.org/officeDocument/2006/math">
                     <m:oMathParaPr>
@@ -29557,7 +29559,7 @@
             </p:txBody>
           </p:sp>
         </mc:Choice>
-        <mc:Fallback>
+        <mc:Fallback xmlns="">
           <p:sp>
             <p:nvSpPr>
               <p:cNvPr id="10" name="TextBox 9">
@@ -29680,8 +29682,8 @@
           </a:p>
         </p:txBody>
       </p:sp>
-      <mc:AlternateContent xmlns:mc="http://schemas.openxmlformats.org/markup-compatibility/2006">
-        <mc:Choice xmlns:a14="http://schemas.microsoft.com/office/drawing/2010/main" Requires="a14">
+      <mc:AlternateContent xmlns:mc="http://schemas.openxmlformats.org/markup-compatibility/2006" xmlns:a14="http://schemas.microsoft.com/office/drawing/2010/main">
+        <mc:Choice Requires="a14">
           <p:sp>
             <p:nvSpPr>
               <p:cNvPr id="23" name="TextBox 22">
@@ -29710,6 +29712,7 @@
               </a:bodyPr>
               <a:lstStyle/>
               <a:p>
+                <a:pPr/>
                 <a14:m>
                   <m:oMathPara xmlns:m="http://schemas.openxmlformats.org/officeDocument/2006/math">
                     <m:oMathParaPr>
@@ -29730,7 +29733,7 @@
             </p:txBody>
           </p:sp>
         </mc:Choice>
-        <mc:Fallback>
+        <mc:Fallback xmlns="">
           <p:sp>
             <p:nvSpPr>
               <p:cNvPr id="23" name="TextBox 22">

--- a/static/lectures/SSA_Lecture3_Occupancy_Data.pptx
+++ b/static/lectures/SSA_Lecture3_Occupancy_Data.pptx
@@ -256,7 +256,7 @@
           <a:p>
             <a:fld id="{9C255B4B-9E10-4CEE-AA05-4A47B52A875A}" type="datetimeFigureOut">
               <a:rPr lang="en-US" smtClean="0"/>
-              <a:t>12/12/2018</a:t>
+              <a:t>10/6/2019</a:t>
             </a:fld>
             <a:endParaRPr lang="en-US"/>
           </a:p>
@@ -6117,7 +6117,7 @@
           <a:p>
             <a:fld id="{96DCDAD2-BF2B-4B23-962D-FA09F549519F}" type="datetimeFigureOut">
               <a:rPr lang="en-US" smtClean="0"/>
-              <a:t>12/12/2018</a:t>
+              <a:t>10/6/2019</a:t>
             </a:fld>
             <a:endParaRPr lang="en-US"/>
           </a:p>
@@ -6341,7 +6341,7 @@
           <a:p>
             <a:fld id="{96DCDAD2-BF2B-4B23-962D-FA09F549519F}" type="datetimeFigureOut">
               <a:rPr lang="en-US" smtClean="0"/>
-              <a:t>12/12/2018</a:t>
+              <a:t>10/6/2019</a:t>
             </a:fld>
             <a:endParaRPr lang="en-US"/>
           </a:p>
@@ -6881,7 +6881,7 @@
           <a:p>
             <a:fld id="{96DCDAD2-BF2B-4B23-962D-FA09F549519F}" type="datetimeFigureOut">
               <a:rPr lang="en-US" smtClean="0"/>
-              <a:t>12/12/2018</a:t>
+              <a:t>10/6/2019</a:t>
             </a:fld>
             <a:endParaRPr lang="en-US"/>
           </a:p>
@@ -7162,7 +7162,7 @@
           <a:p>
             <a:fld id="{96DCDAD2-BF2B-4B23-962D-FA09F549519F}" type="datetimeFigureOut">
               <a:rPr lang="en-US" smtClean="0"/>
-              <a:t>12/12/2018</a:t>
+              <a:t>10/6/2019</a:t>
             </a:fld>
             <a:endParaRPr lang="en-US"/>
           </a:p>
@@ -7590,7 +7590,7 @@
           <a:p>
             <a:fld id="{96DCDAD2-BF2B-4B23-962D-FA09F549519F}" type="datetimeFigureOut">
               <a:rPr lang="en-US" smtClean="0"/>
-              <a:t>12/12/2018</a:t>
+              <a:t>10/6/2019</a:t>
             </a:fld>
             <a:endParaRPr lang="en-US"/>
           </a:p>
@@ -7747,7 +7747,7 @@
           <a:p>
             <a:fld id="{96DCDAD2-BF2B-4B23-962D-FA09F549519F}" type="datetimeFigureOut">
               <a:rPr lang="en-US" smtClean="0"/>
-              <a:t>12/12/2018</a:t>
+              <a:t>10/6/2019</a:t>
             </a:fld>
             <a:endParaRPr lang="en-US"/>
           </a:p>
@@ -7876,7 +7876,7 @@
           <a:p>
             <a:fld id="{96DCDAD2-BF2B-4B23-962D-FA09F549519F}" type="datetimeFigureOut">
               <a:rPr lang="en-US" smtClean="0"/>
-              <a:t>12/12/2018</a:t>
+              <a:t>10/6/2019</a:t>
             </a:fld>
             <a:endParaRPr lang="en-US"/>
           </a:p>
@@ -8203,7 +8203,7 @@
           <a:p>
             <a:fld id="{96DCDAD2-BF2B-4B23-962D-FA09F549519F}" type="datetimeFigureOut">
               <a:rPr lang="en-US" smtClean="0"/>
-              <a:t>12/12/2018</a:t>
+              <a:t>10/6/2019</a:t>
             </a:fld>
             <a:endParaRPr lang="en-US"/>
           </a:p>
@@ -8510,7 +8510,7 @@
           <a:p>
             <a:fld id="{96DCDAD2-BF2B-4B23-962D-FA09F549519F}" type="datetimeFigureOut">
               <a:rPr lang="en-US" smtClean="0"/>
-              <a:t>12/12/2018</a:t>
+              <a:t>10/6/2019</a:t>
             </a:fld>
             <a:endParaRPr lang="en-US"/>
           </a:p>
@@ -9458,7 +9458,7 @@
         <p:spPr>
           <a:xfrm>
             <a:off x="6681216" y="1341120"/>
-            <a:ext cx="4474464" cy="2677656"/>
+            <a:ext cx="4474464" cy="3108543"/>
           </a:xfrm>
           <a:prstGeom prst="rect">
             <a:avLst/>
@@ -9494,6 +9494,14 @@
             <a:r>
               <a:rPr lang="en-US" sz="2800" dirty="0" err="1"/>
               <a:t>HerpNet</a:t>
+            </a:r>
+            <a:r>
+              <a:rPr lang="en-US" sz="2800" dirty="0"/>
+              <a:t>/</a:t>
+            </a:r>
+            <a:r>
+              <a:rPr lang="en-US" sz="2800" dirty="0" err="1"/>
+              <a:t>iNaturalist</a:t>
             </a:r>
             <a:r>
               <a:rPr lang="en-US" sz="2800" dirty="0"/>
@@ -13278,7 +13286,7 @@
         </p:nvCxnSpPr>
         <p:spPr>
           <a:xfrm>
-            <a:off x="406400" y="2311400"/>
+            <a:off x="1446530" y="2311400"/>
             <a:ext cx="1016000" cy="0"/>
           </a:xfrm>
           <a:prstGeom prst="line">
@@ -13313,7 +13321,7 @@
         </p:nvCxnSpPr>
         <p:spPr>
           <a:xfrm>
-            <a:off x="406400" y="3225800"/>
+            <a:off x="1446530" y="3225800"/>
             <a:ext cx="1016000" cy="0"/>
           </a:xfrm>
           <a:prstGeom prst="line">
@@ -13348,7 +13356,7 @@
         </p:nvCxnSpPr>
         <p:spPr>
           <a:xfrm>
-            <a:off x="406400" y="4038600"/>
+            <a:off x="1446530" y="4038600"/>
             <a:ext cx="1016000" cy="0"/>
           </a:xfrm>
           <a:prstGeom prst="line">
@@ -13383,7 +13391,7 @@
         </p:nvSpPr>
         <p:spPr>
           <a:xfrm>
-            <a:off x="1435101" y="1598215"/>
+            <a:off x="2475231" y="1598215"/>
             <a:ext cx="1574800" cy="420564"/>
           </a:xfrm>
           <a:prstGeom prst="rect">
@@ -13415,7 +13423,7 @@
         </p:nvSpPr>
         <p:spPr>
           <a:xfrm>
-            <a:off x="1435101" y="4290616"/>
+            <a:off x="2475231" y="4290616"/>
             <a:ext cx="1574801" cy="748795"/>
           </a:xfrm>
           <a:prstGeom prst="rect">
@@ -13447,7 +13455,7 @@
         </p:nvSpPr>
         <p:spPr>
           <a:xfrm>
-            <a:off x="3009901" y="1598216"/>
+            <a:off x="4050031" y="1598216"/>
             <a:ext cx="1574800" cy="420564"/>
           </a:xfrm>
           <a:prstGeom prst="rect">
@@ -13479,7 +13487,7 @@
         </p:nvSpPr>
         <p:spPr>
           <a:xfrm>
-            <a:off x="3009901" y="4399995"/>
+            <a:off x="4050031" y="4399995"/>
             <a:ext cx="1574800" cy="420564"/>
           </a:xfrm>
           <a:prstGeom prst="rect">
@@ -13505,77 +13513,13 @@
       </p:sp>
       <p:sp>
         <p:nvSpPr>
-          <p:cNvPr id="35" name="TextBox 34"/>
-          <p:cNvSpPr txBox="1"/>
-          <p:nvPr/>
-        </p:nvSpPr>
-        <p:spPr>
-          <a:xfrm>
-            <a:off x="4584701" y="1614834"/>
-            <a:ext cx="1574800" cy="420564"/>
-          </a:xfrm>
-          <a:prstGeom prst="rect">
-            <a:avLst/>
-          </a:prstGeom>
-          <a:noFill/>
-        </p:spPr>
-        <p:txBody>
-          <a:bodyPr wrap="square" rtlCol="0">
-            <a:spAutoFit/>
-          </a:bodyPr>
-          <a:lstStyle/>
-          <a:p>
-            <a:pPr algn="ctr"/>
-            <a:r>
-              <a:rPr lang="en-US" sz="2133" dirty="0">
-                <a:latin typeface="Calibri" panose="020F0502020204030204" pitchFamily="34" charset="0"/>
-              </a:rPr>
-              <a:t>More useful</a:t>
-            </a:r>
-          </a:p>
-        </p:txBody>
-      </p:sp>
-      <p:sp>
-        <p:nvSpPr>
-          <p:cNvPr id="36" name="TextBox 35"/>
-          <p:cNvSpPr txBox="1"/>
-          <p:nvPr/>
-        </p:nvSpPr>
-        <p:spPr>
-          <a:xfrm>
-            <a:off x="4546600" y="4399996"/>
-            <a:ext cx="1574800" cy="420564"/>
-          </a:xfrm>
-          <a:prstGeom prst="rect">
-            <a:avLst/>
-          </a:prstGeom>
-          <a:noFill/>
-        </p:spPr>
-        <p:txBody>
-          <a:bodyPr wrap="square" rtlCol="0">
-            <a:spAutoFit/>
-          </a:bodyPr>
-          <a:lstStyle/>
-          <a:p>
-            <a:pPr algn="ctr"/>
-            <a:r>
-              <a:rPr lang="en-US" sz="2133" dirty="0">
-                <a:latin typeface="Calibri" panose="020F0502020204030204" pitchFamily="34" charset="0"/>
-              </a:rPr>
-              <a:t>Less useful</a:t>
-            </a:r>
-          </a:p>
-        </p:txBody>
-      </p:sp>
-      <p:sp>
-        <p:nvSpPr>
           <p:cNvPr id="40" name="Down Arrow 39"/>
           <p:cNvSpPr/>
           <p:nvPr/>
         </p:nvSpPr>
         <p:spPr>
           <a:xfrm>
-            <a:off x="2032001" y="2209801"/>
+            <a:off x="3072131" y="2209801"/>
             <a:ext cx="420852" cy="1943100"/>
           </a:xfrm>
           <a:prstGeom prst="downArrow">
@@ -13633,65 +13577,7 @@
         </p:nvSpPr>
         <p:spPr>
           <a:xfrm>
-            <a:off x="3586875" y="2209799"/>
-            <a:ext cx="420852" cy="1943100"/>
-          </a:xfrm>
-          <a:prstGeom prst="downArrow">
-            <a:avLst/>
-          </a:prstGeom>
-          <a:gradFill flip="none" rotWithShape="1">
-            <a:gsLst>
-              <a:gs pos="0">
-                <a:srgbClr val="0070C0"/>
-              </a:gs>
-              <a:gs pos="55000">
-                <a:srgbClr val="92D050"/>
-              </a:gs>
-              <a:gs pos="100000">
-                <a:srgbClr val="FFC000"/>
-              </a:gs>
-            </a:gsLst>
-            <a:lin ang="5400000" scaled="1"/>
-            <a:tileRect/>
-          </a:gradFill>
-          <a:ln>
-            <a:noFill/>
-          </a:ln>
-        </p:spPr>
-        <p:style>
-          <a:lnRef idx="2">
-            <a:schemeClr val="accent1">
-              <a:shade val="50000"/>
-            </a:schemeClr>
-          </a:lnRef>
-          <a:fillRef idx="1">
-            <a:schemeClr val="accent1"/>
-          </a:fillRef>
-          <a:effectRef idx="0">
-            <a:schemeClr val="accent1"/>
-          </a:effectRef>
-          <a:fontRef idx="minor">
-            <a:schemeClr val="lt1"/>
-          </a:fontRef>
-        </p:style>
-        <p:txBody>
-          <a:bodyPr rtlCol="0" anchor="ctr"/>
-          <a:lstStyle/>
-          <a:p>
-            <a:pPr algn="ctr"/>
-            <a:endParaRPr lang="en-US" sz="2400"/>
-          </a:p>
-        </p:txBody>
-      </p:sp>
-      <p:sp>
-        <p:nvSpPr>
-          <p:cNvPr id="42" name="Down Arrow 41"/>
-          <p:cNvSpPr/>
-          <p:nvPr/>
-        </p:nvSpPr>
-        <p:spPr>
-          <a:xfrm>
-            <a:off x="5123574" y="2254250"/>
+            <a:off x="4627005" y="2209799"/>
             <a:ext cx="420852" cy="1943100"/>
           </a:xfrm>
           <a:prstGeom prst="downArrow">
@@ -14189,138 +14075,6 @@
                             </p:childTnLst>
                           </p:cTn>
                         </p:par>
-                        <p:par>
-                          <p:cTn id="38" fill="hold">
-                            <p:stCondLst>
-                              <p:cond delay="2000"/>
-                            </p:stCondLst>
-                            <p:childTnLst>
-                              <p:par>
-                                <p:cTn id="39" presetID="10" presetClass="entr" presetSubtype="0" fill="hold" grpId="0" nodeType="afterEffect">
-                                  <p:stCondLst>
-                                    <p:cond delay="0"/>
-                                  </p:stCondLst>
-                                  <p:childTnLst>
-                                    <p:set>
-                                      <p:cBhvr>
-                                        <p:cTn id="40" dur="1" fill="hold">
-                                          <p:stCondLst>
-                                            <p:cond delay="0"/>
-                                          </p:stCondLst>
-                                        </p:cTn>
-                                        <p:tgtEl>
-                                          <p:spTgt spid="35"/>
-                                        </p:tgtEl>
-                                        <p:attrNameLst>
-                                          <p:attrName>style.visibility</p:attrName>
-                                        </p:attrNameLst>
-                                      </p:cBhvr>
-                                      <p:to>
-                                        <p:strVal val="visible"/>
-                                      </p:to>
-                                    </p:set>
-                                    <p:animEffect transition="in" filter="fade">
-                                      <p:cBhvr>
-                                        <p:cTn id="41" dur="500"/>
-                                        <p:tgtEl>
-                                          <p:spTgt spid="35"/>
-                                        </p:tgtEl>
-                                      </p:cBhvr>
-                                    </p:animEffect>
-                                  </p:childTnLst>
-                                </p:cTn>
-                              </p:par>
-                            </p:childTnLst>
-                          </p:cTn>
-                        </p:par>
-                        <p:par>
-                          <p:cTn id="42" fill="hold">
-                            <p:stCondLst>
-                              <p:cond delay="2500"/>
-                            </p:stCondLst>
-                            <p:childTnLst>
-                              <p:par>
-                                <p:cTn id="43" presetID="10" presetClass="entr" presetSubtype="0" fill="hold" grpId="0" nodeType="afterEffect">
-                                  <p:stCondLst>
-                                    <p:cond delay="0"/>
-                                  </p:stCondLst>
-                                  <p:childTnLst>
-                                    <p:set>
-                                      <p:cBhvr>
-                                        <p:cTn id="44" dur="1" fill="hold">
-                                          <p:stCondLst>
-                                            <p:cond delay="0"/>
-                                          </p:stCondLst>
-                                        </p:cTn>
-                                        <p:tgtEl>
-                                          <p:spTgt spid="42"/>
-                                        </p:tgtEl>
-                                        <p:attrNameLst>
-                                          <p:attrName>style.visibility</p:attrName>
-                                        </p:attrNameLst>
-                                      </p:cBhvr>
-                                      <p:to>
-                                        <p:strVal val="visible"/>
-                                      </p:to>
-                                    </p:set>
-                                    <p:animEffect transition="in" filter="fade">
-                                      <p:cBhvr>
-                                        <p:cTn id="45" dur="500"/>
-                                        <p:tgtEl>
-                                          <p:spTgt spid="42"/>
-                                        </p:tgtEl>
-                                      </p:cBhvr>
-                                    </p:animEffect>
-                                  </p:childTnLst>
-                                </p:cTn>
-                              </p:par>
-                            </p:childTnLst>
-                          </p:cTn>
-                        </p:par>
-                        <p:par>
-                          <p:cTn id="46" fill="hold">
-                            <p:stCondLst>
-                              <p:cond delay="3000"/>
-                            </p:stCondLst>
-                            <p:childTnLst>
-                              <p:par>
-                                <p:cTn id="47" presetID="10" presetClass="entr" presetSubtype="0" fill="hold" grpId="0" nodeType="afterEffect">
-                                  <p:stCondLst>
-                                    <p:cond delay="0"/>
-                                  </p:stCondLst>
-                                  <p:childTnLst>
-                                    <p:set>
-                                      <p:cBhvr>
-                                        <p:cTn id="48" dur="1" fill="hold">
-                                          <p:stCondLst>
-                                            <p:cond delay="0"/>
-                                          </p:stCondLst>
-                                        </p:cTn>
-                                        <p:tgtEl>
-                                          <p:spTgt spid="36"/>
-                                        </p:tgtEl>
-                                        <p:attrNameLst>
-                                          <p:attrName>style.visibility</p:attrName>
-                                        </p:attrNameLst>
-                                      </p:cBhvr>
-                                      <p:to>
-                                        <p:strVal val="visible"/>
-                                      </p:to>
-                                    </p:set>
-                                    <p:animEffect transition="in" filter="fade">
-                                      <p:cBhvr>
-                                        <p:cTn id="49" dur="500"/>
-                                        <p:tgtEl>
-                                          <p:spTgt spid="36"/>
-                                        </p:tgtEl>
-                                      </p:cBhvr>
-                                    </p:animEffect>
-                                  </p:childTnLst>
-                                </p:cTn>
-                              </p:par>
-                            </p:childTnLst>
-                          </p:cTn>
-                        </p:par>
                       </p:childTnLst>
                     </p:cTn>
                   </p:par>
@@ -14351,11 +14105,8 @@
       <p:bldP spid="32" grpId="0"/>
       <p:bldP spid="33" grpId="0"/>
       <p:bldP spid="34" grpId="0"/>
-      <p:bldP spid="35" grpId="0"/>
-      <p:bldP spid="36" grpId="0"/>
       <p:bldP spid="40" grpId="0" animBg="1"/>
       <p:bldP spid="41" grpId="0" animBg="1"/>
-      <p:bldP spid="42" grpId="0" animBg="1"/>
       <p:bldP spid="21" grpId="0" animBg="1"/>
     </p:bldLst>
   </p:timing>
@@ -20447,7 +20198,7 @@
             </a:pPr>
             <a:r>
               <a:rPr lang="en-US" dirty="0"/>
-              <a:t>Example research questions</a:t>
+              <a:t>Example questions</a:t>
             </a:r>
             <a:endParaRPr lang="en-US" dirty="0">
               <a:solidFill>
@@ -23409,9 +23160,7 @@
           <p:cNvGraphicFramePr>
             <a:graphicFrameLocks noGrp="1"/>
           </p:cNvGraphicFramePr>
-          <p:nvPr>
-            <p:extLst/>
-          </p:nvPr>
+          <p:nvPr/>
         </p:nvGraphicFramePr>
         <p:xfrm>
           <a:off x="1524000" y="1295400"/>
@@ -23949,9 +23698,7 @@
           <p:cNvGraphicFramePr>
             <a:graphicFrameLocks noGrp="1"/>
           </p:cNvGraphicFramePr>
-          <p:nvPr>
-            <p:extLst/>
-          </p:nvPr>
+          <p:nvPr/>
         </p:nvGraphicFramePr>
         <p:xfrm>
           <a:off x="7010401" y="1905000"/>
@@ -24401,9 +24148,7 @@
           <p:cNvGraphicFramePr>
             <a:graphicFrameLocks noGrp="1"/>
           </p:cNvGraphicFramePr>
-          <p:nvPr>
-            <p:extLst/>
-          </p:nvPr>
+          <p:nvPr/>
         </p:nvGraphicFramePr>
         <p:xfrm>
           <a:off x="7010401" y="1906078"/>
@@ -24844,9 +24589,7 @@
           <p:cNvGraphicFramePr>
             <a:graphicFrameLocks noGrp="1"/>
           </p:cNvGraphicFramePr>
-          <p:nvPr>
-            <p:extLst/>
-          </p:nvPr>
+          <p:nvPr/>
         </p:nvGraphicFramePr>
         <p:xfrm>
           <a:off x="7010401" y="1905000"/>
@@ -25305,9 +25048,7 @@
           <p:cNvGraphicFramePr>
             <a:graphicFrameLocks noGrp="1"/>
           </p:cNvGraphicFramePr>
-          <p:nvPr>
-            <p:extLst/>
-          </p:nvPr>
+          <p:nvPr/>
         </p:nvGraphicFramePr>
         <p:xfrm>
           <a:off x="7010401" y="1905000"/>
@@ -28857,9 +28598,7 @@
           <p:cNvGraphicFramePr>
             <a:graphicFrameLocks noGrp="1"/>
           </p:cNvGraphicFramePr>
-          <p:nvPr>
-            <p:extLst/>
-          </p:nvPr>
+          <p:nvPr/>
         </p:nvGraphicFramePr>
         <p:xfrm>
           <a:off x="865633" y="2880360"/>
@@ -29634,150 +29373,19 @@
           <a:p>
             <a:r>
               <a:rPr lang="en-US" sz="2800" dirty="0"/>
-              <a:t>Probability the species is not detected if present:</a:t>
+              <a:t>Probability the species is </a:t>
+            </a:r>
+            <a:r>
+              <a:rPr lang="en-US" sz="2800" b="1" dirty="0"/>
+              <a:t>not detected </a:t>
+            </a:r>
+            <a:r>
+              <a:rPr lang="en-US" sz="2800" dirty="0"/>
+              <a:t>if present:</a:t>
             </a:r>
           </a:p>
         </p:txBody>
       </p:sp>
-      <p:sp>
-        <p:nvSpPr>
-          <p:cNvPr id="20" name="TextBox 19">
-            <a:extLst>
-              <a:ext uri="{FF2B5EF4-FFF2-40B4-BE49-F238E27FC236}">
-                <a16:creationId xmlns:a16="http://schemas.microsoft.com/office/drawing/2014/main" id="{EF36BF50-2053-4847-9FF5-5FCF75364236}"/>
-              </a:ext>
-            </a:extLst>
-          </p:cNvPr>
-          <p:cNvSpPr txBox="1"/>
-          <p:nvPr/>
-        </p:nvSpPr>
-        <p:spPr>
-          <a:xfrm>
-            <a:off x="6291072" y="3804871"/>
-            <a:ext cx="5754624" cy="954107"/>
-          </a:xfrm>
-          <a:prstGeom prst="rect">
-            <a:avLst/>
-          </a:prstGeom>
-          <a:noFill/>
-        </p:spPr>
-        <p:txBody>
-          <a:bodyPr wrap="square" rtlCol="0">
-            <a:spAutoFit/>
-          </a:bodyPr>
-          <a:lstStyle/>
-          <a:p>
-            <a:r>
-              <a:rPr lang="en-US" sz="2800" dirty="0"/>
-              <a:t>Probability the species is not detected </a:t>
-            </a:r>
-            <a:r>
-              <a:rPr lang="en-US" sz="2800" b="1" dirty="0"/>
-              <a:t>three times </a:t>
-            </a:r>
-            <a:r>
-              <a:rPr lang="en-US" sz="2800" dirty="0"/>
-              <a:t>if present:</a:t>
-            </a:r>
-          </a:p>
-        </p:txBody>
-      </p:sp>
-      <mc:AlternateContent xmlns:mc="http://schemas.openxmlformats.org/markup-compatibility/2006" xmlns:a14="http://schemas.microsoft.com/office/drawing/2010/main">
-        <mc:Choice Requires="a14">
-          <p:sp>
-            <p:nvSpPr>
-              <p:cNvPr id="23" name="TextBox 22">
-                <a:extLst>
-                  <a:ext uri="{FF2B5EF4-FFF2-40B4-BE49-F238E27FC236}">
-                    <a16:creationId xmlns:a16="http://schemas.microsoft.com/office/drawing/2014/main" id="{5DFD8137-F692-4848-8A93-4859C3EF9D78}"/>
-                  </a:ext>
-                </a:extLst>
-              </p:cNvPr>
-              <p:cNvSpPr txBox="1"/>
-              <p:nvPr/>
-            </p:nvSpPr>
-            <p:spPr>
-              <a:xfrm>
-                <a:off x="7040655" y="4934890"/>
-                <a:ext cx="4460773" cy="492443"/>
-              </a:xfrm>
-              <a:prstGeom prst="rect">
-                <a:avLst/>
-              </a:prstGeom>
-              <a:noFill/>
-            </p:spPr>
-            <p:txBody>
-              <a:bodyPr wrap="none" lIns="0" tIns="0" rIns="0" bIns="0" rtlCol="0">
-                <a:spAutoFit/>
-              </a:bodyPr>
-              <a:lstStyle/>
-              <a:p>
-                <a:pPr/>
-                <a14:m>
-                  <m:oMathPara xmlns:m="http://schemas.openxmlformats.org/officeDocument/2006/math">
-                    <m:oMathParaPr>
-                      <m:jc m:val="centerGroup"/>
-                    </m:oMathParaPr>
-                    <m:oMath xmlns:m="http://schemas.openxmlformats.org/officeDocument/2006/math">
-                      <m:r>
-                        <a:rPr lang="en-US" sz="3200" b="0" i="1" smtClean="0">
-                          <a:latin typeface="Cambria Math" panose="02040503050406030204" pitchFamily="18" charset="0"/>
-                        </a:rPr>
-                        <m:t>0.33∗0.33∗0.33=0.04</m:t>
-                      </m:r>
-                    </m:oMath>
-                  </m:oMathPara>
-                </a14:m>
-                <a:endParaRPr lang="en-US" sz="3200" dirty="0"/>
-              </a:p>
-            </p:txBody>
-          </p:sp>
-        </mc:Choice>
-        <mc:Fallback xmlns="">
-          <p:sp>
-            <p:nvSpPr>
-              <p:cNvPr id="23" name="TextBox 22">
-                <a:extLst>
-                  <a:ext uri="{FF2B5EF4-FFF2-40B4-BE49-F238E27FC236}">
-                    <a16:creationId xmlns:a16="http://schemas.microsoft.com/office/drawing/2014/main" id="{5DFD8137-F692-4848-8A93-4859C3EF9D78}"/>
-                  </a:ext>
-                </a:extLst>
-              </p:cNvPr>
-              <p:cNvSpPr txBox="1">
-                <a:spLocks noRot="1" noChangeAspect="1" noMove="1" noResize="1" noEditPoints="1" noAdjustHandles="1" noChangeArrowheads="1" noChangeShapeType="1" noTextEdit="1"/>
-              </p:cNvSpPr>
-              <p:nvPr/>
-            </p:nvSpPr>
-            <p:spPr>
-              <a:xfrm>
-                <a:off x="7040655" y="4934890"/>
-                <a:ext cx="4460773" cy="492443"/>
-              </a:xfrm>
-              <a:prstGeom prst="rect">
-                <a:avLst/>
-              </a:prstGeom>
-              <a:blipFill>
-                <a:blip r:embed="rId5"/>
-                <a:stretch>
-                  <a:fillRect/>
-                </a:stretch>
-              </a:blipFill>
-            </p:spPr>
-            <p:txBody>
-              <a:bodyPr/>
-              <a:lstStyle/>
-              <a:p>
-                <a:r>
-                  <a:rPr lang="en-US">
-                    <a:noFill/>
-                  </a:rPr>
-                  <a:t> </a:t>
-                </a:r>
-              </a:p>
-            </p:txBody>
-          </p:sp>
-        </mc:Fallback>
-      </mc:AlternateContent>
     </p:spTree>
     <p:extLst>
       <p:ext uri="{BB962C8B-B14F-4D97-AF65-F5344CB8AC3E}">
@@ -31179,9 +30787,7 @@
           <p:cNvGraphicFramePr>
             <a:graphicFrameLocks noGrp="1"/>
           </p:cNvGraphicFramePr>
-          <p:nvPr>
-            <p:extLst/>
-          </p:nvPr>
+          <p:nvPr/>
         </p:nvGraphicFramePr>
         <p:xfrm>
           <a:off x="2605697" y="2450068"/>
@@ -33549,8 +33155,8 @@
           </p:nvSpPr>
           <p:spPr>
             <a:xfrm>
-              <a:off x="4574309" y="3639126"/>
-              <a:ext cx="406400" cy="461665"/>
+              <a:off x="4089400" y="3604151"/>
+              <a:ext cx="1193799" cy="461665"/>
             </a:xfrm>
             <a:prstGeom prst="rect">
               <a:avLst/>
@@ -33563,9 +33169,10 @@
             </a:bodyPr>
             <a:lstStyle/>
             <a:p>
+              <a:pPr algn="ctr"/>
               <a:r>
                 <a:rPr lang="en-US" sz="2400" dirty="0"/>
-                <a:t>P</a:t>
+                <a:t>1 - E</a:t>
               </a:r>
             </a:p>
           </p:txBody>
@@ -34013,8 +33620,8 @@
           </p:nvSpPr>
           <p:spPr>
             <a:xfrm>
-              <a:off x="7416800" y="2740967"/>
-              <a:ext cx="406400" cy="461665"/>
+              <a:off x="7315028" y="2717303"/>
+              <a:ext cx="910128" cy="461665"/>
             </a:xfrm>
             <a:prstGeom prst="rect">
               <a:avLst/>
@@ -34029,7 +33636,7 @@
             <a:p>
               <a:r>
                 <a:rPr lang="en-US" sz="2400" dirty="0"/>
-                <a:t>P</a:t>
+                <a:t>1 - E</a:t>
               </a:r>
             </a:p>
           </p:txBody>
@@ -35201,10 +34808,10 @@
       </p:graphicFrame>
       <p:sp>
         <p:nvSpPr>
-          <p:cNvPr id="6" name="Rectangle 5">
+          <p:cNvPr id="34" name="Rectangle 33">
             <a:extLst>
               <a:ext uri="{FF2B5EF4-FFF2-40B4-BE49-F238E27FC236}">
-                <a16:creationId xmlns:a16="http://schemas.microsoft.com/office/drawing/2014/main" id="{5843A962-3601-45C7-8F0D-5F8D098D9013}"/>
+                <a16:creationId xmlns:a16="http://schemas.microsoft.com/office/drawing/2014/main" id="{C8E00377-9A07-47D3-9547-15717DC23831}"/>
               </a:ext>
             </a:extLst>
           </p:cNvPr>
@@ -35213,8 +34820,8 @@
         </p:nvSpPr>
         <p:spPr>
           <a:xfrm>
-            <a:off x="1962912" y="1719072"/>
-            <a:ext cx="2353056" cy="353568"/>
+            <a:off x="4880610" y="1719072"/>
+            <a:ext cx="2995424" cy="353568"/>
           </a:xfrm>
           <a:prstGeom prst="rect">
             <a:avLst/>
@@ -35250,10 +34857,10 @@
       </p:sp>
       <p:sp>
         <p:nvSpPr>
-          <p:cNvPr id="34" name="Rectangle 33">
+          <p:cNvPr id="7" name="Rectangle 6">
             <a:extLst>
               <a:ext uri="{FF2B5EF4-FFF2-40B4-BE49-F238E27FC236}">
-                <a16:creationId xmlns:a16="http://schemas.microsoft.com/office/drawing/2014/main" id="{C8E00377-9A07-47D3-9547-15717DC23831}"/>
+                <a16:creationId xmlns:a16="http://schemas.microsoft.com/office/drawing/2014/main" id="{28B10761-0372-4021-950F-00962E1F8FCF}"/>
               </a:ext>
             </a:extLst>
           </p:cNvPr>
@@ -35262,8 +34869,8 @@
         </p:nvSpPr>
         <p:spPr>
           <a:xfrm>
-            <a:off x="5248656" y="1719072"/>
-            <a:ext cx="2353056" cy="353568"/>
+            <a:off x="8153400" y="1690795"/>
+            <a:ext cx="2995424" cy="353568"/>
           </a:xfrm>
           <a:prstGeom prst="rect">
             <a:avLst/>
@@ -35299,10 +34906,10 @@
       </p:sp>
       <p:sp>
         <p:nvSpPr>
-          <p:cNvPr id="35" name="Rectangle 34">
+          <p:cNvPr id="8" name="Rectangle 7">
             <a:extLst>
               <a:ext uri="{FF2B5EF4-FFF2-40B4-BE49-F238E27FC236}">
-                <a16:creationId xmlns:a16="http://schemas.microsoft.com/office/drawing/2014/main" id="{8DB0A23A-D75F-4562-8EF6-55CAF8E66BE8}"/>
+                <a16:creationId xmlns:a16="http://schemas.microsoft.com/office/drawing/2014/main" id="{A50595AB-972F-4B36-8B3E-D49AC058A732}"/>
               </a:ext>
             </a:extLst>
           </p:cNvPr>
@@ -35311,8 +34918,8 @@
         </p:nvSpPr>
         <p:spPr>
           <a:xfrm>
-            <a:off x="8442960" y="1719072"/>
-            <a:ext cx="2353056" cy="353568"/>
+            <a:off x="1607820" y="1690795"/>
+            <a:ext cx="2995424" cy="353568"/>
           </a:xfrm>
           <a:prstGeom prst="rect">
             <a:avLst/>

--- a/static/lectures/SSA_Lecture3_Occupancy_Data.pptx
+++ b/static/lectures/SSA_Lecture3_Occupancy_Data.pptx
@@ -256,7 +256,7 @@
           <a:p>
             <a:fld id="{9C255B4B-9E10-4CEE-AA05-4A47B52A875A}" type="datetimeFigureOut">
               <a:rPr lang="en-US" smtClean="0"/>
-              <a:t>10/6/2019</a:t>
+              <a:t>11/21/19</a:t>
             </a:fld>
             <a:endParaRPr lang="en-US"/>
           </a:p>
@@ -1381,6 +1381,21 @@
             <a:r>
               <a:rPr lang="en-US" baseline="0" dirty="0"/>
               <a:t> usually depict more simple trends</a:t>
+            </a:r>
+          </a:p>
+          <a:p>
+            <a:pPr>
+              <a:buNone/>
+            </a:pPr>
+            <a:endParaRPr lang="en-US" baseline="0" dirty="0"/>
+          </a:p>
+          <a:p>
+            <a:pPr>
+              <a:buNone/>
+            </a:pPr>
+            <a:r>
+              <a:rPr lang="en-US" baseline="0" dirty="0"/>
+              <a:t>The complex yellow model does not account for variation in individuals or measurement error when making predictions. </a:t>
             </a:r>
             <a:endParaRPr lang="en-US" dirty="0"/>
           </a:p>
@@ -6117,7 +6132,7 @@
           <a:p>
             <a:fld id="{96DCDAD2-BF2B-4B23-962D-FA09F549519F}" type="datetimeFigureOut">
               <a:rPr lang="en-US" smtClean="0"/>
-              <a:t>10/6/2019</a:t>
+              <a:t>11/21/19</a:t>
             </a:fld>
             <a:endParaRPr lang="en-US"/>
           </a:p>
@@ -6341,7 +6356,7 @@
           <a:p>
             <a:fld id="{96DCDAD2-BF2B-4B23-962D-FA09F549519F}" type="datetimeFigureOut">
               <a:rPr lang="en-US" smtClean="0"/>
-              <a:t>10/6/2019</a:t>
+              <a:t>11/21/19</a:t>
             </a:fld>
             <a:endParaRPr lang="en-US"/>
           </a:p>
@@ -6881,7 +6896,7 @@
           <a:p>
             <a:fld id="{96DCDAD2-BF2B-4B23-962D-FA09F549519F}" type="datetimeFigureOut">
               <a:rPr lang="en-US" smtClean="0"/>
-              <a:t>10/6/2019</a:t>
+              <a:t>11/21/19</a:t>
             </a:fld>
             <a:endParaRPr lang="en-US"/>
           </a:p>
@@ -7162,7 +7177,7 @@
           <a:p>
             <a:fld id="{96DCDAD2-BF2B-4B23-962D-FA09F549519F}" type="datetimeFigureOut">
               <a:rPr lang="en-US" smtClean="0"/>
-              <a:t>10/6/2019</a:t>
+              <a:t>11/21/19</a:t>
             </a:fld>
             <a:endParaRPr lang="en-US"/>
           </a:p>
@@ -7590,7 +7605,7 @@
           <a:p>
             <a:fld id="{96DCDAD2-BF2B-4B23-962D-FA09F549519F}" type="datetimeFigureOut">
               <a:rPr lang="en-US" smtClean="0"/>
-              <a:t>10/6/2019</a:t>
+              <a:t>11/21/19</a:t>
             </a:fld>
             <a:endParaRPr lang="en-US"/>
           </a:p>
@@ -7747,7 +7762,7 @@
           <a:p>
             <a:fld id="{96DCDAD2-BF2B-4B23-962D-FA09F549519F}" type="datetimeFigureOut">
               <a:rPr lang="en-US" smtClean="0"/>
-              <a:t>10/6/2019</a:t>
+              <a:t>11/21/19</a:t>
             </a:fld>
             <a:endParaRPr lang="en-US"/>
           </a:p>
@@ -7876,7 +7891,7 @@
           <a:p>
             <a:fld id="{96DCDAD2-BF2B-4B23-962D-FA09F549519F}" type="datetimeFigureOut">
               <a:rPr lang="en-US" smtClean="0"/>
-              <a:t>10/6/2019</a:t>
+              <a:t>11/21/19</a:t>
             </a:fld>
             <a:endParaRPr lang="en-US"/>
           </a:p>
@@ -8203,7 +8218,7 @@
           <a:p>
             <a:fld id="{96DCDAD2-BF2B-4B23-962D-FA09F549519F}" type="datetimeFigureOut">
               <a:rPr lang="en-US" smtClean="0"/>
-              <a:t>10/6/2019</a:t>
+              <a:t>11/21/19</a:t>
             </a:fld>
             <a:endParaRPr lang="en-US"/>
           </a:p>
@@ -8510,7 +8525,7 @@
           <a:p>
             <a:fld id="{96DCDAD2-BF2B-4B23-962D-FA09F549519F}" type="datetimeFigureOut">
               <a:rPr lang="en-US" smtClean="0"/>
-              <a:t>10/6/2019</a:t>
+              <a:t>11/21/19</a:t>
             </a:fld>
             <a:endParaRPr lang="en-US"/>
           </a:p>
@@ -9458,7 +9473,7 @@
         <p:spPr>
           <a:xfrm>
             <a:off x="6681216" y="1341120"/>
-            <a:ext cx="4474464" cy="3108543"/>
+            <a:ext cx="4474464" cy="2677656"/>
           </a:xfrm>
           <a:prstGeom prst="rect">
             <a:avLst/>
@@ -9494,14 +9509,6 @@
             <a:r>
               <a:rPr lang="en-US" sz="2800" dirty="0" err="1"/>
               <a:t>HerpNet</a:t>
-            </a:r>
-            <a:r>
-              <a:rPr lang="en-US" sz="2800" dirty="0"/>
-              <a:t>/</a:t>
-            </a:r>
-            <a:r>
-              <a:rPr lang="en-US" sz="2800" dirty="0" err="1"/>
-              <a:t>iNaturalist</a:t>
             </a:r>
             <a:r>
               <a:rPr lang="en-US" sz="2800" dirty="0"/>
@@ -13286,7 +13293,7 @@
         </p:nvCxnSpPr>
         <p:spPr>
           <a:xfrm>
-            <a:off x="1446530" y="2311400"/>
+            <a:off x="406400" y="2311400"/>
             <a:ext cx="1016000" cy="0"/>
           </a:xfrm>
           <a:prstGeom prst="line">
@@ -13321,7 +13328,7 @@
         </p:nvCxnSpPr>
         <p:spPr>
           <a:xfrm>
-            <a:off x="1446530" y="3225800"/>
+            <a:off x="406400" y="3225800"/>
             <a:ext cx="1016000" cy="0"/>
           </a:xfrm>
           <a:prstGeom prst="line">
@@ -13356,7 +13363,7 @@
         </p:nvCxnSpPr>
         <p:spPr>
           <a:xfrm>
-            <a:off x="1446530" y="4038600"/>
+            <a:off x="406400" y="4038600"/>
             <a:ext cx="1016000" cy="0"/>
           </a:xfrm>
           <a:prstGeom prst="line">
@@ -13391,7 +13398,7 @@
         </p:nvSpPr>
         <p:spPr>
           <a:xfrm>
-            <a:off x="2475231" y="1598215"/>
+            <a:off x="1435101" y="1598215"/>
             <a:ext cx="1574800" cy="420564"/>
           </a:xfrm>
           <a:prstGeom prst="rect">
@@ -13423,7 +13430,7 @@
         </p:nvSpPr>
         <p:spPr>
           <a:xfrm>
-            <a:off x="2475231" y="4290616"/>
+            <a:off x="1435101" y="4290616"/>
             <a:ext cx="1574801" cy="748795"/>
           </a:xfrm>
           <a:prstGeom prst="rect">
@@ -13455,7 +13462,7 @@
         </p:nvSpPr>
         <p:spPr>
           <a:xfrm>
-            <a:off x="4050031" y="1598216"/>
+            <a:off x="3009901" y="1598216"/>
             <a:ext cx="1574800" cy="420564"/>
           </a:xfrm>
           <a:prstGeom prst="rect">
@@ -13487,7 +13494,7 @@
         </p:nvSpPr>
         <p:spPr>
           <a:xfrm>
-            <a:off x="4050031" y="4399995"/>
+            <a:off x="3009901" y="4399995"/>
             <a:ext cx="1574800" cy="420564"/>
           </a:xfrm>
           <a:prstGeom prst="rect">
@@ -13513,13 +13520,77 @@
       </p:sp>
       <p:sp>
         <p:nvSpPr>
+          <p:cNvPr id="35" name="TextBox 34"/>
+          <p:cNvSpPr txBox="1"/>
+          <p:nvPr/>
+        </p:nvSpPr>
+        <p:spPr>
+          <a:xfrm>
+            <a:off x="4584701" y="1614834"/>
+            <a:ext cx="1574800" cy="420564"/>
+          </a:xfrm>
+          <a:prstGeom prst="rect">
+            <a:avLst/>
+          </a:prstGeom>
+          <a:noFill/>
+        </p:spPr>
+        <p:txBody>
+          <a:bodyPr wrap="square" rtlCol="0">
+            <a:spAutoFit/>
+          </a:bodyPr>
+          <a:lstStyle/>
+          <a:p>
+            <a:pPr algn="ctr"/>
+            <a:r>
+              <a:rPr lang="en-US" sz="2133" dirty="0">
+                <a:latin typeface="Calibri" panose="020F0502020204030204" pitchFamily="34" charset="0"/>
+              </a:rPr>
+              <a:t>More useful</a:t>
+            </a:r>
+          </a:p>
+        </p:txBody>
+      </p:sp>
+      <p:sp>
+        <p:nvSpPr>
+          <p:cNvPr id="36" name="TextBox 35"/>
+          <p:cNvSpPr txBox="1"/>
+          <p:nvPr/>
+        </p:nvSpPr>
+        <p:spPr>
+          <a:xfrm>
+            <a:off x="4546600" y="4399996"/>
+            <a:ext cx="1574800" cy="420564"/>
+          </a:xfrm>
+          <a:prstGeom prst="rect">
+            <a:avLst/>
+          </a:prstGeom>
+          <a:noFill/>
+        </p:spPr>
+        <p:txBody>
+          <a:bodyPr wrap="square" rtlCol="0">
+            <a:spAutoFit/>
+          </a:bodyPr>
+          <a:lstStyle/>
+          <a:p>
+            <a:pPr algn="ctr"/>
+            <a:r>
+              <a:rPr lang="en-US" sz="2133" dirty="0">
+                <a:latin typeface="Calibri" panose="020F0502020204030204" pitchFamily="34" charset="0"/>
+              </a:rPr>
+              <a:t>Less useful</a:t>
+            </a:r>
+          </a:p>
+        </p:txBody>
+      </p:sp>
+      <p:sp>
+        <p:nvSpPr>
           <p:cNvPr id="40" name="Down Arrow 39"/>
           <p:cNvSpPr/>
           <p:nvPr/>
         </p:nvSpPr>
         <p:spPr>
           <a:xfrm>
-            <a:off x="3072131" y="2209801"/>
+            <a:off x="2032001" y="2209801"/>
             <a:ext cx="420852" cy="1943100"/>
           </a:xfrm>
           <a:prstGeom prst="downArrow">
@@ -13577,7 +13648,65 @@
         </p:nvSpPr>
         <p:spPr>
           <a:xfrm>
-            <a:off x="4627005" y="2209799"/>
+            <a:off x="3586875" y="2209799"/>
+            <a:ext cx="420852" cy="1943100"/>
+          </a:xfrm>
+          <a:prstGeom prst="downArrow">
+            <a:avLst/>
+          </a:prstGeom>
+          <a:gradFill flip="none" rotWithShape="1">
+            <a:gsLst>
+              <a:gs pos="0">
+                <a:srgbClr val="0070C0"/>
+              </a:gs>
+              <a:gs pos="55000">
+                <a:srgbClr val="92D050"/>
+              </a:gs>
+              <a:gs pos="100000">
+                <a:srgbClr val="FFC000"/>
+              </a:gs>
+            </a:gsLst>
+            <a:lin ang="5400000" scaled="1"/>
+            <a:tileRect/>
+          </a:gradFill>
+          <a:ln>
+            <a:noFill/>
+          </a:ln>
+        </p:spPr>
+        <p:style>
+          <a:lnRef idx="2">
+            <a:schemeClr val="accent1">
+              <a:shade val="50000"/>
+            </a:schemeClr>
+          </a:lnRef>
+          <a:fillRef idx="1">
+            <a:schemeClr val="accent1"/>
+          </a:fillRef>
+          <a:effectRef idx="0">
+            <a:schemeClr val="accent1"/>
+          </a:effectRef>
+          <a:fontRef idx="minor">
+            <a:schemeClr val="lt1"/>
+          </a:fontRef>
+        </p:style>
+        <p:txBody>
+          <a:bodyPr rtlCol="0" anchor="ctr"/>
+          <a:lstStyle/>
+          <a:p>
+            <a:pPr algn="ctr"/>
+            <a:endParaRPr lang="en-US" sz="2400"/>
+          </a:p>
+        </p:txBody>
+      </p:sp>
+      <p:sp>
+        <p:nvSpPr>
+          <p:cNvPr id="42" name="Down Arrow 41"/>
+          <p:cNvSpPr/>
+          <p:nvPr/>
+        </p:nvSpPr>
+        <p:spPr>
+          <a:xfrm>
+            <a:off x="5123574" y="2254250"/>
             <a:ext cx="420852" cy="1943100"/>
           </a:xfrm>
           <a:prstGeom prst="downArrow">
@@ -14075,6 +14204,138 @@
                             </p:childTnLst>
                           </p:cTn>
                         </p:par>
+                        <p:par>
+                          <p:cTn id="38" fill="hold">
+                            <p:stCondLst>
+                              <p:cond delay="2000"/>
+                            </p:stCondLst>
+                            <p:childTnLst>
+                              <p:par>
+                                <p:cTn id="39" presetID="10" presetClass="entr" presetSubtype="0" fill="hold" grpId="0" nodeType="afterEffect">
+                                  <p:stCondLst>
+                                    <p:cond delay="0"/>
+                                  </p:stCondLst>
+                                  <p:childTnLst>
+                                    <p:set>
+                                      <p:cBhvr>
+                                        <p:cTn id="40" dur="1" fill="hold">
+                                          <p:stCondLst>
+                                            <p:cond delay="0"/>
+                                          </p:stCondLst>
+                                        </p:cTn>
+                                        <p:tgtEl>
+                                          <p:spTgt spid="35"/>
+                                        </p:tgtEl>
+                                        <p:attrNameLst>
+                                          <p:attrName>style.visibility</p:attrName>
+                                        </p:attrNameLst>
+                                      </p:cBhvr>
+                                      <p:to>
+                                        <p:strVal val="visible"/>
+                                      </p:to>
+                                    </p:set>
+                                    <p:animEffect transition="in" filter="fade">
+                                      <p:cBhvr>
+                                        <p:cTn id="41" dur="500"/>
+                                        <p:tgtEl>
+                                          <p:spTgt spid="35"/>
+                                        </p:tgtEl>
+                                      </p:cBhvr>
+                                    </p:animEffect>
+                                  </p:childTnLst>
+                                </p:cTn>
+                              </p:par>
+                            </p:childTnLst>
+                          </p:cTn>
+                        </p:par>
+                        <p:par>
+                          <p:cTn id="42" fill="hold">
+                            <p:stCondLst>
+                              <p:cond delay="2500"/>
+                            </p:stCondLst>
+                            <p:childTnLst>
+                              <p:par>
+                                <p:cTn id="43" presetID="10" presetClass="entr" presetSubtype="0" fill="hold" grpId="0" nodeType="afterEffect">
+                                  <p:stCondLst>
+                                    <p:cond delay="0"/>
+                                  </p:stCondLst>
+                                  <p:childTnLst>
+                                    <p:set>
+                                      <p:cBhvr>
+                                        <p:cTn id="44" dur="1" fill="hold">
+                                          <p:stCondLst>
+                                            <p:cond delay="0"/>
+                                          </p:stCondLst>
+                                        </p:cTn>
+                                        <p:tgtEl>
+                                          <p:spTgt spid="42"/>
+                                        </p:tgtEl>
+                                        <p:attrNameLst>
+                                          <p:attrName>style.visibility</p:attrName>
+                                        </p:attrNameLst>
+                                      </p:cBhvr>
+                                      <p:to>
+                                        <p:strVal val="visible"/>
+                                      </p:to>
+                                    </p:set>
+                                    <p:animEffect transition="in" filter="fade">
+                                      <p:cBhvr>
+                                        <p:cTn id="45" dur="500"/>
+                                        <p:tgtEl>
+                                          <p:spTgt spid="42"/>
+                                        </p:tgtEl>
+                                      </p:cBhvr>
+                                    </p:animEffect>
+                                  </p:childTnLst>
+                                </p:cTn>
+                              </p:par>
+                            </p:childTnLst>
+                          </p:cTn>
+                        </p:par>
+                        <p:par>
+                          <p:cTn id="46" fill="hold">
+                            <p:stCondLst>
+                              <p:cond delay="3000"/>
+                            </p:stCondLst>
+                            <p:childTnLst>
+                              <p:par>
+                                <p:cTn id="47" presetID="10" presetClass="entr" presetSubtype="0" fill="hold" grpId="0" nodeType="afterEffect">
+                                  <p:stCondLst>
+                                    <p:cond delay="0"/>
+                                  </p:stCondLst>
+                                  <p:childTnLst>
+                                    <p:set>
+                                      <p:cBhvr>
+                                        <p:cTn id="48" dur="1" fill="hold">
+                                          <p:stCondLst>
+                                            <p:cond delay="0"/>
+                                          </p:stCondLst>
+                                        </p:cTn>
+                                        <p:tgtEl>
+                                          <p:spTgt spid="36"/>
+                                        </p:tgtEl>
+                                        <p:attrNameLst>
+                                          <p:attrName>style.visibility</p:attrName>
+                                        </p:attrNameLst>
+                                      </p:cBhvr>
+                                      <p:to>
+                                        <p:strVal val="visible"/>
+                                      </p:to>
+                                    </p:set>
+                                    <p:animEffect transition="in" filter="fade">
+                                      <p:cBhvr>
+                                        <p:cTn id="49" dur="500"/>
+                                        <p:tgtEl>
+                                          <p:spTgt spid="36"/>
+                                        </p:tgtEl>
+                                      </p:cBhvr>
+                                    </p:animEffect>
+                                  </p:childTnLst>
+                                </p:cTn>
+                              </p:par>
+                            </p:childTnLst>
+                          </p:cTn>
+                        </p:par>
                       </p:childTnLst>
                     </p:cTn>
                   </p:par>
@@ -14105,8 +14366,11 @@
       <p:bldP spid="32" grpId="0"/>
       <p:bldP spid="33" grpId="0"/>
       <p:bldP spid="34" grpId="0"/>
+      <p:bldP spid="35" grpId="0"/>
+      <p:bldP spid="36" grpId="0"/>
       <p:bldP spid="40" grpId="0" animBg="1"/>
       <p:bldP spid="41" grpId="0" animBg="1"/>
+      <p:bldP spid="42" grpId="0" animBg="1"/>
       <p:bldP spid="21" grpId="0" animBg="1"/>
     </p:bldLst>
   </p:timing>
@@ -20198,7 +20462,7 @@
             </a:pPr>
             <a:r>
               <a:rPr lang="en-US" dirty="0"/>
-              <a:t>Example questions</a:t>
+              <a:t>Example research questions</a:t>
             </a:r>
             <a:endParaRPr lang="en-US" dirty="0">
               <a:solidFill>
@@ -23160,7 +23424,9 @@
           <p:cNvGraphicFramePr>
             <a:graphicFrameLocks noGrp="1"/>
           </p:cNvGraphicFramePr>
-          <p:nvPr/>
+          <p:nvPr>
+            <p:extLst/>
+          </p:nvPr>
         </p:nvGraphicFramePr>
         <p:xfrm>
           <a:off x="1524000" y="1295400"/>
@@ -23698,7 +23964,9 @@
           <p:cNvGraphicFramePr>
             <a:graphicFrameLocks noGrp="1"/>
           </p:cNvGraphicFramePr>
-          <p:nvPr/>
+          <p:nvPr>
+            <p:extLst/>
+          </p:nvPr>
         </p:nvGraphicFramePr>
         <p:xfrm>
           <a:off x="7010401" y="1905000"/>
@@ -24148,7 +24416,9 @@
           <p:cNvGraphicFramePr>
             <a:graphicFrameLocks noGrp="1"/>
           </p:cNvGraphicFramePr>
-          <p:nvPr/>
+          <p:nvPr>
+            <p:extLst/>
+          </p:nvPr>
         </p:nvGraphicFramePr>
         <p:xfrm>
           <a:off x="7010401" y="1906078"/>
@@ -24589,7 +24859,9 @@
           <p:cNvGraphicFramePr>
             <a:graphicFrameLocks noGrp="1"/>
           </p:cNvGraphicFramePr>
-          <p:nvPr/>
+          <p:nvPr>
+            <p:extLst/>
+          </p:nvPr>
         </p:nvGraphicFramePr>
         <p:xfrm>
           <a:off x="7010401" y="1905000"/>
@@ -25048,7 +25320,9 @@
           <p:cNvGraphicFramePr>
             <a:graphicFrameLocks noGrp="1"/>
           </p:cNvGraphicFramePr>
-          <p:nvPr/>
+          <p:nvPr>
+            <p:extLst/>
+          </p:nvPr>
         </p:nvGraphicFramePr>
         <p:xfrm>
           <a:off x="7010401" y="1905000"/>
@@ -27980,7 +28254,7 @@
         </p:nvSpPr>
         <p:spPr>
           <a:xfrm rot="16200000">
-            <a:off x="3556734" y="437670"/>
+            <a:off x="3556732" y="327275"/>
             <a:ext cx="743712" cy="4141667"/>
           </a:xfrm>
           <a:prstGeom prst="rightBrace">
@@ -28598,7 +28872,9 @@
           <p:cNvGraphicFramePr>
             <a:graphicFrameLocks noGrp="1"/>
           </p:cNvGraphicFramePr>
-          <p:nvPr/>
+          <p:nvPr>
+            <p:extLst/>
+          </p:nvPr>
         </p:nvGraphicFramePr>
         <p:xfrm>
           <a:off x="865633" y="2880360"/>
@@ -29017,7 +29293,18 @@
                   <a:schemeClr val="tx1"/>
                 </a:solidFill>
               </a:rPr>
-              <a:t>Each site visited three times, species detected twice at each site</a:t>
+              <a:t>Each site visited three times, </a:t>
+            </a:r>
+          </a:p>
+          <a:p>
+            <a:pPr algn="ctr"/>
+            <a:r>
+              <a:rPr lang="en-US" sz="2400" dirty="0">
+                <a:solidFill>
+                  <a:schemeClr val="tx1"/>
+                </a:solidFill>
+              </a:rPr>
+              <a:t>species detected twice at each site</a:t>
             </a:r>
           </a:p>
         </p:txBody>
@@ -29036,7 +29323,7 @@
         </p:nvSpPr>
         <p:spPr>
           <a:xfrm rot="16200000">
-            <a:off x="3556734" y="437670"/>
+            <a:off x="3556734" y="313280"/>
             <a:ext cx="743712" cy="4141667"/>
           </a:xfrm>
           <a:prstGeom prst="rightBrace">
@@ -29373,11 +29660,46 @@
           <a:p>
             <a:r>
               <a:rPr lang="en-US" sz="2800" dirty="0"/>
-              <a:t>Probability the species is </a:t>
+              <a:t>Probability the species is not detected if present:</a:t>
+            </a:r>
+          </a:p>
+        </p:txBody>
+      </p:sp>
+      <p:sp>
+        <p:nvSpPr>
+          <p:cNvPr id="20" name="TextBox 19">
+            <a:extLst>
+              <a:ext uri="{FF2B5EF4-FFF2-40B4-BE49-F238E27FC236}">
+                <a16:creationId xmlns:a16="http://schemas.microsoft.com/office/drawing/2014/main" id="{EF36BF50-2053-4847-9FF5-5FCF75364236}"/>
+              </a:ext>
+            </a:extLst>
+          </p:cNvPr>
+          <p:cNvSpPr txBox="1"/>
+          <p:nvPr/>
+        </p:nvSpPr>
+        <p:spPr>
+          <a:xfrm>
+            <a:off x="6291072" y="3804871"/>
+            <a:ext cx="5754624" cy="954107"/>
+          </a:xfrm>
+          <a:prstGeom prst="rect">
+            <a:avLst/>
+          </a:prstGeom>
+          <a:noFill/>
+        </p:spPr>
+        <p:txBody>
+          <a:bodyPr wrap="square" rtlCol="0">
+            <a:spAutoFit/>
+          </a:bodyPr>
+          <a:lstStyle/>
+          <a:p>
+            <a:r>
+              <a:rPr lang="en-US" sz="2800" dirty="0"/>
+              <a:t>Probability the species is not detected </a:t>
             </a:r>
             <a:r>
               <a:rPr lang="en-US" sz="2800" b="1" dirty="0"/>
-              <a:t>not detected </a:t>
+              <a:t>three times </a:t>
             </a:r>
             <a:r>
               <a:rPr lang="en-US" sz="2800" dirty="0"/>
@@ -29386,6 +29708,102 @@
           </a:p>
         </p:txBody>
       </p:sp>
+      <mc:AlternateContent xmlns:mc="http://schemas.openxmlformats.org/markup-compatibility/2006" xmlns:a14="http://schemas.microsoft.com/office/drawing/2010/main">
+        <mc:Choice Requires="a14">
+          <p:sp>
+            <p:nvSpPr>
+              <p:cNvPr id="23" name="TextBox 22">
+                <a:extLst>
+                  <a:ext uri="{FF2B5EF4-FFF2-40B4-BE49-F238E27FC236}">
+                    <a16:creationId xmlns:a16="http://schemas.microsoft.com/office/drawing/2014/main" id="{5DFD8137-F692-4848-8A93-4859C3EF9D78}"/>
+                  </a:ext>
+                </a:extLst>
+              </p:cNvPr>
+              <p:cNvSpPr txBox="1"/>
+              <p:nvPr/>
+            </p:nvSpPr>
+            <p:spPr>
+              <a:xfrm>
+                <a:off x="7040655" y="4934890"/>
+                <a:ext cx="4460773" cy="492443"/>
+              </a:xfrm>
+              <a:prstGeom prst="rect">
+                <a:avLst/>
+              </a:prstGeom>
+              <a:noFill/>
+            </p:spPr>
+            <p:txBody>
+              <a:bodyPr wrap="none" lIns="0" tIns="0" rIns="0" bIns="0" rtlCol="0">
+                <a:spAutoFit/>
+              </a:bodyPr>
+              <a:lstStyle/>
+              <a:p>
+                <a:pPr/>
+                <a14:m>
+                  <m:oMathPara xmlns:m="http://schemas.openxmlformats.org/officeDocument/2006/math">
+                    <m:oMathParaPr>
+                      <m:jc m:val="centerGroup"/>
+                    </m:oMathParaPr>
+                    <m:oMath xmlns:m="http://schemas.openxmlformats.org/officeDocument/2006/math">
+                      <m:r>
+                        <a:rPr lang="en-US" sz="3200" b="0" i="1" smtClean="0">
+                          <a:latin typeface="Cambria Math" panose="02040503050406030204" pitchFamily="18" charset="0"/>
+                        </a:rPr>
+                        <m:t>0.33∗0.33∗0.33=0.04</m:t>
+                      </m:r>
+                    </m:oMath>
+                  </m:oMathPara>
+                </a14:m>
+                <a:endParaRPr lang="en-US" sz="3200" dirty="0"/>
+              </a:p>
+            </p:txBody>
+          </p:sp>
+        </mc:Choice>
+        <mc:Fallback xmlns="">
+          <p:sp>
+            <p:nvSpPr>
+              <p:cNvPr id="23" name="TextBox 22">
+                <a:extLst>
+                  <a:ext uri="{FF2B5EF4-FFF2-40B4-BE49-F238E27FC236}">
+                    <a16:creationId xmlns:a16="http://schemas.microsoft.com/office/drawing/2014/main" id="{5DFD8137-F692-4848-8A93-4859C3EF9D78}"/>
+                  </a:ext>
+                </a:extLst>
+              </p:cNvPr>
+              <p:cNvSpPr txBox="1">
+                <a:spLocks noRot="1" noChangeAspect="1" noMove="1" noResize="1" noEditPoints="1" noAdjustHandles="1" noChangeArrowheads="1" noChangeShapeType="1" noTextEdit="1"/>
+              </p:cNvSpPr>
+              <p:nvPr/>
+            </p:nvSpPr>
+            <p:spPr>
+              <a:xfrm>
+                <a:off x="7040655" y="4934890"/>
+                <a:ext cx="4460773" cy="492443"/>
+              </a:xfrm>
+              <a:prstGeom prst="rect">
+                <a:avLst/>
+              </a:prstGeom>
+              <a:blipFill>
+                <a:blip r:embed="rId5"/>
+                <a:stretch>
+                  <a:fillRect/>
+                </a:stretch>
+              </a:blipFill>
+            </p:spPr>
+            <p:txBody>
+              <a:bodyPr/>
+              <a:lstStyle/>
+              <a:p>
+                <a:r>
+                  <a:rPr lang="en-US">
+                    <a:noFill/>
+                  </a:rPr>
+                  <a:t> </a:t>
+                </a:r>
+              </a:p>
+            </p:txBody>
+          </p:sp>
+        </mc:Fallback>
+      </mc:AlternateContent>
     </p:spTree>
     <p:extLst>
       <p:ext uri="{BB962C8B-B14F-4D97-AF65-F5344CB8AC3E}">
@@ -30787,7 +31205,9 @@
           <p:cNvGraphicFramePr>
             <a:graphicFrameLocks noGrp="1"/>
           </p:cNvGraphicFramePr>
-          <p:nvPr/>
+          <p:nvPr>
+            <p:extLst/>
+          </p:nvPr>
         </p:nvGraphicFramePr>
         <p:xfrm>
           <a:off x="2605697" y="2450068"/>
@@ -33155,8 +33575,8 @@
           </p:nvSpPr>
           <p:spPr>
             <a:xfrm>
-              <a:off x="4089400" y="3604151"/>
-              <a:ext cx="1193799" cy="461665"/>
+              <a:off x="4574309" y="3639126"/>
+              <a:ext cx="406400" cy="461665"/>
             </a:xfrm>
             <a:prstGeom prst="rect">
               <a:avLst/>
@@ -33169,10 +33589,9 @@
             </a:bodyPr>
             <a:lstStyle/>
             <a:p>
-              <a:pPr algn="ctr"/>
               <a:r>
                 <a:rPr lang="en-US" sz="2400" dirty="0"/>
-                <a:t>1 - E</a:t>
+                <a:t>P</a:t>
               </a:r>
             </a:p>
           </p:txBody>
@@ -33620,8 +34039,8 @@
           </p:nvSpPr>
           <p:spPr>
             <a:xfrm>
-              <a:off x="7315028" y="2717303"/>
-              <a:ext cx="910128" cy="461665"/>
+              <a:off x="7416800" y="2740967"/>
+              <a:ext cx="406400" cy="461665"/>
             </a:xfrm>
             <a:prstGeom prst="rect">
               <a:avLst/>
@@ -33636,7 +34055,7 @@
             <a:p>
               <a:r>
                 <a:rPr lang="en-US" sz="2400" dirty="0"/>
-                <a:t>1 - E</a:t>
+                <a:t>P</a:t>
               </a:r>
             </a:p>
           </p:txBody>
@@ -34808,10 +35227,10 @@
       </p:graphicFrame>
       <p:sp>
         <p:nvSpPr>
-          <p:cNvPr id="34" name="Rectangle 33">
+          <p:cNvPr id="6" name="Rectangle 5">
             <a:extLst>
               <a:ext uri="{FF2B5EF4-FFF2-40B4-BE49-F238E27FC236}">
-                <a16:creationId xmlns:a16="http://schemas.microsoft.com/office/drawing/2014/main" id="{C8E00377-9A07-47D3-9547-15717DC23831}"/>
+                <a16:creationId xmlns:a16="http://schemas.microsoft.com/office/drawing/2014/main" id="{5843A962-3601-45C7-8F0D-5F8D098D9013}"/>
               </a:ext>
             </a:extLst>
           </p:cNvPr>
@@ -34820,8 +35239,8 @@
         </p:nvSpPr>
         <p:spPr>
           <a:xfrm>
-            <a:off x="4880610" y="1719072"/>
-            <a:ext cx="2995424" cy="353568"/>
+            <a:off x="1962912" y="1719072"/>
+            <a:ext cx="2353056" cy="353568"/>
           </a:xfrm>
           <a:prstGeom prst="rect">
             <a:avLst/>
@@ -34857,10 +35276,10 @@
       </p:sp>
       <p:sp>
         <p:nvSpPr>
-          <p:cNvPr id="7" name="Rectangle 6">
+          <p:cNvPr id="34" name="Rectangle 33">
             <a:extLst>
               <a:ext uri="{FF2B5EF4-FFF2-40B4-BE49-F238E27FC236}">
-                <a16:creationId xmlns:a16="http://schemas.microsoft.com/office/drawing/2014/main" id="{28B10761-0372-4021-950F-00962E1F8FCF}"/>
+                <a16:creationId xmlns:a16="http://schemas.microsoft.com/office/drawing/2014/main" id="{C8E00377-9A07-47D3-9547-15717DC23831}"/>
               </a:ext>
             </a:extLst>
           </p:cNvPr>
@@ -34869,8 +35288,8 @@
         </p:nvSpPr>
         <p:spPr>
           <a:xfrm>
-            <a:off x="8153400" y="1690795"/>
-            <a:ext cx="2995424" cy="353568"/>
+            <a:off x="5248656" y="1719072"/>
+            <a:ext cx="2353056" cy="353568"/>
           </a:xfrm>
           <a:prstGeom prst="rect">
             <a:avLst/>
@@ -34906,10 +35325,10 @@
       </p:sp>
       <p:sp>
         <p:nvSpPr>
-          <p:cNvPr id="8" name="Rectangle 7">
+          <p:cNvPr id="35" name="Rectangle 34">
             <a:extLst>
               <a:ext uri="{FF2B5EF4-FFF2-40B4-BE49-F238E27FC236}">
-                <a16:creationId xmlns:a16="http://schemas.microsoft.com/office/drawing/2014/main" id="{A50595AB-972F-4B36-8B3E-D49AC058A732}"/>
+                <a16:creationId xmlns:a16="http://schemas.microsoft.com/office/drawing/2014/main" id="{8DB0A23A-D75F-4562-8EF6-55CAF8E66BE8}"/>
               </a:ext>
             </a:extLst>
           </p:cNvPr>
@@ -34918,8 +35337,8 @@
         </p:nvSpPr>
         <p:spPr>
           <a:xfrm>
-            <a:off x="1607820" y="1690795"/>
-            <a:ext cx="2995424" cy="353568"/>
+            <a:off x="8442960" y="1719072"/>
+            <a:ext cx="2353056" cy="353568"/>
           </a:xfrm>
           <a:prstGeom prst="rect">
             <a:avLst/>
